--- a/2023-2024/Wyk/Wyklad1.pptx
+++ b/2023-2024/Wyk/Wyklad1.pptx
@@ -5,43 +5,33 @@
     <p:sldMasterId id="2147483696" r:id="rId1"/>
   </p:sldMasterIdLst>
   <p:notesMasterIdLst>
-    <p:notesMasterId r:id="rId33"/>
+    <p:notesMasterId r:id="rId23"/>
   </p:notesMasterIdLst>
   <p:handoutMasterIdLst>
-    <p:handoutMasterId r:id="rId34"/>
+    <p:handoutMasterId r:id="rId24"/>
   </p:handoutMasterIdLst>
   <p:sldIdLst>
     <p:sldId id="346" r:id="rId2"/>
-    <p:sldId id="503" r:id="rId3"/>
-    <p:sldId id="512" r:id="rId4"/>
-    <p:sldId id="504" r:id="rId5"/>
-    <p:sldId id="505" r:id="rId6"/>
-    <p:sldId id="506" r:id="rId7"/>
-    <p:sldId id="507" r:id="rId8"/>
-    <p:sldId id="508" r:id="rId9"/>
-    <p:sldId id="509" r:id="rId10"/>
-    <p:sldId id="510" r:id="rId11"/>
-    <p:sldId id="511" r:id="rId12"/>
-    <p:sldId id="529" r:id="rId13"/>
-    <p:sldId id="513" r:id="rId14"/>
-    <p:sldId id="514" r:id="rId15"/>
-    <p:sldId id="515" r:id="rId16"/>
-    <p:sldId id="516" r:id="rId17"/>
-    <p:sldId id="517" r:id="rId18"/>
-    <p:sldId id="530" r:id="rId19"/>
-    <p:sldId id="518" r:id="rId20"/>
-    <p:sldId id="519" r:id="rId21"/>
-    <p:sldId id="520" r:id="rId22"/>
-    <p:sldId id="522" r:id="rId23"/>
-    <p:sldId id="524" r:id="rId24"/>
-    <p:sldId id="523" r:id="rId25"/>
-    <p:sldId id="531" r:id="rId26"/>
-    <p:sldId id="525" r:id="rId27"/>
-    <p:sldId id="526" r:id="rId28"/>
-    <p:sldId id="527" r:id="rId29"/>
-    <p:sldId id="528" r:id="rId30"/>
-    <p:sldId id="533" r:id="rId31"/>
-    <p:sldId id="534" r:id="rId32"/>
+    <p:sldId id="529" r:id="rId3"/>
+    <p:sldId id="513" r:id="rId4"/>
+    <p:sldId id="514" r:id="rId5"/>
+    <p:sldId id="515" r:id="rId6"/>
+    <p:sldId id="516" r:id="rId7"/>
+    <p:sldId id="517" r:id="rId8"/>
+    <p:sldId id="530" r:id="rId9"/>
+    <p:sldId id="518" r:id="rId10"/>
+    <p:sldId id="519" r:id="rId11"/>
+    <p:sldId id="520" r:id="rId12"/>
+    <p:sldId id="522" r:id="rId13"/>
+    <p:sldId id="524" r:id="rId14"/>
+    <p:sldId id="523" r:id="rId15"/>
+    <p:sldId id="531" r:id="rId16"/>
+    <p:sldId id="525" r:id="rId17"/>
+    <p:sldId id="526" r:id="rId18"/>
+    <p:sldId id="527" r:id="rId19"/>
+    <p:sldId id="528" r:id="rId20"/>
+    <p:sldId id="533" r:id="rId21"/>
+    <p:sldId id="534" r:id="rId22"/>
   </p:sldIdLst>
   <p:sldSz cx="9144000" cy="6858000" type="screen4x3"/>
   <p:notesSz cx="6858000" cy="9144000"/>
@@ -302,7 +292,7 @@
           <a:p>
             <a:fld id="{5113504E-0C99-2340-A5F6-DD6E1A87C372}" type="datetimeFigureOut">
               <a:rPr lang="pl-PL" smtClean="0"/>
-              <a:t>21.02.2023</a:t>
+              <a:t>24.03.2023</a:t>
             </a:fld>
             <a:endParaRPr lang="pl-PL"/>
           </a:p>
@@ -468,7 +458,7 @@
           <a:p>
             <a:fld id="{F78C933E-44E9-2D43-91B0-0D2BEEFA7EB9}" type="datetimeFigureOut">
               <a:rPr lang="pl-PL" smtClean="0"/>
-              <a:t>21.02.2023</a:t>
+              <a:t>24.03.2023</a:t>
             </a:fld>
             <a:endParaRPr lang="pl-PL"/>
           </a:p>
@@ -897,7 +887,7 @@
     </p:spTree>
     <p:extLst>
       <p:ext uri="{BB962C8B-B14F-4D97-AF65-F5344CB8AC3E}">
-        <p14:creationId xmlns:p14="http://schemas.microsoft.com/office/powerpoint/2010/main" val="861454849"/>
+        <p14:creationId xmlns:p14="http://schemas.microsoft.com/office/powerpoint/2010/main" val="999574385"/>
       </p:ext>
     </p:extLst>
   </p:cSld>
@@ -984,7 +974,7 @@
     </p:spTree>
     <p:extLst>
       <p:ext uri="{BB962C8B-B14F-4D97-AF65-F5344CB8AC3E}">
-        <p14:creationId xmlns:p14="http://schemas.microsoft.com/office/powerpoint/2010/main" val="816027798"/>
+        <p14:creationId xmlns:p14="http://schemas.microsoft.com/office/powerpoint/2010/main" val="2524349922"/>
       </p:ext>
     </p:extLst>
   </p:cSld>
@@ -1033,12 +1023,15 @@
             <p:ph type="body" idx="1"/>
           </p:nvPr>
         </p:nvSpPr>
-        <p:spPr bwMode="auto"/>
+        <p:spPr/>
         <p:txBody>
           <a:bodyPr/>
           <a:lstStyle/>
           <a:p>
-            <a:endParaRPr lang="pl-PL" dirty="0"/>
+            <a:pPr rtl="0"/>
+            <a:endParaRPr lang="pl-PL" dirty="0">
+              <a:effectLst/>
+            </a:endParaRPr>
           </a:p>
         </p:txBody>
       </p:sp>
@@ -1068,7 +1061,7 @@
     </p:spTree>
     <p:extLst>
       <p:ext uri="{BB962C8B-B14F-4D97-AF65-F5344CB8AC3E}">
-        <p14:creationId xmlns:p14="http://schemas.microsoft.com/office/powerpoint/2010/main" val="2204113546"/>
+        <p14:creationId xmlns:p14="http://schemas.microsoft.com/office/powerpoint/2010/main" val="1574357408"/>
       </p:ext>
     </p:extLst>
   </p:cSld>
@@ -1155,7 +1148,7 @@
     </p:spTree>
     <p:extLst>
       <p:ext uri="{BB962C8B-B14F-4D97-AF65-F5344CB8AC3E}">
-        <p14:creationId xmlns:p14="http://schemas.microsoft.com/office/powerpoint/2010/main" val="2568733764"/>
+        <p14:creationId xmlns:p14="http://schemas.microsoft.com/office/powerpoint/2010/main" val="3160030625"/>
       </p:ext>
     </p:extLst>
   </p:cSld>
@@ -1242,7 +1235,7 @@
     </p:spTree>
     <p:extLst>
       <p:ext uri="{BB962C8B-B14F-4D97-AF65-F5344CB8AC3E}">
-        <p14:creationId xmlns:p14="http://schemas.microsoft.com/office/powerpoint/2010/main" val="1922192466"/>
+        <p14:creationId xmlns:p14="http://schemas.microsoft.com/office/powerpoint/2010/main" val="663072683"/>
       </p:ext>
     </p:extLst>
   </p:cSld>
@@ -1291,15 +1284,12 @@
             <p:ph type="body" idx="1"/>
           </p:nvPr>
         </p:nvSpPr>
-        <p:spPr/>
+        <p:spPr bwMode="auto"/>
         <p:txBody>
           <a:bodyPr/>
           <a:lstStyle/>
           <a:p>
-            <a:pPr rtl="0"/>
-            <a:endParaRPr lang="pl-PL" dirty="0">
-              <a:effectLst/>
-            </a:endParaRPr>
+            <a:endParaRPr lang="pl-PL" dirty="0"/>
           </a:p>
         </p:txBody>
       </p:sp>
@@ -1329,7 +1319,7 @@
     </p:spTree>
     <p:extLst>
       <p:ext uri="{BB962C8B-B14F-4D97-AF65-F5344CB8AC3E}">
-        <p14:creationId xmlns:p14="http://schemas.microsoft.com/office/powerpoint/2010/main" val="1119306457"/>
+        <p14:creationId xmlns:p14="http://schemas.microsoft.com/office/powerpoint/2010/main" val="3036623439"/>
       </p:ext>
     </p:extLst>
   </p:cSld>
@@ -1416,7 +1406,7 @@
     </p:spTree>
     <p:extLst>
       <p:ext uri="{BB962C8B-B14F-4D97-AF65-F5344CB8AC3E}">
-        <p14:creationId xmlns:p14="http://schemas.microsoft.com/office/powerpoint/2010/main" val="916039483"/>
+        <p14:creationId xmlns:p14="http://schemas.microsoft.com/office/powerpoint/2010/main" val="3480557471"/>
       </p:ext>
     </p:extLst>
   </p:cSld>
@@ -1503,7 +1493,7 @@
     </p:spTree>
     <p:extLst>
       <p:ext uri="{BB962C8B-B14F-4D97-AF65-F5344CB8AC3E}">
-        <p14:creationId xmlns:p14="http://schemas.microsoft.com/office/powerpoint/2010/main" val="2019522785"/>
+        <p14:creationId xmlns:p14="http://schemas.microsoft.com/office/powerpoint/2010/main" val="378938099"/>
       </p:ext>
     </p:extLst>
   </p:cSld>
@@ -1552,12 +1542,15 @@
             <p:ph type="body" idx="1"/>
           </p:nvPr>
         </p:nvSpPr>
-        <p:spPr bwMode="auto"/>
+        <p:spPr/>
         <p:txBody>
           <a:bodyPr/>
           <a:lstStyle/>
           <a:p>
-            <a:endParaRPr lang="pl-PL" dirty="0"/>
+            <a:pPr rtl="0"/>
+            <a:endParaRPr lang="pl-PL" dirty="0">
+              <a:effectLst/>
+            </a:endParaRPr>
           </a:p>
         </p:txBody>
       </p:sp>
@@ -1587,7 +1580,7 @@
     </p:spTree>
     <p:extLst>
       <p:ext uri="{BB962C8B-B14F-4D97-AF65-F5344CB8AC3E}">
-        <p14:creationId xmlns:p14="http://schemas.microsoft.com/office/powerpoint/2010/main" val="1221358304"/>
+        <p14:creationId xmlns:p14="http://schemas.microsoft.com/office/powerpoint/2010/main" val="2588991464"/>
       </p:ext>
     </p:extLst>
   </p:cSld>
@@ -1642,6 +1635,18 @@
           <a:lstStyle/>
           <a:p>
             <a:pPr rtl="0"/>
+            <a:r>
+              <a:rPr lang="pl-PL" dirty="0"/>
+              <a:t>Najprostsze aplikacje Java są jednowątkowe. Program wywołuje metody w sposób synchroniczny, czekając na wynik. Po zakończeniu wykonywania metody, następuje powrót zgodnie z aktualną wartością wskaźnika stosu i program jest kontynuowany. • Aplikacje działające pod kontrolą systemu Android składają się z wielu niezależnych lecz często pozostające w kooperacji aktywności. Każda aktywność działa w ramach swojego wątku, a jedna z nich określana jest mianem aktywności głównej. Android wykorzystuje metodę </a:t>
+            </a:r>
+            <a:r>
+              <a:rPr lang="pl-PL" dirty="0" err="1"/>
+              <a:t>startActivity</a:t>
+            </a:r>
+            <a:r>
+              <a:rPr lang="pl-PL" dirty="0"/>
+              <a:t>(Intent) by uruchomić aktywność, która staje się aktywna i potencjalnie widoczna dla użytkownika, jednakże obiekt wywołujący cały czas znajduje się w obrębie swojego wątku. Następny przykład prezentuje proces komunikacji wewnątrz-procesowej wykorzystywanej w systemie Android w postaci aplikacji składającej się z wielu współpracujących aktywności. Prezentuje sposób wywołania, dostarczania danych oraz pobierania rezultatów działania. </a:t>
+            </a:r>
             <a:endParaRPr lang="pl-PL" dirty="0">
               <a:effectLst/>
             </a:endParaRPr>
@@ -1674,7 +1679,7 @@
     </p:spTree>
     <p:extLst>
       <p:ext uri="{BB962C8B-B14F-4D97-AF65-F5344CB8AC3E}">
-        <p14:creationId xmlns:p14="http://schemas.microsoft.com/office/powerpoint/2010/main" val="1700460633"/>
+        <p14:creationId xmlns:p14="http://schemas.microsoft.com/office/powerpoint/2010/main" val="4128737339"/>
       </p:ext>
     </p:extLst>
   </p:cSld>
@@ -1723,15 +1728,12 @@
             <p:ph type="body" idx="1"/>
           </p:nvPr>
         </p:nvSpPr>
-        <p:spPr/>
+        <p:spPr bwMode="auto"/>
         <p:txBody>
           <a:bodyPr/>
           <a:lstStyle/>
           <a:p>
-            <a:pPr rtl="0"/>
-            <a:endParaRPr lang="pl-PL" dirty="0">
-              <a:effectLst/>
-            </a:endParaRPr>
+            <a:endParaRPr lang="pl-PL" dirty="0"/>
           </a:p>
         </p:txBody>
       </p:sp>
@@ -1761,7 +1763,7 @@
     </p:spTree>
     <p:extLst>
       <p:ext uri="{BB962C8B-B14F-4D97-AF65-F5344CB8AC3E}">
-        <p14:creationId xmlns:p14="http://schemas.microsoft.com/office/powerpoint/2010/main" val="3473981838"/>
+        <p14:creationId xmlns:p14="http://schemas.microsoft.com/office/powerpoint/2010/main" val="2204113546"/>
       </p:ext>
     </p:extLst>
   </p:cSld>
@@ -1810,15 +1812,12 @@
             <p:ph type="body" idx="1"/>
           </p:nvPr>
         </p:nvSpPr>
-        <p:spPr/>
+        <p:spPr bwMode="auto"/>
         <p:txBody>
           <a:bodyPr/>
           <a:lstStyle/>
           <a:p>
-            <a:pPr rtl="0"/>
-            <a:endParaRPr lang="pl-PL" dirty="0">
-              <a:effectLst/>
-            </a:endParaRPr>
+            <a:endParaRPr lang="pl-PL" dirty="0"/>
           </a:p>
         </p:txBody>
       </p:sp>
@@ -1848,7 +1847,7 @@
     </p:spTree>
     <p:extLst>
       <p:ext uri="{BB962C8B-B14F-4D97-AF65-F5344CB8AC3E}">
-        <p14:creationId xmlns:p14="http://schemas.microsoft.com/office/powerpoint/2010/main" val="999574385"/>
+        <p14:creationId xmlns:p14="http://schemas.microsoft.com/office/powerpoint/2010/main" val="4111707598"/>
       </p:ext>
     </p:extLst>
   </p:cSld>
@@ -1935,712 +1934,7 @@
     </p:spTree>
     <p:extLst>
       <p:ext uri="{BB962C8B-B14F-4D97-AF65-F5344CB8AC3E}">
-        <p14:creationId xmlns:p14="http://schemas.microsoft.com/office/powerpoint/2010/main" val="2524349922"/>
-      </p:ext>
-    </p:extLst>
-  </p:cSld>
-  <p:clrMapOvr>
-    <a:masterClrMapping/>
-  </p:clrMapOvr>
-</p:notes>
-</file>
-
-<file path=ppt/notesSlides/notesSlide22.xml><?xml version="1.0" encoding="utf-8"?>
-<p:notes xmlns:a="http://schemas.openxmlformats.org/drawingml/2006/main" xmlns:r="http://schemas.openxmlformats.org/officeDocument/2006/relationships" xmlns:p="http://schemas.openxmlformats.org/presentationml/2006/main">
-  <p:cSld>
-    <p:spTree>
-      <p:nvGrpSpPr>
-        <p:cNvPr id="1" name=""/>
-        <p:cNvGrpSpPr/>
-        <p:nvPr/>
-      </p:nvGrpSpPr>
-      <p:grpSpPr>
-        <a:xfrm>
-          <a:off x="0" y="0"/>
-          <a:ext cx="0" cy="0"/>
-          <a:chOff x="0" y="0"/>
-          <a:chExt cx="0" cy="0"/>
-        </a:xfrm>
-      </p:grpSpPr>
-      <p:sp>
-        <p:nvSpPr>
-          <p:cNvPr id="2" name="Slide Image Placeholder 1"/>
-          <p:cNvSpPr>
-            <a:spLocks noGrp="1" noRot="1" noChangeAspect="1"/>
-          </p:cNvSpPr>
-          <p:nvPr>
-            <p:ph type="sldImg"/>
-          </p:nvPr>
-        </p:nvSpPr>
-        <p:spPr/>
-      </p:sp>
-      <p:sp>
-        <p:nvSpPr>
-          <p:cNvPr id="3" name="Notes Placeholder 2"/>
-          <p:cNvSpPr>
-            <a:spLocks noGrp="1"/>
-          </p:cNvSpPr>
-          <p:nvPr>
-            <p:ph type="body" idx="1"/>
-          </p:nvPr>
-        </p:nvSpPr>
-        <p:spPr/>
-        <p:txBody>
-          <a:bodyPr/>
-          <a:lstStyle/>
-          <a:p>
-            <a:pPr rtl="0"/>
-            <a:endParaRPr lang="pl-PL" dirty="0">
-              <a:effectLst/>
-            </a:endParaRPr>
-          </a:p>
-        </p:txBody>
-      </p:sp>
-      <p:sp>
-        <p:nvSpPr>
-          <p:cNvPr id="4" name="Slide Number Placeholder 3"/>
-          <p:cNvSpPr>
-            <a:spLocks noGrp="1"/>
-          </p:cNvSpPr>
-          <p:nvPr>
-            <p:ph type="sldNum" sz="quarter" idx="10"/>
-          </p:nvPr>
-        </p:nvSpPr>
-        <p:spPr/>
-        <p:txBody>
-          <a:bodyPr/>
-          <a:lstStyle/>
-          <a:p>
-            <a:fld id="{79CE77F9-1A7F-B148-A0AA-5828300D10BC}" type="slidenum">
-              <a:rPr lang="pl-PL" smtClean="0"/>
-              <a:t>22</a:t>
-            </a:fld>
-            <a:endParaRPr lang="pl-PL"/>
-          </a:p>
-        </p:txBody>
-      </p:sp>
-    </p:spTree>
-    <p:extLst>
-      <p:ext uri="{BB962C8B-B14F-4D97-AF65-F5344CB8AC3E}">
-        <p14:creationId xmlns:p14="http://schemas.microsoft.com/office/powerpoint/2010/main" val="1574357408"/>
-      </p:ext>
-    </p:extLst>
-  </p:cSld>
-  <p:clrMapOvr>
-    <a:masterClrMapping/>
-  </p:clrMapOvr>
-</p:notes>
-</file>
-
-<file path=ppt/notesSlides/notesSlide23.xml><?xml version="1.0" encoding="utf-8"?>
-<p:notes xmlns:a="http://schemas.openxmlformats.org/drawingml/2006/main" xmlns:r="http://schemas.openxmlformats.org/officeDocument/2006/relationships" xmlns:p="http://schemas.openxmlformats.org/presentationml/2006/main">
-  <p:cSld>
-    <p:spTree>
-      <p:nvGrpSpPr>
-        <p:cNvPr id="1" name=""/>
-        <p:cNvGrpSpPr/>
-        <p:nvPr/>
-      </p:nvGrpSpPr>
-      <p:grpSpPr>
-        <a:xfrm>
-          <a:off x="0" y="0"/>
-          <a:ext cx="0" cy="0"/>
-          <a:chOff x="0" y="0"/>
-          <a:chExt cx="0" cy="0"/>
-        </a:xfrm>
-      </p:grpSpPr>
-      <p:sp>
-        <p:nvSpPr>
-          <p:cNvPr id="2" name="Slide Image Placeholder 1"/>
-          <p:cNvSpPr>
-            <a:spLocks noGrp="1" noRot="1" noChangeAspect="1"/>
-          </p:cNvSpPr>
-          <p:nvPr>
-            <p:ph type="sldImg"/>
-          </p:nvPr>
-        </p:nvSpPr>
-        <p:spPr/>
-      </p:sp>
-      <p:sp>
-        <p:nvSpPr>
-          <p:cNvPr id="3" name="Notes Placeholder 2"/>
-          <p:cNvSpPr>
-            <a:spLocks noGrp="1"/>
-          </p:cNvSpPr>
-          <p:nvPr>
-            <p:ph type="body" idx="1"/>
-          </p:nvPr>
-        </p:nvSpPr>
-        <p:spPr/>
-        <p:txBody>
-          <a:bodyPr/>
-          <a:lstStyle/>
-          <a:p>
-            <a:pPr rtl="0"/>
-            <a:endParaRPr lang="pl-PL" dirty="0">
-              <a:effectLst/>
-            </a:endParaRPr>
-          </a:p>
-        </p:txBody>
-      </p:sp>
-      <p:sp>
-        <p:nvSpPr>
-          <p:cNvPr id="4" name="Slide Number Placeholder 3"/>
-          <p:cNvSpPr>
-            <a:spLocks noGrp="1"/>
-          </p:cNvSpPr>
-          <p:nvPr>
-            <p:ph type="sldNum" sz="quarter" idx="10"/>
-          </p:nvPr>
-        </p:nvSpPr>
-        <p:spPr/>
-        <p:txBody>
-          <a:bodyPr/>
-          <a:lstStyle/>
-          <a:p>
-            <a:fld id="{79CE77F9-1A7F-B148-A0AA-5828300D10BC}" type="slidenum">
-              <a:rPr lang="pl-PL" smtClean="0"/>
-              <a:t>23</a:t>
-            </a:fld>
-            <a:endParaRPr lang="pl-PL"/>
-          </a:p>
-        </p:txBody>
-      </p:sp>
-    </p:spTree>
-    <p:extLst>
-      <p:ext uri="{BB962C8B-B14F-4D97-AF65-F5344CB8AC3E}">
-        <p14:creationId xmlns:p14="http://schemas.microsoft.com/office/powerpoint/2010/main" val="3160030625"/>
-      </p:ext>
-    </p:extLst>
-  </p:cSld>
-  <p:clrMapOvr>
-    <a:masterClrMapping/>
-  </p:clrMapOvr>
-</p:notes>
-</file>
-
-<file path=ppt/notesSlides/notesSlide24.xml><?xml version="1.0" encoding="utf-8"?>
-<p:notes xmlns:a="http://schemas.openxmlformats.org/drawingml/2006/main" xmlns:r="http://schemas.openxmlformats.org/officeDocument/2006/relationships" xmlns:p="http://schemas.openxmlformats.org/presentationml/2006/main">
-  <p:cSld>
-    <p:spTree>
-      <p:nvGrpSpPr>
-        <p:cNvPr id="1" name=""/>
-        <p:cNvGrpSpPr/>
-        <p:nvPr/>
-      </p:nvGrpSpPr>
-      <p:grpSpPr>
-        <a:xfrm>
-          <a:off x="0" y="0"/>
-          <a:ext cx="0" cy="0"/>
-          <a:chOff x="0" y="0"/>
-          <a:chExt cx="0" cy="0"/>
-        </a:xfrm>
-      </p:grpSpPr>
-      <p:sp>
-        <p:nvSpPr>
-          <p:cNvPr id="2" name="Slide Image Placeholder 1"/>
-          <p:cNvSpPr>
-            <a:spLocks noGrp="1" noRot="1" noChangeAspect="1"/>
-          </p:cNvSpPr>
-          <p:nvPr>
-            <p:ph type="sldImg"/>
-          </p:nvPr>
-        </p:nvSpPr>
-        <p:spPr/>
-      </p:sp>
-      <p:sp>
-        <p:nvSpPr>
-          <p:cNvPr id="3" name="Notes Placeholder 2"/>
-          <p:cNvSpPr>
-            <a:spLocks noGrp="1"/>
-          </p:cNvSpPr>
-          <p:nvPr>
-            <p:ph type="body" idx="1"/>
-          </p:nvPr>
-        </p:nvSpPr>
-        <p:spPr/>
-        <p:txBody>
-          <a:bodyPr/>
-          <a:lstStyle/>
-          <a:p>
-            <a:pPr rtl="0"/>
-            <a:endParaRPr lang="pl-PL" dirty="0">
-              <a:effectLst/>
-            </a:endParaRPr>
-          </a:p>
-        </p:txBody>
-      </p:sp>
-      <p:sp>
-        <p:nvSpPr>
-          <p:cNvPr id="4" name="Slide Number Placeholder 3"/>
-          <p:cNvSpPr>
-            <a:spLocks noGrp="1"/>
-          </p:cNvSpPr>
-          <p:nvPr>
-            <p:ph type="sldNum" sz="quarter" idx="10"/>
-          </p:nvPr>
-        </p:nvSpPr>
-        <p:spPr/>
-        <p:txBody>
-          <a:bodyPr/>
-          <a:lstStyle/>
-          <a:p>
-            <a:fld id="{79CE77F9-1A7F-B148-A0AA-5828300D10BC}" type="slidenum">
-              <a:rPr lang="pl-PL" smtClean="0"/>
-              <a:t>24</a:t>
-            </a:fld>
-            <a:endParaRPr lang="pl-PL"/>
-          </a:p>
-        </p:txBody>
-      </p:sp>
-    </p:spTree>
-    <p:extLst>
-      <p:ext uri="{BB962C8B-B14F-4D97-AF65-F5344CB8AC3E}">
-        <p14:creationId xmlns:p14="http://schemas.microsoft.com/office/powerpoint/2010/main" val="663072683"/>
-      </p:ext>
-    </p:extLst>
-  </p:cSld>
-  <p:clrMapOvr>
-    <a:masterClrMapping/>
-  </p:clrMapOvr>
-</p:notes>
-</file>
-
-<file path=ppt/notesSlides/notesSlide25.xml><?xml version="1.0" encoding="utf-8"?>
-<p:notes xmlns:a="http://schemas.openxmlformats.org/drawingml/2006/main" xmlns:r="http://schemas.openxmlformats.org/officeDocument/2006/relationships" xmlns:p="http://schemas.openxmlformats.org/presentationml/2006/main">
-  <p:cSld>
-    <p:spTree>
-      <p:nvGrpSpPr>
-        <p:cNvPr id="1" name=""/>
-        <p:cNvGrpSpPr/>
-        <p:nvPr/>
-      </p:nvGrpSpPr>
-      <p:grpSpPr>
-        <a:xfrm>
-          <a:off x="0" y="0"/>
-          <a:ext cx="0" cy="0"/>
-          <a:chOff x="0" y="0"/>
-          <a:chExt cx="0" cy="0"/>
-        </a:xfrm>
-      </p:grpSpPr>
-      <p:sp>
-        <p:nvSpPr>
-          <p:cNvPr id="2" name="Slide Image Placeholder 1"/>
-          <p:cNvSpPr>
-            <a:spLocks noGrp="1" noRot="1" noChangeAspect="1"/>
-          </p:cNvSpPr>
-          <p:nvPr>
-            <p:ph type="sldImg"/>
-          </p:nvPr>
-        </p:nvSpPr>
-        <p:spPr/>
-      </p:sp>
-      <p:sp>
-        <p:nvSpPr>
-          <p:cNvPr id="3" name="Notes Placeholder 2"/>
-          <p:cNvSpPr>
-            <a:spLocks noGrp="1"/>
-          </p:cNvSpPr>
-          <p:nvPr>
-            <p:ph type="body" idx="1"/>
-          </p:nvPr>
-        </p:nvSpPr>
-        <p:spPr bwMode="auto"/>
-        <p:txBody>
-          <a:bodyPr/>
-          <a:lstStyle/>
-          <a:p>
-            <a:endParaRPr lang="pl-PL" dirty="0"/>
-          </a:p>
-        </p:txBody>
-      </p:sp>
-      <p:sp>
-        <p:nvSpPr>
-          <p:cNvPr id="4" name="Slide Number Placeholder 3"/>
-          <p:cNvSpPr>
-            <a:spLocks noGrp="1"/>
-          </p:cNvSpPr>
-          <p:nvPr>
-            <p:ph type="sldNum" sz="quarter" idx="10"/>
-          </p:nvPr>
-        </p:nvSpPr>
-        <p:spPr/>
-        <p:txBody>
-          <a:bodyPr/>
-          <a:lstStyle/>
-          <a:p>
-            <a:fld id="{79CE77F9-1A7F-B148-A0AA-5828300D10BC}" type="slidenum">
-              <a:rPr lang="pl-PL" smtClean="0"/>
-              <a:t>25</a:t>
-            </a:fld>
-            <a:endParaRPr lang="pl-PL"/>
-          </a:p>
-        </p:txBody>
-      </p:sp>
-    </p:spTree>
-    <p:extLst>
-      <p:ext uri="{BB962C8B-B14F-4D97-AF65-F5344CB8AC3E}">
-        <p14:creationId xmlns:p14="http://schemas.microsoft.com/office/powerpoint/2010/main" val="3036623439"/>
-      </p:ext>
-    </p:extLst>
-  </p:cSld>
-  <p:clrMapOvr>
-    <a:masterClrMapping/>
-  </p:clrMapOvr>
-</p:notes>
-</file>
-
-<file path=ppt/notesSlides/notesSlide26.xml><?xml version="1.0" encoding="utf-8"?>
-<p:notes xmlns:a="http://schemas.openxmlformats.org/drawingml/2006/main" xmlns:r="http://schemas.openxmlformats.org/officeDocument/2006/relationships" xmlns:p="http://schemas.openxmlformats.org/presentationml/2006/main">
-  <p:cSld>
-    <p:spTree>
-      <p:nvGrpSpPr>
-        <p:cNvPr id="1" name=""/>
-        <p:cNvGrpSpPr/>
-        <p:nvPr/>
-      </p:nvGrpSpPr>
-      <p:grpSpPr>
-        <a:xfrm>
-          <a:off x="0" y="0"/>
-          <a:ext cx="0" cy="0"/>
-          <a:chOff x="0" y="0"/>
-          <a:chExt cx="0" cy="0"/>
-        </a:xfrm>
-      </p:grpSpPr>
-      <p:sp>
-        <p:nvSpPr>
-          <p:cNvPr id="2" name="Slide Image Placeholder 1"/>
-          <p:cNvSpPr>
-            <a:spLocks noGrp="1" noRot="1" noChangeAspect="1"/>
-          </p:cNvSpPr>
-          <p:nvPr>
-            <p:ph type="sldImg"/>
-          </p:nvPr>
-        </p:nvSpPr>
-        <p:spPr/>
-      </p:sp>
-      <p:sp>
-        <p:nvSpPr>
-          <p:cNvPr id="3" name="Notes Placeholder 2"/>
-          <p:cNvSpPr>
-            <a:spLocks noGrp="1"/>
-          </p:cNvSpPr>
-          <p:nvPr>
-            <p:ph type="body" idx="1"/>
-          </p:nvPr>
-        </p:nvSpPr>
-        <p:spPr/>
-        <p:txBody>
-          <a:bodyPr/>
-          <a:lstStyle/>
-          <a:p>
-            <a:pPr rtl="0"/>
-            <a:endParaRPr lang="pl-PL" dirty="0">
-              <a:effectLst/>
-            </a:endParaRPr>
-          </a:p>
-        </p:txBody>
-      </p:sp>
-      <p:sp>
-        <p:nvSpPr>
-          <p:cNvPr id="4" name="Slide Number Placeholder 3"/>
-          <p:cNvSpPr>
-            <a:spLocks noGrp="1"/>
-          </p:cNvSpPr>
-          <p:nvPr>
-            <p:ph type="sldNum" sz="quarter" idx="10"/>
-          </p:nvPr>
-        </p:nvSpPr>
-        <p:spPr/>
-        <p:txBody>
-          <a:bodyPr/>
-          <a:lstStyle/>
-          <a:p>
-            <a:fld id="{79CE77F9-1A7F-B148-A0AA-5828300D10BC}" type="slidenum">
-              <a:rPr lang="pl-PL" smtClean="0"/>
-              <a:t>26</a:t>
-            </a:fld>
-            <a:endParaRPr lang="pl-PL"/>
-          </a:p>
-        </p:txBody>
-      </p:sp>
-    </p:spTree>
-    <p:extLst>
-      <p:ext uri="{BB962C8B-B14F-4D97-AF65-F5344CB8AC3E}">
-        <p14:creationId xmlns:p14="http://schemas.microsoft.com/office/powerpoint/2010/main" val="3480557471"/>
-      </p:ext>
-    </p:extLst>
-  </p:cSld>
-  <p:clrMapOvr>
-    <a:masterClrMapping/>
-  </p:clrMapOvr>
-</p:notes>
-</file>
-
-<file path=ppt/notesSlides/notesSlide27.xml><?xml version="1.0" encoding="utf-8"?>
-<p:notes xmlns:a="http://schemas.openxmlformats.org/drawingml/2006/main" xmlns:r="http://schemas.openxmlformats.org/officeDocument/2006/relationships" xmlns:p="http://schemas.openxmlformats.org/presentationml/2006/main">
-  <p:cSld>
-    <p:spTree>
-      <p:nvGrpSpPr>
-        <p:cNvPr id="1" name=""/>
-        <p:cNvGrpSpPr/>
-        <p:nvPr/>
-      </p:nvGrpSpPr>
-      <p:grpSpPr>
-        <a:xfrm>
-          <a:off x="0" y="0"/>
-          <a:ext cx="0" cy="0"/>
-          <a:chOff x="0" y="0"/>
-          <a:chExt cx="0" cy="0"/>
-        </a:xfrm>
-      </p:grpSpPr>
-      <p:sp>
-        <p:nvSpPr>
-          <p:cNvPr id="2" name="Slide Image Placeholder 1"/>
-          <p:cNvSpPr>
-            <a:spLocks noGrp="1" noRot="1" noChangeAspect="1"/>
-          </p:cNvSpPr>
-          <p:nvPr>
-            <p:ph type="sldImg"/>
-          </p:nvPr>
-        </p:nvSpPr>
-        <p:spPr/>
-      </p:sp>
-      <p:sp>
-        <p:nvSpPr>
-          <p:cNvPr id="3" name="Notes Placeholder 2"/>
-          <p:cNvSpPr>
-            <a:spLocks noGrp="1"/>
-          </p:cNvSpPr>
-          <p:nvPr>
-            <p:ph type="body" idx="1"/>
-          </p:nvPr>
-        </p:nvSpPr>
-        <p:spPr/>
-        <p:txBody>
-          <a:bodyPr/>
-          <a:lstStyle/>
-          <a:p>
-            <a:pPr rtl="0"/>
-            <a:endParaRPr lang="pl-PL" dirty="0">
-              <a:effectLst/>
-            </a:endParaRPr>
-          </a:p>
-        </p:txBody>
-      </p:sp>
-      <p:sp>
-        <p:nvSpPr>
-          <p:cNvPr id="4" name="Slide Number Placeholder 3"/>
-          <p:cNvSpPr>
-            <a:spLocks noGrp="1"/>
-          </p:cNvSpPr>
-          <p:nvPr>
-            <p:ph type="sldNum" sz="quarter" idx="10"/>
-          </p:nvPr>
-        </p:nvSpPr>
-        <p:spPr/>
-        <p:txBody>
-          <a:bodyPr/>
-          <a:lstStyle/>
-          <a:p>
-            <a:fld id="{79CE77F9-1A7F-B148-A0AA-5828300D10BC}" type="slidenum">
-              <a:rPr lang="pl-PL" smtClean="0"/>
-              <a:t>27</a:t>
-            </a:fld>
-            <a:endParaRPr lang="pl-PL"/>
-          </a:p>
-        </p:txBody>
-      </p:sp>
-    </p:spTree>
-    <p:extLst>
-      <p:ext uri="{BB962C8B-B14F-4D97-AF65-F5344CB8AC3E}">
-        <p14:creationId xmlns:p14="http://schemas.microsoft.com/office/powerpoint/2010/main" val="378938099"/>
-      </p:ext>
-    </p:extLst>
-  </p:cSld>
-  <p:clrMapOvr>
-    <a:masterClrMapping/>
-  </p:clrMapOvr>
-</p:notes>
-</file>
-
-<file path=ppt/notesSlides/notesSlide28.xml><?xml version="1.0" encoding="utf-8"?>
-<p:notes xmlns:a="http://schemas.openxmlformats.org/drawingml/2006/main" xmlns:r="http://schemas.openxmlformats.org/officeDocument/2006/relationships" xmlns:p="http://schemas.openxmlformats.org/presentationml/2006/main">
-  <p:cSld>
-    <p:spTree>
-      <p:nvGrpSpPr>
-        <p:cNvPr id="1" name=""/>
-        <p:cNvGrpSpPr/>
-        <p:nvPr/>
-      </p:nvGrpSpPr>
-      <p:grpSpPr>
-        <a:xfrm>
-          <a:off x="0" y="0"/>
-          <a:ext cx="0" cy="0"/>
-          <a:chOff x="0" y="0"/>
-          <a:chExt cx="0" cy="0"/>
-        </a:xfrm>
-      </p:grpSpPr>
-      <p:sp>
-        <p:nvSpPr>
-          <p:cNvPr id="2" name="Slide Image Placeholder 1"/>
-          <p:cNvSpPr>
-            <a:spLocks noGrp="1" noRot="1" noChangeAspect="1"/>
-          </p:cNvSpPr>
-          <p:nvPr>
-            <p:ph type="sldImg"/>
-          </p:nvPr>
-        </p:nvSpPr>
-        <p:spPr/>
-      </p:sp>
-      <p:sp>
-        <p:nvSpPr>
-          <p:cNvPr id="3" name="Notes Placeholder 2"/>
-          <p:cNvSpPr>
-            <a:spLocks noGrp="1"/>
-          </p:cNvSpPr>
-          <p:nvPr>
-            <p:ph type="body" idx="1"/>
-          </p:nvPr>
-        </p:nvSpPr>
-        <p:spPr/>
-        <p:txBody>
-          <a:bodyPr/>
-          <a:lstStyle/>
-          <a:p>
-            <a:pPr rtl="0"/>
-            <a:endParaRPr lang="pl-PL" dirty="0">
-              <a:effectLst/>
-            </a:endParaRPr>
-          </a:p>
-        </p:txBody>
-      </p:sp>
-      <p:sp>
-        <p:nvSpPr>
-          <p:cNvPr id="4" name="Slide Number Placeholder 3"/>
-          <p:cNvSpPr>
-            <a:spLocks noGrp="1"/>
-          </p:cNvSpPr>
-          <p:nvPr>
-            <p:ph type="sldNum" sz="quarter" idx="10"/>
-          </p:nvPr>
-        </p:nvSpPr>
-        <p:spPr/>
-        <p:txBody>
-          <a:bodyPr/>
-          <a:lstStyle/>
-          <a:p>
-            <a:fld id="{79CE77F9-1A7F-B148-A0AA-5828300D10BC}" type="slidenum">
-              <a:rPr lang="pl-PL" smtClean="0"/>
-              <a:t>28</a:t>
-            </a:fld>
-            <a:endParaRPr lang="pl-PL"/>
-          </a:p>
-        </p:txBody>
-      </p:sp>
-    </p:spTree>
-    <p:extLst>
-      <p:ext uri="{BB962C8B-B14F-4D97-AF65-F5344CB8AC3E}">
-        <p14:creationId xmlns:p14="http://schemas.microsoft.com/office/powerpoint/2010/main" val="2588991464"/>
-      </p:ext>
-    </p:extLst>
-  </p:cSld>
-  <p:clrMapOvr>
-    <a:masterClrMapping/>
-  </p:clrMapOvr>
-</p:notes>
-</file>
-
-<file path=ppt/notesSlides/notesSlide29.xml><?xml version="1.0" encoding="utf-8"?>
-<p:notes xmlns:a="http://schemas.openxmlformats.org/drawingml/2006/main" xmlns:r="http://schemas.openxmlformats.org/officeDocument/2006/relationships" xmlns:p="http://schemas.openxmlformats.org/presentationml/2006/main">
-  <p:cSld>
-    <p:spTree>
-      <p:nvGrpSpPr>
-        <p:cNvPr id="1" name=""/>
-        <p:cNvGrpSpPr/>
-        <p:nvPr/>
-      </p:nvGrpSpPr>
-      <p:grpSpPr>
-        <a:xfrm>
-          <a:off x="0" y="0"/>
-          <a:ext cx="0" cy="0"/>
-          <a:chOff x="0" y="0"/>
-          <a:chExt cx="0" cy="0"/>
-        </a:xfrm>
-      </p:grpSpPr>
-      <p:sp>
-        <p:nvSpPr>
-          <p:cNvPr id="2" name="Slide Image Placeholder 1"/>
-          <p:cNvSpPr>
-            <a:spLocks noGrp="1" noRot="1" noChangeAspect="1"/>
-          </p:cNvSpPr>
-          <p:nvPr>
-            <p:ph type="sldImg"/>
-          </p:nvPr>
-        </p:nvSpPr>
-        <p:spPr/>
-      </p:sp>
-      <p:sp>
-        <p:nvSpPr>
-          <p:cNvPr id="3" name="Notes Placeholder 2"/>
-          <p:cNvSpPr>
-            <a:spLocks noGrp="1"/>
-          </p:cNvSpPr>
-          <p:nvPr>
-            <p:ph type="body" idx="1"/>
-          </p:nvPr>
-        </p:nvSpPr>
-        <p:spPr/>
-        <p:txBody>
-          <a:bodyPr/>
-          <a:lstStyle/>
-          <a:p>
-            <a:pPr rtl="0"/>
-            <a:r>
-              <a:rPr lang="pl-PL" dirty="0"/>
-              <a:t>Najprostsze aplikacje Java są jednowątkowe. Program wywołuje metody w sposób synchroniczny, czekając na wynik. Po zakończeniu wykonywania metody, następuje powrót zgodnie z aktualną wartością wskaźnika stosu i program jest kontynuowany. • Aplikacje działające pod kontrolą systemu Android składają się z wielu niezależnych lecz często pozostające w kooperacji aktywności. Każda aktywność działa w ramach swojego wątku, a jedna z nich określana jest mianem aktywności głównej. Android wykorzystuje metodę </a:t>
-            </a:r>
-            <a:r>
-              <a:rPr lang="pl-PL" dirty="0" err="1"/>
-              <a:t>startActivity</a:t>
-            </a:r>
-            <a:r>
-              <a:rPr lang="pl-PL" dirty="0"/>
-              <a:t>(Intent) by uruchomić aktywność, która staje się aktywna i potencjalnie widoczna dla użytkownika, jednakże obiekt wywołujący cały czas znajduje się w obrębie swojego wątku. Następny przykład prezentuje proces komunikacji wewnątrz-procesowej wykorzystywanej w systemie Android w postaci aplikacji składającej się z wielu współpracujących aktywności. Prezentuje sposób wywołania, dostarczania danych oraz pobierania rezultatów działania. </a:t>
-            </a:r>
-            <a:endParaRPr lang="pl-PL" dirty="0">
-              <a:effectLst/>
-            </a:endParaRPr>
-          </a:p>
-        </p:txBody>
-      </p:sp>
-      <p:sp>
-        <p:nvSpPr>
-          <p:cNvPr id="4" name="Slide Number Placeholder 3"/>
-          <p:cNvSpPr>
-            <a:spLocks noGrp="1"/>
-          </p:cNvSpPr>
-          <p:nvPr>
-            <p:ph type="sldNum" sz="quarter" idx="10"/>
-          </p:nvPr>
-        </p:nvSpPr>
-        <p:spPr/>
-        <p:txBody>
-          <a:bodyPr/>
-          <a:lstStyle/>
-          <a:p>
-            <a:fld id="{79CE77F9-1A7F-B148-A0AA-5828300D10BC}" type="slidenum">
-              <a:rPr lang="pl-PL" smtClean="0"/>
-              <a:t>29</a:t>
-            </a:fld>
-            <a:endParaRPr lang="pl-PL"/>
-          </a:p>
-        </p:txBody>
-      </p:sp>
-    </p:spTree>
-    <p:extLst>
-      <p:ext uri="{BB962C8B-B14F-4D97-AF65-F5344CB8AC3E}">
-        <p14:creationId xmlns:p14="http://schemas.microsoft.com/office/powerpoint/2010/main" val="4128737339"/>
+        <p14:creationId xmlns:p14="http://schemas.microsoft.com/office/powerpoint/2010/main" val="2265628385"/>
       </p:ext>
     </p:extLst>
   </p:cSld>
@@ -2727,178 +2021,7 @@
     </p:spTree>
     <p:extLst>
       <p:ext uri="{BB962C8B-B14F-4D97-AF65-F5344CB8AC3E}">
-        <p14:creationId xmlns:p14="http://schemas.microsoft.com/office/powerpoint/2010/main" val="2667332839"/>
-      </p:ext>
-    </p:extLst>
-  </p:cSld>
-  <p:clrMapOvr>
-    <a:masterClrMapping/>
-  </p:clrMapOvr>
-</p:notes>
-</file>
-
-<file path=ppt/notesSlides/notesSlide30.xml><?xml version="1.0" encoding="utf-8"?>
-<p:notes xmlns:a="http://schemas.openxmlformats.org/drawingml/2006/main" xmlns:r="http://schemas.openxmlformats.org/officeDocument/2006/relationships" xmlns:p="http://schemas.openxmlformats.org/presentationml/2006/main">
-  <p:cSld>
-    <p:spTree>
-      <p:nvGrpSpPr>
-        <p:cNvPr id="1" name=""/>
-        <p:cNvGrpSpPr/>
-        <p:nvPr/>
-      </p:nvGrpSpPr>
-      <p:grpSpPr>
-        <a:xfrm>
-          <a:off x="0" y="0"/>
-          <a:ext cx="0" cy="0"/>
-          <a:chOff x="0" y="0"/>
-          <a:chExt cx="0" cy="0"/>
-        </a:xfrm>
-      </p:grpSpPr>
-      <p:sp>
-        <p:nvSpPr>
-          <p:cNvPr id="2" name="Slide Image Placeholder 1"/>
-          <p:cNvSpPr>
-            <a:spLocks noGrp="1" noRot="1" noChangeAspect="1"/>
-          </p:cNvSpPr>
-          <p:nvPr>
-            <p:ph type="sldImg"/>
-          </p:nvPr>
-        </p:nvSpPr>
-        <p:spPr/>
-      </p:sp>
-      <p:sp>
-        <p:nvSpPr>
-          <p:cNvPr id="3" name="Notes Placeholder 2"/>
-          <p:cNvSpPr>
-            <a:spLocks noGrp="1"/>
-          </p:cNvSpPr>
-          <p:nvPr>
-            <p:ph type="body" idx="1"/>
-          </p:nvPr>
-        </p:nvSpPr>
-        <p:spPr bwMode="auto"/>
-        <p:txBody>
-          <a:bodyPr/>
-          <a:lstStyle/>
-          <a:p>
-            <a:endParaRPr lang="pl-PL" dirty="0"/>
-          </a:p>
-        </p:txBody>
-      </p:sp>
-      <p:sp>
-        <p:nvSpPr>
-          <p:cNvPr id="4" name="Slide Number Placeholder 3"/>
-          <p:cNvSpPr>
-            <a:spLocks noGrp="1"/>
-          </p:cNvSpPr>
-          <p:nvPr>
-            <p:ph type="sldNum" sz="quarter" idx="10"/>
-          </p:nvPr>
-        </p:nvSpPr>
-        <p:spPr/>
-        <p:txBody>
-          <a:bodyPr/>
-          <a:lstStyle/>
-          <a:p>
-            <a:fld id="{79CE77F9-1A7F-B148-A0AA-5828300D10BC}" type="slidenum">
-              <a:rPr lang="pl-PL" smtClean="0"/>
-              <a:t>30</a:t>
-            </a:fld>
-            <a:endParaRPr lang="pl-PL"/>
-          </a:p>
-        </p:txBody>
-      </p:sp>
-    </p:spTree>
-    <p:extLst>
-      <p:ext uri="{BB962C8B-B14F-4D97-AF65-F5344CB8AC3E}">
-        <p14:creationId xmlns:p14="http://schemas.microsoft.com/office/powerpoint/2010/main" val="4111707598"/>
-      </p:ext>
-    </p:extLst>
-  </p:cSld>
-  <p:clrMapOvr>
-    <a:masterClrMapping/>
-  </p:clrMapOvr>
-</p:notes>
-</file>
-
-<file path=ppt/notesSlides/notesSlide31.xml><?xml version="1.0" encoding="utf-8"?>
-<p:notes xmlns:a="http://schemas.openxmlformats.org/drawingml/2006/main" xmlns:r="http://schemas.openxmlformats.org/officeDocument/2006/relationships" xmlns:p="http://schemas.openxmlformats.org/presentationml/2006/main">
-  <p:cSld>
-    <p:spTree>
-      <p:nvGrpSpPr>
-        <p:cNvPr id="1" name=""/>
-        <p:cNvGrpSpPr/>
-        <p:nvPr/>
-      </p:nvGrpSpPr>
-      <p:grpSpPr>
-        <a:xfrm>
-          <a:off x="0" y="0"/>
-          <a:ext cx="0" cy="0"/>
-          <a:chOff x="0" y="0"/>
-          <a:chExt cx="0" cy="0"/>
-        </a:xfrm>
-      </p:grpSpPr>
-      <p:sp>
-        <p:nvSpPr>
-          <p:cNvPr id="2" name="Slide Image Placeholder 1"/>
-          <p:cNvSpPr>
-            <a:spLocks noGrp="1" noRot="1" noChangeAspect="1"/>
-          </p:cNvSpPr>
-          <p:nvPr>
-            <p:ph type="sldImg"/>
-          </p:nvPr>
-        </p:nvSpPr>
-        <p:spPr/>
-      </p:sp>
-      <p:sp>
-        <p:nvSpPr>
-          <p:cNvPr id="3" name="Notes Placeholder 2"/>
-          <p:cNvSpPr>
-            <a:spLocks noGrp="1"/>
-          </p:cNvSpPr>
-          <p:nvPr>
-            <p:ph type="body" idx="1"/>
-          </p:nvPr>
-        </p:nvSpPr>
-        <p:spPr/>
-        <p:txBody>
-          <a:bodyPr/>
-          <a:lstStyle/>
-          <a:p>
-            <a:pPr rtl="0"/>
-            <a:endParaRPr lang="pl-PL" dirty="0">
-              <a:effectLst/>
-            </a:endParaRPr>
-          </a:p>
-        </p:txBody>
-      </p:sp>
-      <p:sp>
-        <p:nvSpPr>
-          <p:cNvPr id="4" name="Slide Number Placeholder 3"/>
-          <p:cNvSpPr>
-            <a:spLocks noGrp="1"/>
-          </p:cNvSpPr>
-          <p:nvPr>
-            <p:ph type="sldNum" sz="quarter" idx="10"/>
-          </p:nvPr>
-        </p:nvSpPr>
-        <p:spPr/>
-        <p:txBody>
-          <a:bodyPr/>
-          <a:lstStyle/>
-          <a:p>
-            <a:fld id="{79CE77F9-1A7F-B148-A0AA-5828300D10BC}" type="slidenum">
-              <a:rPr lang="pl-PL" smtClean="0"/>
-              <a:t>31</a:t>
-            </a:fld>
-            <a:endParaRPr lang="pl-PL"/>
-          </a:p>
-        </p:txBody>
-      </p:sp>
-    </p:spTree>
-    <p:extLst>
-      <p:ext uri="{BB962C8B-B14F-4D97-AF65-F5344CB8AC3E}">
-        <p14:creationId xmlns:p14="http://schemas.microsoft.com/office/powerpoint/2010/main" val="2265628385"/>
+        <p14:creationId xmlns:p14="http://schemas.microsoft.com/office/powerpoint/2010/main" val="2568733764"/>
       </p:ext>
     </p:extLst>
   </p:cSld>
@@ -2985,7 +2108,7 @@
     </p:spTree>
     <p:extLst>
       <p:ext uri="{BB962C8B-B14F-4D97-AF65-F5344CB8AC3E}">
-        <p14:creationId xmlns:p14="http://schemas.microsoft.com/office/powerpoint/2010/main" val="3406049861"/>
+        <p14:creationId xmlns:p14="http://schemas.microsoft.com/office/powerpoint/2010/main" val="1922192466"/>
       </p:ext>
     </p:extLst>
   </p:cSld>
@@ -3034,12 +2157,15 @@
             <p:ph type="body" idx="1"/>
           </p:nvPr>
         </p:nvSpPr>
-        <p:spPr bwMode="auto"/>
+        <p:spPr/>
         <p:txBody>
           <a:bodyPr/>
           <a:lstStyle/>
           <a:p>
-            <a:endParaRPr lang="pl-PL" dirty="0"/>
+            <a:pPr rtl="0"/>
+            <a:endParaRPr lang="pl-PL" dirty="0">
+              <a:effectLst/>
+            </a:endParaRPr>
           </a:p>
         </p:txBody>
       </p:sp>
@@ -3069,7 +2195,7 @@
     </p:spTree>
     <p:extLst>
       <p:ext uri="{BB962C8B-B14F-4D97-AF65-F5344CB8AC3E}">
-        <p14:creationId xmlns:p14="http://schemas.microsoft.com/office/powerpoint/2010/main" val="1090100305"/>
+        <p14:creationId xmlns:p14="http://schemas.microsoft.com/office/powerpoint/2010/main" val="1119306457"/>
       </p:ext>
     </p:extLst>
   </p:cSld>
@@ -3156,7 +2282,7 @@
     </p:spTree>
     <p:extLst>
       <p:ext uri="{BB962C8B-B14F-4D97-AF65-F5344CB8AC3E}">
-        <p14:creationId xmlns:p14="http://schemas.microsoft.com/office/powerpoint/2010/main" val="296682013"/>
+        <p14:creationId xmlns:p14="http://schemas.microsoft.com/office/powerpoint/2010/main" val="916039483"/>
       </p:ext>
     </p:extLst>
   </p:cSld>
@@ -3243,7 +2369,7 @@
     </p:spTree>
     <p:extLst>
       <p:ext uri="{BB962C8B-B14F-4D97-AF65-F5344CB8AC3E}">
-        <p14:creationId xmlns:p14="http://schemas.microsoft.com/office/powerpoint/2010/main" val="834974292"/>
+        <p14:creationId xmlns:p14="http://schemas.microsoft.com/office/powerpoint/2010/main" val="2019522785"/>
       </p:ext>
     </p:extLst>
   </p:cSld>
@@ -3292,15 +2418,12 @@
             <p:ph type="body" idx="1"/>
           </p:nvPr>
         </p:nvSpPr>
-        <p:spPr/>
+        <p:spPr bwMode="auto"/>
         <p:txBody>
           <a:bodyPr/>
           <a:lstStyle/>
           <a:p>
-            <a:pPr rtl="0"/>
-            <a:endParaRPr lang="pl-PL" dirty="0">
-              <a:effectLst/>
-            </a:endParaRPr>
+            <a:endParaRPr lang="pl-PL" dirty="0"/>
           </a:p>
         </p:txBody>
       </p:sp>
@@ -3330,7 +2453,7 @@
     </p:spTree>
     <p:extLst>
       <p:ext uri="{BB962C8B-B14F-4D97-AF65-F5344CB8AC3E}">
-        <p14:creationId xmlns:p14="http://schemas.microsoft.com/office/powerpoint/2010/main" val="2851811641"/>
+        <p14:creationId xmlns:p14="http://schemas.microsoft.com/office/powerpoint/2010/main" val="1221358304"/>
       </p:ext>
     </p:extLst>
   </p:cSld>
@@ -3417,7 +2540,7 @@
     </p:spTree>
     <p:extLst>
       <p:ext uri="{BB962C8B-B14F-4D97-AF65-F5344CB8AC3E}">
-        <p14:creationId xmlns:p14="http://schemas.microsoft.com/office/powerpoint/2010/main" val="3149477205"/>
+        <p14:creationId xmlns:p14="http://schemas.microsoft.com/office/powerpoint/2010/main" val="1700460633"/>
       </p:ext>
     </p:extLst>
   </p:cSld>
@@ -3606,7 +2729,7 @@
           <a:p>
             <a:fld id="{91017B01-0C30-B241-B19F-621BE4770608}" type="datetimeFigureOut">
               <a:rPr lang="pl-PL" smtClean="0"/>
-              <a:t>21.02.2023</a:t>
+              <a:t>24.03.2023</a:t>
             </a:fld>
             <a:endParaRPr lang="pl-PL"/>
           </a:p>
@@ -3775,7 +2898,7 @@
           <a:p>
             <a:fld id="{91017B01-0C30-B241-B19F-621BE4770608}" type="datetimeFigureOut">
               <a:rPr lang="pl-PL" smtClean="0"/>
-              <a:t>21.02.2023</a:t>
+              <a:t>24.03.2023</a:t>
             </a:fld>
             <a:endParaRPr lang="pl-PL"/>
           </a:p>
@@ -3954,7 +3077,7 @@
           <a:p>
             <a:fld id="{91017B01-0C30-B241-B19F-621BE4770608}" type="datetimeFigureOut">
               <a:rPr lang="pl-PL" smtClean="0"/>
-              <a:t>21.02.2023</a:t>
+              <a:t>24.03.2023</a:t>
             </a:fld>
             <a:endParaRPr lang="pl-PL"/>
           </a:p>
@@ -4123,7 +3246,7 @@
           <a:p>
             <a:fld id="{91017B01-0C30-B241-B19F-621BE4770608}" type="datetimeFigureOut">
               <a:rPr lang="pl-PL" smtClean="0"/>
-              <a:t>21.02.2023</a:t>
+              <a:t>24.03.2023</a:t>
             </a:fld>
             <a:endParaRPr lang="pl-PL"/>
           </a:p>
@@ -4369,7 +3492,7 @@
           <a:p>
             <a:fld id="{91017B01-0C30-B241-B19F-621BE4770608}" type="datetimeFigureOut">
               <a:rPr lang="pl-PL" smtClean="0"/>
-              <a:t>21.02.2023</a:t>
+              <a:t>24.03.2023</a:t>
             </a:fld>
             <a:endParaRPr lang="pl-PL"/>
           </a:p>
@@ -4655,7 +3778,7 @@
           <a:p>
             <a:fld id="{91017B01-0C30-B241-B19F-621BE4770608}" type="datetimeFigureOut">
               <a:rPr lang="pl-PL" smtClean="0"/>
-              <a:t>21.02.2023</a:t>
+              <a:t>24.03.2023</a:t>
             </a:fld>
             <a:endParaRPr lang="pl-PL"/>
           </a:p>
@@ -5075,7 +4198,7 @@
           <a:p>
             <a:fld id="{91017B01-0C30-B241-B19F-621BE4770608}" type="datetimeFigureOut">
               <a:rPr lang="pl-PL" smtClean="0"/>
-              <a:t>21.02.2023</a:t>
+              <a:t>24.03.2023</a:t>
             </a:fld>
             <a:endParaRPr lang="pl-PL"/>
           </a:p>
@@ -5193,7 +4316,7 @@
           <a:p>
             <a:fld id="{91017B01-0C30-B241-B19F-621BE4770608}" type="datetimeFigureOut">
               <a:rPr lang="pl-PL" smtClean="0"/>
-              <a:t>21.02.2023</a:t>
+              <a:t>24.03.2023</a:t>
             </a:fld>
             <a:endParaRPr lang="pl-PL"/>
           </a:p>
@@ -5289,7 +4412,7 @@
           <a:p>
             <a:fld id="{91017B01-0C30-B241-B19F-621BE4770608}" type="datetimeFigureOut">
               <a:rPr lang="pl-PL" smtClean="0"/>
-              <a:t>21.02.2023</a:t>
+              <a:t>24.03.2023</a:t>
             </a:fld>
             <a:endParaRPr lang="pl-PL"/>
           </a:p>
@@ -5566,7 +4689,7 @@
           <a:p>
             <a:fld id="{91017B01-0C30-B241-B19F-621BE4770608}" type="datetimeFigureOut">
               <a:rPr lang="pl-PL" smtClean="0"/>
-              <a:t>21.02.2023</a:t>
+              <a:t>24.03.2023</a:t>
             </a:fld>
             <a:endParaRPr lang="pl-PL"/>
           </a:p>
@@ -5822,7 +4945,7 @@
           <a:p>
             <a:fld id="{91017B01-0C30-B241-B19F-621BE4770608}" type="datetimeFigureOut">
               <a:rPr lang="pl-PL" smtClean="0"/>
-              <a:t>21.02.2023</a:t>
+              <a:t>24.03.2023</a:t>
             </a:fld>
             <a:endParaRPr lang="pl-PL"/>
           </a:p>
@@ -6034,7 +5157,7 @@
           <a:p>
             <a:fld id="{91017B01-0C30-B241-B19F-621BE4770608}" type="datetimeFigureOut">
               <a:rPr lang="pl-PL" smtClean="0"/>
-              <a:t>21.02.2023</a:t>
+              <a:t>24.03.2023</a:t>
             </a:fld>
             <a:endParaRPr lang="pl-PL"/>
           </a:p>
@@ -6547,7 +5670,7 @@
         <p:spPr>
           <a:xfrm>
             <a:off x="3275729" y="3789040"/>
-            <a:ext cx="5472608" cy="923330"/>
+            <a:ext cx="5472608" cy="1200329"/>
           </a:xfrm>
           <a:prstGeom prst="rect">
             <a:avLst/>
@@ -6570,7 +5693,7 @@
                   <a:schemeClr val="bg1"/>
                 </a:solidFill>
               </a:rPr>
-              <a:t>PODSTAWOWE INFORMACJE</a:t>
+              <a:t>Podstawowe Elementy Aplikacji</a:t>
             </a:r>
           </a:p>
           <a:p>
@@ -6584,7 +5707,7 @@
                   <a:schemeClr val="bg1"/>
                 </a:solidFill>
               </a:rPr>
-              <a:t>PLAN WYKŁADU</a:t>
+              <a:t>Cykl Życia</a:t>
             </a:r>
           </a:p>
           <a:p>
@@ -6598,7 +5721,21 @@
                   <a:schemeClr val="bg1"/>
                 </a:solidFill>
               </a:rPr>
-              <a:t>ZASADY ZALICZENIA</a:t>
+              <a:t>Intent</a:t>
+            </a:r>
+          </a:p>
+          <a:p>
+            <a:pPr marL="342900" indent="-342900">
+              <a:buFont typeface="Courier New" panose="02070309020205020404" pitchFamily="49" charset="0"/>
+              <a:buChar char="o"/>
+            </a:pPr>
+            <a:r>
+              <a:rPr lang="pl-PL" sz="1800" dirty="0">
+                <a:solidFill>
+                  <a:schemeClr val="bg1"/>
+                </a:solidFill>
+              </a:rPr>
+              <a:t>Context</a:t>
             </a:r>
           </a:p>
         </p:txBody>
@@ -6617,3292 +5754,6 @@
 </file>
 
 <file path=ppt/slides/slide10.xml><?xml version="1.0" encoding="utf-8"?>
-<p:sld xmlns:a="http://schemas.openxmlformats.org/drawingml/2006/main" xmlns:r="http://schemas.openxmlformats.org/officeDocument/2006/relationships" xmlns:p="http://schemas.openxmlformats.org/presentationml/2006/main">
-  <p:cSld>
-    <p:bg>
-      <p:bgPr>
-        <a:blipFill dpi="0" rotWithShape="0">
-          <a:blip r:embed="rId3" cstate="print"/>
-          <a:srcRect/>
-          <a:stretch>
-            <a:fillRect/>
-          </a:stretch>
-        </a:blipFill>
-        <a:effectLst/>
-      </p:bgPr>
-    </p:bg>
-    <p:spTree>
-      <p:nvGrpSpPr>
-        <p:cNvPr id="1" name=""/>
-        <p:cNvGrpSpPr/>
-        <p:nvPr/>
-      </p:nvGrpSpPr>
-      <p:grpSpPr>
-        <a:xfrm>
-          <a:off x="0" y="0"/>
-          <a:ext cx="0" cy="0"/>
-          <a:chOff x="0" y="0"/>
-          <a:chExt cx="0" cy="0"/>
-        </a:xfrm>
-      </p:grpSpPr>
-      <p:sp>
-        <p:nvSpPr>
-          <p:cNvPr id="2" name="Rectangle 1"/>
-          <p:cNvSpPr/>
-          <p:nvPr/>
-        </p:nvSpPr>
-        <p:spPr>
-          <a:xfrm>
-            <a:off x="1979712" y="188640"/>
-            <a:ext cx="6696744" cy="492443"/>
-          </a:xfrm>
-          <a:prstGeom prst="rect">
-            <a:avLst/>
-          </a:prstGeom>
-        </p:spPr>
-        <p:txBody>
-          <a:bodyPr wrap="square">
-            <a:spAutoFit/>
-          </a:bodyPr>
-          <a:lstStyle/>
-          <a:p>
-            <a:pPr algn="ctr"/>
-            <a:r>
-              <a:rPr lang="pl-PL" sz="2600" dirty="0">
-                <a:solidFill>
-                  <a:schemeClr val="bg1"/>
-                </a:solidFill>
-                <a:latin typeface="Verdana" panose="020B0604030504040204" pitchFamily="34" charset="0"/>
-                <a:ea typeface="Verdana" panose="020B0604030504040204" pitchFamily="34" charset="0"/>
-                <a:cs typeface="Verdana" panose="020B0604030504040204" pitchFamily="34" charset="0"/>
-              </a:rPr>
-              <a:t>Architektura platformy Android</a:t>
-            </a:r>
-          </a:p>
-        </p:txBody>
-      </p:sp>
-      <p:sp>
-        <p:nvSpPr>
-          <p:cNvPr id="6" name="Prostokąt 5">
-            <a:extLst>
-              <a:ext uri="{FF2B5EF4-FFF2-40B4-BE49-F238E27FC236}">
-                <a16:creationId xmlns:a16="http://schemas.microsoft.com/office/drawing/2014/main" id="{CA41B780-B57E-411C-AAD5-3D3D6912F664}"/>
-              </a:ext>
-            </a:extLst>
-          </p:cNvPr>
-          <p:cNvSpPr/>
-          <p:nvPr/>
-        </p:nvSpPr>
-        <p:spPr>
-          <a:xfrm>
-            <a:off x="970062" y="836712"/>
-            <a:ext cx="8172400" cy="6021288"/>
-          </a:xfrm>
-          <a:prstGeom prst="rect">
-            <a:avLst/>
-          </a:prstGeom>
-          <a:solidFill>
-            <a:schemeClr val="tx1"/>
-          </a:solidFill>
-        </p:spPr>
-        <p:style>
-          <a:lnRef idx="1">
-            <a:schemeClr val="accent1"/>
-          </a:lnRef>
-          <a:fillRef idx="3">
-            <a:schemeClr val="accent1"/>
-          </a:fillRef>
-          <a:effectRef idx="2">
-            <a:schemeClr val="accent1"/>
-          </a:effectRef>
-          <a:fontRef idx="minor">
-            <a:schemeClr val="lt1"/>
-          </a:fontRef>
-        </p:style>
-        <p:txBody>
-          <a:bodyPr rtlCol="0" anchor="ctr"/>
-          <a:lstStyle/>
-          <a:p>
-            <a:pPr algn="ctr"/>
-            <a:endParaRPr lang="pl-PL"/>
-          </a:p>
-        </p:txBody>
-      </p:sp>
-      <p:pic>
-        <p:nvPicPr>
-          <p:cNvPr id="4" name="Obraz 3">
-            <a:extLst>
-              <a:ext uri="{FF2B5EF4-FFF2-40B4-BE49-F238E27FC236}">
-                <a16:creationId xmlns:a16="http://schemas.microsoft.com/office/drawing/2014/main" id="{896D6FAB-0560-4BC8-AC1B-D44E9F1DA178}"/>
-              </a:ext>
-            </a:extLst>
-          </p:cNvPr>
-          <p:cNvPicPr>
-            <a:picLocks noChangeAspect="1"/>
-          </p:cNvPicPr>
-          <p:nvPr/>
-        </p:nvPicPr>
-        <p:blipFill>
-          <a:blip r:embed="rId4">
-            <a:extLst>
-              <a:ext uri="{28A0092B-C50C-407E-A947-70E740481C1C}">
-                <a14:useLocalDpi xmlns:a14="http://schemas.microsoft.com/office/drawing/2010/main" val="0"/>
-              </a:ext>
-            </a:extLst>
-          </a:blip>
-          <a:stretch>
-            <a:fillRect/>
-          </a:stretch>
-        </p:blipFill>
-        <p:spPr>
-          <a:xfrm>
-            <a:off x="3727524" y="1124744"/>
-            <a:ext cx="2657475" cy="1304925"/>
-          </a:xfrm>
-          <a:prstGeom prst="rect">
-            <a:avLst/>
-          </a:prstGeom>
-        </p:spPr>
-      </p:pic>
-      <p:sp>
-        <p:nvSpPr>
-          <p:cNvPr id="7" name="pole tekstowe 6">
-            <a:extLst>
-              <a:ext uri="{FF2B5EF4-FFF2-40B4-BE49-F238E27FC236}">
-                <a16:creationId xmlns:a16="http://schemas.microsoft.com/office/drawing/2014/main" id="{0B494A33-40B3-46AE-8B4A-124055F83C71}"/>
-              </a:ext>
-            </a:extLst>
-          </p:cNvPr>
-          <p:cNvSpPr txBox="1"/>
-          <p:nvPr/>
-        </p:nvSpPr>
-        <p:spPr>
-          <a:xfrm>
-            <a:off x="971600" y="2755607"/>
-            <a:ext cx="8170862" cy="2672526"/>
-          </a:xfrm>
-          <a:prstGeom prst="rect">
-            <a:avLst/>
-          </a:prstGeom>
-          <a:noFill/>
-        </p:spPr>
-        <p:txBody>
-          <a:bodyPr wrap="square" rtlCol="0">
-            <a:spAutoFit/>
-          </a:bodyPr>
-          <a:lstStyle/>
-          <a:p>
-            <a:pPr marL="171450" indent="-171450">
-              <a:lnSpc>
-                <a:spcPct val="150000"/>
-              </a:lnSpc>
-              <a:buFont typeface="Courier New" panose="02070309020205020404" pitchFamily="49" charset="0"/>
-              <a:buChar char="o"/>
-            </a:pPr>
-            <a:r>
-              <a:rPr lang="pl-PL" sz="1800" b="1" dirty="0" err="1">
-                <a:solidFill>
-                  <a:schemeClr val="bg1"/>
-                </a:solidFill>
-              </a:rPr>
-              <a:t>Core</a:t>
-            </a:r>
-            <a:r>
-              <a:rPr lang="pl-PL" sz="1800" b="1" dirty="0">
-                <a:solidFill>
-                  <a:schemeClr val="bg1"/>
-                </a:solidFill>
-              </a:rPr>
-              <a:t> Java Libraries</a:t>
-            </a:r>
-            <a:r>
-              <a:rPr lang="pl-PL" sz="1800" dirty="0">
-                <a:solidFill>
-                  <a:schemeClr val="bg1"/>
-                </a:solidFill>
-              </a:rPr>
-              <a:t> – zbiór bibliotek języka Java</a:t>
-            </a:r>
-          </a:p>
-          <a:p>
-            <a:pPr marL="171450" indent="-171450">
-              <a:lnSpc>
-                <a:spcPct val="150000"/>
-              </a:lnSpc>
-              <a:buFont typeface="Courier New" panose="02070309020205020404" pitchFamily="49" charset="0"/>
-              <a:buChar char="o"/>
-            </a:pPr>
-            <a:r>
-              <a:rPr lang="pl-PL" sz="1800" b="1" dirty="0" err="1">
-                <a:solidFill>
-                  <a:schemeClr val="bg1"/>
-                </a:solidFill>
-              </a:rPr>
-              <a:t>Core</a:t>
-            </a:r>
-            <a:r>
-              <a:rPr lang="pl-PL" sz="1800" b="1" dirty="0">
-                <a:solidFill>
-                  <a:schemeClr val="bg1"/>
-                </a:solidFill>
-              </a:rPr>
-              <a:t> Android Libraries</a:t>
-            </a:r>
-            <a:r>
-              <a:rPr lang="pl-PL" sz="1800" dirty="0">
-                <a:solidFill>
-                  <a:schemeClr val="bg1"/>
-                </a:solidFill>
-              </a:rPr>
-              <a:t> – Interfejsy w języku Java do komponentów z warstwy Libraries</a:t>
-            </a:r>
-            <a:endParaRPr lang="pl-PL" sz="1800" b="1" dirty="0">
-              <a:solidFill>
-                <a:schemeClr val="bg1"/>
-              </a:solidFill>
-            </a:endParaRPr>
-          </a:p>
-          <a:p>
-            <a:pPr marL="171450" indent="-171450">
-              <a:buFont typeface="Courier New" panose="02070309020205020404" pitchFamily="49" charset="0"/>
-              <a:buChar char="o"/>
-            </a:pPr>
-            <a:endParaRPr lang="pl-PL" sz="1800" b="1" dirty="0">
-              <a:solidFill>
-                <a:schemeClr val="bg1"/>
-              </a:solidFill>
-            </a:endParaRPr>
-          </a:p>
-          <a:p>
-            <a:pPr marL="171450" indent="-171450">
-              <a:buFont typeface="Courier New" panose="02070309020205020404" pitchFamily="49" charset="0"/>
-              <a:buChar char="o"/>
-            </a:pPr>
-            <a:endParaRPr lang="pl-PL" sz="1800" b="1" dirty="0">
-              <a:solidFill>
-                <a:schemeClr val="bg1"/>
-              </a:solidFill>
-            </a:endParaRPr>
-          </a:p>
-          <a:p>
-            <a:pPr marL="171450" indent="-171450">
-              <a:lnSpc>
-                <a:spcPct val="150000"/>
-              </a:lnSpc>
-              <a:buFont typeface="Courier New" panose="02070309020205020404" pitchFamily="49" charset="0"/>
-              <a:buChar char="o"/>
-            </a:pPr>
-            <a:r>
-              <a:rPr lang="pl-PL" sz="1800" b="1" dirty="0" err="1">
-                <a:solidFill>
-                  <a:schemeClr val="bg1"/>
-                </a:solidFill>
-              </a:rPr>
-              <a:t>Dalvik</a:t>
-            </a:r>
-            <a:r>
-              <a:rPr lang="pl-PL" sz="1800" b="1" dirty="0">
-                <a:solidFill>
-                  <a:schemeClr val="bg1"/>
-                </a:solidFill>
-              </a:rPr>
-              <a:t> Virtual Machine – Java Virtual Machine</a:t>
-            </a:r>
-          </a:p>
-          <a:p>
-            <a:pPr marL="171450" indent="-171450">
-              <a:lnSpc>
-                <a:spcPct val="150000"/>
-              </a:lnSpc>
-              <a:buFont typeface="Courier New" panose="02070309020205020404" pitchFamily="49" charset="0"/>
-              <a:buChar char="o"/>
-            </a:pPr>
-            <a:r>
-              <a:rPr lang="pl-PL" sz="1800" b="1" dirty="0">
-                <a:solidFill>
-                  <a:schemeClr val="bg1"/>
-                </a:solidFill>
-              </a:rPr>
-              <a:t>Android Runtime</a:t>
-            </a:r>
-          </a:p>
-        </p:txBody>
-      </p:sp>
-    </p:spTree>
-    <p:extLst>
-      <p:ext uri="{BB962C8B-B14F-4D97-AF65-F5344CB8AC3E}">
-        <p14:creationId xmlns:p14="http://schemas.microsoft.com/office/powerpoint/2010/main" val="2607359867"/>
-      </p:ext>
-    </p:extLst>
-  </p:cSld>
-  <p:clrMapOvr>
-    <a:masterClrMapping/>
-  </p:clrMapOvr>
-</p:sld>
-</file>
-
-<file path=ppt/slides/slide11.xml><?xml version="1.0" encoding="utf-8"?>
-<p:sld xmlns:a="http://schemas.openxmlformats.org/drawingml/2006/main" xmlns:r="http://schemas.openxmlformats.org/officeDocument/2006/relationships" xmlns:p="http://schemas.openxmlformats.org/presentationml/2006/main">
-  <p:cSld>
-    <p:bg>
-      <p:bgPr>
-        <a:blipFill dpi="0" rotWithShape="0">
-          <a:blip r:embed="rId3" cstate="print"/>
-          <a:srcRect/>
-          <a:stretch>
-            <a:fillRect/>
-          </a:stretch>
-        </a:blipFill>
-        <a:effectLst/>
-      </p:bgPr>
-    </p:bg>
-    <p:spTree>
-      <p:nvGrpSpPr>
-        <p:cNvPr id="1" name=""/>
-        <p:cNvGrpSpPr/>
-        <p:nvPr/>
-      </p:nvGrpSpPr>
-      <p:grpSpPr>
-        <a:xfrm>
-          <a:off x="0" y="0"/>
-          <a:ext cx="0" cy="0"/>
-          <a:chOff x="0" y="0"/>
-          <a:chExt cx="0" cy="0"/>
-        </a:xfrm>
-      </p:grpSpPr>
-      <p:sp>
-        <p:nvSpPr>
-          <p:cNvPr id="2" name="Rectangle 1"/>
-          <p:cNvSpPr/>
-          <p:nvPr/>
-        </p:nvSpPr>
-        <p:spPr>
-          <a:xfrm>
-            <a:off x="1979712" y="188640"/>
-            <a:ext cx="6696744" cy="492443"/>
-          </a:xfrm>
-          <a:prstGeom prst="rect">
-            <a:avLst/>
-          </a:prstGeom>
-        </p:spPr>
-        <p:txBody>
-          <a:bodyPr wrap="square">
-            <a:spAutoFit/>
-          </a:bodyPr>
-          <a:lstStyle/>
-          <a:p>
-            <a:pPr algn="ctr"/>
-            <a:r>
-              <a:rPr lang="pl-PL" sz="2600" dirty="0">
-                <a:solidFill>
-                  <a:schemeClr val="bg1"/>
-                </a:solidFill>
-                <a:latin typeface="Verdana" panose="020B0604030504040204" pitchFamily="34" charset="0"/>
-                <a:ea typeface="Verdana" panose="020B0604030504040204" pitchFamily="34" charset="0"/>
-                <a:cs typeface="Verdana" panose="020B0604030504040204" pitchFamily="34" charset="0"/>
-              </a:rPr>
-              <a:t>Architektura platformy Android</a:t>
-            </a:r>
-          </a:p>
-        </p:txBody>
-      </p:sp>
-      <p:sp>
-        <p:nvSpPr>
-          <p:cNvPr id="6" name="Prostokąt 5">
-            <a:extLst>
-              <a:ext uri="{FF2B5EF4-FFF2-40B4-BE49-F238E27FC236}">
-                <a16:creationId xmlns:a16="http://schemas.microsoft.com/office/drawing/2014/main" id="{CA41B780-B57E-411C-AAD5-3D3D6912F664}"/>
-              </a:ext>
-            </a:extLst>
-          </p:cNvPr>
-          <p:cNvSpPr/>
-          <p:nvPr/>
-        </p:nvSpPr>
-        <p:spPr>
-          <a:xfrm>
-            <a:off x="971600" y="836712"/>
-            <a:ext cx="8172400" cy="6021288"/>
-          </a:xfrm>
-          <a:prstGeom prst="rect">
-            <a:avLst/>
-          </a:prstGeom>
-          <a:solidFill>
-            <a:schemeClr val="tx1"/>
-          </a:solidFill>
-        </p:spPr>
-        <p:style>
-          <a:lnRef idx="1">
-            <a:schemeClr val="accent1"/>
-          </a:lnRef>
-          <a:fillRef idx="3">
-            <a:schemeClr val="accent1"/>
-          </a:fillRef>
-          <a:effectRef idx="2">
-            <a:schemeClr val="accent1"/>
-          </a:effectRef>
-          <a:fontRef idx="minor">
-            <a:schemeClr val="lt1"/>
-          </a:fontRef>
-        </p:style>
-        <p:txBody>
-          <a:bodyPr rtlCol="0" anchor="ctr"/>
-          <a:lstStyle/>
-          <a:p>
-            <a:pPr algn="ctr"/>
-            <a:endParaRPr lang="pl-PL"/>
-          </a:p>
-        </p:txBody>
-      </p:sp>
-      <p:pic>
-        <p:nvPicPr>
-          <p:cNvPr id="4" name="Obraz 3">
-            <a:extLst>
-              <a:ext uri="{FF2B5EF4-FFF2-40B4-BE49-F238E27FC236}">
-                <a16:creationId xmlns:a16="http://schemas.microsoft.com/office/drawing/2014/main" id="{D84D16DA-01C4-4EED-B571-7FB4FBEEF98F}"/>
-              </a:ext>
-            </a:extLst>
-          </p:cNvPr>
-          <p:cNvPicPr>
-            <a:picLocks noChangeAspect="1"/>
-          </p:cNvPicPr>
-          <p:nvPr/>
-        </p:nvPicPr>
-        <p:blipFill>
-          <a:blip r:embed="rId4">
-            <a:extLst>
-              <a:ext uri="{28A0092B-C50C-407E-A947-70E740481C1C}">
-                <a14:useLocalDpi xmlns:a14="http://schemas.microsoft.com/office/drawing/2010/main" val="0"/>
-              </a:ext>
-            </a:extLst>
-          </a:blip>
-          <a:stretch>
-            <a:fillRect/>
-          </a:stretch>
-        </p:blipFill>
-        <p:spPr>
-          <a:xfrm>
-            <a:off x="1660599" y="836712"/>
-            <a:ext cx="6791325" cy="1209675"/>
-          </a:xfrm>
-          <a:prstGeom prst="rect">
-            <a:avLst/>
-          </a:prstGeom>
-        </p:spPr>
-      </p:pic>
-      <p:sp>
-        <p:nvSpPr>
-          <p:cNvPr id="7" name="pole tekstowe 6">
-            <a:extLst>
-              <a:ext uri="{FF2B5EF4-FFF2-40B4-BE49-F238E27FC236}">
-                <a16:creationId xmlns:a16="http://schemas.microsoft.com/office/drawing/2014/main" id="{151FE4CE-548E-4BFB-A53D-45E6D88E9390}"/>
-              </a:ext>
-            </a:extLst>
-          </p:cNvPr>
-          <p:cNvSpPr txBox="1"/>
-          <p:nvPr/>
-        </p:nvSpPr>
-        <p:spPr>
-          <a:xfrm>
-            <a:off x="970062" y="1916832"/>
-            <a:ext cx="8170862" cy="4196020"/>
-          </a:xfrm>
-          <a:prstGeom prst="rect">
-            <a:avLst/>
-          </a:prstGeom>
-          <a:noFill/>
-        </p:spPr>
-        <p:txBody>
-          <a:bodyPr wrap="square" rtlCol="0">
-            <a:spAutoFit/>
-          </a:bodyPr>
-          <a:lstStyle/>
-          <a:p>
-            <a:pPr marL="171450" indent="-171450">
-              <a:lnSpc>
-                <a:spcPct val="150000"/>
-              </a:lnSpc>
-              <a:buFont typeface="Courier New" panose="02070309020205020404" pitchFamily="49" charset="0"/>
-              <a:buChar char="o"/>
-            </a:pPr>
-            <a:r>
-              <a:rPr lang="pl-PL" sz="1800" dirty="0">
-                <a:solidFill>
-                  <a:schemeClr val="bg1"/>
-                </a:solidFill>
-              </a:rPr>
-              <a:t>Zbiór wysokopoziomowych bibliotek</a:t>
-            </a:r>
-          </a:p>
-          <a:p>
-            <a:pPr marL="171450" indent="-171450">
-              <a:lnSpc>
-                <a:spcPct val="150000"/>
-              </a:lnSpc>
-              <a:buFont typeface="Courier New" panose="02070309020205020404" pitchFamily="49" charset="0"/>
-              <a:buChar char="o"/>
-            </a:pPr>
-            <a:r>
-              <a:rPr lang="pl-PL" sz="1800" dirty="0">
-                <a:solidFill>
-                  <a:schemeClr val="bg1"/>
-                </a:solidFill>
-              </a:rPr>
-              <a:t>Podstawowe komponenty aplikacji</a:t>
-            </a:r>
-          </a:p>
-          <a:p>
-            <a:pPr marL="171450" indent="-171450">
-              <a:lnSpc>
-                <a:spcPct val="150000"/>
-              </a:lnSpc>
-              <a:buFont typeface="Courier New" panose="02070309020205020404" pitchFamily="49" charset="0"/>
-              <a:buChar char="o"/>
-            </a:pPr>
-            <a:endParaRPr lang="pl-PL" sz="1800" dirty="0">
-              <a:solidFill>
-                <a:schemeClr val="bg1"/>
-              </a:solidFill>
-            </a:endParaRPr>
-          </a:p>
-          <a:p>
-            <a:pPr marL="171450" indent="-171450">
-              <a:lnSpc>
-                <a:spcPct val="150000"/>
-              </a:lnSpc>
-              <a:buFont typeface="Courier New" panose="02070309020205020404" pitchFamily="49" charset="0"/>
-              <a:buChar char="o"/>
-            </a:pPr>
-            <a:r>
-              <a:rPr lang="pl-PL" sz="1800" b="1" dirty="0">
-                <a:solidFill>
-                  <a:schemeClr val="bg1"/>
-                </a:solidFill>
-              </a:rPr>
-              <a:t>Activity Manager</a:t>
-            </a:r>
-            <a:r>
-              <a:rPr lang="pl-PL" sz="1800" dirty="0">
-                <a:solidFill>
-                  <a:schemeClr val="bg1"/>
-                </a:solidFill>
-              </a:rPr>
-              <a:t> – Kontroler cyklu życia uruchomionych z aktywności</a:t>
-            </a:r>
-          </a:p>
-          <a:p>
-            <a:pPr marL="171450" indent="-171450">
-              <a:lnSpc>
-                <a:spcPct val="150000"/>
-              </a:lnSpc>
-              <a:buFont typeface="Courier New" panose="02070309020205020404" pitchFamily="49" charset="0"/>
-              <a:buChar char="o"/>
-            </a:pPr>
-            <a:r>
-              <a:rPr lang="pl-PL" sz="1800" b="1" dirty="0">
-                <a:solidFill>
-                  <a:schemeClr val="bg1"/>
-                </a:solidFill>
-              </a:rPr>
-              <a:t>Content Providers</a:t>
-            </a:r>
-            <a:r>
-              <a:rPr lang="pl-PL" sz="1800" dirty="0">
-                <a:solidFill>
-                  <a:schemeClr val="bg1"/>
-                </a:solidFill>
-              </a:rPr>
-              <a:t> – Zapewniają współdzielenie danych pomiędzy aplikacjami</a:t>
-            </a:r>
-          </a:p>
-          <a:p>
-            <a:pPr marL="171450" indent="-171450">
-              <a:lnSpc>
-                <a:spcPct val="150000"/>
-              </a:lnSpc>
-              <a:buFont typeface="Courier New" panose="02070309020205020404" pitchFamily="49" charset="0"/>
-              <a:buChar char="o"/>
-            </a:pPr>
-            <a:r>
-              <a:rPr lang="pl-PL" sz="1800" b="1" dirty="0">
-                <a:solidFill>
-                  <a:schemeClr val="bg1"/>
-                </a:solidFill>
-              </a:rPr>
-              <a:t>Resource Manager</a:t>
-            </a:r>
-            <a:r>
-              <a:rPr lang="pl-PL" sz="1800" dirty="0">
-                <a:solidFill>
-                  <a:schemeClr val="bg1"/>
-                </a:solidFill>
-              </a:rPr>
-              <a:t> – Udostępnia zasoby</a:t>
-            </a:r>
-          </a:p>
-          <a:p>
-            <a:pPr marL="171450" indent="-171450">
-              <a:lnSpc>
-                <a:spcPct val="150000"/>
-              </a:lnSpc>
-              <a:buFont typeface="Courier New" panose="02070309020205020404" pitchFamily="49" charset="0"/>
-              <a:buChar char="o"/>
-            </a:pPr>
-            <a:r>
-              <a:rPr lang="pl-PL" sz="1800" b="1" dirty="0">
-                <a:solidFill>
-                  <a:schemeClr val="bg1"/>
-                </a:solidFill>
-              </a:rPr>
-              <a:t>Notification Manager</a:t>
-            </a:r>
-            <a:r>
-              <a:rPr lang="pl-PL" sz="1800" dirty="0">
-                <a:solidFill>
-                  <a:schemeClr val="bg1"/>
-                </a:solidFill>
-              </a:rPr>
-              <a:t> – Umożliwia wyświetlenie powiadomień w telefonie</a:t>
-            </a:r>
-          </a:p>
-          <a:p>
-            <a:pPr marL="171450" indent="-171450">
-              <a:lnSpc>
-                <a:spcPct val="150000"/>
-              </a:lnSpc>
-              <a:buFont typeface="Courier New" panose="02070309020205020404" pitchFamily="49" charset="0"/>
-              <a:buChar char="o"/>
-            </a:pPr>
-            <a:r>
-              <a:rPr lang="pl-PL" sz="1800" b="1" dirty="0">
-                <a:solidFill>
-                  <a:schemeClr val="bg1"/>
-                </a:solidFill>
-              </a:rPr>
-              <a:t>Package Manager</a:t>
-            </a:r>
-            <a:r>
-              <a:rPr lang="pl-PL" sz="1800" dirty="0">
-                <a:solidFill>
-                  <a:schemeClr val="bg1"/>
-                </a:solidFill>
-              </a:rPr>
-              <a:t> – Kontroluje jakie aplikacja są zainstalowane na telefonie</a:t>
-            </a:r>
-          </a:p>
-          <a:p>
-            <a:pPr marL="171450" indent="-171450">
-              <a:lnSpc>
-                <a:spcPct val="150000"/>
-              </a:lnSpc>
-              <a:buFont typeface="Courier New" panose="02070309020205020404" pitchFamily="49" charset="0"/>
-              <a:buChar char="o"/>
-            </a:pPr>
-            <a:r>
-              <a:rPr lang="pl-PL" sz="1800" b="1" dirty="0">
-                <a:solidFill>
-                  <a:schemeClr val="bg1"/>
-                </a:solidFill>
-              </a:rPr>
-              <a:t>Location Manager</a:t>
-            </a:r>
-            <a:r>
-              <a:rPr lang="pl-PL" sz="1800" dirty="0">
-                <a:solidFill>
-                  <a:schemeClr val="bg1"/>
-                </a:solidFill>
-              </a:rPr>
-              <a:t> – GPS i inne</a:t>
-            </a:r>
-            <a:endParaRPr lang="pl-PL" sz="1800" b="1" dirty="0">
-              <a:solidFill>
-                <a:schemeClr val="bg1"/>
-              </a:solidFill>
-            </a:endParaRPr>
-          </a:p>
-        </p:txBody>
-      </p:sp>
-      <p:pic>
-        <p:nvPicPr>
-          <p:cNvPr id="8" name="Obraz 7">
-            <a:extLst>
-              <a:ext uri="{FF2B5EF4-FFF2-40B4-BE49-F238E27FC236}">
-                <a16:creationId xmlns:a16="http://schemas.microsoft.com/office/drawing/2014/main" id="{8012304D-7656-46C4-A7E3-65625F541888}"/>
-              </a:ext>
-            </a:extLst>
-          </p:cNvPr>
-          <p:cNvPicPr>
-            <a:picLocks noChangeAspect="1"/>
-          </p:cNvPicPr>
-          <p:nvPr/>
-        </p:nvPicPr>
-        <p:blipFill>
-          <a:blip r:embed="rId5">
-            <a:extLst>
-              <a:ext uri="{28A0092B-C50C-407E-A947-70E740481C1C}">
-                <a14:useLocalDpi xmlns:a14="http://schemas.microsoft.com/office/drawing/2010/main" val="0"/>
-              </a:ext>
-            </a:extLst>
-          </a:blip>
-          <a:stretch>
-            <a:fillRect/>
-          </a:stretch>
-        </p:blipFill>
-        <p:spPr>
-          <a:xfrm>
-            <a:off x="1659830" y="6000750"/>
-            <a:ext cx="6791325" cy="857250"/>
-          </a:xfrm>
-          <a:prstGeom prst="rect">
-            <a:avLst/>
-          </a:prstGeom>
-        </p:spPr>
-      </p:pic>
-    </p:spTree>
-    <p:extLst>
-      <p:ext uri="{BB962C8B-B14F-4D97-AF65-F5344CB8AC3E}">
-        <p14:creationId xmlns:p14="http://schemas.microsoft.com/office/powerpoint/2010/main" val="625986286"/>
-      </p:ext>
-    </p:extLst>
-  </p:cSld>
-  <p:clrMapOvr>
-    <a:masterClrMapping/>
-  </p:clrMapOvr>
-</p:sld>
-</file>
-
-<file path=ppt/slides/slide12.xml><?xml version="1.0" encoding="utf-8"?>
-<p:sld xmlns:a="http://schemas.openxmlformats.org/drawingml/2006/main" xmlns:r="http://schemas.openxmlformats.org/officeDocument/2006/relationships" xmlns:p="http://schemas.openxmlformats.org/presentationml/2006/main">
-  <p:cSld>
-    <p:bg>
-      <p:bgPr>
-        <a:blipFill dpi="0" rotWithShape="0">
-          <a:blip r:embed="rId3" cstate="print"/>
-          <a:srcRect/>
-          <a:stretch>
-            <a:fillRect/>
-          </a:stretch>
-        </a:blipFill>
-        <a:effectLst/>
-      </p:bgPr>
-    </p:bg>
-    <p:spTree>
-      <p:nvGrpSpPr>
-        <p:cNvPr id="1" name=""/>
-        <p:cNvGrpSpPr/>
-        <p:nvPr/>
-      </p:nvGrpSpPr>
-      <p:grpSpPr>
-        <a:xfrm>
-          <a:off x="0" y="0"/>
-          <a:ext cx="0" cy="0"/>
-          <a:chOff x="0" y="0"/>
-          <a:chExt cx="0" cy="0"/>
-        </a:xfrm>
-      </p:grpSpPr>
-      <p:sp>
-        <p:nvSpPr>
-          <p:cNvPr id="7" name="TextBox 1">
-            <a:extLst>
-              <a:ext uri="{FF2B5EF4-FFF2-40B4-BE49-F238E27FC236}">
-                <a16:creationId xmlns:a16="http://schemas.microsoft.com/office/drawing/2014/main" id="{18B63D4F-5BA2-440F-9AD4-247950001015}"/>
-              </a:ext>
-            </a:extLst>
-          </p:cNvPr>
-          <p:cNvSpPr txBox="1"/>
-          <p:nvPr/>
-        </p:nvSpPr>
-        <p:spPr>
-          <a:xfrm>
-            <a:off x="359532" y="3284984"/>
-            <a:ext cx="8424936" cy="584775"/>
-          </a:xfrm>
-          <a:prstGeom prst="rect">
-            <a:avLst/>
-          </a:prstGeom>
-          <a:noFill/>
-        </p:spPr>
-        <p:txBody>
-          <a:bodyPr wrap="square" rtlCol="0">
-            <a:spAutoFit/>
-          </a:bodyPr>
-          <a:lstStyle/>
-          <a:p>
-            <a:pPr algn="ctr"/>
-            <a:r>
-              <a:rPr lang="pl-PL" sz="3200" b="1" dirty="0">
-                <a:solidFill>
-                  <a:schemeClr val="bg1"/>
-                </a:solidFill>
-              </a:rPr>
-              <a:t>Podstawowe Elementy Aplikacji</a:t>
-            </a:r>
-          </a:p>
-        </p:txBody>
-      </p:sp>
-    </p:spTree>
-    <p:extLst>
-      <p:ext uri="{BB962C8B-B14F-4D97-AF65-F5344CB8AC3E}">
-        <p14:creationId xmlns:p14="http://schemas.microsoft.com/office/powerpoint/2010/main" val="2715929198"/>
-      </p:ext>
-    </p:extLst>
-  </p:cSld>
-  <p:clrMapOvr>
-    <a:masterClrMapping/>
-  </p:clrMapOvr>
-</p:sld>
-</file>
-
-<file path=ppt/slides/slide13.xml><?xml version="1.0" encoding="utf-8"?>
-<p:sld xmlns:a="http://schemas.openxmlformats.org/drawingml/2006/main" xmlns:r="http://schemas.openxmlformats.org/officeDocument/2006/relationships" xmlns:p="http://schemas.openxmlformats.org/presentationml/2006/main">
-  <p:cSld>
-    <p:bg>
-      <p:bgPr>
-        <a:blipFill dpi="0" rotWithShape="0">
-          <a:blip r:embed="rId3" cstate="print"/>
-          <a:srcRect/>
-          <a:stretch>
-            <a:fillRect/>
-          </a:stretch>
-        </a:blipFill>
-        <a:effectLst/>
-      </p:bgPr>
-    </p:bg>
-    <p:spTree>
-      <p:nvGrpSpPr>
-        <p:cNvPr id="1" name=""/>
-        <p:cNvGrpSpPr/>
-        <p:nvPr/>
-      </p:nvGrpSpPr>
-      <p:grpSpPr>
-        <a:xfrm>
-          <a:off x="0" y="0"/>
-          <a:ext cx="0" cy="0"/>
-          <a:chOff x="0" y="0"/>
-          <a:chExt cx="0" cy="0"/>
-        </a:xfrm>
-      </p:grpSpPr>
-      <p:sp>
-        <p:nvSpPr>
-          <p:cNvPr id="2" name="Rectangle 1"/>
-          <p:cNvSpPr/>
-          <p:nvPr/>
-        </p:nvSpPr>
-        <p:spPr>
-          <a:xfrm>
-            <a:off x="1979712" y="188640"/>
-            <a:ext cx="6696744" cy="492443"/>
-          </a:xfrm>
-          <a:prstGeom prst="rect">
-            <a:avLst/>
-          </a:prstGeom>
-        </p:spPr>
-        <p:txBody>
-          <a:bodyPr wrap="square">
-            <a:spAutoFit/>
-          </a:bodyPr>
-          <a:lstStyle/>
-          <a:p>
-            <a:pPr algn="ctr"/>
-            <a:r>
-              <a:rPr lang="pl-PL" sz="2600" dirty="0">
-                <a:solidFill>
-                  <a:schemeClr val="bg1"/>
-                </a:solidFill>
-                <a:latin typeface="Verdana" panose="020B0604030504040204" pitchFamily="34" charset="0"/>
-                <a:ea typeface="Verdana" panose="020B0604030504040204" pitchFamily="34" charset="0"/>
-                <a:cs typeface="Verdana" panose="020B0604030504040204" pitchFamily="34" charset="0"/>
-              </a:rPr>
-              <a:t>Podstawowe elementy aplikacji</a:t>
-            </a:r>
-          </a:p>
-        </p:txBody>
-      </p:sp>
-      <p:sp>
-        <p:nvSpPr>
-          <p:cNvPr id="6" name="Prostokąt 5">
-            <a:extLst>
-              <a:ext uri="{FF2B5EF4-FFF2-40B4-BE49-F238E27FC236}">
-                <a16:creationId xmlns:a16="http://schemas.microsoft.com/office/drawing/2014/main" id="{B483F383-749C-4DE4-ACCC-8253AFF3C42A}"/>
-              </a:ext>
-            </a:extLst>
-          </p:cNvPr>
-          <p:cNvSpPr/>
-          <p:nvPr/>
-        </p:nvSpPr>
-        <p:spPr>
-          <a:xfrm>
-            <a:off x="971600" y="836712"/>
-            <a:ext cx="8150696" cy="6021288"/>
-          </a:xfrm>
-          <a:prstGeom prst="rect">
-            <a:avLst/>
-          </a:prstGeom>
-          <a:solidFill>
-            <a:schemeClr val="tx1"/>
-          </a:solidFill>
-        </p:spPr>
-        <p:style>
-          <a:lnRef idx="1">
-            <a:schemeClr val="accent1"/>
-          </a:lnRef>
-          <a:fillRef idx="3">
-            <a:schemeClr val="accent1"/>
-          </a:fillRef>
-          <a:effectRef idx="2">
-            <a:schemeClr val="accent1"/>
-          </a:effectRef>
-          <a:fontRef idx="minor">
-            <a:schemeClr val="lt1"/>
-          </a:fontRef>
-        </p:style>
-        <p:txBody>
-          <a:bodyPr rtlCol="0" anchor="ctr"/>
-          <a:lstStyle/>
-          <a:p>
-            <a:pPr algn="ctr"/>
-            <a:endParaRPr lang="pl-PL" dirty="0"/>
-          </a:p>
-        </p:txBody>
-      </p:sp>
-      <p:sp>
-        <p:nvSpPr>
-          <p:cNvPr id="3" name="pole tekstowe 2">
-            <a:extLst>
-              <a:ext uri="{FF2B5EF4-FFF2-40B4-BE49-F238E27FC236}">
-                <a16:creationId xmlns:a16="http://schemas.microsoft.com/office/drawing/2014/main" id="{DE844D0F-DE98-492A-8B73-1EA3ECEE4E84}"/>
-              </a:ext>
-            </a:extLst>
-          </p:cNvPr>
-          <p:cNvSpPr txBox="1"/>
-          <p:nvPr/>
-        </p:nvSpPr>
-        <p:spPr>
-          <a:xfrm>
-            <a:off x="1043609" y="853108"/>
-            <a:ext cx="8078688" cy="5027017"/>
-          </a:xfrm>
-          <a:prstGeom prst="rect">
-            <a:avLst/>
-          </a:prstGeom>
-          <a:noFill/>
-        </p:spPr>
-        <p:txBody>
-          <a:bodyPr wrap="square" rtlCol="0">
-            <a:spAutoFit/>
-          </a:bodyPr>
-          <a:lstStyle/>
-          <a:p>
-            <a:pPr algn="just">
-              <a:lnSpc>
-                <a:spcPct val="150000"/>
-              </a:lnSpc>
-            </a:pPr>
-            <a:r>
-              <a:rPr lang="pl-PL" sz="1800" dirty="0">
-                <a:solidFill>
-                  <a:schemeClr val="bg1"/>
-                </a:solidFill>
-              </a:rPr>
-              <a:t>Podstawowe elementy – komponenty, klasy pierwotne z których zbudowana jest aplikacja (VM + Zasoby = APK (Android Package Kit))</a:t>
-            </a:r>
-          </a:p>
-          <a:p>
-            <a:pPr algn="just">
-              <a:lnSpc>
-                <a:spcPct val="150000"/>
-              </a:lnSpc>
-            </a:pPr>
-            <a:endParaRPr lang="pl-PL" sz="1800" dirty="0">
-              <a:solidFill>
-                <a:schemeClr val="bg1"/>
-              </a:solidFill>
-            </a:endParaRPr>
-          </a:p>
-          <a:p>
-            <a:pPr algn="just">
-              <a:lnSpc>
-                <a:spcPct val="150000"/>
-              </a:lnSpc>
-            </a:pPr>
-            <a:r>
-              <a:rPr lang="pl-PL" sz="1800" dirty="0">
-                <a:solidFill>
-                  <a:schemeClr val="bg1"/>
-                </a:solidFill>
-              </a:rPr>
-              <a:t>Każdy komponent zapewnia konkretną funkcjonalność i posiada wyodrębniony cykl życia. Komponenty działają kooperacyjnie wspólnie zapewniając ukończenie określonego zadania aplikacji</a:t>
-            </a:r>
-          </a:p>
-          <a:p>
-            <a:pPr algn="just">
-              <a:lnSpc>
-                <a:spcPct val="150000"/>
-              </a:lnSpc>
-            </a:pPr>
-            <a:endParaRPr lang="pl-PL" sz="1800" dirty="0">
-              <a:solidFill>
-                <a:schemeClr val="bg1"/>
-              </a:solidFill>
-            </a:endParaRPr>
-          </a:p>
-          <a:p>
-            <a:pPr algn="just">
-              <a:lnSpc>
-                <a:spcPct val="150000"/>
-              </a:lnSpc>
-            </a:pPr>
-            <a:r>
-              <a:rPr lang="pl-PL" sz="1800" dirty="0">
-                <a:solidFill>
-                  <a:schemeClr val="bg1"/>
-                </a:solidFill>
-              </a:rPr>
-              <a:t>Podstawowe elementy:</a:t>
-            </a:r>
-          </a:p>
-          <a:p>
-            <a:pPr marL="342900" indent="-342900" algn="just">
-              <a:lnSpc>
-                <a:spcPct val="150000"/>
-              </a:lnSpc>
-              <a:buFont typeface="+mj-lt"/>
-              <a:buAutoNum type="arabicPeriod"/>
-            </a:pPr>
-            <a:r>
-              <a:rPr lang="pl-PL" sz="1800" dirty="0">
-                <a:solidFill>
-                  <a:schemeClr val="bg1"/>
-                </a:solidFill>
-              </a:rPr>
-              <a:t>Activities/Fragments – pojedynczy ekran z UI</a:t>
-            </a:r>
-          </a:p>
-          <a:p>
-            <a:pPr marL="342900" indent="-342900" algn="just">
-              <a:lnSpc>
-                <a:spcPct val="150000"/>
-              </a:lnSpc>
-              <a:buFont typeface="+mj-lt"/>
-              <a:buAutoNum type="arabicPeriod"/>
-            </a:pPr>
-            <a:r>
-              <a:rPr lang="pl-PL" sz="1800" dirty="0">
-                <a:solidFill>
-                  <a:schemeClr val="bg1"/>
-                </a:solidFill>
-              </a:rPr>
-              <a:t>Services – long running tasks in the background</a:t>
-            </a:r>
-          </a:p>
-          <a:p>
-            <a:pPr marL="342900" indent="-342900" algn="just">
-              <a:lnSpc>
-                <a:spcPct val="150000"/>
-              </a:lnSpc>
-              <a:buFont typeface="+mj-lt"/>
-              <a:buAutoNum type="arabicPeriod"/>
-            </a:pPr>
-            <a:r>
-              <a:rPr lang="pl-PL" sz="1800" dirty="0">
-                <a:solidFill>
-                  <a:schemeClr val="bg1"/>
-                </a:solidFill>
-              </a:rPr>
-              <a:t>Broadcast Receiver – responds to system-</a:t>
-            </a:r>
-            <a:r>
-              <a:rPr lang="pl-PL" sz="1800" dirty="0" err="1">
-                <a:solidFill>
-                  <a:schemeClr val="bg1"/>
-                </a:solidFill>
-              </a:rPr>
-              <a:t>wide</a:t>
-            </a:r>
-            <a:r>
-              <a:rPr lang="pl-PL" sz="1800" dirty="0">
-                <a:solidFill>
-                  <a:schemeClr val="bg1"/>
-                </a:solidFill>
-              </a:rPr>
-              <a:t> announcements</a:t>
-            </a:r>
-          </a:p>
-          <a:p>
-            <a:pPr marL="342900" indent="-342900" algn="just">
-              <a:lnSpc>
-                <a:spcPct val="150000"/>
-              </a:lnSpc>
-              <a:buFont typeface="+mj-lt"/>
-              <a:buAutoNum type="arabicPeriod"/>
-            </a:pPr>
-            <a:r>
-              <a:rPr lang="pl-PL" sz="1800" dirty="0">
-                <a:solidFill>
-                  <a:schemeClr val="bg1"/>
-                </a:solidFill>
-              </a:rPr>
-              <a:t>Content Provider</a:t>
-            </a:r>
-          </a:p>
-        </p:txBody>
-      </p:sp>
-    </p:spTree>
-    <p:extLst>
-      <p:ext uri="{BB962C8B-B14F-4D97-AF65-F5344CB8AC3E}">
-        <p14:creationId xmlns:p14="http://schemas.microsoft.com/office/powerpoint/2010/main" val="758655208"/>
-      </p:ext>
-    </p:extLst>
-  </p:cSld>
-  <p:clrMapOvr>
-    <a:masterClrMapping/>
-  </p:clrMapOvr>
-</p:sld>
-</file>
-
-<file path=ppt/slides/slide14.xml><?xml version="1.0" encoding="utf-8"?>
-<p:sld xmlns:a="http://schemas.openxmlformats.org/drawingml/2006/main" xmlns:r="http://schemas.openxmlformats.org/officeDocument/2006/relationships" xmlns:p="http://schemas.openxmlformats.org/presentationml/2006/main">
-  <p:cSld>
-    <p:bg>
-      <p:bgPr>
-        <a:blipFill dpi="0" rotWithShape="0">
-          <a:blip r:embed="rId3" cstate="print"/>
-          <a:srcRect/>
-          <a:stretch>
-            <a:fillRect/>
-          </a:stretch>
-        </a:blipFill>
-        <a:effectLst/>
-      </p:bgPr>
-    </p:bg>
-    <p:spTree>
-      <p:nvGrpSpPr>
-        <p:cNvPr id="1" name=""/>
-        <p:cNvGrpSpPr/>
-        <p:nvPr/>
-      </p:nvGrpSpPr>
-      <p:grpSpPr>
-        <a:xfrm>
-          <a:off x="0" y="0"/>
-          <a:ext cx="0" cy="0"/>
-          <a:chOff x="0" y="0"/>
-          <a:chExt cx="0" cy="0"/>
-        </a:xfrm>
-      </p:grpSpPr>
-      <p:sp>
-        <p:nvSpPr>
-          <p:cNvPr id="2" name="Rectangle 1"/>
-          <p:cNvSpPr/>
-          <p:nvPr/>
-        </p:nvSpPr>
-        <p:spPr>
-          <a:xfrm>
-            <a:off x="1979712" y="188640"/>
-            <a:ext cx="6696744" cy="492443"/>
-          </a:xfrm>
-          <a:prstGeom prst="rect">
-            <a:avLst/>
-          </a:prstGeom>
-        </p:spPr>
-        <p:txBody>
-          <a:bodyPr wrap="square">
-            <a:spAutoFit/>
-          </a:bodyPr>
-          <a:lstStyle/>
-          <a:p>
-            <a:pPr algn="ctr"/>
-            <a:r>
-              <a:rPr lang="pl-PL" sz="2600" dirty="0">
-                <a:solidFill>
-                  <a:schemeClr val="bg1"/>
-                </a:solidFill>
-                <a:latin typeface="Verdana" panose="020B0604030504040204" pitchFamily="34" charset="0"/>
-                <a:ea typeface="Verdana" panose="020B0604030504040204" pitchFamily="34" charset="0"/>
-                <a:cs typeface="Verdana" panose="020B0604030504040204" pitchFamily="34" charset="0"/>
-              </a:rPr>
-              <a:t>Podstawowe elementy aplikacji</a:t>
-            </a:r>
-          </a:p>
-        </p:txBody>
-      </p:sp>
-      <p:sp>
-        <p:nvSpPr>
-          <p:cNvPr id="6" name="Prostokąt 5">
-            <a:extLst>
-              <a:ext uri="{FF2B5EF4-FFF2-40B4-BE49-F238E27FC236}">
-                <a16:creationId xmlns:a16="http://schemas.microsoft.com/office/drawing/2014/main" id="{B483F383-749C-4DE4-ACCC-8253AFF3C42A}"/>
-              </a:ext>
-            </a:extLst>
-          </p:cNvPr>
-          <p:cNvSpPr/>
-          <p:nvPr/>
-        </p:nvSpPr>
-        <p:spPr>
-          <a:xfrm>
-            <a:off x="21703" y="836712"/>
-            <a:ext cx="9100593" cy="6021288"/>
-          </a:xfrm>
-          <a:prstGeom prst="rect">
-            <a:avLst/>
-          </a:prstGeom>
-          <a:solidFill>
-            <a:schemeClr val="tx1"/>
-          </a:solidFill>
-        </p:spPr>
-        <p:style>
-          <a:lnRef idx="1">
-            <a:schemeClr val="accent1"/>
-          </a:lnRef>
-          <a:fillRef idx="3">
-            <a:schemeClr val="accent1"/>
-          </a:fillRef>
-          <a:effectRef idx="2">
-            <a:schemeClr val="accent1"/>
-          </a:effectRef>
-          <a:fontRef idx="minor">
-            <a:schemeClr val="lt1"/>
-          </a:fontRef>
-        </p:style>
-        <p:txBody>
-          <a:bodyPr rtlCol="0" anchor="ctr"/>
-          <a:lstStyle/>
-          <a:p>
-            <a:pPr algn="ctr"/>
-            <a:endParaRPr lang="pl-PL" dirty="0"/>
-          </a:p>
-        </p:txBody>
-      </p:sp>
-      <p:sp>
-        <p:nvSpPr>
-          <p:cNvPr id="3" name="pole tekstowe 2">
-            <a:extLst>
-              <a:ext uri="{FF2B5EF4-FFF2-40B4-BE49-F238E27FC236}">
-                <a16:creationId xmlns:a16="http://schemas.microsoft.com/office/drawing/2014/main" id="{DE844D0F-DE98-492A-8B73-1EA3ECEE4E84}"/>
-              </a:ext>
-            </a:extLst>
-          </p:cNvPr>
-          <p:cNvSpPr txBox="1"/>
-          <p:nvPr/>
-        </p:nvSpPr>
-        <p:spPr>
-          <a:xfrm>
-            <a:off x="0" y="853108"/>
-            <a:ext cx="9122297" cy="2949525"/>
-          </a:xfrm>
-          <a:prstGeom prst="rect">
-            <a:avLst/>
-          </a:prstGeom>
-          <a:noFill/>
-        </p:spPr>
-        <p:txBody>
-          <a:bodyPr wrap="square" rtlCol="0">
-            <a:spAutoFit/>
-          </a:bodyPr>
-          <a:lstStyle/>
-          <a:p>
-            <a:pPr marL="285750" indent="-285750" algn="just">
-              <a:lnSpc>
-                <a:spcPct val="150000"/>
-              </a:lnSpc>
-              <a:buFont typeface="Courier New" panose="02070309020205020404" pitchFamily="49" charset="0"/>
-              <a:buChar char="o"/>
-            </a:pPr>
-            <a:r>
-              <a:rPr lang="pl-PL" sz="1800" dirty="0">
-                <a:solidFill>
-                  <a:schemeClr val="bg1"/>
-                </a:solidFill>
-              </a:rPr>
-              <a:t>Activity Class – obiekt, pojedyncze GUI, które poza wyświetlaniem / zbieraniem danych zapewnia pewną funkcjonalność</a:t>
-            </a:r>
-            <a:endParaRPr lang="pl-PL" sz="1800" i="1" dirty="0">
-              <a:solidFill>
-                <a:schemeClr val="bg1"/>
-              </a:solidFill>
-            </a:endParaRPr>
-          </a:p>
-          <a:p>
-            <a:pPr marL="285750" indent="-285750" algn="just">
-              <a:lnSpc>
-                <a:spcPct val="150000"/>
-              </a:lnSpc>
-              <a:buFont typeface="Courier New" panose="02070309020205020404" pitchFamily="49" charset="0"/>
-              <a:buChar char="o"/>
-            </a:pPr>
-            <a:r>
-              <a:rPr lang="pl-PL" sz="1800" dirty="0">
-                <a:solidFill>
-                  <a:schemeClr val="bg1"/>
-                </a:solidFill>
-              </a:rPr>
-              <a:t>Typowo aplikacje zawierają jeden lub więcej obiektów </a:t>
-            </a:r>
-            <a:r>
-              <a:rPr lang="pl-PL" sz="1800" i="1" dirty="0">
-                <a:solidFill>
-                  <a:schemeClr val="bg1"/>
-                </a:solidFill>
-              </a:rPr>
-              <a:t>Activity</a:t>
-            </a:r>
-            <a:endParaRPr lang="pl-PL" sz="1800" dirty="0">
-              <a:solidFill>
-                <a:schemeClr val="bg1"/>
-              </a:solidFill>
-            </a:endParaRPr>
-          </a:p>
-          <a:p>
-            <a:pPr marL="285750" indent="-285750" algn="just">
-              <a:lnSpc>
-                <a:spcPct val="150000"/>
-              </a:lnSpc>
-              <a:buFont typeface="Courier New" panose="02070309020205020404" pitchFamily="49" charset="0"/>
-              <a:buChar char="o"/>
-            </a:pPr>
-            <a:r>
-              <a:rPr lang="pl-PL" sz="1800" dirty="0">
-                <a:solidFill>
-                  <a:schemeClr val="bg1"/>
-                </a:solidFill>
-              </a:rPr>
-              <a:t>Aplikacje muszą wyznaczyć jedną czynność jako </a:t>
-            </a:r>
-            <a:r>
-              <a:rPr lang="pl-PL" sz="1800" i="1" dirty="0">
-                <a:solidFill>
-                  <a:schemeClr val="bg1"/>
-                </a:solidFill>
-              </a:rPr>
-              <a:t>main task/entry point. </a:t>
-            </a:r>
-            <a:r>
-              <a:rPr lang="pl-PL" sz="1800" dirty="0">
-                <a:solidFill>
-                  <a:schemeClr val="bg1"/>
-                </a:solidFill>
-              </a:rPr>
-              <a:t>Ta czynność jest uruchamiana jako pierwsza gdy aplikacja jest włączana</a:t>
-            </a:r>
-          </a:p>
-          <a:p>
-            <a:pPr marL="285750" indent="-285750" algn="just">
-              <a:lnSpc>
-                <a:spcPct val="150000"/>
-              </a:lnSpc>
-              <a:buFont typeface="Courier New" panose="02070309020205020404" pitchFamily="49" charset="0"/>
-              <a:buChar char="o"/>
-            </a:pPr>
-            <a:r>
-              <a:rPr lang="pl-PL" sz="1800" dirty="0">
-                <a:solidFill>
-                  <a:schemeClr val="bg1"/>
-                </a:solidFill>
-              </a:rPr>
-              <a:t>Czynność może przekazać kontrolę i dane do innej czynności poprzez protokół komunikacji międzyprocesowej </a:t>
-            </a:r>
-            <a:r>
-              <a:rPr lang="pl-PL" sz="1800" i="1" dirty="0">
-                <a:solidFill>
-                  <a:schemeClr val="bg1"/>
-                </a:solidFill>
-              </a:rPr>
-              <a:t>intents  - </a:t>
-            </a:r>
-            <a:r>
-              <a:rPr lang="pl-PL" sz="1800" dirty="0">
-                <a:solidFill>
-                  <a:schemeClr val="bg1"/>
-                </a:solidFill>
-              </a:rPr>
-              <a:t>proces logowania</a:t>
-            </a:r>
-          </a:p>
-        </p:txBody>
-      </p:sp>
-      <p:pic>
-        <p:nvPicPr>
-          <p:cNvPr id="4" name="Obraz 3">
-            <a:extLst>
-              <a:ext uri="{FF2B5EF4-FFF2-40B4-BE49-F238E27FC236}">
-                <a16:creationId xmlns:a16="http://schemas.microsoft.com/office/drawing/2014/main" id="{84070EC6-774D-4741-BC65-E6FBC00310DF}"/>
-              </a:ext>
-            </a:extLst>
-          </p:cNvPr>
-          <p:cNvPicPr>
-            <a:picLocks noChangeAspect="1"/>
-          </p:cNvPicPr>
-          <p:nvPr/>
-        </p:nvPicPr>
-        <p:blipFill>
-          <a:blip r:embed="rId4"/>
-          <a:stretch>
-            <a:fillRect/>
-          </a:stretch>
-        </p:blipFill>
-        <p:spPr>
-          <a:xfrm>
-            <a:off x="1835696" y="3852297"/>
-            <a:ext cx="5185048" cy="3022099"/>
-          </a:xfrm>
-          <a:prstGeom prst="rect">
-            <a:avLst/>
-          </a:prstGeom>
-        </p:spPr>
-      </p:pic>
-      <p:sp>
-        <p:nvSpPr>
-          <p:cNvPr id="5" name="pole tekstowe 4">
-            <a:extLst>
-              <a:ext uri="{FF2B5EF4-FFF2-40B4-BE49-F238E27FC236}">
-                <a16:creationId xmlns:a16="http://schemas.microsoft.com/office/drawing/2014/main" id="{8B1F98A9-AB43-463B-B1AD-A238673D8691}"/>
-              </a:ext>
-            </a:extLst>
-          </p:cNvPr>
-          <p:cNvSpPr txBox="1"/>
-          <p:nvPr/>
-        </p:nvSpPr>
-        <p:spPr>
-          <a:xfrm>
-            <a:off x="7475882" y="6392361"/>
-            <a:ext cx="1075038" cy="276999"/>
-          </a:xfrm>
-          <a:prstGeom prst="rect">
-            <a:avLst/>
-          </a:prstGeom>
-          <a:noFill/>
-        </p:spPr>
-        <p:txBody>
-          <a:bodyPr wrap="none" rtlCol="0">
-            <a:spAutoFit/>
-          </a:bodyPr>
-          <a:lstStyle/>
-          <a:p>
-            <a:r>
-              <a:rPr lang="pl-PL" b="1" dirty="0">
-                <a:solidFill>
-                  <a:schemeClr val="bg1"/>
-                </a:solidFill>
-              </a:rPr>
-              <a:t>BACHA </a:t>
-            </a:r>
-            <a:r>
-              <a:rPr lang="pl-PL" b="1" dirty="0" err="1">
-                <a:solidFill>
-                  <a:schemeClr val="bg1"/>
-                </a:solidFill>
-              </a:rPr>
-              <a:t>Soft</a:t>
-            </a:r>
-            <a:endParaRPr lang="pl-PL" dirty="0">
-              <a:solidFill>
-                <a:schemeClr val="bg1"/>
-              </a:solidFill>
-            </a:endParaRPr>
-          </a:p>
-        </p:txBody>
-      </p:sp>
-    </p:spTree>
-    <p:extLst>
-      <p:ext uri="{BB962C8B-B14F-4D97-AF65-F5344CB8AC3E}">
-        <p14:creationId xmlns:p14="http://schemas.microsoft.com/office/powerpoint/2010/main" val="28629014"/>
-      </p:ext>
-    </p:extLst>
-  </p:cSld>
-  <p:clrMapOvr>
-    <a:masterClrMapping/>
-  </p:clrMapOvr>
-</p:sld>
-</file>
-
-<file path=ppt/slides/slide15.xml><?xml version="1.0" encoding="utf-8"?>
-<p:sld xmlns:a="http://schemas.openxmlformats.org/drawingml/2006/main" xmlns:r="http://schemas.openxmlformats.org/officeDocument/2006/relationships" xmlns:p="http://schemas.openxmlformats.org/presentationml/2006/main">
-  <p:cSld>
-    <p:bg>
-      <p:bgPr>
-        <a:blipFill dpi="0" rotWithShape="0">
-          <a:blip r:embed="rId3" cstate="print"/>
-          <a:srcRect/>
-          <a:stretch>
-            <a:fillRect/>
-          </a:stretch>
-        </a:blipFill>
-        <a:effectLst/>
-      </p:bgPr>
-    </p:bg>
-    <p:spTree>
-      <p:nvGrpSpPr>
-        <p:cNvPr id="1" name=""/>
-        <p:cNvGrpSpPr/>
-        <p:nvPr/>
-      </p:nvGrpSpPr>
-      <p:grpSpPr>
-        <a:xfrm>
-          <a:off x="0" y="0"/>
-          <a:ext cx="0" cy="0"/>
-          <a:chOff x="0" y="0"/>
-          <a:chExt cx="0" cy="0"/>
-        </a:xfrm>
-      </p:grpSpPr>
-      <p:sp>
-        <p:nvSpPr>
-          <p:cNvPr id="2" name="Rectangle 1"/>
-          <p:cNvSpPr/>
-          <p:nvPr/>
-        </p:nvSpPr>
-        <p:spPr>
-          <a:xfrm>
-            <a:off x="1979712" y="188640"/>
-            <a:ext cx="6696744" cy="492443"/>
-          </a:xfrm>
-          <a:prstGeom prst="rect">
-            <a:avLst/>
-          </a:prstGeom>
-        </p:spPr>
-        <p:txBody>
-          <a:bodyPr wrap="square">
-            <a:spAutoFit/>
-          </a:bodyPr>
-          <a:lstStyle/>
-          <a:p>
-            <a:pPr algn="ctr"/>
-            <a:r>
-              <a:rPr lang="pl-PL" sz="2600" dirty="0">
-                <a:solidFill>
-                  <a:schemeClr val="bg1"/>
-                </a:solidFill>
-                <a:latin typeface="Verdana" panose="020B0604030504040204" pitchFamily="34" charset="0"/>
-                <a:ea typeface="Verdana" panose="020B0604030504040204" pitchFamily="34" charset="0"/>
-                <a:cs typeface="Verdana" panose="020B0604030504040204" pitchFamily="34" charset="0"/>
-              </a:rPr>
-              <a:t>Podstawowe elementy aplikacji</a:t>
-            </a:r>
-          </a:p>
-        </p:txBody>
-      </p:sp>
-      <p:sp>
-        <p:nvSpPr>
-          <p:cNvPr id="6" name="Prostokąt 5">
-            <a:extLst>
-              <a:ext uri="{FF2B5EF4-FFF2-40B4-BE49-F238E27FC236}">
-                <a16:creationId xmlns:a16="http://schemas.microsoft.com/office/drawing/2014/main" id="{B483F383-749C-4DE4-ACCC-8253AFF3C42A}"/>
-              </a:ext>
-            </a:extLst>
-          </p:cNvPr>
-          <p:cNvSpPr/>
-          <p:nvPr/>
-        </p:nvSpPr>
-        <p:spPr>
-          <a:xfrm>
-            <a:off x="21703" y="836712"/>
-            <a:ext cx="9100593" cy="6021288"/>
-          </a:xfrm>
-          <a:prstGeom prst="rect">
-            <a:avLst/>
-          </a:prstGeom>
-          <a:solidFill>
-            <a:schemeClr val="tx1"/>
-          </a:solidFill>
-        </p:spPr>
-        <p:style>
-          <a:lnRef idx="1">
-            <a:schemeClr val="accent1"/>
-          </a:lnRef>
-          <a:fillRef idx="3">
-            <a:schemeClr val="accent1"/>
-          </a:fillRef>
-          <a:effectRef idx="2">
-            <a:schemeClr val="accent1"/>
-          </a:effectRef>
-          <a:fontRef idx="minor">
-            <a:schemeClr val="lt1"/>
-          </a:fontRef>
-        </p:style>
-        <p:txBody>
-          <a:bodyPr rtlCol="0" anchor="ctr"/>
-          <a:lstStyle/>
-          <a:p>
-            <a:pPr algn="ctr"/>
-            <a:endParaRPr lang="pl-PL" dirty="0"/>
-          </a:p>
-        </p:txBody>
-      </p:sp>
-      <p:sp>
-        <p:nvSpPr>
-          <p:cNvPr id="3" name="pole tekstowe 2">
-            <a:extLst>
-              <a:ext uri="{FF2B5EF4-FFF2-40B4-BE49-F238E27FC236}">
-                <a16:creationId xmlns:a16="http://schemas.microsoft.com/office/drawing/2014/main" id="{DE844D0F-DE98-492A-8B73-1EA3ECEE4E84}"/>
-              </a:ext>
-            </a:extLst>
-          </p:cNvPr>
-          <p:cNvSpPr txBox="1"/>
-          <p:nvPr/>
-        </p:nvSpPr>
-        <p:spPr>
-          <a:xfrm>
-            <a:off x="21703" y="853108"/>
-            <a:ext cx="9100594" cy="2534027"/>
-          </a:xfrm>
-          <a:prstGeom prst="rect">
-            <a:avLst/>
-          </a:prstGeom>
-          <a:noFill/>
-        </p:spPr>
-        <p:txBody>
-          <a:bodyPr wrap="square" rtlCol="0">
-            <a:spAutoFit/>
-          </a:bodyPr>
-          <a:lstStyle/>
-          <a:p>
-            <a:pPr marL="285750" indent="-285750" algn="just">
-              <a:lnSpc>
-                <a:spcPct val="150000"/>
-              </a:lnSpc>
-              <a:buFont typeface="Courier New" panose="02070309020205020404" pitchFamily="49" charset="0"/>
-              <a:buChar char="o"/>
-            </a:pPr>
-            <a:r>
-              <a:rPr lang="pl-PL" sz="1800" dirty="0">
-                <a:solidFill>
-                  <a:schemeClr val="bg1"/>
-                </a:solidFill>
-              </a:rPr>
-              <a:t>Service Class – specjalny typ aktywności – nie posiada </a:t>
-            </a:r>
-            <a:r>
-              <a:rPr lang="pl-PL" sz="1800" i="1" dirty="0">
-                <a:solidFill>
-                  <a:schemeClr val="bg1"/>
-                </a:solidFill>
-              </a:rPr>
-              <a:t>Visual User Interface</a:t>
-            </a:r>
-            <a:r>
-              <a:rPr lang="pl-PL" sz="1800" dirty="0">
-                <a:solidFill>
-                  <a:schemeClr val="bg1"/>
-                </a:solidFill>
-              </a:rPr>
-              <a:t>. Usługa może być aktywna w tle</a:t>
-            </a:r>
-          </a:p>
-          <a:p>
-            <a:pPr marL="285750" indent="-285750" algn="just">
-              <a:lnSpc>
-                <a:spcPct val="150000"/>
-              </a:lnSpc>
-              <a:buFont typeface="Courier New" panose="02070309020205020404" pitchFamily="49" charset="0"/>
-              <a:buChar char="o"/>
-            </a:pPr>
-            <a:r>
-              <a:rPr lang="pl-PL" sz="1800" dirty="0">
-                <a:solidFill>
-                  <a:schemeClr val="bg1"/>
-                </a:solidFill>
-              </a:rPr>
-              <a:t>Usługi zazwyczaj pracują w tle wykonując „busy-work” przez nieokreślony /nieskończony czas</a:t>
-            </a:r>
-          </a:p>
-          <a:p>
-            <a:pPr marL="285750" indent="-285750" algn="just">
-              <a:lnSpc>
-                <a:spcPct val="150000"/>
-              </a:lnSpc>
-              <a:buFont typeface="Courier New" panose="02070309020205020404" pitchFamily="49" charset="0"/>
-              <a:buChar char="o"/>
-            </a:pPr>
-            <a:r>
-              <a:rPr lang="pl-PL" sz="1800" dirty="0">
-                <a:solidFill>
-                  <a:schemeClr val="bg1"/>
-                </a:solidFill>
-              </a:rPr>
-              <a:t>Aplikacje rozpoczynają własne usługi lub łączą się z usługami już aktywnymi (GPS, przełączanie między aplikacjami, aktywnościami, brak okienek)</a:t>
-            </a:r>
-          </a:p>
-        </p:txBody>
-      </p:sp>
-      <p:pic>
-        <p:nvPicPr>
-          <p:cNvPr id="5" name="Obraz 4">
-            <a:extLst>
-              <a:ext uri="{FF2B5EF4-FFF2-40B4-BE49-F238E27FC236}">
-                <a16:creationId xmlns:a16="http://schemas.microsoft.com/office/drawing/2014/main" id="{AC728112-AF18-448A-83C8-2F4668048EF8}"/>
-              </a:ext>
-            </a:extLst>
-          </p:cNvPr>
-          <p:cNvPicPr>
-            <a:picLocks noChangeAspect="1"/>
-          </p:cNvPicPr>
-          <p:nvPr/>
-        </p:nvPicPr>
-        <p:blipFill>
-          <a:blip r:embed="rId4"/>
-          <a:stretch>
-            <a:fillRect/>
-          </a:stretch>
-        </p:blipFill>
-        <p:spPr>
-          <a:xfrm>
-            <a:off x="3623956" y="3372211"/>
-            <a:ext cx="1916562" cy="3412415"/>
-          </a:xfrm>
-          <a:prstGeom prst="rect">
-            <a:avLst/>
-          </a:prstGeom>
-        </p:spPr>
-      </p:pic>
-      <p:sp>
-        <p:nvSpPr>
-          <p:cNvPr id="7" name="pole tekstowe 6">
-            <a:extLst>
-              <a:ext uri="{FF2B5EF4-FFF2-40B4-BE49-F238E27FC236}">
-                <a16:creationId xmlns:a16="http://schemas.microsoft.com/office/drawing/2014/main" id="{72096642-C206-49D0-90F1-B33F6092FEC1}"/>
-              </a:ext>
-            </a:extLst>
-          </p:cNvPr>
-          <p:cNvSpPr txBox="1"/>
-          <p:nvPr/>
-        </p:nvSpPr>
-        <p:spPr>
-          <a:xfrm>
-            <a:off x="139011" y="6477337"/>
-            <a:ext cx="1819729" cy="276999"/>
-          </a:xfrm>
-          <a:prstGeom prst="rect">
-            <a:avLst/>
-          </a:prstGeom>
-          <a:noFill/>
-        </p:spPr>
-        <p:txBody>
-          <a:bodyPr wrap="none" rtlCol="0">
-            <a:spAutoFit/>
-          </a:bodyPr>
-          <a:lstStyle/>
-          <a:p>
-            <a:r>
-              <a:rPr lang="pl-PL" b="1" u="sng" dirty="0" err="1">
-                <a:solidFill>
-                  <a:schemeClr val="bg1"/>
-                </a:solidFill>
-              </a:rPr>
-              <a:t>Maps</a:t>
-            </a:r>
-            <a:r>
-              <a:rPr lang="pl-PL" b="1" u="sng" dirty="0">
-                <a:solidFill>
-                  <a:schemeClr val="bg1"/>
-                </a:solidFill>
-              </a:rPr>
-              <a:t>, GPS </a:t>
-            </a:r>
-            <a:r>
-              <a:rPr lang="pl-PL" b="1" u="sng" dirty="0" err="1">
-                <a:solidFill>
-                  <a:schemeClr val="bg1"/>
-                </a:solidFill>
-              </a:rPr>
-              <a:t>Navigation</a:t>
-            </a:r>
-            <a:endParaRPr lang="pl-PL" dirty="0">
-              <a:solidFill>
-                <a:schemeClr val="bg1"/>
-              </a:solidFill>
-            </a:endParaRPr>
-          </a:p>
-        </p:txBody>
-      </p:sp>
-    </p:spTree>
-    <p:extLst>
-      <p:ext uri="{BB962C8B-B14F-4D97-AF65-F5344CB8AC3E}">
-        <p14:creationId xmlns:p14="http://schemas.microsoft.com/office/powerpoint/2010/main" val="4132728784"/>
-      </p:ext>
-    </p:extLst>
-  </p:cSld>
-  <p:clrMapOvr>
-    <a:masterClrMapping/>
-  </p:clrMapOvr>
-</p:sld>
-</file>
-
-<file path=ppt/slides/slide16.xml><?xml version="1.0" encoding="utf-8"?>
-<p:sld xmlns:a="http://schemas.openxmlformats.org/drawingml/2006/main" xmlns:r="http://schemas.openxmlformats.org/officeDocument/2006/relationships" xmlns:p="http://schemas.openxmlformats.org/presentationml/2006/main">
-  <p:cSld>
-    <p:bg>
-      <p:bgPr>
-        <a:blipFill dpi="0" rotWithShape="0">
-          <a:blip r:embed="rId3" cstate="print"/>
-          <a:srcRect/>
-          <a:stretch>
-            <a:fillRect/>
-          </a:stretch>
-        </a:blipFill>
-        <a:effectLst/>
-      </p:bgPr>
-    </p:bg>
-    <p:spTree>
-      <p:nvGrpSpPr>
-        <p:cNvPr id="1" name=""/>
-        <p:cNvGrpSpPr/>
-        <p:nvPr/>
-      </p:nvGrpSpPr>
-      <p:grpSpPr>
-        <a:xfrm>
-          <a:off x="0" y="0"/>
-          <a:ext cx="0" cy="0"/>
-          <a:chOff x="0" y="0"/>
-          <a:chExt cx="0" cy="0"/>
-        </a:xfrm>
-      </p:grpSpPr>
-      <p:sp>
-        <p:nvSpPr>
-          <p:cNvPr id="2" name="Rectangle 1"/>
-          <p:cNvSpPr/>
-          <p:nvPr/>
-        </p:nvSpPr>
-        <p:spPr>
-          <a:xfrm>
-            <a:off x="1979712" y="188640"/>
-            <a:ext cx="6696744" cy="492443"/>
-          </a:xfrm>
-          <a:prstGeom prst="rect">
-            <a:avLst/>
-          </a:prstGeom>
-        </p:spPr>
-        <p:txBody>
-          <a:bodyPr wrap="square">
-            <a:spAutoFit/>
-          </a:bodyPr>
-          <a:lstStyle/>
-          <a:p>
-            <a:pPr algn="ctr"/>
-            <a:r>
-              <a:rPr lang="pl-PL" sz="2600" dirty="0">
-                <a:solidFill>
-                  <a:schemeClr val="bg1"/>
-                </a:solidFill>
-                <a:latin typeface="Verdana" panose="020B0604030504040204" pitchFamily="34" charset="0"/>
-                <a:ea typeface="Verdana" panose="020B0604030504040204" pitchFamily="34" charset="0"/>
-                <a:cs typeface="Verdana" panose="020B0604030504040204" pitchFamily="34" charset="0"/>
-              </a:rPr>
-              <a:t>Podstawowe elementy aplikacji</a:t>
-            </a:r>
-          </a:p>
-        </p:txBody>
-      </p:sp>
-      <p:sp>
-        <p:nvSpPr>
-          <p:cNvPr id="6" name="Prostokąt 5">
-            <a:extLst>
-              <a:ext uri="{FF2B5EF4-FFF2-40B4-BE49-F238E27FC236}">
-                <a16:creationId xmlns:a16="http://schemas.microsoft.com/office/drawing/2014/main" id="{B483F383-749C-4DE4-ACCC-8253AFF3C42A}"/>
-              </a:ext>
-            </a:extLst>
-          </p:cNvPr>
-          <p:cNvSpPr/>
-          <p:nvPr/>
-        </p:nvSpPr>
-        <p:spPr>
-          <a:xfrm>
-            <a:off x="21703" y="836712"/>
-            <a:ext cx="9100593" cy="6021288"/>
-          </a:xfrm>
-          <a:prstGeom prst="rect">
-            <a:avLst/>
-          </a:prstGeom>
-          <a:solidFill>
-            <a:schemeClr val="tx1"/>
-          </a:solidFill>
-        </p:spPr>
-        <p:style>
-          <a:lnRef idx="1">
-            <a:schemeClr val="accent1"/>
-          </a:lnRef>
-          <a:fillRef idx="3">
-            <a:schemeClr val="accent1"/>
-          </a:fillRef>
-          <a:effectRef idx="2">
-            <a:schemeClr val="accent1"/>
-          </a:effectRef>
-          <a:fontRef idx="minor">
-            <a:schemeClr val="lt1"/>
-          </a:fontRef>
-        </p:style>
-        <p:txBody>
-          <a:bodyPr rtlCol="0" anchor="ctr"/>
-          <a:lstStyle/>
-          <a:p>
-            <a:pPr algn="ctr"/>
-            <a:endParaRPr lang="pl-PL" dirty="0"/>
-          </a:p>
-        </p:txBody>
-      </p:sp>
-      <p:sp>
-        <p:nvSpPr>
-          <p:cNvPr id="3" name="pole tekstowe 2">
-            <a:extLst>
-              <a:ext uri="{FF2B5EF4-FFF2-40B4-BE49-F238E27FC236}">
-                <a16:creationId xmlns:a16="http://schemas.microsoft.com/office/drawing/2014/main" id="{DE844D0F-DE98-492A-8B73-1EA3ECEE4E84}"/>
-              </a:ext>
-            </a:extLst>
-          </p:cNvPr>
-          <p:cNvSpPr txBox="1"/>
-          <p:nvPr/>
-        </p:nvSpPr>
-        <p:spPr>
-          <a:xfrm>
-            <a:off x="21703" y="853108"/>
-            <a:ext cx="9100594" cy="3365024"/>
-          </a:xfrm>
-          <a:prstGeom prst="rect">
-            <a:avLst/>
-          </a:prstGeom>
-          <a:noFill/>
-        </p:spPr>
-        <p:txBody>
-          <a:bodyPr wrap="square" rtlCol="0">
-            <a:spAutoFit/>
-          </a:bodyPr>
-          <a:lstStyle/>
-          <a:p>
-            <a:pPr marL="285750" indent="-285750" algn="just">
-              <a:lnSpc>
-                <a:spcPct val="150000"/>
-              </a:lnSpc>
-              <a:buFont typeface="Courier New" panose="02070309020205020404" pitchFamily="49" charset="0"/>
-              <a:buChar char="o"/>
-            </a:pPr>
-            <a:r>
-              <a:rPr lang="pl-PL" sz="1800" dirty="0">
-                <a:solidFill>
-                  <a:schemeClr val="bg1"/>
-                </a:solidFill>
-              </a:rPr>
-              <a:t>BroadcasterReceiver Class – dedykowany </a:t>
-            </a:r>
-            <a:r>
-              <a:rPr lang="pl-PL" sz="1800" i="1" dirty="0">
-                <a:solidFill>
-                  <a:schemeClr val="bg1"/>
-                </a:solidFill>
-              </a:rPr>
-              <a:t>listener</a:t>
-            </a:r>
-            <a:r>
-              <a:rPr lang="pl-PL" sz="1800" dirty="0">
-                <a:solidFill>
-                  <a:schemeClr val="bg1"/>
-                </a:solidFill>
-              </a:rPr>
-              <a:t> oczekujący na wiadomość zwykle typu </a:t>
-            </a:r>
-            <a:r>
-              <a:rPr lang="pl-PL" sz="1800" i="1" dirty="0">
-                <a:solidFill>
-                  <a:schemeClr val="bg1"/>
-                </a:solidFill>
-              </a:rPr>
-              <a:t>system-</a:t>
-            </a:r>
-            <a:r>
-              <a:rPr lang="pl-PL" sz="1800" i="1" dirty="0" err="1">
-                <a:solidFill>
-                  <a:schemeClr val="bg1"/>
-                </a:solidFill>
-              </a:rPr>
-              <a:t>wide</a:t>
-            </a:r>
-            <a:r>
-              <a:rPr lang="pl-PL" sz="1800" dirty="0">
-                <a:solidFill>
-                  <a:schemeClr val="bg1"/>
-                </a:solidFill>
-              </a:rPr>
-              <a:t> w celu wykonania pewnych czynności</a:t>
-            </a:r>
-          </a:p>
-          <a:p>
-            <a:pPr marL="285750" indent="-285750" algn="just">
-              <a:lnSpc>
-                <a:spcPct val="150000"/>
-              </a:lnSpc>
-              <a:buFont typeface="Courier New" panose="02070309020205020404" pitchFamily="49" charset="0"/>
-              <a:buChar char="o"/>
-            </a:pPr>
-            <a:r>
-              <a:rPr lang="pl-PL" sz="1800" dirty="0">
-                <a:solidFill>
-                  <a:schemeClr val="bg1"/>
-                </a:solidFill>
-              </a:rPr>
-              <a:t>Przykładowo: niski poziom baterii, wi-fi dostępne, ostrzeżenie przed radarami</a:t>
-            </a:r>
-          </a:p>
-          <a:p>
-            <a:pPr marL="285750" indent="-285750" algn="just">
-              <a:lnSpc>
-                <a:spcPct val="150000"/>
-              </a:lnSpc>
-              <a:buFont typeface="Courier New" panose="02070309020205020404" pitchFamily="49" charset="0"/>
-              <a:buChar char="o"/>
-            </a:pPr>
-            <a:r>
-              <a:rPr lang="pl-PL" sz="1800" dirty="0">
-                <a:solidFill>
-                  <a:schemeClr val="bg1"/>
-                </a:solidFill>
-              </a:rPr>
-              <a:t>Nie posiadają interfejsu</a:t>
-            </a:r>
-          </a:p>
-          <a:p>
-            <a:pPr marL="285750" indent="-285750" algn="just">
-              <a:lnSpc>
-                <a:spcPct val="150000"/>
-              </a:lnSpc>
-              <a:buFont typeface="Courier New" panose="02070309020205020404" pitchFamily="49" charset="0"/>
-              <a:buChar char="o"/>
-            </a:pPr>
-            <a:r>
-              <a:rPr lang="pl-PL" sz="1800" dirty="0">
-                <a:solidFill>
-                  <a:schemeClr val="bg1"/>
-                </a:solidFill>
-              </a:rPr>
-              <a:t>Rejestrowanie wiadomości typowo po kluczu – jeśli wiadomość odpowiada kluczowi odbiornik jest aktywowany</a:t>
-            </a:r>
-          </a:p>
-          <a:p>
-            <a:pPr marL="285750" indent="-285750" algn="just">
-              <a:lnSpc>
-                <a:spcPct val="150000"/>
-              </a:lnSpc>
-              <a:buFont typeface="Courier New" panose="02070309020205020404" pitchFamily="49" charset="0"/>
-              <a:buChar char="o"/>
-            </a:pPr>
-            <a:r>
-              <a:rPr lang="pl-PL" sz="1800" dirty="0">
-                <a:solidFill>
-                  <a:schemeClr val="bg1"/>
-                </a:solidFill>
-              </a:rPr>
-              <a:t>Zazwyczaj odpowiada poprzez wykonanie specjalnej czynności lub przekazanie użytkownikowi wiadomości/powiadomienia</a:t>
-            </a:r>
-          </a:p>
-        </p:txBody>
-      </p:sp>
-      <p:pic>
-        <p:nvPicPr>
-          <p:cNvPr id="10" name="Obraz 9">
-            <a:extLst>
-              <a:ext uri="{FF2B5EF4-FFF2-40B4-BE49-F238E27FC236}">
-                <a16:creationId xmlns:a16="http://schemas.microsoft.com/office/drawing/2014/main" id="{83572099-0DCD-42DC-9DF7-F1A1B0F1ACC1}"/>
-              </a:ext>
-            </a:extLst>
-          </p:cNvPr>
-          <p:cNvPicPr>
-            <a:picLocks noChangeAspect="1"/>
-          </p:cNvPicPr>
-          <p:nvPr/>
-        </p:nvPicPr>
-        <p:blipFill>
-          <a:blip r:embed="rId4"/>
-          <a:stretch>
-            <a:fillRect/>
-          </a:stretch>
-        </p:blipFill>
-        <p:spPr>
-          <a:xfrm>
-            <a:off x="4723880" y="3933056"/>
-            <a:ext cx="4398416" cy="2892109"/>
-          </a:xfrm>
-          <a:prstGeom prst="rect">
-            <a:avLst/>
-          </a:prstGeom>
-        </p:spPr>
-      </p:pic>
-      <p:sp>
-        <p:nvSpPr>
-          <p:cNvPr id="11" name="pole tekstowe 10">
-            <a:extLst>
-              <a:ext uri="{FF2B5EF4-FFF2-40B4-BE49-F238E27FC236}">
-                <a16:creationId xmlns:a16="http://schemas.microsoft.com/office/drawing/2014/main" id="{30868C79-0B3E-4922-9408-0C1281D8786A}"/>
-              </a:ext>
-            </a:extLst>
-          </p:cNvPr>
-          <p:cNvSpPr txBox="1"/>
-          <p:nvPr/>
-        </p:nvSpPr>
-        <p:spPr>
-          <a:xfrm>
-            <a:off x="7511822" y="6548166"/>
-            <a:ext cx="1632178" cy="276999"/>
-          </a:xfrm>
-          <a:prstGeom prst="rect">
-            <a:avLst/>
-          </a:prstGeom>
-          <a:noFill/>
-        </p:spPr>
-        <p:txBody>
-          <a:bodyPr wrap="none" rtlCol="0">
-            <a:spAutoFit/>
-          </a:bodyPr>
-          <a:lstStyle/>
-          <a:p>
-            <a:r>
-              <a:rPr lang="pl-PL" dirty="0">
-                <a:solidFill>
-                  <a:schemeClr val="bg1"/>
-                </a:solidFill>
-              </a:rPr>
-              <a:t>grail.cba.csuohio.edu</a:t>
-            </a:r>
-          </a:p>
-        </p:txBody>
-      </p:sp>
-    </p:spTree>
-    <p:extLst>
-      <p:ext uri="{BB962C8B-B14F-4D97-AF65-F5344CB8AC3E}">
-        <p14:creationId xmlns:p14="http://schemas.microsoft.com/office/powerpoint/2010/main" val="301413000"/>
-      </p:ext>
-    </p:extLst>
-  </p:cSld>
-  <p:clrMapOvr>
-    <a:masterClrMapping/>
-  </p:clrMapOvr>
-</p:sld>
-</file>
-
-<file path=ppt/slides/slide17.xml><?xml version="1.0" encoding="utf-8"?>
-<p:sld xmlns:a="http://schemas.openxmlformats.org/drawingml/2006/main" xmlns:r="http://schemas.openxmlformats.org/officeDocument/2006/relationships" xmlns:p="http://schemas.openxmlformats.org/presentationml/2006/main">
-  <p:cSld>
-    <p:bg>
-      <p:bgPr>
-        <a:blipFill dpi="0" rotWithShape="0">
-          <a:blip r:embed="rId3" cstate="print"/>
-          <a:srcRect/>
-          <a:stretch>
-            <a:fillRect/>
-          </a:stretch>
-        </a:blipFill>
-        <a:effectLst/>
-      </p:bgPr>
-    </p:bg>
-    <p:spTree>
-      <p:nvGrpSpPr>
-        <p:cNvPr id="1" name=""/>
-        <p:cNvGrpSpPr/>
-        <p:nvPr/>
-      </p:nvGrpSpPr>
-      <p:grpSpPr>
-        <a:xfrm>
-          <a:off x="0" y="0"/>
-          <a:ext cx="0" cy="0"/>
-          <a:chOff x="0" y="0"/>
-          <a:chExt cx="0" cy="0"/>
-        </a:xfrm>
-      </p:grpSpPr>
-      <p:sp>
-        <p:nvSpPr>
-          <p:cNvPr id="2" name="Rectangle 1"/>
-          <p:cNvSpPr/>
-          <p:nvPr/>
-        </p:nvSpPr>
-        <p:spPr>
-          <a:xfrm>
-            <a:off x="1979712" y="188640"/>
-            <a:ext cx="6696744" cy="492443"/>
-          </a:xfrm>
-          <a:prstGeom prst="rect">
-            <a:avLst/>
-          </a:prstGeom>
-        </p:spPr>
-        <p:txBody>
-          <a:bodyPr wrap="square">
-            <a:spAutoFit/>
-          </a:bodyPr>
-          <a:lstStyle/>
-          <a:p>
-            <a:pPr algn="ctr"/>
-            <a:r>
-              <a:rPr lang="pl-PL" sz="2600" dirty="0">
-                <a:solidFill>
-                  <a:schemeClr val="bg1"/>
-                </a:solidFill>
-                <a:latin typeface="Verdana" panose="020B0604030504040204" pitchFamily="34" charset="0"/>
-                <a:ea typeface="Verdana" panose="020B0604030504040204" pitchFamily="34" charset="0"/>
-                <a:cs typeface="Verdana" panose="020B0604030504040204" pitchFamily="34" charset="0"/>
-              </a:rPr>
-              <a:t>Podstawowe elementy aplikacji</a:t>
-            </a:r>
-          </a:p>
-        </p:txBody>
-      </p:sp>
-      <p:sp>
-        <p:nvSpPr>
-          <p:cNvPr id="6" name="Prostokąt 5">
-            <a:extLst>
-              <a:ext uri="{FF2B5EF4-FFF2-40B4-BE49-F238E27FC236}">
-                <a16:creationId xmlns:a16="http://schemas.microsoft.com/office/drawing/2014/main" id="{B483F383-749C-4DE4-ACCC-8253AFF3C42A}"/>
-              </a:ext>
-            </a:extLst>
-          </p:cNvPr>
-          <p:cNvSpPr/>
-          <p:nvPr/>
-        </p:nvSpPr>
-        <p:spPr>
-          <a:xfrm>
-            <a:off x="21703" y="836712"/>
-            <a:ext cx="9100593" cy="6021288"/>
-          </a:xfrm>
-          <a:prstGeom prst="rect">
-            <a:avLst/>
-          </a:prstGeom>
-          <a:solidFill>
-            <a:schemeClr val="tx1"/>
-          </a:solidFill>
-        </p:spPr>
-        <p:style>
-          <a:lnRef idx="1">
-            <a:schemeClr val="accent1"/>
-          </a:lnRef>
-          <a:fillRef idx="3">
-            <a:schemeClr val="accent1"/>
-          </a:fillRef>
-          <a:effectRef idx="2">
-            <a:schemeClr val="accent1"/>
-          </a:effectRef>
-          <a:fontRef idx="minor">
-            <a:schemeClr val="lt1"/>
-          </a:fontRef>
-        </p:style>
-        <p:txBody>
-          <a:bodyPr rtlCol="0" anchor="ctr"/>
-          <a:lstStyle/>
-          <a:p>
-            <a:pPr algn="ctr"/>
-            <a:endParaRPr lang="pl-PL" dirty="0"/>
-          </a:p>
-        </p:txBody>
-      </p:sp>
-      <p:sp>
-        <p:nvSpPr>
-          <p:cNvPr id="3" name="pole tekstowe 2">
-            <a:extLst>
-              <a:ext uri="{FF2B5EF4-FFF2-40B4-BE49-F238E27FC236}">
-                <a16:creationId xmlns:a16="http://schemas.microsoft.com/office/drawing/2014/main" id="{DE844D0F-DE98-492A-8B73-1EA3ECEE4E84}"/>
-              </a:ext>
-            </a:extLst>
-          </p:cNvPr>
-          <p:cNvSpPr txBox="1"/>
-          <p:nvPr/>
-        </p:nvSpPr>
-        <p:spPr>
-          <a:xfrm>
-            <a:off x="21703" y="853108"/>
-            <a:ext cx="9100594" cy="2118529"/>
-          </a:xfrm>
-          <a:prstGeom prst="rect">
-            <a:avLst/>
-          </a:prstGeom>
-          <a:noFill/>
-        </p:spPr>
-        <p:txBody>
-          <a:bodyPr wrap="square" rtlCol="0">
-            <a:spAutoFit/>
-          </a:bodyPr>
-          <a:lstStyle/>
-          <a:p>
-            <a:pPr marL="285750" indent="-285750" algn="just">
-              <a:lnSpc>
-                <a:spcPct val="150000"/>
-              </a:lnSpc>
-              <a:buFont typeface="Courier New" panose="02070309020205020404" pitchFamily="49" charset="0"/>
-              <a:buChar char="o"/>
-            </a:pPr>
-            <a:r>
-              <a:rPr lang="pl-PL" sz="1800" dirty="0">
-                <a:solidFill>
-                  <a:schemeClr val="bg1"/>
-                </a:solidFill>
-              </a:rPr>
-              <a:t>ContentProvider Class – zapewnia dostęp do danych wielu aplikacjom</a:t>
-            </a:r>
-          </a:p>
-          <a:p>
-            <a:pPr marL="285750" indent="-285750" algn="just">
-              <a:lnSpc>
-                <a:spcPct val="150000"/>
-              </a:lnSpc>
-              <a:buFont typeface="Courier New" panose="02070309020205020404" pitchFamily="49" charset="0"/>
-              <a:buChar char="o"/>
-            </a:pPr>
-            <a:r>
-              <a:rPr lang="pl-PL" sz="1800" dirty="0">
-                <a:solidFill>
-                  <a:schemeClr val="bg1"/>
-                </a:solidFill>
-              </a:rPr>
-              <a:t>Dane globalne: lista kontaktów, zdjęcia, wiadomości, filmy, email</a:t>
-            </a:r>
-          </a:p>
-          <a:p>
-            <a:pPr marL="285750" indent="-285750" algn="just">
-              <a:lnSpc>
-                <a:spcPct val="150000"/>
-              </a:lnSpc>
-              <a:buFont typeface="Courier New" panose="02070309020205020404" pitchFamily="49" charset="0"/>
-              <a:buChar char="o"/>
-            </a:pPr>
-            <a:r>
-              <a:rPr lang="pl-PL" sz="1800" dirty="0">
-                <a:solidFill>
-                  <a:schemeClr val="bg1"/>
-                </a:solidFill>
-              </a:rPr>
-              <a:t>Dane globalne są zazwyczaj przechowywane w bazie danych (SQLite)</a:t>
-            </a:r>
-          </a:p>
-          <a:p>
-            <a:pPr marL="285750" indent="-285750" algn="just">
-              <a:lnSpc>
-                <a:spcPct val="150000"/>
-              </a:lnSpc>
-              <a:buFont typeface="Courier New" panose="02070309020205020404" pitchFamily="49" charset="0"/>
-              <a:buChar char="o"/>
-            </a:pPr>
-            <a:r>
-              <a:rPr lang="pl-PL" sz="1800" dirty="0">
-                <a:solidFill>
-                  <a:schemeClr val="bg1"/>
-                </a:solidFill>
-              </a:rPr>
-              <a:t>Klasa oferuje metody innym aplikacjom: retrieve, delete, update, insert</a:t>
-            </a:r>
-          </a:p>
-          <a:p>
-            <a:pPr marL="285750" indent="-285750" algn="just">
-              <a:lnSpc>
-                <a:spcPct val="150000"/>
-              </a:lnSpc>
-              <a:buFont typeface="Courier New" panose="02070309020205020404" pitchFamily="49" charset="0"/>
-              <a:buChar char="o"/>
-            </a:pPr>
-            <a:r>
-              <a:rPr lang="pl-PL" sz="1800" dirty="0">
-                <a:solidFill>
-                  <a:schemeClr val="bg1"/>
-                </a:solidFill>
-              </a:rPr>
-              <a:t>Wrapper ukrywający właściwe dane. Dostępny interfejs. </a:t>
-            </a:r>
-          </a:p>
-        </p:txBody>
-      </p:sp>
-      <p:pic>
-        <p:nvPicPr>
-          <p:cNvPr id="4" name="Obraz 3">
-            <a:extLst>
-              <a:ext uri="{FF2B5EF4-FFF2-40B4-BE49-F238E27FC236}">
-                <a16:creationId xmlns:a16="http://schemas.microsoft.com/office/drawing/2014/main" id="{11E6C90A-F034-4A9C-876C-5C6302649F36}"/>
-              </a:ext>
-            </a:extLst>
-          </p:cNvPr>
-          <p:cNvPicPr>
-            <a:picLocks noChangeAspect="1"/>
-          </p:cNvPicPr>
-          <p:nvPr/>
-        </p:nvPicPr>
-        <p:blipFill>
-          <a:blip r:embed="rId4"/>
-          <a:stretch>
-            <a:fillRect/>
-          </a:stretch>
-        </p:blipFill>
-        <p:spPr>
-          <a:xfrm>
-            <a:off x="1691680" y="2998788"/>
-            <a:ext cx="5436096" cy="3670572"/>
-          </a:xfrm>
-          <a:prstGeom prst="rect">
-            <a:avLst/>
-          </a:prstGeom>
-        </p:spPr>
-      </p:pic>
-      <p:sp>
-        <p:nvSpPr>
-          <p:cNvPr id="7" name="pole tekstowe 6">
-            <a:extLst>
-              <a:ext uri="{FF2B5EF4-FFF2-40B4-BE49-F238E27FC236}">
-                <a16:creationId xmlns:a16="http://schemas.microsoft.com/office/drawing/2014/main" id="{6051B3A0-7FD4-4E37-B19B-A8ABD5BB9753}"/>
-              </a:ext>
-            </a:extLst>
-          </p:cNvPr>
-          <p:cNvSpPr txBox="1"/>
-          <p:nvPr/>
-        </p:nvSpPr>
-        <p:spPr>
-          <a:xfrm>
-            <a:off x="3593639" y="6579066"/>
-            <a:ext cx="1632178" cy="276999"/>
-          </a:xfrm>
-          <a:prstGeom prst="rect">
-            <a:avLst/>
-          </a:prstGeom>
-          <a:noFill/>
-        </p:spPr>
-        <p:txBody>
-          <a:bodyPr wrap="none" rtlCol="0">
-            <a:spAutoFit/>
-          </a:bodyPr>
-          <a:lstStyle/>
-          <a:p>
-            <a:r>
-              <a:rPr lang="pl-PL" dirty="0">
-                <a:solidFill>
-                  <a:schemeClr val="bg1"/>
-                </a:solidFill>
-              </a:rPr>
-              <a:t>grail.cba.csuohio.edu</a:t>
-            </a:r>
-          </a:p>
-        </p:txBody>
-      </p:sp>
-    </p:spTree>
-    <p:extLst>
-      <p:ext uri="{BB962C8B-B14F-4D97-AF65-F5344CB8AC3E}">
-        <p14:creationId xmlns:p14="http://schemas.microsoft.com/office/powerpoint/2010/main" val="2862396164"/>
-      </p:ext>
-    </p:extLst>
-  </p:cSld>
-  <p:clrMapOvr>
-    <a:masterClrMapping/>
-  </p:clrMapOvr>
-</p:sld>
-</file>
-
-<file path=ppt/slides/slide18.xml><?xml version="1.0" encoding="utf-8"?>
-<p:sld xmlns:a="http://schemas.openxmlformats.org/drawingml/2006/main" xmlns:r="http://schemas.openxmlformats.org/officeDocument/2006/relationships" xmlns:p="http://schemas.openxmlformats.org/presentationml/2006/main">
-  <p:cSld>
-    <p:bg>
-      <p:bgPr>
-        <a:blipFill dpi="0" rotWithShape="0">
-          <a:blip r:embed="rId3" cstate="print"/>
-          <a:srcRect/>
-          <a:stretch>
-            <a:fillRect/>
-          </a:stretch>
-        </a:blipFill>
-        <a:effectLst/>
-      </p:bgPr>
-    </p:bg>
-    <p:spTree>
-      <p:nvGrpSpPr>
-        <p:cNvPr id="1" name=""/>
-        <p:cNvGrpSpPr/>
-        <p:nvPr/>
-      </p:nvGrpSpPr>
-      <p:grpSpPr>
-        <a:xfrm>
-          <a:off x="0" y="0"/>
-          <a:ext cx="0" cy="0"/>
-          <a:chOff x="0" y="0"/>
-          <a:chExt cx="0" cy="0"/>
-        </a:xfrm>
-      </p:grpSpPr>
-      <p:sp>
-        <p:nvSpPr>
-          <p:cNvPr id="7" name="TextBox 1">
-            <a:extLst>
-              <a:ext uri="{FF2B5EF4-FFF2-40B4-BE49-F238E27FC236}">
-                <a16:creationId xmlns:a16="http://schemas.microsoft.com/office/drawing/2014/main" id="{18B63D4F-5BA2-440F-9AD4-247950001015}"/>
-              </a:ext>
-            </a:extLst>
-          </p:cNvPr>
-          <p:cNvSpPr txBox="1"/>
-          <p:nvPr/>
-        </p:nvSpPr>
-        <p:spPr>
-          <a:xfrm>
-            <a:off x="359532" y="3284984"/>
-            <a:ext cx="8424936" cy="584775"/>
-          </a:xfrm>
-          <a:prstGeom prst="rect">
-            <a:avLst/>
-          </a:prstGeom>
-          <a:noFill/>
-        </p:spPr>
-        <p:txBody>
-          <a:bodyPr wrap="square" rtlCol="0">
-            <a:spAutoFit/>
-          </a:bodyPr>
-          <a:lstStyle/>
-          <a:p>
-            <a:pPr algn="ctr"/>
-            <a:r>
-              <a:rPr lang="pl-PL" sz="3200" b="1" dirty="0">
-                <a:solidFill>
-                  <a:schemeClr val="bg1"/>
-                </a:solidFill>
-              </a:rPr>
-              <a:t>Cykl Życia</a:t>
-            </a:r>
-          </a:p>
-        </p:txBody>
-      </p:sp>
-    </p:spTree>
-    <p:extLst>
-      <p:ext uri="{BB962C8B-B14F-4D97-AF65-F5344CB8AC3E}">
-        <p14:creationId xmlns:p14="http://schemas.microsoft.com/office/powerpoint/2010/main" val="395378273"/>
-      </p:ext>
-    </p:extLst>
-  </p:cSld>
-  <p:clrMapOvr>
-    <a:masterClrMapping/>
-  </p:clrMapOvr>
-</p:sld>
-</file>
-
-<file path=ppt/slides/slide19.xml><?xml version="1.0" encoding="utf-8"?>
-<p:sld xmlns:a="http://schemas.openxmlformats.org/drawingml/2006/main" xmlns:r="http://schemas.openxmlformats.org/officeDocument/2006/relationships" xmlns:p="http://schemas.openxmlformats.org/presentationml/2006/main">
-  <p:cSld>
-    <p:bg>
-      <p:bgPr>
-        <a:blipFill dpi="0" rotWithShape="0">
-          <a:blip r:embed="rId3" cstate="print"/>
-          <a:srcRect/>
-          <a:stretch>
-            <a:fillRect/>
-          </a:stretch>
-        </a:blipFill>
-        <a:effectLst/>
-      </p:bgPr>
-    </p:bg>
-    <p:spTree>
-      <p:nvGrpSpPr>
-        <p:cNvPr id="1" name=""/>
-        <p:cNvGrpSpPr/>
-        <p:nvPr/>
-      </p:nvGrpSpPr>
-      <p:grpSpPr>
-        <a:xfrm>
-          <a:off x="0" y="0"/>
-          <a:ext cx="0" cy="0"/>
-          <a:chOff x="0" y="0"/>
-          <a:chExt cx="0" cy="0"/>
-        </a:xfrm>
-      </p:grpSpPr>
-      <p:sp>
-        <p:nvSpPr>
-          <p:cNvPr id="2" name="Rectangle 1"/>
-          <p:cNvSpPr/>
-          <p:nvPr/>
-        </p:nvSpPr>
-        <p:spPr>
-          <a:xfrm>
-            <a:off x="1979712" y="188640"/>
-            <a:ext cx="6696744" cy="492443"/>
-          </a:xfrm>
-          <a:prstGeom prst="rect">
-            <a:avLst/>
-          </a:prstGeom>
-        </p:spPr>
-        <p:txBody>
-          <a:bodyPr wrap="square">
-            <a:spAutoFit/>
-          </a:bodyPr>
-          <a:lstStyle/>
-          <a:p>
-            <a:pPr algn="ctr"/>
-            <a:r>
-              <a:rPr lang="pl-PL" sz="2600" dirty="0">
-                <a:solidFill>
-                  <a:schemeClr val="bg1"/>
-                </a:solidFill>
-                <a:latin typeface="Verdana" panose="020B0604030504040204" pitchFamily="34" charset="0"/>
-                <a:ea typeface="Verdana" panose="020B0604030504040204" pitchFamily="34" charset="0"/>
-                <a:cs typeface="Verdana" panose="020B0604030504040204" pitchFamily="34" charset="0"/>
-              </a:rPr>
-              <a:t>Cykl Życia</a:t>
-            </a:r>
-          </a:p>
-        </p:txBody>
-      </p:sp>
-      <p:sp>
-        <p:nvSpPr>
-          <p:cNvPr id="6" name="Prostokąt 5">
-            <a:extLst>
-              <a:ext uri="{FF2B5EF4-FFF2-40B4-BE49-F238E27FC236}">
-                <a16:creationId xmlns:a16="http://schemas.microsoft.com/office/drawing/2014/main" id="{CA41B780-B57E-411C-AAD5-3D3D6912F664}"/>
-              </a:ext>
-            </a:extLst>
-          </p:cNvPr>
-          <p:cNvSpPr/>
-          <p:nvPr/>
-        </p:nvSpPr>
-        <p:spPr>
-          <a:xfrm>
-            <a:off x="0" y="810072"/>
-            <a:ext cx="9144000" cy="6021288"/>
-          </a:xfrm>
-          <a:prstGeom prst="rect">
-            <a:avLst/>
-          </a:prstGeom>
-          <a:solidFill>
-            <a:schemeClr val="tx1"/>
-          </a:solidFill>
-        </p:spPr>
-        <p:style>
-          <a:lnRef idx="1">
-            <a:schemeClr val="accent1"/>
-          </a:lnRef>
-          <a:fillRef idx="3">
-            <a:schemeClr val="accent1"/>
-          </a:fillRef>
-          <a:effectRef idx="2">
-            <a:schemeClr val="accent1"/>
-          </a:effectRef>
-          <a:fontRef idx="minor">
-            <a:schemeClr val="lt1"/>
-          </a:fontRef>
-        </p:style>
-        <p:txBody>
-          <a:bodyPr rtlCol="0" anchor="ctr"/>
-          <a:lstStyle/>
-          <a:p>
-            <a:pPr algn="ctr"/>
-            <a:endParaRPr lang="pl-PL"/>
-          </a:p>
-        </p:txBody>
-      </p:sp>
-      <p:pic>
-        <p:nvPicPr>
-          <p:cNvPr id="5" name="Obraz 4">
-            <a:extLst>
-              <a:ext uri="{FF2B5EF4-FFF2-40B4-BE49-F238E27FC236}">
-                <a16:creationId xmlns:a16="http://schemas.microsoft.com/office/drawing/2014/main" id="{067E4941-91B2-4E07-BBE7-42AD77927F19}"/>
-              </a:ext>
-            </a:extLst>
-          </p:cNvPr>
-          <p:cNvPicPr>
-            <a:picLocks noChangeAspect="1"/>
-          </p:cNvPicPr>
-          <p:nvPr/>
-        </p:nvPicPr>
-        <p:blipFill>
-          <a:blip r:embed="rId4"/>
-          <a:stretch>
-            <a:fillRect/>
-          </a:stretch>
-        </p:blipFill>
-        <p:spPr>
-          <a:xfrm>
-            <a:off x="1580475" y="4294262"/>
-            <a:ext cx="7495218" cy="2537098"/>
-          </a:xfrm>
-          <a:prstGeom prst="rect">
-            <a:avLst/>
-          </a:prstGeom>
-        </p:spPr>
-      </p:pic>
-      <p:sp>
-        <p:nvSpPr>
-          <p:cNvPr id="3" name="pole tekstowe 2">
-            <a:extLst>
-              <a:ext uri="{FF2B5EF4-FFF2-40B4-BE49-F238E27FC236}">
-                <a16:creationId xmlns:a16="http://schemas.microsoft.com/office/drawing/2014/main" id="{00776F55-FCA0-4543-8855-DB6E68BE895A}"/>
-              </a:ext>
-            </a:extLst>
-          </p:cNvPr>
-          <p:cNvSpPr txBox="1"/>
-          <p:nvPr/>
-        </p:nvSpPr>
-        <p:spPr>
-          <a:xfrm>
-            <a:off x="0" y="908720"/>
-            <a:ext cx="9108504" cy="4693593"/>
-          </a:xfrm>
-          <a:prstGeom prst="rect">
-            <a:avLst/>
-          </a:prstGeom>
-          <a:noFill/>
-        </p:spPr>
-        <p:txBody>
-          <a:bodyPr wrap="square" rtlCol="0">
-            <a:spAutoFit/>
-          </a:bodyPr>
-          <a:lstStyle/>
-          <a:p>
-            <a:pPr marL="285750" indent="-285750" algn="just">
-              <a:lnSpc>
-                <a:spcPct val="150000"/>
-              </a:lnSpc>
-              <a:buFont typeface="Courier New" panose="02070309020205020404" pitchFamily="49" charset="0"/>
-              <a:buChar char="o"/>
-            </a:pPr>
-            <a:r>
-              <a:rPr lang="pl-PL" sz="1800" dirty="0">
-                <a:solidFill>
-                  <a:schemeClr val="bg2"/>
-                </a:solidFill>
-              </a:rPr>
-              <a:t>Każda aplikacja Androida działa w swojej własnej instancji maszyny wirtualnej</a:t>
-            </a:r>
-          </a:p>
-          <a:p>
-            <a:pPr marL="285750" indent="-285750" algn="just">
-              <a:lnSpc>
-                <a:spcPct val="150000"/>
-              </a:lnSpc>
-              <a:buFont typeface="Courier New" panose="02070309020205020404" pitchFamily="49" charset="0"/>
-              <a:buChar char="o"/>
-            </a:pPr>
-            <a:r>
-              <a:rPr lang="pl-PL" sz="1800" dirty="0">
-                <a:solidFill>
-                  <a:schemeClr val="bg2"/>
-                </a:solidFill>
-              </a:rPr>
-              <a:t>W każdym momencie kilka instancji maszyny wirtualnej może być aktywna (rzeczywista równoległość – nie </a:t>
-            </a:r>
-            <a:r>
-              <a:rPr lang="pl-PL" sz="1800" i="1" dirty="0">
-                <a:solidFill>
-                  <a:schemeClr val="bg2"/>
-                </a:solidFill>
-              </a:rPr>
-              <a:t>task switching</a:t>
-            </a:r>
-            <a:r>
-              <a:rPr lang="pl-PL" sz="1800" dirty="0">
-                <a:solidFill>
-                  <a:schemeClr val="bg2"/>
-                </a:solidFill>
-              </a:rPr>
-              <a:t>)</a:t>
-            </a:r>
-          </a:p>
-          <a:p>
-            <a:pPr marL="285750" indent="-285750" algn="just">
-              <a:lnSpc>
-                <a:spcPct val="150000"/>
-              </a:lnSpc>
-              <a:buFont typeface="Courier New" panose="02070309020205020404" pitchFamily="49" charset="0"/>
-              <a:buChar char="o"/>
-            </a:pPr>
-            <a:r>
-              <a:rPr lang="pl-PL" sz="1800" dirty="0">
-                <a:solidFill>
-                  <a:schemeClr val="bg2"/>
-                </a:solidFill>
-              </a:rPr>
-              <a:t>Aplikacja Androida nie kontroluje całkowicie realizacji swojego cyklu życia</a:t>
-            </a:r>
-          </a:p>
-          <a:p>
-            <a:pPr marL="285750" indent="-285750" algn="just">
-              <a:lnSpc>
-                <a:spcPct val="150000"/>
-              </a:lnSpc>
-              <a:buFont typeface="Courier New" panose="02070309020205020404" pitchFamily="49" charset="0"/>
-              <a:buChar char="o"/>
-            </a:pPr>
-            <a:endParaRPr lang="pl-PL" sz="1800" dirty="0">
-              <a:solidFill>
-                <a:schemeClr val="bg2"/>
-              </a:solidFill>
-            </a:endParaRPr>
-          </a:p>
-          <a:p>
-            <a:pPr marL="285750" indent="-285750" algn="just">
-              <a:lnSpc>
-                <a:spcPct val="150000"/>
-              </a:lnSpc>
-              <a:buFont typeface="Courier New" panose="02070309020205020404" pitchFamily="49" charset="0"/>
-              <a:buChar char="o"/>
-            </a:pPr>
-            <a:r>
-              <a:rPr lang="pl-PL" sz="1800" dirty="0">
-                <a:solidFill>
-                  <a:schemeClr val="bg2"/>
-                </a:solidFill>
-              </a:rPr>
-              <a:t>OS może zakończyć każdy proces</a:t>
-            </a:r>
-          </a:p>
-          <a:p>
-            <a:pPr marL="742950" lvl="1" indent="-285750" algn="just">
-              <a:lnSpc>
-                <a:spcPct val="150000"/>
-              </a:lnSpc>
-              <a:buFont typeface="Courier New" panose="02070309020205020404" pitchFamily="49" charset="0"/>
-              <a:buChar char="o"/>
-            </a:pPr>
-            <a:r>
-              <a:rPr lang="pl-PL" sz="1800" dirty="0">
-                <a:solidFill>
-                  <a:schemeClr val="bg2"/>
-                </a:solidFill>
-              </a:rPr>
-              <a:t>Zasoby są krytycznie niskie</a:t>
-            </a:r>
-          </a:p>
-          <a:p>
-            <a:pPr marL="742950" lvl="1" indent="-285750" algn="just">
-              <a:lnSpc>
-                <a:spcPct val="150000"/>
-              </a:lnSpc>
-              <a:buFont typeface="Courier New" panose="02070309020205020404" pitchFamily="49" charset="0"/>
-              <a:buChar char="o"/>
-            </a:pPr>
-            <a:r>
-              <a:rPr lang="pl-PL" sz="1800" dirty="0">
-                <a:solidFill>
-                  <a:schemeClr val="bg2"/>
-                </a:solidFill>
-              </a:rPr>
-              <a:t>Duża liczba działających aplikacji</a:t>
-            </a:r>
-          </a:p>
-          <a:p>
-            <a:pPr marL="742950" lvl="1" indent="-285750" algn="just">
-              <a:lnSpc>
-                <a:spcPct val="150000"/>
-              </a:lnSpc>
-              <a:buFont typeface="Courier New" panose="02070309020205020404" pitchFamily="49" charset="0"/>
-              <a:buChar char="o"/>
-            </a:pPr>
-            <a:r>
-              <a:rPr lang="pl-PL" sz="1800" dirty="0">
-                <a:solidFill>
-                  <a:schemeClr val="bg2"/>
-                </a:solidFill>
-              </a:rPr>
-              <a:t>Aplikacja wymagająca bardzo dużych zasobów (energia, pamięć)</a:t>
-            </a:r>
-          </a:p>
-          <a:p>
-            <a:pPr marL="742950" lvl="1" indent="-285750" algn="just">
-              <a:lnSpc>
-                <a:spcPct val="150000"/>
-              </a:lnSpc>
-              <a:buFont typeface="Courier New" panose="02070309020205020404" pitchFamily="49" charset="0"/>
-              <a:buChar char="o"/>
-            </a:pPr>
-            <a:endParaRPr lang="pl-PL" sz="1600" dirty="0">
-              <a:solidFill>
-                <a:schemeClr val="bg2"/>
-              </a:solidFill>
-            </a:endParaRPr>
-          </a:p>
-          <a:p>
-            <a:pPr marL="342900" indent="-342900" algn="just">
-              <a:buFont typeface="+mj-lt"/>
-              <a:buAutoNum type="arabicPeriod"/>
-            </a:pPr>
-            <a:endParaRPr lang="pl-PL" sz="1600" dirty="0">
-              <a:solidFill>
-                <a:schemeClr val="bg2"/>
-              </a:solidFill>
-            </a:endParaRPr>
-          </a:p>
-          <a:p>
-            <a:pPr algn="just"/>
-            <a:endParaRPr lang="pl-PL" sz="1600" dirty="0">
-              <a:solidFill>
-                <a:schemeClr val="bg2"/>
-              </a:solidFill>
-            </a:endParaRPr>
-          </a:p>
-        </p:txBody>
-      </p:sp>
-    </p:spTree>
-    <p:extLst>
-      <p:ext uri="{BB962C8B-B14F-4D97-AF65-F5344CB8AC3E}">
-        <p14:creationId xmlns:p14="http://schemas.microsoft.com/office/powerpoint/2010/main" val="583584318"/>
-      </p:ext>
-    </p:extLst>
-  </p:cSld>
-  <p:clrMapOvr>
-    <a:masterClrMapping/>
-  </p:clrMapOvr>
-</p:sld>
-</file>
-
-<file path=ppt/slides/slide2.xml><?xml version="1.0" encoding="utf-8"?>
-<p:sld xmlns:a="http://schemas.openxmlformats.org/drawingml/2006/main" xmlns:r="http://schemas.openxmlformats.org/officeDocument/2006/relationships" xmlns:p="http://schemas.openxmlformats.org/presentationml/2006/main">
-  <p:cSld>
-    <p:bg>
-      <p:bgPr>
-        <a:blipFill dpi="0" rotWithShape="0">
-          <a:blip r:embed="rId3" cstate="print"/>
-          <a:srcRect/>
-          <a:stretch>
-            <a:fillRect/>
-          </a:stretch>
-        </a:blipFill>
-        <a:effectLst/>
-      </p:bgPr>
-    </p:bg>
-    <p:spTree>
-      <p:nvGrpSpPr>
-        <p:cNvPr id="1" name=""/>
-        <p:cNvGrpSpPr/>
-        <p:nvPr/>
-      </p:nvGrpSpPr>
-      <p:grpSpPr>
-        <a:xfrm>
-          <a:off x="0" y="0"/>
-          <a:ext cx="0" cy="0"/>
-          <a:chOff x="0" y="0"/>
-          <a:chExt cx="0" cy="0"/>
-        </a:xfrm>
-      </p:grpSpPr>
-      <p:sp>
-        <p:nvSpPr>
-          <p:cNvPr id="2" name="Rectangle 1"/>
-          <p:cNvSpPr/>
-          <p:nvPr/>
-        </p:nvSpPr>
-        <p:spPr>
-          <a:xfrm>
-            <a:off x="1979712" y="188640"/>
-            <a:ext cx="6696744" cy="492443"/>
-          </a:xfrm>
-          <a:prstGeom prst="rect">
-            <a:avLst/>
-          </a:prstGeom>
-        </p:spPr>
-        <p:txBody>
-          <a:bodyPr wrap="square">
-            <a:spAutoFit/>
-          </a:bodyPr>
-          <a:lstStyle/>
-          <a:p>
-            <a:pPr algn="ctr"/>
-            <a:r>
-              <a:rPr lang="pl-PL" sz="2600" dirty="0">
-                <a:solidFill>
-                  <a:schemeClr val="bg1"/>
-                </a:solidFill>
-                <a:latin typeface="Verdana" panose="020B0604030504040204" pitchFamily="34" charset="0"/>
-                <a:ea typeface="Verdana" panose="020B0604030504040204" pitchFamily="34" charset="0"/>
-                <a:cs typeface="Verdana" panose="020B0604030504040204" pitchFamily="34" charset="0"/>
-              </a:rPr>
-              <a:t>PODSTAWOWE INFORMACJE</a:t>
-            </a:r>
-          </a:p>
-        </p:txBody>
-      </p:sp>
-      <p:sp>
-        <p:nvSpPr>
-          <p:cNvPr id="6" name="Prostokąt 5">
-            <a:extLst>
-              <a:ext uri="{FF2B5EF4-FFF2-40B4-BE49-F238E27FC236}">
-                <a16:creationId xmlns:a16="http://schemas.microsoft.com/office/drawing/2014/main" id="{CA41B780-B57E-411C-AAD5-3D3D6912F664}"/>
-              </a:ext>
-            </a:extLst>
-          </p:cNvPr>
-          <p:cNvSpPr/>
-          <p:nvPr/>
-        </p:nvSpPr>
-        <p:spPr>
-          <a:xfrm>
-            <a:off x="970062" y="836712"/>
-            <a:ext cx="8172400" cy="6021288"/>
-          </a:xfrm>
-          <a:prstGeom prst="rect">
-            <a:avLst/>
-          </a:prstGeom>
-          <a:solidFill>
-            <a:schemeClr val="tx1">
-              <a:lumMod val="75000"/>
-              <a:lumOff val="25000"/>
-            </a:schemeClr>
-          </a:solidFill>
-        </p:spPr>
-        <p:style>
-          <a:lnRef idx="1">
-            <a:schemeClr val="accent1"/>
-          </a:lnRef>
-          <a:fillRef idx="3">
-            <a:schemeClr val="accent1"/>
-          </a:fillRef>
-          <a:effectRef idx="2">
-            <a:schemeClr val="accent1"/>
-          </a:effectRef>
-          <a:fontRef idx="minor">
-            <a:schemeClr val="lt1"/>
-          </a:fontRef>
-        </p:style>
-        <p:txBody>
-          <a:bodyPr rtlCol="0" anchor="ctr"/>
-          <a:lstStyle/>
-          <a:p>
-            <a:pPr algn="ctr"/>
-            <a:endParaRPr lang="pl-PL"/>
-          </a:p>
-        </p:txBody>
-      </p:sp>
-      <p:sp>
-        <p:nvSpPr>
-          <p:cNvPr id="7" name="TextBox 1">
-            <a:extLst>
-              <a:ext uri="{FF2B5EF4-FFF2-40B4-BE49-F238E27FC236}">
-                <a16:creationId xmlns:a16="http://schemas.microsoft.com/office/drawing/2014/main" id="{D22229DB-0C83-4CF8-A4E0-AF9994C3705D}"/>
-              </a:ext>
-            </a:extLst>
-          </p:cNvPr>
-          <p:cNvSpPr txBox="1"/>
-          <p:nvPr/>
-        </p:nvSpPr>
-        <p:spPr>
-          <a:xfrm>
-            <a:off x="2267744" y="980728"/>
-            <a:ext cx="5472608" cy="1569660"/>
-          </a:xfrm>
-          <a:prstGeom prst="rect">
-            <a:avLst/>
-          </a:prstGeom>
-          <a:noFill/>
-        </p:spPr>
-        <p:txBody>
-          <a:bodyPr wrap="square" rtlCol="0">
-            <a:spAutoFit/>
-          </a:bodyPr>
-          <a:lstStyle/>
-          <a:p>
-            <a:pPr algn="ctr"/>
-            <a:r>
-              <a:rPr lang="pl-PL" sz="2400" dirty="0">
-                <a:solidFill>
-                  <a:schemeClr val="bg1"/>
-                </a:solidFill>
-              </a:rPr>
-              <a:t>Rafał Lewandków</a:t>
-            </a:r>
-          </a:p>
-          <a:p>
-            <a:pPr algn="ctr"/>
-            <a:r>
-              <a:rPr lang="pl-PL" sz="2400" dirty="0">
-                <a:solidFill>
-                  <a:schemeClr val="bg1"/>
-                </a:solidFill>
-              </a:rPr>
-              <a:t>pokój 075</a:t>
-            </a:r>
-          </a:p>
-          <a:p>
-            <a:pPr algn="ctr"/>
-            <a:r>
-              <a:rPr lang="pl-PL" sz="2400" dirty="0">
-                <a:solidFill>
-                  <a:schemeClr val="bg1"/>
-                </a:solidFill>
-              </a:rPr>
-              <a:t>rafal.lewandkow@uwr.edu.pl</a:t>
-            </a:r>
-          </a:p>
-          <a:p>
-            <a:pPr algn="ctr"/>
-            <a:r>
-              <a:rPr lang="pl-PL" sz="2400" dirty="0">
-                <a:solidFill>
-                  <a:schemeClr val="bg1"/>
-                </a:solidFill>
-              </a:rPr>
-              <a:t>rafal.lewandkow2@uwr.edu.pl</a:t>
-            </a:r>
-          </a:p>
-        </p:txBody>
-      </p:sp>
-      <p:sp>
-        <p:nvSpPr>
-          <p:cNvPr id="11" name="TextBox 1">
-            <a:extLst>
-              <a:ext uri="{FF2B5EF4-FFF2-40B4-BE49-F238E27FC236}">
-                <a16:creationId xmlns:a16="http://schemas.microsoft.com/office/drawing/2014/main" id="{6B4540DE-57F4-48C6-B18B-7596EFCB8521}"/>
-              </a:ext>
-            </a:extLst>
-          </p:cNvPr>
-          <p:cNvSpPr txBox="1"/>
-          <p:nvPr/>
-        </p:nvSpPr>
-        <p:spPr>
-          <a:xfrm>
-            <a:off x="1004763" y="2230120"/>
-            <a:ext cx="8172401" cy="4524315"/>
-          </a:xfrm>
-          <a:prstGeom prst="rect">
-            <a:avLst/>
-          </a:prstGeom>
-          <a:noFill/>
-        </p:spPr>
-        <p:txBody>
-          <a:bodyPr wrap="square" rtlCol="0">
-            <a:spAutoFit/>
-          </a:bodyPr>
-          <a:lstStyle/>
-          <a:p>
-            <a:pPr algn="just"/>
-            <a:endParaRPr lang="pl-PL" sz="2400" dirty="0">
-              <a:solidFill>
-                <a:schemeClr val="bg1"/>
-              </a:solidFill>
-            </a:endParaRPr>
-          </a:p>
-          <a:p>
-            <a:pPr algn="just"/>
-            <a:r>
-              <a:rPr lang="pl-PL" sz="2400" dirty="0">
-                <a:solidFill>
-                  <a:schemeClr val="bg1"/>
-                </a:solidFill>
-              </a:rPr>
-              <a:t>Forma zajęć i liczba godzin:</a:t>
-            </a:r>
-          </a:p>
-          <a:p>
-            <a:pPr algn="just"/>
-            <a:r>
-              <a:rPr lang="pl-PL" sz="2400" dirty="0">
-                <a:solidFill>
-                  <a:schemeClr val="bg1"/>
-                </a:solidFill>
-              </a:rPr>
-              <a:t>Wykład 15 godz. /Laboratorium 45 godz.</a:t>
-            </a:r>
-          </a:p>
-          <a:p>
-            <a:pPr algn="just"/>
-            <a:endParaRPr lang="pl-PL" sz="2400" dirty="0">
-              <a:solidFill>
-                <a:schemeClr val="bg1"/>
-              </a:solidFill>
-            </a:endParaRPr>
-          </a:p>
-          <a:p>
-            <a:pPr algn="just"/>
-            <a:r>
-              <a:rPr lang="pl-PL" sz="2400" dirty="0">
-                <a:solidFill>
-                  <a:schemeClr val="bg1"/>
-                </a:solidFill>
-              </a:rPr>
-              <a:t>Literatura obowiązkowa i zalecana:</a:t>
-            </a:r>
-          </a:p>
-          <a:p>
-            <a:pPr algn="just"/>
-            <a:r>
-              <a:rPr lang="pl-PL" sz="2400" dirty="0">
-                <a:solidFill>
-                  <a:schemeClr val="bg1"/>
-                </a:solidFill>
-              </a:rPr>
-              <a:t>”Android Programming, The Big Nerd Ranch Guide” 3rd ed. </a:t>
-            </a:r>
-            <a:r>
-              <a:rPr lang="pl-PL" sz="2400" dirty="0" err="1">
-                <a:solidFill>
-                  <a:schemeClr val="bg1"/>
-                </a:solidFill>
-              </a:rPr>
-              <a:t>B.Phillips</a:t>
-            </a:r>
-            <a:r>
-              <a:rPr lang="pl-PL" sz="2400" dirty="0">
-                <a:solidFill>
-                  <a:schemeClr val="bg1"/>
-                </a:solidFill>
-              </a:rPr>
-              <a:t>, Ch. Stewart, K. </a:t>
-            </a:r>
-            <a:r>
-              <a:rPr lang="pl-PL" sz="2400" dirty="0" err="1">
-                <a:solidFill>
-                  <a:schemeClr val="bg1"/>
-                </a:solidFill>
-              </a:rPr>
-              <a:t>Marsicano</a:t>
-            </a:r>
-            <a:r>
-              <a:rPr lang="pl-PL" sz="2400" dirty="0">
-                <a:solidFill>
-                  <a:schemeClr val="bg1"/>
-                </a:solidFill>
-              </a:rPr>
-              <a:t>.</a:t>
-            </a:r>
-          </a:p>
-          <a:p>
-            <a:pPr algn="just"/>
-            <a:endParaRPr lang="pl-PL" sz="2400" dirty="0">
-              <a:solidFill>
-                <a:schemeClr val="bg1"/>
-              </a:solidFill>
-            </a:endParaRPr>
-          </a:p>
-          <a:p>
-            <a:pPr algn="just"/>
-            <a:r>
-              <a:rPr lang="pl-PL" sz="2400" dirty="0">
-                <a:solidFill>
-                  <a:schemeClr val="bg1"/>
-                </a:solidFill>
-              </a:rPr>
-              <a:t>Nakład pracy studenta:</a:t>
-            </a:r>
-          </a:p>
-          <a:p>
-            <a:pPr algn="just"/>
-            <a:r>
-              <a:rPr lang="pl-PL" sz="2400" dirty="0">
-                <a:solidFill>
-                  <a:schemeClr val="bg1"/>
-                </a:solidFill>
-              </a:rPr>
-              <a:t>Praca własna studenta: 65 godz.</a:t>
-            </a:r>
-          </a:p>
-          <a:p>
-            <a:pPr algn="just"/>
-            <a:r>
-              <a:rPr lang="pl-PL" sz="2400" dirty="0">
-                <a:solidFill>
-                  <a:schemeClr val="bg1"/>
-                </a:solidFill>
-              </a:rPr>
-              <a:t>Łączna liczba godzin 125</a:t>
-            </a:r>
-          </a:p>
-          <a:p>
-            <a:pPr algn="just"/>
-            <a:r>
-              <a:rPr lang="pl-PL" sz="2400" dirty="0">
-                <a:solidFill>
-                  <a:schemeClr val="bg1"/>
-                </a:solidFill>
-              </a:rPr>
-              <a:t>Liczba punktów ECTS: 5</a:t>
-            </a:r>
-          </a:p>
-        </p:txBody>
-      </p:sp>
-    </p:spTree>
-    <p:extLst>
-      <p:ext uri="{BB962C8B-B14F-4D97-AF65-F5344CB8AC3E}">
-        <p14:creationId xmlns:p14="http://schemas.microsoft.com/office/powerpoint/2010/main" val="4175824041"/>
-      </p:ext>
-    </p:extLst>
-  </p:cSld>
-  <p:clrMapOvr>
-    <a:masterClrMapping/>
-  </p:clrMapOvr>
-</p:sld>
-</file>
-
-<file path=ppt/slides/slide20.xml><?xml version="1.0" encoding="utf-8"?>
 <p:sld xmlns:a="http://schemas.openxmlformats.org/drawingml/2006/main" xmlns:r="http://schemas.openxmlformats.org/officeDocument/2006/relationships" xmlns:p="http://schemas.openxmlformats.org/presentationml/2006/main">
   <p:cSld>
     <p:bg>
@@ -10057,7 +5908,7 @@
 </p:sld>
 </file>
 
-<file path=ppt/slides/slide21.xml><?xml version="1.0" encoding="utf-8"?>
+<file path=ppt/slides/slide11.xml><?xml version="1.0" encoding="utf-8"?>
 <p:sld xmlns:a="http://schemas.openxmlformats.org/drawingml/2006/main" xmlns:r="http://schemas.openxmlformats.org/officeDocument/2006/relationships" xmlns:p="http://schemas.openxmlformats.org/presentationml/2006/main">
   <p:cSld>
     <p:bg>
@@ -10360,7 +6211,7 @@
 </p:sld>
 </file>
 
-<file path=ppt/slides/slide22.xml><?xml version="1.0" encoding="utf-8"?>
+<file path=ppt/slides/slide12.xml><?xml version="1.0" encoding="utf-8"?>
 <p:sld xmlns:a="http://schemas.openxmlformats.org/drawingml/2006/main" xmlns:r="http://schemas.openxmlformats.org/officeDocument/2006/relationships" xmlns:p="http://schemas.openxmlformats.org/presentationml/2006/main">
   <p:cSld>
     <p:bg>
@@ -10706,7 +6557,7 @@
 </p:sld>
 </file>
 
-<file path=ppt/slides/slide23.xml><?xml version="1.0" encoding="utf-8"?>
+<file path=ppt/slides/slide13.xml><?xml version="1.0" encoding="utf-8"?>
 <p:sld xmlns:a="http://schemas.openxmlformats.org/drawingml/2006/main" xmlns:r="http://schemas.openxmlformats.org/officeDocument/2006/relationships" xmlns:p="http://schemas.openxmlformats.org/presentationml/2006/main">
   <p:cSld>
     <p:bg>
@@ -10930,7 +6781,7 @@
 </p:sld>
 </file>
 
-<file path=ppt/slides/slide24.xml><?xml version="1.0" encoding="utf-8"?>
+<file path=ppt/slides/slide14.xml><?xml version="1.0" encoding="utf-8"?>
 <p:sld xmlns:a="http://schemas.openxmlformats.org/drawingml/2006/main" xmlns:r="http://schemas.openxmlformats.org/officeDocument/2006/relationships" xmlns:p="http://schemas.openxmlformats.org/presentationml/2006/main">
   <p:cSld>
     <p:bg>
@@ -11124,7 +6975,7 @@
 </p:sld>
 </file>
 
-<file path=ppt/slides/slide25.xml><?xml version="1.0" encoding="utf-8"?>
+<file path=ppt/slides/slide15.xml><?xml version="1.0" encoding="utf-8"?>
 <p:sld xmlns:a="http://schemas.openxmlformats.org/drawingml/2006/main" xmlns:r="http://schemas.openxmlformats.org/officeDocument/2006/relationships" xmlns:p="http://schemas.openxmlformats.org/presentationml/2006/main">
   <p:cSld>
     <p:bg>
@@ -11206,7 +7057,7 @@
 </p:sld>
 </file>
 
-<file path=ppt/slides/slide26.xml><?xml version="1.0" encoding="utf-8"?>
+<file path=ppt/slides/slide16.xml><?xml version="1.0" encoding="utf-8"?>
 <p:sld xmlns:a="http://schemas.openxmlformats.org/drawingml/2006/main" xmlns:r="http://schemas.openxmlformats.org/officeDocument/2006/relationships" xmlns:p="http://schemas.openxmlformats.org/presentationml/2006/main">
   <p:cSld>
     <p:bg>
@@ -11360,7 +7211,7 @@
 </p:sld>
 </file>
 
-<file path=ppt/slides/slide27.xml><?xml version="1.0" encoding="utf-8"?>
+<file path=ppt/slides/slide17.xml><?xml version="1.0" encoding="utf-8"?>
 <p:sld xmlns:a="http://schemas.openxmlformats.org/drawingml/2006/main" xmlns:r="http://schemas.openxmlformats.org/officeDocument/2006/relationships" xmlns:p="http://schemas.openxmlformats.org/presentationml/2006/main">
   <p:cSld>
     <p:bg>
@@ -11594,7 +7445,7 @@
 </p:sld>
 </file>
 
-<file path=ppt/slides/slide28.xml><?xml version="1.0" encoding="utf-8"?>
+<file path=ppt/slides/slide18.xml><?xml version="1.0" encoding="utf-8"?>
 <p:sld xmlns:a="http://schemas.openxmlformats.org/drawingml/2006/main" xmlns:r="http://schemas.openxmlformats.org/officeDocument/2006/relationships" xmlns:p="http://schemas.openxmlformats.org/presentationml/2006/main">
   <p:cSld>
     <p:bg>
@@ -11749,7 +7600,7 @@
 </p:sld>
 </file>
 
-<file path=ppt/slides/slide29.xml><?xml version="1.0" encoding="utf-8"?>
+<file path=ppt/slides/slide19.xml><?xml version="1.0" encoding="utf-8"?>
 <p:sld xmlns:a="http://schemas.openxmlformats.org/drawingml/2006/main" xmlns:r="http://schemas.openxmlformats.org/officeDocument/2006/relationships" xmlns:p="http://schemas.openxmlformats.org/presentationml/2006/main">
   <p:cSld>
     <p:bg>
@@ -12016,7 +7867,29 @@
                 <a:ea typeface="Source Code Pro" panose="020B0509030403020204" pitchFamily="49" charset="0"/>
                 <a:cs typeface="Arial" panose="020B0604020202020204" pitchFamily="34" charset="0"/>
               </a:rPr>
-              <a:t> = new Intent (context,           	 			     mojaAktywność.class);</a:t>
+              <a:t> = new Intent (</a:t>
+            </a:r>
+            <a:r>
+              <a:rPr lang="pl-PL" sz="1800" dirty="0" err="1">
+                <a:solidFill>
+                  <a:schemeClr val="bg2"/>
+                </a:solidFill>
+                <a:latin typeface="Source Code Pro" panose="020B0509030403020204" pitchFamily="49" charset="0"/>
+                <a:ea typeface="Source Code Pro" panose="020B0509030403020204" pitchFamily="49" charset="0"/>
+                <a:cs typeface="Arial" panose="020B0604020202020204" pitchFamily="34" charset="0"/>
+              </a:rPr>
+              <a:t>context</a:t>
+            </a:r>
+            <a:r>
+              <a:rPr lang="pl-PL" sz="1800" dirty="0">
+                <a:solidFill>
+                  <a:schemeClr val="bg2"/>
+                </a:solidFill>
+                <a:latin typeface="Source Code Pro" panose="020B0509030403020204" pitchFamily="49" charset="0"/>
+                <a:ea typeface="Source Code Pro" panose="020B0509030403020204" pitchFamily="49" charset="0"/>
+                <a:cs typeface="Arial" panose="020B0604020202020204" pitchFamily="34" charset="0"/>
+              </a:rPr>
+              <a:t>,           	 			     mojaAktywność.class);</a:t>
             </a:r>
           </a:p>
           <a:p>
@@ -12229,7 +8102,29 @@
                 <a:ea typeface="Source Code Pro" panose="020B0509030403020204" pitchFamily="49" charset="0"/>
                 <a:cs typeface="Arial" panose="020B0604020202020204" pitchFamily="34" charset="0"/>
               </a:rPr>
-              <a:t> = new Intent (Intent.ACTION_VIEW,       		    </a:t>
+              <a:t> = new Intent (</a:t>
+            </a:r>
+            <a:r>
+              <a:rPr lang="pl-PL" sz="1800" dirty="0" err="1">
+                <a:solidFill>
+                  <a:schemeClr val="bg2"/>
+                </a:solidFill>
+                <a:latin typeface="Source Code Pro" panose="020B0509030403020204" pitchFamily="49" charset="0"/>
+                <a:ea typeface="Source Code Pro" panose="020B0509030403020204" pitchFamily="49" charset="0"/>
+                <a:cs typeface="Arial" panose="020B0604020202020204" pitchFamily="34" charset="0"/>
+              </a:rPr>
+              <a:t>Intent.ACTION_VIEW</a:t>
+            </a:r>
+            <a:r>
+              <a:rPr lang="pl-PL" sz="1800" dirty="0">
+                <a:solidFill>
+                  <a:schemeClr val="bg2"/>
+                </a:solidFill>
+                <a:latin typeface="Source Code Pro" panose="020B0509030403020204" pitchFamily="49" charset="0"/>
+                <a:ea typeface="Source Code Pro" panose="020B0509030403020204" pitchFamily="49" charset="0"/>
+                <a:cs typeface="Arial" panose="020B0604020202020204" pitchFamily="34" charset="0"/>
+              </a:rPr>
+              <a:t>,       		    </a:t>
             </a:r>
             <a:r>
               <a:rPr lang="pl-PL" sz="1800" dirty="0" err="1">
@@ -12294,7 +8189,7 @@
 </p:sld>
 </file>
 
-<file path=ppt/slides/slide3.xml><?xml version="1.0" encoding="utf-8"?>
+<file path=ppt/slides/slide2.xml><?xml version="1.0" encoding="utf-8"?>
 <p:sld xmlns:a="http://schemas.openxmlformats.org/drawingml/2006/main" xmlns:r="http://schemas.openxmlformats.org/officeDocument/2006/relationships" xmlns:p="http://schemas.openxmlformats.org/presentationml/2006/main">
   <p:cSld>
     <p:bg>
@@ -12325,359 +8220,48 @@
       </p:grpSpPr>
       <p:sp>
         <p:nvSpPr>
-          <p:cNvPr id="2" name="Rectangle 1"/>
-          <p:cNvSpPr/>
+          <p:cNvPr id="7" name="TextBox 1">
+            <a:extLst>
+              <a:ext uri="{FF2B5EF4-FFF2-40B4-BE49-F238E27FC236}">
+                <a16:creationId xmlns:a16="http://schemas.microsoft.com/office/drawing/2014/main" id="{18B63D4F-5BA2-440F-9AD4-247950001015}"/>
+              </a:ext>
+            </a:extLst>
+          </p:cNvPr>
+          <p:cNvSpPr txBox="1"/>
           <p:nvPr/>
         </p:nvSpPr>
         <p:spPr>
           <a:xfrm>
-            <a:off x="1979712" y="188640"/>
-            <a:ext cx="6696744" cy="492443"/>
+            <a:off x="359532" y="3284984"/>
+            <a:ext cx="8424936" cy="584775"/>
           </a:xfrm>
           <a:prstGeom prst="rect">
             <a:avLst/>
           </a:prstGeom>
+          <a:noFill/>
         </p:spPr>
         <p:txBody>
-          <a:bodyPr wrap="square">
+          <a:bodyPr wrap="square" rtlCol="0">
             <a:spAutoFit/>
           </a:bodyPr>
           <a:lstStyle/>
           <a:p>
             <a:pPr algn="ctr"/>
             <a:r>
-              <a:rPr lang="pl-PL" sz="2600" dirty="0">
+              <a:rPr lang="pl-PL" sz="3200" b="1" dirty="0">
                 <a:solidFill>
                   <a:schemeClr val="bg1"/>
                 </a:solidFill>
-                <a:latin typeface="Verdana" panose="020B0604030504040204" pitchFamily="34" charset="0"/>
-                <a:ea typeface="Verdana" panose="020B0604030504040204" pitchFamily="34" charset="0"/>
-                <a:cs typeface="Verdana" panose="020B0604030504040204" pitchFamily="34" charset="0"/>
-              </a:rPr>
-              <a:t>PODSTAWOWE INFORMACJE</a:t>
-            </a:r>
-          </a:p>
-        </p:txBody>
-      </p:sp>
-      <p:sp>
-        <p:nvSpPr>
-          <p:cNvPr id="6" name="Prostokąt 5">
-            <a:extLst>
-              <a:ext uri="{FF2B5EF4-FFF2-40B4-BE49-F238E27FC236}">
-                <a16:creationId xmlns:a16="http://schemas.microsoft.com/office/drawing/2014/main" id="{CA41B780-B57E-411C-AAD5-3D3D6912F664}"/>
-              </a:ext>
-            </a:extLst>
-          </p:cNvPr>
-          <p:cNvSpPr/>
-          <p:nvPr/>
-        </p:nvSpPr>
-        <p:spPr>
-          <a:xfrm>
-            <a:off x="970062" y="836712"/>
-            <a:ext cx="8172400" cy="6021288"/>
-          </a:xfrm>
-          <a:prstGeom prst="rect">
-            <a:avLst/>
-          </a:prstGeom>
-          <a:solidFill>
-            <a:schemeClr val="tx1">
-              <a:lumMod val="75000"/>
-              <a:lumOff val="25000"/>
-            </a:schemeClr>
-          </a:solidFill>
-        </p:spPr>
-        <p:style>
-          <a:lnRef idx="1">
-            <a:schemeClr val="accent1"/>
-          </a:lnRef>
-          <a:fillRef idx="3">
-            <a:schemeClr val="accent1"/>
-          </a:fillRef>
-          <a:effectRef idx="2">
-            <a:schemeClr val="accent1"/>
-          </a:effectRef>
-          <a:fontRef idx="minor">
-            <a:schemeClr val="lt1"/>
-          </a:fontRef>
-        </p:style>
-        <p:txBody>
-          <a:bodyPr rtlCol="0" anchor="ctr"/>
-          <a:lstStyle/>
-          <a:p>
-            <a:pPr marL="342900" lvl="0" indent="-342900">
-              <a:lnSpc>
-                <a:spcPct val="150000"/>
-              </a:lnSpc>
-              <a:spcAft>
-                <a:spcPts val="600"/>
-              </a:spcAft>
-              <a:buFont typeface="Arial" panose="020B0604020202020204" pitchFamily="34" charset="0"/>
-              <a:buChar char="•"/>
-              <a:tabLst>
-                <a:tab pos="-365760" algn="l"/>
-              </a:tabLst>
-            </a:pPr>
-            <a:r>
-              <a:rPr lang="pl-PL" sz="1800" b="1" kern="150" dirty="0">
-                <a:effectLst/>
-                <a:latin typeface="Verdana, Verdana"/>
-                <a:ea typeface="OpenSymbol"/>
-                <a:cs typeface="Verdana, Verdana"/>
-              </a:rPr>
-              <a:t>Android Studio</a:t>
-            </a:r>
-            <a:endParaRPr lang="pl-PL" sz="1800" kern="150" dirty="0">
-              <a:effectLst/>
-              <a:latin typeface="OpenSymbol"/>
-              <a:ea typeface="OpenSymbol"/>
-              <a:cs typeface="OpenSymbol"/>
-            </a:endParaRPr>
-          </a:p>
-          <a:p>
-            <a:pPr marL="342900" lvl="0" indent="-342900">
-              <a:lnSpc>
-                <a:spcPct val="150000"/>
-              </a:lnSpc>
-              <a:spcAft>
-                <a:spcPts val="600"/>
-              </a:spcAft>
-              <a:buFont typeface="Arial" panose="020B0604020202020204" pitchFamily="34" charset="0"/>
-              <a:buChar char="•"/>
-              <a:tabLst>
-                <a:tab pos="-365760" algn="l"/>
-              </a:tabLst>
-            </a:pPr>
-            <a:r>
-              <a:rPr lang="pl-PL" sz="1800" b="1" kern="150" dirty="0">
-                <a:effectLst/>
-                <a:latin typeface="Verdana, Verdana"/>
-                <a:ea typeface="OpenSymbol"/>
-                <a:cs typeface="Verdana, Verdana"/>
-              </a:rPr>
-              <a:t>Cykl życia</a:t>
-            </a:r>
-          </a:p>
-          <a:p>
-            <a:pPr marL="342900" lvl="0" indent="-342900">
-              <a:lnSpc>
-                <a:spcPct val="150000"/>
-              </a:lnSpc>
-              <a:spcAft>
-                <a:spcPts val="600"/>
-              </a:spcAft>
-              <a:buFont typeface="Arial" panose="020B0604020202020204" pitchFamily="34" charset="0"/>
-              <a:buChar char="•"/>
-              <a:tabLst>
-                <a:tab pos="-365760" algn="l"/>
-              </a:tabLst>
-            </a:pPr>
-            <a:r>
-              <a:rPr lang="pl-PL" sz="1800" b="1" kern="150" dirty="0">
-                <a:latin typeface="Verdana, Verdana"/>
-                <a:ea typeface="OpenSymbol"/>
-                <a:cs typeface="OpenSymbol"/>
-              </a:rPr>
-              <a:t>Android Jetpack</a:t>
-            </a:r>
-          </a:p>
-          <a:p>
-            <a:pPr marL="342900" lvl="0" indent="-342900">
-              <a:lnSpc>
-                <a:spcPct val="150000"/>
-              </a:lnSpc>
-              <a:spcAft>
-                <a:spcPts val="600"/>
-              </a:spcAft>
-              <a:buFont typeface="Arial" panose="020B0604020202020204" pitchFamily="34" charset="0"/>
-              <a:buChar char="•"/>
-              <a:tabLst>
-                <a:tab pos="-365760" algn="l"/>
-              </a:tabLst>
-            </a:pPr>
-            <a:r>
-              <a:rPr lang="pl-PL" sz="1800" b="1" kern="150" dirty="0">
-                <a:effectLst/>
-                <a:latin typeface="Verdana, Verdana"/>
-                <a:ea typeface="OpenSymbol"/>
-                <a:cs typeface="OpenSymbol"/>
-              </a:rPr>
-              <a:t>Jetpack Navigation</a:t>
-            </a:r>
-          </a:p>
-          <a:p>
-            <a:pPr marL="342900" lvl="0" indent="-342900">
-              <a:lnSpc>
-                <a:spcPct val="150000"/>
-              </a:lnSpc>
-              <a:spcAft>
-                <a:spcPts val="600"/>
-              </a:spcAft>
-              <a:buFont typeface="Arial" panose="020B0604020202020204" pitchFamily="34" charset="0"/>
-              <a:buChar char="•"/>
-              <a:tabLst>
-                <a:tab pos="-365760" algn="l"/>
-              </a:tabLst>
-            </a:pPr>
-            <a:r>
-              <a:rPr lang="pl-PL" sz="1800" b="1" kern="150" dirty="0">
-                <a:latin typeface="Verdana, Verdana"/>
-                <a:ea typeface="OpenSymbol"/>
-                <a:cs typeface="OpenSymbol"/>
-              </a:rPr>
-              <a:t>Jetpack Compose</a:t>
-            </a:r>
-            <a:endParaRPr lang="pl-PL" sz="1800" kern="150" dirty="0">
-              <a:effectLst/>
-              <a:latin typeface="OpenSymbol"/>
-              <a:ea typeface="OpenSymbol"/>
-              <a:cs typeface="OpenSymbol"/>
-            </a:endParaRPr>
-          </a:p>
-          <a:p>
-            <a:pPr marL="342900" lvl="0" indent="-342900">
-              <a:lnSpc>
-                <a:spcPct val="150000"/>
-              </a:lnSpc>
-              <a:spcAft>
-                <a:spcPts val="600"/>
-              </a:spcAft>
-              <a:buFont typeface="Arial" panose="020B0604020202020204" pitchFamily="34" charset="0"/>
-              <a:buChar char="•"/>
-              <a:tabLst>
-                <a:tab pos="-365760" algn="l"/>
-              </a:tabLst>
-            </a:pPr>
-            <a:r>
-              <a:rPr lang="pl-PL" sz="1800" b="1" kern="150" dirty="0">
-                <a:effectLst/>
-                <a:latin typeface="Verdana, Verdana"/>
-                <a:ea typeface="OpenSymbol"/>
-                <a:cs typeface="Verdana, Verdana"/>
-              </a:rPr>
-              <a:t>Bazy danych – ROOM, SQLite</a:t>
-            </a:r>
-            <a:endParaRPr lang="pl-PL" sz="1800" kern="150" dirty="0">
-              <a:effectLst/>
-              <a:latin typeface="OpenSymbol"/>
-              <a:ea typeface="OpenSymbol"/>
-              <a:cs typeface="OpenSymbol"/>
-            </a:endParaRPr>
-          </a:p>
-          <a:p>
-            <a:pPr marL="342900" lvl="0" indent="-342900">
-              <a:lnSpc>
-                <a:spcPct val="150000"/>
-              </a:lnSpc>
-              <a:spcAft>
-                <a:spcPts val="600"/>
-              </a:spcAft>
-              <a:buFont typeface="Arial" panose="020B0604020202020204" pitchFamily="34" charset="0"/>
-              <a:buChar char="•"/>
-              <a:tabLst>
-                <a:tab pos="-365760" algn="l"/>
-              </a:tabLst>
-            </a:pPr>
-            <a:r>
-              <a:rPr lang="pl-PL" sz="1800" b="1" kern="150" dirty="0">
-                <a:effectLst/>
-                <a:latin typeface="Verdana, Verdana"/>
-                <a:ea typeface="OpenSymbol"/>
-                <a:cs typeface="Verdana, Verdana"/>
-              </a:rPr>
-              <a:t>Aktywności, Fragmenty, Composable </a:t>
-            </a:r>
-            <a:endParaRPr lang="pl-PL" sz="1800" kern="150" dirty="0">
-              <a:effectLst/>
-              <a:latin typeface="OpenSymbol"/>
-              <a:ea typeface="OpenSymbol"/>
-              <a:cs typeface="OpenSymbol"/>
-            </a:endParaRPr>
-          </a:p>
-          <a:p>
-            <a:pPr marL="342900" lvl="0" indent="-342900">
-              <a:lnSpc>
-                <a:spcPct val="150000"/>
-              </a:lnSpc>
-              <a:spcAft>
-                <a:spcPts val="600"/>
-              </a:spcAft>
-              <a:buFont typeface="Arial" panose="020B0604020202020204" pitchFamily="34" charset="0"/>
-              <a:buChar char="•"/>
-              <a:tabLst>
-                <a:tab pos="-365760" algn="l"/>
-              </a:tabLst>
-            </a:pPr>
-            <a:r>
-              <a:rPr lang="pl-PL" sz="1800" b="1" kern="150" dirty="0">
-                <a:effectLst/>
-                <a:latin typeface="Verdana, Verdana"/>
-                <a:ea typeface="OpenSymbol"/>
-                <a:cs typeface="Verdana, Verdana"/>
-              </a:rPr>
-              <a:t>Wielowątkowość</a:t>
-            </a:r>
-            <a:endParaRPr lang="pl-PL" sz="1800" kern="150" dirty="0">
-              <a:effectLst/>
-              <a:latin typeface="OpenSymbol"/>
-              <a:ea typeface="OpenSymbol"/>
-              <a:cs typeface="OpenSymbol"/>
-            </a:endParaRPr>
-          </a:p>
-          <a:p>
-            <a:pPr marL="342900" lvl="0" indent="-342900">
-              <a:lnSpc>
-                <a:spcPct val="150000"/>
-              </a:lnSpc>
-              <a:spcAft>
-                <a:spcPts val="600"/>
-              </a:spcAft>
-              <a:buFont typeface="Arial" panose="020B0604020202020204" pitchFamily="34" charset="0"/>
-              <a:buChar char="•"/>
-              <a:tabLst>
-                <a:tab pos="-365760" algn="l"/>
-              </a:tabLst>
-            </a:pPr>
-            <a:r>
-              <a:rPr lang="pl-PL" sz="1800" b="1" kern="150" dirty="0">
-                <a:effectLst/>
-                <a:latin typeface="Verdana, Verdana"/>
-                <a:ea typeface="OpenSymbol"/>
-                <a:cs typeface="Verdana, Verdana"/>
-              </a:rPr>
-              <a:t>Architektura aplikacji – MVVM, MVI</a:t>
-            </a:r>
-            <a:endParaRPr lang="pl-PL" sz="1800" kern="150" dirty="0">
-              <a:effectLst/>
-              <a:latin typeface="OpenSymbol"/>
-              <a:ea typeface="OpenSymbol"/>
-              <a:cs typeface="OpenSymbol"/>
-            </a:endParaRPr>
-          </a:p>
-          <a:p>
-            <a:pPr marL="285750" indent="-285750">
-              <a:lnSpc>
-                <a:spcPct val="150000"/>
-              </a:lnSpc>
-              <a:buFont typeface="Arial" panose="020B0604020202020204" pitchFamily="34" charset="0"/>
-              <a:buChar char="•"/>
-            </a:pPr>
-            <a:r>
-              <a:rPr lang="pl-PL" sz="1800" b="1" dirty="0">
-                <a:effectLst/>
-                <a:latin typeface="Verdana, Verdana"/>
-                <a:ea typeface="Droid Sans Fallback"/>
-                <a:cs typeface="Verdana, Verdana"/>
-              </a:rPr>
-              <a:t>Dependency Injection – Dagger-Hilt</a:t>
-            </a:r>
-            <a:endParaRPr lang="pl-PL" dirty="0"/>
+              </a:rPr>
+              <a:t>Podstawowe Elementy Aplikacji</a:t>
+            </a:r>
           </a:p>
         </p:txBody>
       </p:sp>
     </p:spTree>
     <p:extLst>
       <p:ext uri="{BB962C8B-B14F-4D97-AF65-F5344CB8AC3E}">
-        <p14:creationId xmlns:p14="http://schemas.microsoft.com/office/powerpoint/2010/main" val="1173712497"/>
+        <p14:creationId xmlns:p14="http://schemas.microsoft.com/office/powerpoint/2010/main" val="2715929198"/>
       </p:ext>
     </p:extLst>
   </p:cSld>
@@ -12687,7 +8271,7 @@
 </p:sld>
 </file>
 
-<file path=ppt/slides/slide30.xml><?xml version="1.0" encoding="utf-8"?>
+<file path=ppt/slides/slide20.xml><?xml version="1.0" encoding="utf-8"?>
 <p:sld xmlns:a="http://schemas.openxmlformats.org/drawingml/2006/main" xmlns:r="http://schemas.openxmlformats.org/officeDocument/2006/relationships" xmlns:p="http://schemas.openxmlformats.org/presentationml/2006/main">
   <p:cSld>
     <p:bg>
@@ -12769,7 +8353,7 @@
 </p:sld>
 </file>
 
-<file path=ppt/slides/slide31.xml><?xml version="1.0" encoding="utf-8"?>
+<file path=ppt/slides/slide21.xml><?xml version="1.0" encoding="utf-8"?>
 <p:sld xmlns:a="http://schemas.openxmlformats.org/drawingml/2006/main" xmlns:r="http://schemas.openxmlformats.org/officeDocument/2006/relationships" xmlns:p="http://schemas.openxmlformats.org/presentationml/2006/main">
   <p:cSld>
     <p:bg>
@@ -12821,7 +8405,7 @@
           <a:p>
             <a:pPr algn="ctr"/>
             <a:r>
-              <a:rPr lang="pl-PL" sz="2600" dirty="0" err="1">
+              <a:rPr lang="pl-PL" sz="2600" dirty="0">
                 <a:solidFill>
                   <a:schemeClr val="bg1"/>
                 </a:solidFill>
@@ -12831,14 +8415,6 @@
               </a:rPr>
               <a:t>Context</a:t>
             </a:r>
-            <a:endParaRPr lang="pl-PL" sz="2600" dirty="0">
-              <a:solidFill>
-                <a:schemeClr val="bg1"/>
-              </a:solidFill>
-              <a:latin typeface="Verdana" panose="020B0604030504040204" pitchFamily="34" charset="0"/>
-              <a:ea typeface="Verdana" panose="020B0604030504040204" pitchFamily="34" charset="0"/>
-              <a:cs typeface="Verdana" panose="020B0604030504040204" pitchFamily="34" charset="0"/>
-            </a:endParaRPr>
           </a:p>
         </p:txBody>
       </p:sp>
@@ -12971,6 +8547,313 @@
 </p:sld>
 </file>
 
+<file path=ppt/slides/slide3.xml><?xml version="1.0" encoding="utf-8"?>
+<p:sld xmlns:a="http://schemas.openxmlformats.org/drawingml/2006/main" xmlns:r="http://schemas.openxmlformats.org/officeDocument/2006/relationships" xmlns:p="http://schemas.openxmlformats.org/presentationml/2006/main">
+  <p:cSld>
+    <p:bg>
+      <p:bgPr>
+        <a:blipFill dpi="0" rotWithShape="0">
+          <a:blip r:embed="rId3" cstate="print"/>
+          <a:srcRect/>
+          <a:stretch>
+            <a:fillRect/>
+          </a:stretch>
+        </a:blipFill>
+        <a:effectLst/>
+      </p:bgPr>
+    </p:bg>
+    <p:spTree>
+      <p:nvGrpSpPr>
+        <p:cNvPr id="1" name=""/>
+        <p:cNvGrpSpPr/>
+        <p:nvPr/>
+      </p:nvGrpSpPr>
+      <p:grpSpPr>
+        <a:xfrm>
+          <a:off x="0" y="0"/>
+          <a:ext cx="0" cy="0"/>
+          <a:chOff x="0" y="0"/>
+          <a:chExt cx="0" cy="0"/>
+        </a:xfrm>
+      </p:grpSpPr>
+      <p:sp>
+        <p:nvSpPr>
+          <p:cNvPr id="2" name="Rectangle 1"/>
+          <p:cNvSpPr/>
+          <p:nvPr/>
+        </p:nvSpPr>
+        <p:spPr>
+          <a:xfrm>
+            <a:off x="1979712" y="188640"/>
+            <a:ext cx="6696744" cy="492443"/>
+          </a:xfrm>
+          <a:prstGeom prst="rect">
+            <a:avLst/>
+          </a:prstGeom>
+        </p:spPr>
+        <p:txBody>
+          <a:bodyPr wrap="square">
+            <a:spAutoFit/>
+          </a:bodyPr>
+          <a:lstStyle/>
+          <a:p>
+            <a:pPr algn="ctr"/>
+            <a:r>
+              <a:rPr lang="pl-PL" sz="2600" dirty="0">
+                <a:solidFill>
+                  <a:schemeClr val="bg1"/>
+                </a:solidFill>
+                <a:latin typeface="Verdana" panose="020B0604030504040204" pitchFamily="34" charset="0"/>
+                <a:ea typeface="Verdana" panose="020B0604030504040204" pitchFamily="34" charset="0"/>
+                <a:cs typeface="Verdana" panose="020B0604030504040204" pitchFamily="34" charset="0"/>
+              </a:rPr>
+              <a:t>Podstawowe elementy aplikacji</a:t>
+            </a:r>
+          </a:p>
+        </p:txBody>
+      </p:sp>
+      <p:sp>
+        <p:nvSpPr>
+          <p:cNvPr id="6" name="Prostokąt 5">
+            <a:extLst>
+              <a:ext uri="{FF2B5EF4-FFF2-40B4-BE49-F238E27FC236}">
+                <a16:creationId xmlns:a16="http://schemas.microsoft.com/office/drawing/2014/main" id="{B483F383-749C-4DE4-ACCC-8253AFF3C42A}"/>
+              </a:ext>
+            </a:extLst>
+          </p:cNvPr>
+          <p:cNvSpPr/>
+          <p:nvPr/>
+        </p:nvSpPr>
+        <p:spPr>
+          <a:xfrm>
+            <a:off x="971600" y="836712"/>
+            <a:ext cx="8150696" cy="6021288"/>
+          </a:xfrm>
+          <a:prstGeom prst="rect">
+            <a:avLst/>
+          </a:prstGeom>
+          <a:solidFill>
+            <a:schemeClr val="tx1"/>
+          </a:solidFill>
+        </p:spPr>
+        <p:style>
+          <a:lnRef idx="1">
+            <a:schemeClr val="accent1"/>
+          </a:lnRef>
+          <a:fillRef idx="3">
+            <a:schemeClr val="accent1"/>
+          </a:fillRef>
+          <a:effectRef idx="2">
+            <a:schemeClr val="accent1"/>
+          </a:effectRef>
+          <a:fontRef idx="minor">
+            <a:schemeClr val="lt1"/>
+          </a:fontRef>
+        </p:style>
+        <p:txBody>
+          <a:bodyPr rtlCol="0" anchor="ctr"/>
+          <a:lstStyle/>
+          <a:p>
+            <a:pPr algn="ctr"/>
+            <a:endParaRPr lang="pl-PL" dirty="0"/>
+          </a:p>
+        </p:txBody>
+      </p:sp>
+      <p:sp>
+        <p:nvSpPr>
+          <p:cNvPr id="3" name="pole tekstowe 2">
+            <a:extLst>
+              <a:ext uri="{FF2B5EF4-FFF2-40B4-BE49-F238E27FC236}">
+                <a16:creationId xmlns:a16="http://schemas.microsoft.com/office/drawing/2014/main" id="{DE844D0F-DE98-492A-8B73-1EA3ECEE4E84}"/>
+              </a:ext>
+            </a:extLst>
+          </p:cNvPr>
+          <p:cNvSpPr txBox="1"/>
+          <p:nvPr/>
+        </p:nvSpPr>
+        <p:spPr>
+          <a:xfrm>
+            <a:off x="1043609" y="853108"/>
+            <a:ext cx="8078688" cy="5027017"/>
+          </a:xfrm>
+          <a:prstGeom prst="rect">
+            <a:avLst/>
+          </a:prstGeom>
+          <a:noFill/>
+        </p:spPr>
+        <p:txBody>
+          <a:bodyPr wrap="square" rtlCol="0">
+            <a:spAutoFit/>
+          </a:bodyPr>
+          <a:lstStyle/>
+          <a:p>
+            <a:pPr algn="just">
+              <a:lnSpc>
+                <a:spcPct val="150000"/>
+              </a:lnSpc>
+            </a:pPr>
+            <a:r>
+              <a:rPr lang="pl-PL" sz="1800" dirty="0">
+                <a:solidFill>
+                  <a:schemeClr val="bg1"/>
+                </a:solidFill>
+              </a:rPr>
+              <a:t>Podstawowe elementy – komponenty, klasy pierwotne z których zbudowana jest aplikacja (VM + Zasoby = APK (Android Package Kit))</a:t>
+            </a:r>
+          </a:p>
+          <a:p>
+            <a:pPr algn="just">
+              <a:lnSpc>
+                <a:spcPct val="150000"/>
+              </a:lnSpc>
+            </a:pPr>
+            <a:endParaRPr lang="pl-PL" sz="1800" dirty="0">
+              <a:solidFill>
+                <a:schemeClr val="bg1"/>
+              </a:solidFill>
+            </a:endParaRPr>
+          </a:p>
+          <a:p>
+            <a:pPr algn="just">
+              <a:lnSpc>
+                <a:spcPct val="150000"/>
+              </a:lnSpc>
+            </a:pPr>
+            <a:r>
+              <a:rPr lang="pl-PL" sz="1800" dirty="0">
+                <a:solidFill>
+                  <a:schemeClr val="bg1"/>
+                </a:solidFill>
+              </a:rPr>
+              <a:t>Każdy komponent zapewnia konkretną funkcjonalność i posiada wyodrębniony cykl życia. Komponenty działają kooperacyjnie wspólnie zapewniając ukończenie określonego zadania aplikacji</a:t>
+            </a:r>
+          </a:p>
+          <a:p>
+            <a:pPr algn="just">
+              <a:lnSpc>
+                <a:spcPct val="150000"/>
+              </a:lnSpc>
+            </a:pPr>
+            <a:endParaRPr lang="pl-PL" sz="1800" dirty="0">
+              <a:solidFill>
+                <a:schemeClr val="bg1"/>
+              </a:solidFill>
+            </a:endParaRPr>
+          </a:p>
+          <a:p>
+            <a:pPr algn="just">
+              <a:lnSpc>
+                <a:spcPct val="150000"/>
+              </a:lnSpc>
+            </a:pPr>
+            <a:r>
+              <a:rPr lang="pl-PL" sz="1800" dirty="0">
+                <a:solidFill>
+                  <a:schemeClr val="bg1"/>
+                </a:solidFill>
+              </a:rPr>
+              <a:t>Podstawowe elementy:</a:t>
+            </a:r>
+          </a:p>
+          <a:p>
+            <a:pPr marL="342900" indent="-342900" algn="just">
+              <a:lnSpc>
+                <a:spcPct val="150000"/>
+              </a:lnSpc>
+              <a:buFont typeface="+mj-lt"/>
+              <a:buAutoNum type="arabicPeriod"/>
+            </a:pPr>
+            <a:r>
+              <a:rPr lang="pl-PL" sz="1800" dirty="0">
+                <a:solidFill>
+                  <a:schemeClr val="bg1"/>
+                </a:solidFill>
+              </a:rPr>
+              <a:t>Activities/Fragments – pojedynczy ekran z UI</a:t>
+            </a:r>
+          </a:p>
+          <a:p>
+            <a:pPr marL="342900" indent="-342900" algn="just">
+              <a:lnSpc>
+                <a:spcPct val="150000"/>
+              </a:lnSpc>
+              <a:buFont typeface="+mj-lt"/>
+              <a:buAutoNum type="arabicPeriod"/>
+            </a:pPr>
+            <a:r>
+              <a:rPr lang="pl-PL" sz="1800" dirty="0">
+                <a:solidFill>
+                  <a:schemeClr val="bg1"/>
+                </a:solidFill>
+              </a:rPr>
+              <a:t>Services – long running tasks in the background</a:t>
+            </a:r>
+          </a:p>
+          <a:p>
+            <a:pPr marL="342900" indent="-342900" algn="just">
+              <a:lnSpc>
+                <a:spcPct val="150000"/>
+              </a:lnSpc>
+              <a:buFont typeface="+mj-lt"/>
+              <a:buAutoNum type="arabicPeriod"/>
+            </a:pPr>
+            <a:r>
+              <a:rPr lang="pl-PL" sz="1800" dirty="0">
+                <a:solidFill>
+                  <a:schemeClr val="bg1"/>
+                </a:solidFill>
+              </a:rPr>
+              <a:t>Broadcast Receiver – responds to system-</a:t>
+            </a:r>
+            <a:r>
+              <a:rPr lang="pl-PL" sz="1800" dirty="0" err="1">
+                <a:solidFill>
+                  <a:schemeClr val="bg1"/>
+                </a:solidFill>
+              </a:rPr>
+              <a:t>wide</a:t>
+            </a:r>
+            <a:r>
+              <a:rPr lang="pl-PL" sz="1800" dirty="0">
+                <a:solidFill>
+                  <a:schemeClr val="bg1"/>
+                </a:solidFill>
+              </a:rPr>
+              <a:t> announcements</a:t>
+            </a:r>
+          </a:p>
+          <a:p>
+            <a:pPr marL="342900" indent="-342900" algn="just">
+              <a:lnSpc>
+                <a:spcPct val="150000"/>
+              </a:lnSpc>
+              <a:buFont typeface="+mj-lt"/>
+              <a:buAutoNum type="arabicPeriod"/>
+            </a:pPr>
+            <a:r>
+              <a:rPr lang="pl-PL" sz="1800" dirty="0">
+                <a:solidFill>
+                  <a:schemeClr val="bg1"/>
+                </a:solidFill>
+              </a:rPr>
+              <a:t>Content Provider</a:t>
+            </a:r>
+          </a:p>
+        </p:txBody>
+      </p:sp>
+    </p:spTree>
+    <p:extLst>
+      <p:ext uri="{BB962C8B-B14F-4D97-AF65-F5344CB8AC3E}">
+        <p14:creationId xmlns:p14="http://schemas.microsoft.com/office/powerpoint/2010/main" val="758655208"/>
+      </p:ext>
+    </p:extLst>
+  </p:cSld>
+  <p:clrMapOvr>
+    <a:masterClrMapping/>
+  </p:clrMapOvr>
+</p:sld>
+</file>
+
 <file path=ppt/slides/slide4.xml><?xml version="1.0" encoding="utf-8"?>
 <p:sld xmlns:a="http://schemas.openxmlformats.org/drawingml/2006/main" xmlns:r="http://schemas.openxmlformats.org/officeDocument/2006/relationships" xmlns:p="http://schemas.openxmlformats.org/presentationml/2006/main">
   <p:cSld>
@@ -13031,7 +8914,7 @@
                 <a:ea typeface="Verdana" panose="020B0604030504040204" pitchFamily="34" charset="0"/>
                 <a:cs typeface="Verdana" panose="020B0604030504040204" pitchFamily="34" charset="0"/>
               </a:rPr>
-              <a:t>ZASADY ZALICZENIA</a:t>
+              <a:t>Podstawowe elementy aplikacji</a:t>
             </a:r>
           </a:p>
         </p:txBody>
@@ -13041,7 +8924,7 @@
           <p:cNvPr id="6" name="Prostokąt 5">
             <a:extLst>
               <a:ext uri="{FF2B5EF4-FFF2-40B4-BE49-F238E27FC236}">
-                <a16:creationId xmlns:a16="http://schemas.microsoft.com/office/drawing/2014/main" id="{CA41B780-B57E-411C-AAD5-3D3D6912F664}"/>
+                <a16:creationId xmlns:a16="http://schemas.microsoft.com/office/drawing/2014/main" id="{B483F383-749C-4DE4-ACCC-8253AFF3C42A}"/>
               </a:ext>
             </a:extLst>
           </p:cNvPr>
@@ -13050,17 +8933,14 @@
         </p:nvSpPr>
         <p:spPr>
           <a:xfrm>
-            <a:off x="970062" y="836712"/>
-            <a:ext cx="8172400" cy="6021288"/>
+            <a:off x="21703" y="836712"/>
+            <a:ext cx="9100593" cy="6021288"/>
           </a:xfrm>
           <a:prstGeom prst="rect">
             <a:avLst/>
           </a:prstGeom>
           <a:solidFill>
-            <a:schemeClr val="tx1">
-              <a:lumMod val="75000"/>
-              <a:lumOff val="25000"/>
-            </a:schemeClr>
+            <a:schemeClr val="tx1"/>
           </a:solidFill>
         </p:spPr>
         <p:style>
@@ -13082,16 +8962,16 @@
           <a:lstStyle/>
           <a:p>
             <a:pPr algn="ctr"/>
-            <a:endParaRPr lang="pl-PL"/>
-          </a:p>
-        </p:txBody>
-      </p:sp>
-      <p:sp>
-        <p:nvSpPr>
-          <p:cNvPr id="5" name="TextBox 1">
+            <a:endParaRPr lang="pl-PL" dirty="0"/>
+          </a:p>
+        </p:txBody>
+      </p:sp>
+      <p:sp>
+        <p:nvSpPr>
+          <p:cNvPr id="3" name="pole tekstowe 2">
             <a:extLst>
               <a:ext uri="{FF2B5EF4-FFF2-40B4-BE49-F238E27FC236}">
-                <a16:creationId xmlns:a16="http://schemas.microsoft.com/office/drawing/2014/main" id="{5286C2FE-3D37-42C9-AFA2-106F80EDBDEA}"/>
+                <a16:creationId xmlns:a16="http://schemas.microsoft.com/office/drawing/2014/main" id="{DE844D0F-DE98-492A-8B73-1EA3ECEE4E84}"/>
               </a:ext>
             </a:extLst>
           </p:cNvPr>
@@ -13100,8 +8980,8 @@
         </p:nvSpPr>
         <p:spPr>
           <a:xfrm>
-            <a:off x="975817" y="836712"/>
-            <a:ext cx="8172400" cy="3785652"/>
+            <a:off x="0" y="853108"/>
+            <a:ext cx="9122297" cy="2949525"/>
           </a:xfrm>
           <a:prstGeom prst="rect">
             <a:avLst/>
@@ -13114,45 +8994,7 @@
           </a:bodyPr>
           <a:lstStyle/>
           <a:p>
-            <a:r>
-              <a:rPr lang="pl-PL" sz="2400" dirty="0">
-                <a:solidFill>
-                  <a:schemeClr val="bg1"/>
-                </a:solidFill>
-              </a:rPr>
-              <a:t>Wykład:</a:t>
-            </a:r>
-          </a:p>
-          <a:p>
-            <a:pPr marL="800100" lvl="1" indent="-342900">
-              <a:buFont typeface="Courier New" panose="02070309020205020404" pitchFamily="49" charset="0"/>
-              <a:buChar char="o"/>
-            </a:pPr>
-            <a:r>
-              <a:rPr lang="pl-PL" sz="2400" dirty="0">
-                <a:solidFill>
-                  <a:schemeClr val="bg1"/>
-                </a:solidFill>
-              </a:rPr>
-              <a:t>Wykonanie projektu</a:t>
-            </a:r>
-          </a:p>
-          <a:p>
-            <a:pPr marL="800100" lvl="1" indent="-342900">
-              <a:buFont typeface="Courier New" panose="02070309020205020404" pitchFamily="49" charset="0"/>
-              <a:buChar char="o"/>
-            </a:pPr>
-            <a:r>
-              <a:rPr lang="pl-PL" sz="2400" dirty="0">
-                <a:solidFill>
-                  <a:schemeClr val="bg1"/>
-                </a:solidFill>
-              </a:rPr>
-              <a:t>Małe projekty </a:t>
-            </a:r>
-          </a:p>
-          <a:p>
-            <a:pPr marL="800100" lvl="1" indent="-342900">
+            <a:pPr marL="285750" indent="-285750" algn="just">
               <a:lnSpc>
                 <a:spcPct val="150000"/>
               </a:lnSpc>
@@ -13160,62 +9002,203 @@
               <a:buChar char="o"/>
             </a:pPr>
             <a:r>
-              <a:rPr lang="pl-PL" sz="2400" dirty="0">
+              <a:rPr lang="pl-PL" sz="1800" dirty="0">
                 <a:solidFill>
                   <a:schemeClr val="bg1"/>
                 </a:solidFill>
               </a:rPr>
-              <a:t>Do projektu powinna zostać dołączona dokumentacja:</a:t>
-            </a:r>
-          </a:p>
-          <a:p>
-            <a:pPr marL="1257300" lvl="2" indent="-342900">
+              <a:t>Activity Class – obiekt, pojedyncze GUI, które poza wyświetlaniem / zbieraniem danych zapewnia pewną funkcjonalność</a:t>
+            </a:r>
+            <a:endParaRPr lang="pl-PL" sz="1800" i="1" dirty="0">
+              <a:solidFill>
+                <a:schemeClr val="bg1"/>
+              </a:solidFill>
+            </a:endParaRPr>
+          </a:p>
+          <a:p>
+            <a:pPr marL="285750" indent="-285750" algn="just">
+              <a:lnSpc>
+                <a:spcPct val="150000"/>
+              </a:lnSpc>
               <a:buFont typeface="Courier New" panose="02070309020205020404" pitchFamily="49" charset="0"/>
               <a:buChar char="o"/>
             </a:pPr>
             <a:r>
-              <a:rPr lang="pl-PL" sz="2400" dirty="0">
+              <a:rPr lang="pl-PL" sz="1800" dirty="0">
                 <a:solidFill>
                   <a:schemeClr val="bg1"/>
                 </a:solidFill>
               </a:rPr>
-              <a:t>Cel i opis projektu</a:t>
-            </a:r>
-          </a:p>
-          <a:p>
-            <a:pPr marL="1257300" lvl="2" indent="-342900">
+              <a:t>Typowo aplikacje zawierają jeden lub więcej obiektów </a:t>
+            </a:r>
+            <a:r>
+              <a:rPr lang="pl-PL" sz="1800" i="1" dirty="0">
+                <a:solidFill>
+                  <a:schemeClr val="bg1"/>
+                </a:solidFill>
+              </a:rPr>
+              <a:t>Activity</a:t>
+            </a:r>
+            <a:endParaRPr lang="pl-PL" sz="1800" dirty="0">
+              <a:solidFill>
+                <a:schemeClr val="bg1"/>
+              </a:solidFill>
+            </a:endParaRPr>
+          </a:p>
+          <a:p>
+            <a:pPr marL="285750" indent="-285750" algn="just">
+              <a:lnSpc>
+                <a:spcPct val="150000"/>
+              </a:lnSpc>
               <a:buFont typeface="Courier New" panose="02070309020205020404" pitchFamily="49" charset="0"/>
               <a:buChar char="o"/>
             </a:pPr>
             <a:r>
-              <a:rPr lang="pl-PL" sz="2400" dirty="0">
+              <a:rPr lang="pl-PL" sz="1800" dirty="0">
                 <a:solidFill>
                   <a:schemeClr val="bg1"/>
                 </a:solidFill>
               </a:rPr>
-              <a:t>Lista funkcjonalności</a:t>
-            </a:r>
-          </a:p>
-          <a:p>
-            <a:pPr marL="800100" lvl="1" indent="-342900">
+              <a:t>Aplikacje muszą wyznaczyć jedną czynność jako </a:t>
+            </a:r>
+            <a:r>
+              <a:rPr lang="pl-PL" sz="1800" i="1" dirty="0">
+                <a:solidFill>
+                  <a:schemeClr val="bg1"/>
+                </a:solidFill>
+              </a:rPr>
+              <a:t>main task/entry point. </a:t>
+            </a:r>
+            <a:r>
+              <a:rPr lang="pl-PL" sz="1800" dirty="0">
+                <a:solidFill>
+                  <a:schemeClr val="bg1"/>
+                </a:solidFill>
+              </a:rPr>
+              <a:t>Ta czynność jest uruchamiana jako pierwsza gdy aplikacja jest włączana</a:t>
+            </a:r>
+          </a:p>
+          <a:p>
+            <a:pPr marL="285750" indent="-285750" algn="just">
+              <a:lnSpc>
+                <a:spcPct val="150000"/>
+              </a:lnSpc>
               <a:buFont typeface="Courier New" panose="02070309020205020404" pitchFamily="49" charset="0"/>
               <a:buChar char="o"/>
             </a:pPr>
             <a:r>
-              <a:rPr lang="pl-PL" sz="2400" dirty="0">
+              <a:rPr lang="pl-PL" sz="1800" dirty="0">
                 <a:solidFill>
                   <a:schemeClr val="bg1"/>
                 </a:solidFill>
               </a:rPr>
-              <a:t>Każdy projekt musi zostać zatwierdzony przez prowadzącego przed wykonaniem</a:t>
-            </a:r>
+              <a:t>Czynność może przekazać kontrolę i dane do innej czynności poprzez protokół komunikacji międzyprocesowej </a:t>
+            </a:r>
+            <a:r>
+              <a:rPr lang="pl-PL" sz="1800" i="1" dirty="0">
+                <a:solidFill>
+                  <a:schemeClr val="bg1"/>
+                </a:solidFill>
+              </a:rPr>
+              <a:t>intents  - </a:t>
+            </a:r>
+            <a:r>
+              <a:rPr lang="pl-PL" sz="1800" dirty="0">
+                <a:solidFill>
+                  <a:schemeClr val="bg1"/>
+                </a:solidFill>
+              </a:rPr>
+              <a:t>proces logowania</a:t>
+            </a:r>
+          </a:p>
+        </p:txBody>
+      </p:sp>
+      <p:pic>
+        <p:nvPicPr>
+          <p:cNvPr id="4" name="Obraz 3">
+            <a:extLst>
+              <a:ext uri="{FF2B5EF4-FFF2-40B4-BE49-F238E27FC236}">
+                <a16:creationId xmlns:a16="http://schemas.microsoft.com/office/drawing/2014/main" id="{84070EC6-774D-4741-BC65-E6FBC00310DF}"/>
+              </a:ext>
+            </a:extLst>
+          </p:cNvPr>
+          <p:cNvPicPr>
+            <a:picLocks noChangeAspect="1"/>
+          </p:cNvPicPr>
+          <p:nvPr/>
+        </p:nvPicPr>
+        <p:blipFill>
+          <a:blip r:embed="rId4"/>
+          <a:stretch>
+            <a:fillRect/>
+          </a:stretch>
+        </p:blipFill>
+        <p:spPr>
+          <a:xfrm>
+            <a:off x="1835696" y="3852297"/>
+            <a:ext cx="5185048" cy="3022099"/>
+          </a:xfrm>
+          <a:prstGeom prst="rect">
+            <a:avLst/>
+          </a:prstGeom>
+        </p:spPr>
+      </p:pic>
+      <p:sp>
+        <p:nvSpPr>
+          <p:cNvPr id="5" name="pole tekstowe 4">
+            <a:extLst>
+              <a:ext uri="{FF2B5EF4-FFF2-40B4-BE49-F238E27FC236}">
+                <a16:creationId xmlns:a16="http://schemas.microsoft.com/office/drawing/2014/main" id="{8B1F98A9-AB43-463B-B1AD-A238673D8691}"/>
+              </a:ext>
+            </a:extLst>
+          </p:cNvPr>
+          <p:cNvSpPr txBox="1"/>
+          <p:nvPr/>
+        </p:nvSpPr>
+        <p:spPr>
+          <a:xfrm>
+            <a:off x="7475882" y="6392361"/>
+            <a:ext cx="1075038" cy="276999"/>
+          </a:xfrm>
+          <a:prstGeom prst="rect">
+            <a:avLst/>
+          </a:prstGeom>
+          <a:noFill/>
+        </p:spPr>
+        <p:txBody>
+          <a:bodyPr wrap="none" rtlCol="0">
+            <a:spAutoFit/>
+          </a:bodyPr>
+          <a:lstStyle/>
+          <a:p>
+            <a:r>
+              <a:rPr lang="pl-PL" b="1" dirty="0">
+                <a:solidFill>
+                  <a:schemeClr val="bg1"/>
+                </a:solidFill>
+              </a:rPr>
+              <a:t>BACHA </a:t>
+            </a:r>
+            <a:r>
+              <a:rPr lang="pl-PL" b="1" dirty="0" err="1">
+                <a:solidFill>
+                  <a:schemeClr val="bg1"/>
+                </a:solidFill>
+              </a:rPr>
+              <a:t>Soft</a:t>
+            </a:r>
+            <a:endParaRPr lang="pl-PL" dirty="0">
+              <a:solidFill>
+                <a:schemeClr val="bg1"/>
+              </a:solidFill>
+            </a:endParaRPr>
           </a:p>
         </p:txBody>
       </p:sp>
     </p:spTree>
     <p:extLst>
       <p:ext uri="{BB962C8B-B14F-4D97-AF65-F5344CB8AC3E}">
-        <p14:creationId xmlns:p14="http://schemas.microsoft.com/office/powerpoint/2010/main" val="1460940364"/>
+        <p14:creationId xmlns:p14="http://schemas.microsoft.com/office/powerpoint/2010/main" val="28629014"/>
       </p:ext>
     </p:extLst>
   </p:cSld>
@@ -13256,10 +9239,93 @@
       </p:grpSpPr>
       <p:sp>
         <p:nvSpPr>
-          <p:cNvPr id="7" name="TextBox 1">
+          <p:cNvPr id="2" name="Rectangle 1"/>
+          <p:cNvSpPr/>
+          <p:nvPr/>
+        </p:nvSpPr>
+        <p:spPr>
+          <a:xfrm>
+            <a:off x="1979712" y="188640"/>
+            <a:ext cx="6696744" cy="492443"/>
+          </a:xfrm>
+          <a:prstGeom prst="rect">
+            <a:avLst/>
+          </a:prstGeom>
+        </p:spPr>
+        <p:txBody>
+          <a:bodyPr wrap="square">
+            <a:spAutoFit/>
+          </a:bodyPr>
+          <a:lstStyle/>
+          <a:p>
+            <a:pPr algn="ctr"/>
+            <a:r>
+              <a:rPr lang="pl-PL" sz="2600" dirty="0">
+                <a:solidFill>
+                  <a:schemeClr val="bg1"/>
+                </a:solidFill>
+                <a:latin typeface="Verdana" panose="020B0604030504040204" pitchFamily="34" charset="0"/>
+                <a:ea typeface="Verdana" panose="020B0604030504040204" pitchFamily="34" charset="0"/>
+                <a:cs typeface="Verdana" panose="020B0604030504040204" pitchFamily="34" charset="0"/>
+              </a:rPr>
+              <a:t>Podstawowe elementy aplikacji</a:t>
+            </a:r>
+          </a:p>
+        </p:txBody>
+      </p:sp>
+      <p:sp>
+        <p:nvSpPr>
+          <p:cNvPr id="6" name="Prostokąt 5">
             <a:extLst>
               <a:ext uri="{FF2B5EF4-FFF2-40B4-BE49-F238E27FC236}">
-                <a16:creationId xmlns:a16="http://schemas.microsoft.com/office/drawing/2014/main" id="{18B63D4F-5BA2-440F-9AD4-247950001015}"/>
+                <a16:creationId xmlns:a16="http://schemas.microsoft.com/office/drawing/2014/main" id="{B483F383-749C-4DE4-ACCC-8253AFF3C42A}"/>
+              </a:ext>
+            </a:extLst>
+          </p:cNvPr>
+          <p:cNvSpPr/>
+          <p:nvPr/>
+        </p:nvSpPr>
+        <p:spPr>
+          <a:xfrm>
+            <a:off x="21703" y="836712"/>
+            <a:ext cx="9100593" cy="6021288"/>
+          </a:xfrm>
+          <a:prstGeom prst="rect">
+            <a:avLst/>
+          </a:prstGeom>
+          <a:solidFill>
+            <a:schemeClr val="tx1"/>
+          </a:solidFill>
+        </p:spPr>
+        <p:style>
+          <a:lnRef idx="1">
+            <a:schemeClr val="accent1"/>
+          </a:lnRef>
+          <a:fillRef idx="3">
+            <a:schemeClr val="accent1"/>
+          </a:fillRef>
+          <a:effectRef idx="2">
+            <a:schemeClr val="accent1"/>
+          </a:effectRef>
+          <a:fontRef idx="minor">
+            <a:schemeClr val="lt1"/>
+          </a:fontRef>
+        </p:style>
+        <p:txBody>
+          <a:bodyPr rtlCol="0" anchor="ctr"/>
+          <a:lstStyle/>
+          <a:p>
+            <a:pPr algn="ctr"/>
+            <a:endParaRPr lang="pl-PL" dirty="0"/>
+          </a:p>
+        </p:txBody>
+      </p:sp>
+      <p:sp>
+        <p:nvSpPr>
+          <p:cNvPr id="3" name="pole tekstowe 2">
+            <a:extLst>
+              <a:ext uri="{FF2B5EF4-FFF2-40B4-BE49-F238E27FC236}">
+                <a16:creationId xmlns:a16="http://schemas.microsoft.com/office/drawing/2014/main" id="{DE844D0F-DE98-492A-8B73-1EA3ECEE4E84}"/>
               </a:ext>
             </a:extLst>
           </p:cNvPr>
@@ -13268,8 +9334,8 @@
         </p:nvSpPr>
         <p:spPr>
           <a:xfrm>
-            <a:off x="359532" y="3284984"/>
-            <a:ext cx="8424936" cy="584775"/>
+            <a:off x="21703" y="853108"/>
+            <a:ext cx="9100594" cy="2534027"/>
           </a:xfrm>
           <a:prstGeom prst="rect">
             <a:avLst/>
@@ -13282,22 +9348,168 @@
           </a:bodyPr>
           <a:lstStyle/>
           <a:p>
-            <a:pPr algn="ctr"/>
-            <a:r>
-              <a:rPr lang="pl-PL" sz="3200" b="1" dirty="0">
+            <a:pPr marL="285750" indent="-285750" algn="just">
+              <a:lnSpc>
+                <a:spcPct val="150000"/>
+              </a:lnSpc>
+              <a:buFont typeface="Courier New" panose="02070309020205020404" pitchFamily="49" charset="0"/>
+              <a:buChar char="o"/>
+            </a:pPr>
+            <a:r>
+              <a:rPr lang="pl-PL" sz="1800" dirty="0">
                 <a:solidFill>
                   <a:schemeClr val="bg1"/>
                 </a:solidFill>
               </a:rPr>
-              <a:t>Architektura Androida</a:t>
-            </a:r>
+              <a:t>Service Class – specjalny typ aktywności – nie posiada </a:t>
+            </a:r>
+            <a:r>
+              <a:rPr lang="pl-PL" sz="1800" i="1" dirty="0">
+                <a:solidFill>
+                  <a:schemeClr val="bg1"/>
+                </a:solidFill>
+              </a:rPr>
+              <a:t>Visual User Interface</a:t>
+            </a:r>
+            <a:r>
+              <a:rPr lang="pl-PL" sz="1800" dirty="0">
+                <a:solidFill>
+                  <a:schemeClr val="bg1"/>
+                </a:solidFill>
+              </a:rPr>
+              <a:t>. Usługa może być aktywna w tle</a:t>
+            </a:r>
+          </a:p>
+          <a:p>
+            <a:pPr marL="285750" indent="-285750" algn="just">
+              <a:lnSpc>
+                <a:spcPct val="150000"/>
+              </a:lnSpc>
+              <a:buFont typeface="Courier New" panose="02070309020205020404" pitchFamily="49" charset="0"/>
+              <a:buChar char="o"/>
+            </a:pPr>
+            <a:r>
+              <a:rPr lang="pl-PL" sz="1800" dirty="0">
+                <a:solidFill>
+                  <a:schemeClr val="bg1"/>
+                </a:solidFill>
+              </a:rPr>
+              <a:t>Usługi zazwyczaj pracują w tle wykonując „busy-work” przez nieokreślony /nieskończony czas</a:t>
+            </a:r>
+          </a:p>
+          <a:p>
+            <a:pPr marL="285750" indent="-285750" algn="just">
+              <a:lnSpc>
+                <a:spcPct val="150000"/>
+              </a:lnSpc>
+              <a:buFont typeface="Courier New" panose="02070309020205020404" pitchFamily="49" charset="0"/>
+              <a:buChar char="o"/>
+            </a:pPr>
+            <a:r>
+              <a:rPr lang="pl-PL" sz="1800" dirty="0">
+                <a:solidFill>
+                  <a:schemeClr val="bg1"/>
+                </a:solidFill>
+              </a:rPr>
+              <a:t>Aplikacje rozpoczynają własne usługi lub łączą się z usługami już aktywnymi (GPS, przełączanie między aplikacjami, aktywnościami, brak okienek)</a:t>
+            </a:r>
+          </a:p>
+        </p:txBody>
+      </p:sp>
+      <p:pic>
+        <p:nvPicPr>
+          <p:cNvPr id="5" name="Obraz 4">
+            <a:extLst>
+              <a:ext uri="{FF2B5EF4-FFF2-40B4-BE49-F238E27FC236}">
+                <a16:creationId xmlns:a16="http://schemas.microsoft.com/office/drawing/2014/main" id="{AC728112-AF18-448A-83C8-2F4668048EF8}"/>
+              </a:ext>
+            </a:extLst>
+          </p:cNvPr>
+          <p:cNvPicPr>
+            <a:picLocks noChangeAspect="1"/>
+          </p:cNvPicPr>
+          <p:nvPr/>
+        </p:nvPicPr>
+        <p:blipFill>
+          <a:blip r:embed="rId4"/>
+          <a:stretch>
+            <a:fillRect/>
+          </a:stretch>
+        </p:blipFill>
+        <p:spPr>
+          <a:xfrm>
+            <a:off x="3623956" y="3372211"/>
+            <a:ext cx="1916562" cy="3412415"/>
+          </a:xfrm>
+          <a:prstGeom prst="rect">
+            <a:avLst/>
+          </a:prstGeom>
+        </p:spPr>
+      </p:pic>
+      <p:sp>
+        <p:nvSpPr>
+          <p:cNvPr id="7" name="pole tekstowe 6">
+            <a:extLst>
+              <a:ext uri="{FF2B5EF4-FFF2-40B4-BE49-F238E27FC236}">
+                <a16:creationId xmlns:a16="http://schemas.microsoft.com/office/drawing/2014/main" id="{72096642-C206-49D0-90F1-B33F6092FEC1}"/>
+              </a:ext>
+            </a:extLst>
+          </p:cNvPr>
+          <p:cNvSpPr txBox="1"/>
+          <p:nvPr/>
+        </p:nvSpPr>
+        <p:spPr>
+          <a:xfrm>
+            <a:off x="139011" y="6477337"/>
+            <a:ext cx="1819729" cy="276999"/>
+          </a:xfrm>
+          <a:prstGeom prst="rect">
+            <a:avLst/>
+          </a:prstGeom>
+          <a:noFill/>
+        </p:spPr>
+        <p:txBody>
+          <a:bodyPr wrap="none" rtlCol="0">
+            <a:spAutoFit/>
+          </a:bodyPr>
+          <a:lstStyle/>
+          <a:p>
+            <a:r>
+              <a:rPr lang="pl-PL" b="1" u="sng" dirty="0" err="1">
+                <a:solidFill>
+                  <a:schemeClr val="bg1"/>
+                </a:solidFill>
+              </a:rPr>
+              <a:t>Maps</a:t>
+            </a:r>
+            <a:r>
+              <a:rPr lang="pl-PL" b="1" u="sng" dirty="0">
+                <a:solidFill>
+                  <a:schemeClr val="bg1"/>
+                </a:solidFill>
+              </a:rPr>
+              <a:t>, GPS </a:t>
+            </a:r>
+            <a:r>
+              <a:rPr lang="pl-PL" b="1" u="sng" dirty="0" err="1">
+                <a:solidFill>
+                  <a:schemeClr val="bg1"/>
+                </a:solidFill>
+              </a:rPr>
+              <a:t>Navigation</a:t>
+            </a:r>
+            <a:endParaRPr lang="pl-PL" dirty="0">
+              <a:solidFill>
+                <a:schemeClr val="bg1"/>
+              </a:solidFill>
+            </a:endParaRPr>
           </a:p>
         </p:txBody>
       </p:sp>
     </p:spTree>
     <p:extLst>
       <p:ext uri="{BB962C8B-B14F-4D97-AF65-F5344CB8AC3E}">
-        <p14:creationId xmlns:p14="http://schemas.microsoft.com/office/powerpoint/2010/main" val="1774695252"/>
+        <p14:creationId xmlns:p14="http://schemas.microsoft.com/office/powerpoint/2010/main" val="4132728784"/>
       </p:ext>
     </p:extLst>
   </p:cSld>
@@ -13367,7 +9579,7 @@
                 <a:ea typeface="Verdana" panose="020B0604030504040204" pitchFamily="34" charset="0"/>
                 <a:cs typeface="Verdana" panose="020B0604030504040204" pitchFamily="34" charset="0"/>
               </a:rPr>
-              <a:t>Architektura platformy Android</a:t>
+              <a:t>Podstawowe elementy aplikacji</a:t>
             </a:r>
           </a:p>
         </p:txBody>
@@ -13377,7 +9589,7 @@
           <p:cNvPr id="6" name="Prostokąt 5">
             <a:extLst>
               <a:ext uri="{FF2B5EF4-FFF2-40B4-BE49-F238E27FC236}">
-                <a16:creationId xmlns:a16="http://schemas.microsoft.com/office/drawing/2014/main" id="{CA41B780-B57E-411C-AAD5-3D3D6912F664}"/>
+                <a16:creationId xmlns:a16="http://schemas.microsoft.com/office/drawing/2014/main" id="{B483F383-749C-4DE4-ACCC-8253AFF3C42A}"/>
               </a:ext>
             </a:extLst>
           </p:cNvPr>
@@ -13386,17 +9598,14 @@
         </p:nvSpPr>
         <p:spPr>
           <a:xfrm>
-            <a:off x="970062" y="836712"/>
-            <a:ext cx="8172400" cy="6021288"/>
+            <a:off x="21703" y="836712"/>
+            <a:ext cx="9100593" cy="6021288"/>
           </a:xfrm>
           <a:prstGeom prst="rect">
             <a:avLst/>
           </a:prstGeom>
           <a:solidFill>
-            <a:schemeClr val="tx1">
-              <a:lumMod val="75000"/>
-              <a:lumOff val="25000"/>
-            </a:schemeClr>
+            <a:schemeClr val="tx1"/>
           </a:solidFill>
         </p:spPr>
         <p:style>
@@ -13418,61 +9627,237 @@
           <a:lstStyle/>
           <a:p>
             <a:pPr algn="ctr"/>
-            <a:endParaRPr lang="pl-PL"/>
-          </a:p>
-        </p:txBody>
-      </p:sp>
-      <p:pic>
-        <p:nvPicPr>
-          <p:cNvPr id="1026" name="Picture 2" descr="Download Android Studio and SDK tools | Android Studio">
+            <a:endParaRPr lang="pl-PL" dirty="0"/>
+          </a:p>
+        </p:txBody>
+      </p:sp>
+      <p:sp>
+        <p:nvSpPr>
+          <p:cNvPr id="3" name="pole tekstowe 2">
             <a:extLst>
               <a:ext uri="{FF2B5EF4-FFF2-40B4-BE49-F238E27FC236}">
-                <a16:creationId xmlns:a16="http://schemas.microsoft.com/office/drawing/2014/main" id="{7B55A94C-4565-4036-93A5-49A78F1D0EBC}"/>
+                <a16:creationId xmlns:a16="http://schemas.microsoft.com/office/drawing/2014/main" id="{DE844D0F-DE98-492A-8B73-1EA3ECEE4E84}"/>
               </a:ext>
             </a:extLst>
           </p:cNvPr>
-          <p:cNvPicPr>
-            <a:picLocks noChangeAspect="1" noChangeArrowheads="1"/>
-          </p:cNvPicPr>
+          <p:cNvSpPr txBox="1"/>
           <p:nvPr/>
-        </p:nvPicPr>
-        <p:blipFill>
-          <a:blip r:embed="rId4">
-            <a:extLst>
-              <a:ext uri="{28A0092B-C50C-407E-A947-70E740481C1C}">
-                <a14:useLocalDpi xmlns:a14="http://schemas.microsoft.com/office/drawing/2010/main" val="0"/>
-              </a:ext>
-            </a:extLst>
-          </a:blip>
-          <a:srcRect/>
-          <a:stretch>
-            <a:fillRect/>
-          </a:stretch>
-        </p:blipFill>
-        <p:spPr bwMode="auto">
+        </p:nvSpPr>
+        <p:spPr>
           <a:xfrm>
-            <a:off x="27062" y="1196752"/>
-            <a:ext cx="9144000" cy="5532437"/>
+            <a:off x="21703" y="853108"/>
+            <a:ext cx="9100594" cy="3365024"/>
           </a:xfrm>
           <a:prstGeom prst="rect">
             <a:avLst/>
           </a:prstGeom>
           <a:noFill/>
-          <a:extLst>
-            <a:ext uri="{909E8E84-426E-40DD-AFC4-6F175D3DCCD1}">
-              <a14:hiddenFill xmlns:a14="http://schemas.microsoft.com/office/drawing/2010/main">
-                <a:solidFill>
-                  <a:srgbClr val="FFFFFF"/>
-                </a:solidFill>
-              </a14:hiddenFill>
-            </a:ext>
-          </a:extLst>
+        </p:spPr>
+        <p:txBody>
+          <a:bodyPr wrap="square" rtlCol="0">
+            <a:spAutoFit/>
+          </a:bodyPr>
+          <a:lstStyle/>
+          <a:p>
+            <a:pPr marL="285750" indent="-285750" algn="just">
+              <a:lnSpc>
+                <a:spcPct val="150000"/>
+              </a:lnSpc>
+              <a:buFont typeface="Courier New" panose="02070309020205020404" pitchFamily="49" charset="0"/>
+              <a:buChar char="o"/>
+            </a:pPr>
+            <a:r>
+              <a:rPr lang="pl-PL" sz="1800" dirty="0">
+                <a:solidFill>
+                  <a:schemeClr val="bg1"/>
+                </a:solidFill>
+              </a:rPr>
+              <a:t>BroadcasterReceiver Class – dedykowany </a:t>
+            </a:r>
+            <a:r>
+              <a:rPr lang="pl-PL" sz="1800" i="1" dirty="0">
+                <a:solidFill>
+                  <a:schemeClr val="bg1"/>
+                </a:solidFill>
+              </a:rPr>
+              <a:t>listener</a:t>
+            </a:r>
+            <a:r>
+              <a:rPr lang="pl-PL" sz="1800" dirty="0">
+                <a:solidFill>
+                  <a:schemeClr val="bg1"/>
+                </a:solidFill>
+              </a:rPr>
+              <a:t> oczekujący na wiadomość zwykle typu </a:t>
+            </a:r>
+            <a:r>
+              <a:rPr lang="pl-PL" sz="1800" i="1" dirty="0">
+                <a:solidFill>
+                  <a:schemeClr val="bg1"/>
+                </a:solidFill>
+              </a:rPr>
+              <a:t>system-</a:t>
+            </a:r>
+            <a:r>
+              <a:rPr lang="pl-PL" sz="1800" i="1" dirty="0" err="1">
+                <a:solidFill>
+                  <a:schemeClr val="bg1"/>
+                </a:solidFill>
+              </a:rPr>
+              <a:t>wide</a:t>
+            </a:r>
+            <a:r>
+              <a:rPr lang="pl-PL" sz="1800" dirty="0">
+                <a:solidFill>
+                  <a:schemeClr val="bg1"/>
+                </a:solidFill>
+              </a:rPr>
+              <a:t> w celu wykonania pewnych czynności</a:t>
+            </a:r>
+          </a:p>
+          <a:p>
+            <a:pPr marL="285750" indent="-285750" algn="just">
+              <a:lnSpc>
+                <a:spcPct val="150000"/>
+              </a:lnSpc>
+              <a:buFont typeface="Courier New" panose="02070309020205020404" pitchFamily="49" charset="0"/>
+              <a:buChar char="o"/>
+            </a:pPr>
+            <a:r>
+              <a:rPr lang="pl-PL" sz="1800" dirty="0">
+                <a:solidFill>
+                  <a:schemeClr val="bg1"/>
+                </a:solidFill>
+              </a:rPr>
+              <a:t>Przykładowo: niski poziom baterii, wi-fi dostępne, ostrzeżenie przed radarami</a:t>
+            </a:r>
+          </a:p>
+          <a:p>
+            <a:pPr marL="285750" indent="-285750" algn="just">
+              <a:lnSpc>
+                <a:spcPct val="150000"/>
+              </a:lnSpc>
+              <a:buFont typeface="Courier New" panose="02070309020205020404" pitchFamily="49" charset="0"/>
+              <a:buChar char="o"/>
+            </a:pPr>
+            <a:r>
+              <a:rPr lang="pl-PL" sz="1800" dirty="0">
+                <a:solidFill>
+                  <a:schemeClr val="bg1"/>
+                </a:solidFill>
+              </a:rPr>
+              <a:t>Nie posiadają interfejsu</a:t>
+            </a:r>
+          </a:p>
+          <a:p>
+            <a:pPr marL="285750" indent="-285750" algn="just">
+              <a:lnSpc>
+                <a:spcPct val="150000"/>
+              </a:lnSpc>
+              <a:buFont typeface="Courier New" panose="02070309020205020404" pitchFamily="49" charset="0"/>
+              <a:buChar char="o"/>
+            </a:pPr>
+            <a:r>
+              <a:rPr lang="pl-PL" sz="1800" dirty="0">
+                <a:solidFill>
+                  <a:schemeClr val="bg1"/>
+                </a:solidFill>
+              </a:rPr>
+              <a:t>Rejestrowanie wiadomości typowo po kluczu – jeśli wiadomość odpowiada kluczowi odbiornik jest aktywowany</a:t>
+            </a:r>
+          </a:p>
+          <a:p>
+            <a:pPr marL="285750" indent="-285750" algn="just">
+              <a:lnSpc>
+                <a:spcPct val="150000"/>
+              </a:lnSpc>
+              <a:buFont typeface="Courier New" panose="02070309020205020404" pitchFamily="49" charset="0"/>
+              <a:buChar char="o"/>
+            </a:pPr>
+            <a:r>
+              <a:rPr lang="pl-PL" sz="1800" dirty="0">
+                <a:solidFill>
+                  <a:schemeClr val="bg1"/>
+                </a:solidFill>
+              </a:rPr>
+              <a:t>Zazwyczaj odpowiada poprzez wykonanie specjalnej czynności lub przekazanie użytkownikowi wiadomości/powiadomienia</a:t>
+            </a:r>
+          </a:p>
+        </p:txBody>
+      </p:sp>
+      <p:pic>
+        <p:nvPicPr>
+          <p:cNvPr id="10" name="Obraz 9">
+            <a:extLst>
+              <a:ext uri="{FF2B5EF4-FFF2-40B4-BE49-F238E27FC236}">
+                <a16:creationId xmlns:a16="http://schemas.microsoft.com/office/drawing/2014/main" id="{83572099-0DCD-42DC-9DF7-F1A1B0F1ACC1}"/>
+              </a:ext>
+            </a:extLst>
+          </p:cNvPr>
+          <p:cNvPicPr>
+            <a:picLocks noChangeAspect="1"/>
+          </p:cNvPicPr>
+          <p:nvPr/>
+        </p:nvPicPr>
+        <p:blipFill>
+          <a:blip r:embed="rId4"/>
+          <a:stretch>
+            <a:fillRect/>
+          </a:stretch>
+        </p:blipFill>
+        <p:spPr>
+          <a:xfrm>
+            <a:off x="4723880" y="3933056"/>
+            <a:ext cx="4398416" cy="2892109"/>
+          </a:xfrm>
+          <a:prstGeom prst="rect">
+            <a:avLst/>
+          </a:prstGeom>
         </p:spPr>
       </p:pic>
+      <p:sp>
+        <p:nvSpPr>
+          <p:cNvPr id="11" name="pole tekstowe 10">
+            <a:extLst>
+              <a:ext uri="{FF2B5EF4-FFF2-40B4-BE49-F238E27FC236}">
+                <a16:creationId xmlns:a16="http://schemas.microsoft.com/office/drawing/2014/main" id="{30868C79-0B3E-4922-9408-0C1281D8786A}"/>
+              </a:ext>
+            </a:extLst>
+          </p:cNvPr>
+          <p:cNvSpPr txBox="1"/>
+          <p:nvPr/>
+        </p:nvSpPr>
+        <p:spPr>
+          <a:xfrm>
+            <a:off x="7511822" y="6548166"/>
+            <a:ext cx="1632178" cy="276999"/>
+          </a:xfrm>
+          <a:prstGeom prst="rect">
+            <a:avLst/>
+          </a:prstGeom>
+          <a:noFill/>
+        </p:spPr>
+        <p:txBody>
+          <a:bodyPr wrap="none" rtlCol="0">
+            <a:spAutoFit/>
+          </a:bodyPr>
+          <a:lstStyle/>
+          <a:p>
+            <a:r>
+              <a:rPr lang="pl-PL" dirty="0">
+                <a:solidFill>
+                  <a:schemeClr val="bg1"/>
+                </a:solidFill>
+              </a:rPr>
+              <a:t>grail.cba.csuohio.edu</a:t>
+            </a:r>
+          </a:p>
+        </p:txBody>
+      </p:sp>
     </p:spTree>
     <p:extLst>
       <p:ext uri="{BB962C8B-B14F-4D97-AF65-F5344CB8AC3E}">
-        <p14:creationId xmlns:p14="http://schemas.microsoft.com/office/powerpoint/2010/main" val="3066625110"/>
+        <p14:creationId xmlns:p14="http://schemas.microsoft.com/office/powerpoint/2010/main" val="301413000"/>
       </p:ext>
     </p:extLst>
   </p:cSld>
@@ -13542,7 +9927,7 @@
                 <a:ea typeface="Verdana" panose="020B0604030504040204" pitchFamily="34" charset="0"/>
                 <a:cs typeface="Verdana" panose="020B0604030504040204" pitchFamily="34" charset="0"/>
               </a:rPr>
-              <a:t>Architektura platformy Android</a:t>
+              <a:t>Podstawowe elementy aplikacji</a:t>
             </a:r>
           </a:p>
         </p:txBody>
@@ -13552,7 +9937,7 @@
           <p:cNvPr id="6" name="Prostokąt 5">
             <a:extLst>
               <a:ext uri="{FF2B5EF4-FFF2-40B4-BE49-F238E27FC236}">
-                <a16:creationId xmlns:a16="http://schemas.microsoft.com/office/drawing/2014/main" id="{CA41B780-B57E-411C-AAD5-3D3D6912F664}"/>
+                <a16:creationId xmlns:a16="http://schemas.microsoft.com/office/drawing/2014/main" id="{B483F383-749C-4DE4-ACCC-8253AFF3C42A}"/>
               </a:ext>
             </a:extLst>
           </p:cNvPr>
@@ -13561,17 +9946,14 @@
         </p:nvSpPr>
         <p:spPr>
           <a:xfrm>
-            <a:off x="970062" y="836712"/>
-            <a:ext cx="8172400" cy="6021288"/>
+            <a:off x="21703" y="836712"/>
+            <a:ext cx="9100593" cy="6021288"/>
           </a:xfrm>
           <a:prstGeom prst="rect">
             <a:avLst/>
           </a:prstGeom>
           <a:solidFill>
-            <a:schemeClr val="tx1">
-              <a:lumMod val="75000"/>
-              <a:lumOff val="25000"/>
-            </a:schemeClr>
+            <a:schemeClr val="tx1"/>
           </a:solidFill>
         </p:spPr>
         <p:style>
@@ -13593,16 +9975,130 @@
           <a:lstStyle/>
           <a:p>
             <a:pPr algn="ctr"/>
-            <a:endParaRPr lang="pl-PL"/>
+            <a:endParaRPr lang="pl-PL" dirty="0"/>
+          </a:p>
+        </p:txBody>
+      </p:sp>
+      <p:sp>
+        <p:nvSpPr>
+          <p:cNvPr id="3" name="pole tekstowe 2">
+            <a:extLst>
+              <a:ext uri="{FF2B5EF4-FFF2-40B4-BE49-F238E27FC236}">
+                <a16:creationId xmlns:a16="http://schemas.microsoft.com/office/drawing/2014/main" id="{DE844D0F-DE98-492A-8B73-1EA3ECEE4E84}"/>
+              </a:ext>
+            </a:extLst>
+          </p:cNvPr>
+          <p:cNvSpPr txBox="1"/>
+          <p:nvPr/>
+        </p:nvSpPr>
+        <p:spPr>
+          <a:xfrm>
+            <a:off x="21703" y="853108"/>
+            <a:ext cx="9100594" cy="2118529"/>
+          </a:xfrm>
+          <a:prstGeom prst="rect">
+            <a:avLst/>
+          </a:prstGeom>
+          <a:noFill/>
+        </p:spPr>
+        <p:txBody>
+          <a:bodyPr wrap="square" rtlCol="0">
+            <a:spAutoFit/>
+          </a:bodyPr>
+          <a:lstStyle/>
+          <a:p>
+            <a:pPr marL="285750" indent="-285750" algn="just">
+              <a:lnSpc>
+                <a:spcPct val="150000"/>
+              </a:lnSpc>
+              <a:buFont typeface="Courier New" panose="02070309020205020404" pitchFamily="49" charset="0"/>
+              <a:buChar char="o"/>
+            </a:pPr>
+            <a:r>
+              <a:rPr lang="pl-PL" sz="1800" dirty="0">
+                <a:solidFill>
+                  <a:schemeClr val="bg1"/>
+                </a:solidFill>
+              </a:rPr>
+              <a:t>ContentProvider Class – zapewnia dostęp do danych wielu aplikacjom</a:t>
+            </a:r>
+          </a:p>
+          <a:p>
+            <a:pPr marL="285750" indent="-285750" algn="just">
+              <a:lnSpc>
+                <a:spcPct val="150000"/>
+              </a:lnSpc>
+              <a:buFont typeface="Courier New" panose="02070309020205020404" pitchFamily="49" charset="0"/>
+              <a:buChar char="o"/>
+            </a:pPr>
+            <a:r>
+              <a:rPr lang="pl-PL" sz="1800" dirty="0">
+                <a:solidFill>
+                  <a:schemeClr val="bg1"/>
+                </a:solidFill>
+              </a:rPr>
+              <a:t>Dane globalne: lista kontaktów, zdjęcia, wiadomości, filmy, email</a:t>
+            </a:r>
+          </a:p>
+          <a:p>
+            <a:pPr marL="285750" indent="-285750" algn="just">
+              <a:lnSpc>
+                <a:spcPct val="150000"/>
+              </a:lnSpc>
+              <a:buFont typeface="Courier New" panose="02070309020205020404" pitchFamily="49" charset="0"/>
+              <a:buChar char="o"/>
+            </a:pPr>
+            <a:r>
+              <a:rPr lang="pl-PL" sz="1800" dirty="0">
+                <a:solidFill>
+                  <a:schemeClr val="bg1"/>
+                </a:solidFill>
+              </a:rPr>
+              <a:t>Dane globalne są zazwyczaj przechowywane w bazie danych (SQLite)</a:t>
+            </a:r>
+          </a:p>
+          <a:p>
+            <a:pPr marL="285750" indent="-285750" algn="just">
+              <a:lnSpc>
+                <a:spcPct val="150000"/>
+              </a:lnSpc>
+              <a:buFont typeface="Courier New" panose="02070309020205020404" pitchFamily="49" charset="0"/>
+              <a:buChar char="o"/>
+            </a:pPr>
+            <a:r>
+              <a:rPr lang="pl-PL" sz="1800" dirty="0">
+                <a:solidFill>
+                  <a:schemeClr val="bg1"/>
+                </a:solidFill>
+              </a:rPr>
+              <a:t>Klasa oferuje metody innym aplikacjom: retrieve, delete, update, insert</a:t>
+            </a:r>
+          </a:p>
+          <a:p>
+            <a:pPr marL="285750" indent="-285750" algn="just">
+              <a:lnSpc>
+                <a:spcPct val="150000"/>
+              </a:lnSpc>
+              <a:buFont typeface="Courier New" panose="02070309020205020404" pitchFamily="49" charset="0"/>
+              <a:buChar char="o"/>
+            </a:pPr>
+            <a:r>
+              <a:rPr lang="pl-PL" sz="1800" dirty="0">
+                <a:solidFill>
+                  <a:schemeClr val="bg1"/>
+                </a:solidFill>
+              </a:rPr>
+              <a:t>Wrapper ukrywający właściwe dane. Dostępny interfejs. </a:t>
+            </a:r>
           </a:p>
         </p:txBody>
       </p:sp>
       <p:pic>
         <p:nvPicPr>
-          <p:cNvPr id="5" name="Obraz 4" descr="Obraz zawierający monitor, zegar, ekran, trzymający&#10;&#10;Opis wygenerowany automatycznie">
+          <p:cNvPr id="4" name="Obraz 3">
             <a:extLst>
               <a:ext uri="{FF2B5EF4-FFF2-40B4-BE49-F238E27FC236}">
-                <a16:creationId xmlns:a16="http://schemas.microsoft.com/office/drawing/2014/main" id="{6E4E64E8-A5E5-4269-83DC-B76CCBECF46A}"/>
+                <a16:creationId xmlns:a16="http://schemas.microsoft.com/office/drawing/2014/main" id="{11E6C90A-F034-4A9C-876C-5C6302649F36}"/>
               </a:ext>
             </a:extLst>
           </p:cNvPr>
@@ -13612,31 +10108,64 @@
           <p:nvPr/>
         </p:nvPicPr>
         <p:blipFill>
-          <a:blip r:embed="rId4">
-            <a:extLst>
-              <a:ext uri="{28A0092B-C50C-407E-A947-70E740481C1C}">
-                <a14:useLocalDpi xmlns:a14="http://schemas.microsoft.com/office/drawing/2010/main" val="0"/>
-              </a:ext>
-            </a:extLst>
-          </a:blip>
+          <a:blip r:embed="rId4"/>
           <a:stretch>
             <a:fillRect/>
           </a:stretch>
         </p:blipFill>
         <p:spPr>
           <a:xfrm>
-            <a:off x="970062" y="912534"/>
-            <a:ext cx="8173938" cy="5869644"/>
+            <a:off x="1691680" y="2998788"/>
+            <a:ext cx="5436096" cy="3670572"/>
           </a:xfrm>
           <a:prstGeom prst="rect">
             <a:avLst/>
           </a:prstGeom>
         </p:spPr>
       </p:pic>
+      <p:sp>
+        <p:nvSpPr>
+          <p:cNvPr id="7" name="pole tekstowe 6">
+            <a:extLst>
+              <a:ext uri="{FF2B5EF4-FFF2-40B4-BE49-F238E27FC236}">
+                <a16:creationId xmlns:a16="http://schemas.microsoft.com/office/drawing/2014/main" id="{6051B3A0-7FD4-4E37-B19B-A8ABD5BB9753}"/>
+              </a:ext>
+            </a:extLst>
+          </p:cNvPr>
+          <p:cNvSpPr txBox="1"/>
+          <p:nvPr/>
+        </p:nvSpPr>
+        <p:spPr>
+          <a:xfrm>
+            <a:off x="3593639" y="6579066"/>
+            <a:ext cx="1632178" cy="276999"/>
+          </a:xfrm>
+          <a:prstGeom prst="rect">
+            <a:avLst/>
+          </a:prstGeom>
+          <a:noFill/>
+        </p:spPr>
+        <p:txBody>
+          <a:bodyPr wrap="none" rtlCol="0">
+            <a:spAutoFit/>
+          </a:bodyPr>
+          <a:lstStyle/>
+          <a:p>
+            <a:r>
+              <a:rPr lang="pl-PL" dirty="0">
+                <a:solidFill>
+                  <a:schemeClr val="bg1"/>
+                </a:solidFill>
+              </a:rPr>
+              <a:t>grail.cba.csuohio.edu</a:t>
+            </a:r>
+          </a:p>
+        </p:txBody>
+      </p:sp>
     </p:spTree>
     <p:extLst>
       <p:ext uri="{BB962C8B-B14F-4D97-AF65-F5344CB8AC3E}">
-        <p14:creationId xmlns:p14="http://schemas.microsoft.com/office/powerpoint/2010/main" val="565165850"/>
+        <p14:creationId xmlns:p14="http://schemas.microsoft.com/office/powerpoint/2010/main" val="2862396164"/>
       </p:ext>
     </p:extLst>
   </p:cSld>
@@ -13677,129 +10206,10 @@
       </p:grpSpPr>
       <p:sp>
         <p:nvSpPr>
-          <p:cNvPr id="2" name="Rectangle 1"/>
-          <p:cNvSpPr/>
-          <p:nvPr/>
-        </p:nvSpPr>
-        <p:spPr>
-          <a:xfrm>
-            <a:off x="1979712" y="188640"/>
-            <a:ext cx="6696744" cy="492443"/>
-          </a:xfrm>
-          <a:prstGeom prst="rect">
-            <a:avLst/>
-          </a:prstGeom>
-        </p:spPr>
-        <p:txBody>
-          <a:bodyPr wrap="square">
-            <a:spAutoFit/>
-          </a:bodyPr>
-          <a:lstStyle/>
-          <a:p>
-            <a:pPr algn="ctr"/>
-            <a:r>
-              <a:rPr lang="pl-PL" sz="2600" dirty="0">
-                <a:solidFill>
-                  <a:schemeClr val="bg1"/>
-                </a:solidFill>
-                <a:latin typeface="Verdana" panose="020B0604030504040204" pitchFamily="34" charset="0"/>
-                <a:ea typeface="Verdana" panose="020B0604030504040204" pitchFamily="34" charset="0"/>
-                <a:cs typeface="Verdana" panose="020B0604030504040204" pitchFamily="34" charset="0"/>
-              </a:rPr>
-              <a:t>Architektura platformy Android</a:t>
-            </a:r>
-          </a:p>
-        </p:txBody>
-      </p:sp>
-      <p:sp>
-        <p:nvSpPr>
-          <p:cNvPr id="6" name="Prostokąt 5">
+          <p:cNvPr id="7" name="TextBox 1">
             <a:extLst>
               <a:ext uri="{FF2B5EF4-FFF2-40B4-BE49-F238E27FC236}">
-                <a16:creationId xmlns:a16="http://schemas.microsoft.com/office/drawing/2014/main" id="{CA41B780-B57E-411C-AAD5-3D3D6912F664}"/>
-              </a:ext>
-            </a:extLst>
-          </p:cNvPr>
-          <p:cNvSpPr/>
-          <p:nvPr/>
-        </p:nvSpPr>
-        <p:spPr>
-          <a:xfrm>
-            <a:off x="970062" y="836712"/>
-            <a:ext cx="8172400" cy="6021288"/>
-          </a:xfrm>
-          <a:prstGeom prst="rect">
-            <a:avLst/>
-          </a:prstGeom>
-          <a:solidFill>
-            <a:schemeClr val="tx1"/>
-          </a:solidFill>
-        </p:spPr>
-        <p:style>
-          <a:lnRef idx="1">
-            <a:schemeClr val="accent1"/>
-          </a:lnRef>
-          <a:fillRef idx="3">
-            <a:schemeClr val="accent1"/>
-          </a:fillRef>
-          <a:effectRef idx="2">
-            <a:schemeClr val="accent1"/>
-          </a:effectRef>
-          <a:fontRef idx="minor">
-            <a:schemeClr val="lt1"/>
-          </a:fontRef>
-        </p:style>
-        <p:txBody>
-          <a:bodyPr rtlCol="0" anchor="ctr"/>
-          <a:lstStyle/>
-          <a:p>
-            <a:pPr algn="ctr"/>
-            <a:endParaRPr lang="pl-PL"/>
-          </a:p>
-        </p:txBody>
-      </p:sp>
-      <p:pic>
-        <p:nvPicPr>
-          <p:cNvPr id="5" name="Obraz 4">
-            <a:extLst>
-              <a:ext uri="{FF2B5EF4-FFF2-40B4-BE49-F238E27FC236}">
-                <a16:creationId xmlns:a16="http://schemas.microsoft.com/office/drawing/2014/main" id="{64B9E9CA-CF72-4BFF-9E7B-01F43BF32B17}"/>
-              </a:ext>
-            </a:extLst>
-          </p:cNvPr>
-          <p:cNvPicPr>
-            <a:picLocks noChangeAspect="1"/>
-          </p:cNvPicPr>
-          <p:nvPr/>
-        </p:nvPicPr>
-        <p:blipFill>
-          <a:blip r:embed="rId4">
-            <a:extLst>
-              <a:ext uri="{28A0092B-C50C-407E-A947-70E740481C1C}">
-                <a14:useLocalDpi xmlns:a14="http://schemas.microsoft.com/office/drawing/2010/main" val="0"/>
-              </a:ext>
-            </a:extLst>
-          </a:blip>
-          <a:stretch>
-            <a:fillRect/>
-          </a:stretch>
-        </p:blipFill>
-        <p:spPr>
-          <a:xfrm>
-            <a:off x="1475656" y="980728"/>
-            <a:ext cx="6791325" cy="1190625"/>
-          </a:xfrm>
-          <a:prstGeom prst="rect">
-            <a:avLst/>
-          </a:prstGeom>
-        </p:spPr>
-      </p:pic>
-      <p:sp>
-        <p:nvSpPr>
-          <p:cNvPr id="7" name="pole tekstowe 6">
-            <a:extLst>
-              <a:ext uri="{FF2B5EF4-FFF2-40B4-BE49-F238E27FC236}">
-                <a16:creationId xmlns:a16="http://schemas.microsoft.com/office/drawing/2014/main" id="{D6AA1D54-19C0-44D0-A983-6620E5D4FE8F}"/>
+                <a16:creationId xmlns:a16="http://schemas.microsoft.com/office/drawing/2014/main" id="{18B63D4F-5BA2-440F-9AD4-247950001015}"/>
               </a:ext>
             </a:extLst>
           </p:cNvPr>
@@ -13808,8 +10218,8 @@
         </p:nvSpPr>
         <p:spPr>
           <a:xfrm>
-            <a:off x="1613620" y="2780928"/>
-            <a:ext cx="6885283" cy="2776401"/>
+            <a:off x="359532" y="3284984"/>
+            <a:ext cx="8424936" cy="584775"/>
           </a:xfrm>
           <a:prstGeom prst="rect">
             <a:avLst/>
@@ -13817,109 +10227,19 @@
           <a:noFill/>
         </p:spPr>
         <p:txBody>
-          <a:bodyPr wrap="none" rtlCol="0">
+          <a:bodyPr wrap="square" rtlCol="0">
             <a:spAutoFit/>
           </a:bodyPr>
           <a:lstStyle/>
           <a:p>
-            <a:pPr marL="171450" indent="-171450">
-              <a:lnSpc>
-                <a:spcPct val="200000"/>
-              </a:lnSpc>
-              <a:buFont typeface="Courier New" panose="02070309020205020404" pitchFamily="49" charset="0"/>
-              <a:buChar char="o"/>
-            </a:pPr>
-            <a:r>
-              <a:rPr lang="pl-PL" sz="1800" dirty="0">
+            <a:pPr algn="ctr"/>
+            <a:r>
+              <a:rPr lang="pl-PL" sz="3200" b="1" dirty="0">
                 <a:solidFill>
                   <a:schemeClr val="bg1"/>
                 </a:solidFill>
               </a:rPr>
-              <a:t>Sprzętowa warstwa abstrakcji urządzenia (HAL)</a:t>
-            </a:r>
-          </a:p>
-          <a:p>
-            <a:pPr marL="171450" indent="-171450">
-              <a:lnSpc>
-                <a:spcPct val="200000"/>
-              </a:lnSpc>
-              <a:buFont typeface="Courier New" panose="02070309020205020404" pitchFamily="49" charset="0"/>
-              <a:buChar char="o"/>
-            </a:pPr>
-            <a:r>
-              <a:rPr lang="pl-PL" sz="1800" dirty="0">
-                <a:solidFill>
-                  <a:schemeClr val="bg1"/>
-                </a:solidFill>
-              </a:rPr>
-              <a:t>Bazuje na jądrze systemu Linux 2.6 – Android nie jest Linuksem</a:t>
-            </a:r>
-          </a:p>
-          <a:p>
-            <a:pPr marL="171450" indent="-171450">
-              <a:lnSpc>
-                <a:spcPct val="200000"/>
-              </a:lnSpc>
-              <a:buFont typeface="Courier New" panose="02070309020205020404" pitchFamily="49" charset="0"/>
-              <a:buChar char="o"/>
-            </a:pPr>
-            <a:r>
-              <a:rPr lang="pl-PL" sz="1800" dirty="0">
-                <a:solidFill>
-                  <a:schemeClr val="bg1"/>
-                </a:solidFill>
-              </a:rPr>
-              <a:t>Głównie sterowniki do urządzeń obecnych na urządzeniu</a:t>
-            </a:r>
-          </a:p>
-          <a:p>
-            <a:pPr marL="171450" indent="-171450">
-              <a:lnSpc>
-                <a:spcPct val="200000"/>
-              </a:lnSpc>
-              <a:buFont typeface="Courier New" panose="02070309020205020404" pitchFamily="49" charset="0"/>
-              <a:buChar char="o"/>
-            </a:pPr>
-            <a:r>
-              <a:rPr lang="pl-PL" sz="1800" dirty="0">
-                <a:solidFill>
-                  <a:schemeClr val="bg1"/>
-                </a:solidFill>
-              </a:rPr>
-              <a:t>Brak natywnego wsparcia dla „okienek”</a:t>
-            </a:r>
-          </a:p>
-          <a:p>
-            <a:pPr marL="171450" indent="-171450">
-              <a:lnSpc>
-                <a:spcPct val="200000"/>
-              </a:lnSpc>
-              <a:buFont typeface="Courier New" panose="02070309020205020404" pitchFamily="49" charset="0"/>
-              <a:buChar char="o"/>
-            </a:pPr>
-            <a:r>
-              <a:rPr lang="pl-PL" sz="1800" dirty="0">
-                <a:solidFill>
-                  <a:schemeClr val="bg1"/>
-                </a:solidFill>
-              </a:rPr>
-              <a:t>Zarządzanie pamięcią, procesami, </a:t>
-            </a:r>
-            <a:r>
-              <a:rPr lang="pl-PL" sz="1800" dirty="0" err="1">
-                <a:solidFill>
-                  <a:schemeClr val="bg1"/>
-                </a:solidFill>
-              </a:rPr>
-              <a:t>sicią</a:t>
-            </a:r>
-            <a:r>
-              <a:rPr lang="pl-PL" sz="1800" dirty="0">
-                <a:solidFill>
-                  <a:schemeClr val="bg1"/>
-                </a:solidFill>
-              </a:rPr>
-              <a:t>, zasilaniem</a:t>
+              <a:t>Cykl Życia</a:t>
             </a:r>
           </a:p>
         </p:txBody>
@@ -13927,7 +10247,7 @@
     </p:spTree>
     <p:extLst>
       <p:ext uri="{BB962C8B-B14F-4D97-AF65-F5344CB8AC3E}">
-        <p14:creationId xmlns:p14="http://schemas.microsoft.com/office/powerpoint/2010/main" val="3390195149"/>
+        <p14:creationId xmlns:p14="http://schemas.microsoft.com/office/powerpoint/2010/main" val="395378273"/>
       </p:ext>
     </p:extLst>
   </p:cSld>
@@ -13997,7 +10317,7 @@
                 <a:ea typeface="Verdana" panose="020B0604030504040204" pitchFamily="34" charset="0"/>
                 <a:cs typeface="Verdana" panose="020B0604030504040204" pitchFamily="34" charset="0"/>
               </a:rPr>
-              <a:t>Architektura platformy Android</a:t>
+              <a:t>Cykl Życia</a:t>
             </a:r>
           </a:p>
         </p:txBody>
@@ -14016,8 +10336,8 @@
         </p:nvSpPr>
         <p:spPr>
           <a:xfrm>
-            <a:off x="970062" y="836712"/>
-            <a:ext cx="8172400" cy="6021288"/>
+            <a:off x="0" y="810072"/>
+            <a:ext cx="9144000" cy="6021288"/>
           </a:xfrm>
           <a:prstGeom prst="rect">
             <a:avLst/>
@@ -14051,10 +10371,10 @@
       </p:sp>
       <p:pic>
         <p:nvPicPr>
-          <p:cNvPr id="4" name="Obraz 3" descr="Obraz zawierający zielony, gracz&#10;&#10;Opis wygenerowany automatycznie">
+          <p:cNvPr id="5" name="Obraz 4">
             <a:extLst>
               <a:ext uri="{FF2B5EF4-FFF2-40B4-BE49-F238E27FC236}">
-                <a16:creationId xmlns:a16="http://schemas.microsoft.com/office/drawing/2014/main" id="{911656D7-8ABE-4FF6-A1E3-223B131064D5}"/>
+                <a16:creationId xmlns:a16="http://schemas.microsoft.com/office/drawing/2014/main" id="{067E4941-91B2-4E07-BBE7-42AD77927F19}"/>
               </a:ext>
             </a:extLst>
           </p:cNvPr>
@@ -14064,21 +10384,15 @@
           <p:nvPr/>
         </p:nvPicPr>
         <p:blipFill>
-          <a:blip r:embed="rId4">
-            <a:extLst>
-              <a:ext uri="{28A0092B-C50C-407E-A947-70E740481C1C}">
-                <a14:useLocalDpi xmlns:a14="http://schemas.microsoft.com/office/drawing/2010/main" val="0"/>
-              </a:ext>
-            </a:extLst>
-          </a:blip>
+          <a:blip r:embed="rId4"/>
           <a:stretch>
             <a:fillRect/>
           </a:stretch>
         </p:blipFill>
         <p:spPr>
           <a:xfrm>
-            <a:off x="2965524" y="980728"/>
-            <a:ext cx="4181475" cy="1619250"/>
+            <a:off x="1580475" y="4294262"/>
+            <a:ext cx="7495218" cy="2537098"/>
           </a:xfrm>
           <a:prstGeom prst="rect">
             <a:avLst/>
@@ -14087,10 +10401,10 @@
       </p:pic>
       <p:sp>
         <p:nvSpPr>
-          <p:cNvPr id="7" name="pole tekstowe 6">
+          <p:cNvPr id="3" name="pole tekstowe 2">
             <a:extLst>
               <a:ext uri="{FF2B5EF4-FFF2-40B4-BE49-F238E27FC236}">
-                <a16:creationId xmlns:a16="http://schemas.microsoft.com/office/drawing/2014/main" id="{85A235F4-B089-4484-B3CF-85CC670D9425}"/>
+                <a16:creationId xmlns:a16="http://schemas.microsoft.com/office/drawing/2014/main" id="{00776F55-FCA0-4543-8855-DB6E68BE895A}"/>
               </a:ext>
             </a:extLst>
           </p:cNvPr>
@@ -14099,8 +10413,8 @@
         </p:nvSpPr>
         <p:spPr>
           <a:xfrm>
-            <a:off x="971600" y="2755607"/>
-            <a:ext cx="8170862" cy="3780522"/>
+            <a:off x="0" y="908720"/>
+            <a:ext cx="9108504" cy="4693593"/>
           </a:xfrm>
           <a:prstGeom prst="rect">
             <a:avLst/>
@@ -14113,46 +10427,7 @@
           </a:bodyPr>
           <a:lstStyle/>
           <a:p>
-            <a:pPr marL="171450" indent="-171450">
-              <a:buFont typeface="Courier New" panose="02070309020205020404" pitchFamily="49" charset="0"/>
-              <a:buChar char="o"/>
-            </a:pPr>
-            <a:r>
-              <a:rPr lang="pl-PL" sz="1800" dirty="0">
-                <a:solidFill>
-                  <a:schemeClr val="bg1"/>
-                </a:solidFill>
-              </a:rPr>
-              <a:t>Natywne Biblioteki (C/C++)</a:t>
-            </a:r>
-          </a:p>
-          <a:p>
-            <a:pPr marL="171450" indent="-171450">
-              <a:buFont typeface="Courier New" panose="02070309020205020404" pitchFamily="49" charset="0"/>
-              <a:buChar char="o"/>
-            </a:pPr>
-            <a:r>
-              <a:rPr lang="pl-PL" sz="1800" dirty="0">
-                <a:solidFill>
-                  <a:schemeClr val="bg1"/>
-                </a:solidFill>
-              </a:rPr>
-              <a:t>Zapewniają interfejs pomiędzy sterownikiem a aplikacją</a:t>
-            </a:r>
-          </a:p>
-          <a:p>
-            <a:pPr marL="171450" indent="-171450">
-              <a:buFont typeface="Courier New" panose="02070309020205020404" pitchFamily="49" charset="0"/>
-              <a:buChar char="o"/>
-            </a:pPr>
-            <a:endParaRPr lang="pl-PL" sz="1800" dirty="0">
-              <a:solidFill>
-                <a:schemeClr val="bg1"/>
-              </a:solidFill>
-            </a:endParaRPr>
-          </a:p>
-          <a:p>
-            <a:pPr marL="171450" indent="-171450">
+            <a:pPr marL="285750" indent="-285750" algn="just">
               <a:lnSpc>
                 <a:spcPct val="150000"/>
               </a:lnSpc>
@@ -14160,24 +10435,16 @@
               <a:buChar char="o"/>
             </a:pPr>
             <a:r>
-              <a:rPr lang="pl-PL" sz="1800" b="1" dirty="0">
-                <a:solidFill>
-                  <a:schemeClr val="bg1"/>
-                </a:solidFill>
-              </a:rPr>
-              <a:t>Surface Manager</a:t>
-            </a:r>
-            <a:r>
               <a:rPr lang="pl-PL" sz="1800" dirty="0">
                 <a:solidFill>
-                  <a:schemeClr val="bg1"/>
-                </a:solidFill>
-              </a:rPr>
-              <a:t> – rysowanie okien na ekranie działających na różnych procesach</a:t>
-            </a:r>
-          </a:p>
-          <a:p>
-            <a:pPr marL="171450" indent="-171450">
+                  <a:schemeClr val="bg2"/>
+                </a:solidFill>
+              </a:rPr>
+              <a:t>Każda aplikacja Androida działa w swojej własnej instancji maszyny wirtualnej</a:t>
+            </a:r>
+          </a:p>
+          <a:p>
+            <a:pPr marL="285750" indent="-285750" algn="just">
               <a:lnSpc>
                 <a:spcPct val="150000"/>
               </a:lnSpc>
@@ -14185,32 +10452,32 @@
               <a:buChar char="o"/>
             </a:pPr>
             <a:r>
-              <a:rPr lang="pl-PL" sz="1800" b="1" dirty="0" err="1">
-                <a:solidFill>
-                  <a:schemeClr val="bg1"/>
-                </a:solidFill>
-              </a:rPr>
-              <a:t>OpenGL</a:t>
-            </a:r>
-            <a:r>
-              <a:rPr lang="pl-PL" sz="1800" b="1" dirty="0">
-                <a:solidFill>
-                  <a:schemeClr val="bg1"/>
-                </a:solidFill>
-              </a:rPr>
-              <a:t>/ES, SGL </a:t>
-            </a:r>
-            <a:r>
               <a:rPr lang="pl-PL" sz="1800" dirty="0">
                 <a:solidFill>
-                  <a:schemeClr val="bg1"/>
-                </a:solidFill>
-              </a:rPr>
-              <a:t>– biblioteki 3D i 2D</a:t>
-            </a:r>
-          </a:p>
-          <a:p>
-            <a:pPr marL="171450" indent="-171450">
+                  <a:schemeClr val="bg2"/>
+                </a:solidFill>
+              </a:rPr>
+              <a:t>W każdym momencie kilka instancji maszyny wirtualnej może być aktywna (rzeczywista równoległość – nie </a:t>
+            </a:r>
+            <a:r>
+              <a:rPr lang="pl-PL" sz="1800" i="1" dirty="0">
+                <a:solidFill>
+                  <a:schemeClr val="bg2"/>
+                </a:solidFill>
+              </a:rPr>
+              <a:t>task switching</a:t>
+            </a:r>
+            <a:r>
+              <a:rPr lang="pl-PL" sz="1800" dirty="0">
+                <a:solidFill>
+                  <a:schemeClr val="bg2"/>
+                </a:solidFill>
+              </a:rPr>
+              <a:t>)</a:t>
+            </a:r>
+          </a:p>
+          <a:p>
+            <a:pPr marL="285750" indent="-285750" algn="just">
               <a:lnSpc>
                 <a:spcPct val="150000"/>
               </a:lnSpc>
@@ -14218,81 +10485,30 @@
               <a:buChar char="o"/>
             </a:pPr>
             <a:r>
-              <a:rPr lang="pl-PL" sz="1800" b="1" dirty="0">
-                <a:solidFill>
-                  <a:schemeClr val="bg1"/>
-                </a:solidFill>
-              </a:rPr>
-              <a:t>Media Framework</a:t>
-            </a:r>
-            <a:r>
               <a:rPr lang="pl-PL" sz="1800" dirty="0">
                 <a:solidFill>
-                  <a:schemeClr val="bg1"/>
-                </a:solidFill>
-              </a:rPr>
-              <a:t> – kodeki Audio/Video</a:t>
-            </a:r>
-          </a:p>
-          <a:p>
-            <a:pPr marL="171450" indent="-171450">
+                  <a:schemeClr val="bg2"/>
+                </a:solidFill>
+              </a:rPr>
+              <a:t>Aplikacja Androida nie kontroluje całkowicie realizacji swojego cyklu życia</a:t>
+            </a:r>
+          </a:p>
+          <a:p>
+            <a:pPr marL="285750" indent="-285750" algn="just">
               <a:lnSpc>
                 <a:spcPct val="150000"/>
               </a:lnSpc>
               <a:buFont typeface="Courier New" panose="02070309020205020404" pitchFamily="49" charset="0"/>
               <a:buChar char="o"/>
             </a:pPr>
-            <a:r>
-              <a:rPr lang="pl-PL" sz="1800" b="1" dirty="0" err="1">
-                <a:solidFill>
-                  <a:schemeClr val="bg1"/>
-                </a:solidFill>
-              </a:rPr>
-              <a:t>Free</a:t>
-            </a:r>
-            <a:r>
-              <a:rPr lang="pl-PL" sz="1800" b="1" dirty="0">
-                <a:solidFill>
-                  <a:schemeClr val="bg1"/>
-                </a:solidFill>
-              </a:rPr>
-              <a:t> </a:t>
-            </a:r>
-            <a:r>
-              <a:rPr lang="pl-PL" sz="1800" b="1" dirty="0" err="1">
-                <a:solidFill>
-                  <a:schemeClr val="bg1"/>
-                </a:solidFill>
-              </a:rPr>
-              <a:t>Type</a:t>
-            </a:r>
-            <a:r>
-              <a:rPr lang="pl-PL" sz="1800" dirty="0">
-                <a:solidFill>
-                  <a:schemeClr val="bg1"/>
-                </a:solidFill>
-              </a:rPr>
-              <a:t> – </a:t>
-            </a:r>
-            <a:r>
-              <a:rPr lang="pl-PL" sz="1800" dirty="0" err="1">
-                <a:solidFill>
-                  <a:schemeClr val="bg1"/>
-                </a:solidFill>
-              </a:rPr>
-              <a:t>renderer</a:t>
-            </a:r>
-            <a:r>
-              <a:rPr lang="pl-PL" sz="1800" dirty="0">
-                <a:solidFill>
-                  <a:schemeClr val="bg1"/>
-                </a:solidFill>
-              </a:rPr>
-              <a:t> czcionek</a:t>
-            </a:r>
-          </a:p>
-          <a:p>
-            <a:pPr marL="171450" indent="-171450">
+            <a:endParaRPr lang="pl-PL" sz="1800" dirty="0">
+              <a:solidFill>
+                <a:schemeClr val="bg2"/>
+              </a:solidFill>
+            </a:endParaRPr>
+          </a:p>
+          <a:p>
+            <a:pPr marL="285750" indent="-285750" algn="just">
               <a:lnSpc>
                 <a:spcPct val="150000"/>
               </a:lnSpc>
@@ -14300,24 +10516,16 @@
               <a:buChar char="o"/>
             </a:pPr>
             <a:r>
-              <a:rPr lang="pl-PL" sz="1800" b="1" dirty="0">
-                <a:solidFill>
-                  <a:schemeClr val="bg1"/>
-                </a:solidFill>
-              </a:rPr>
-              <a:t>SQLite</a:t>
-            </a:r>
-            <a:r>
               <a:rPr lang="pl-PL" sz="1800" dirty="0">
                 <a:solidFill>
-                  <a:schemeClr val="bg1"/>
-                </a:solidFill>
-              </a:rPr>
-              <a:t> – implementacja baz danych</a:t>
-            </a:r>
-          </a:p>
-          <a:p>
-            <a:pPr marL="171450" indent="-171450">
+                  <a:schemeClr val="bg2"/>
+                </a:solidFill>
+              </a:rPr>
+              <a:t>OS może zakończyć każdy proces</a:t>
+            </a:r>
+          </a:p>
+          <a:p>
+            <a:pPr marL="742950" lvl="1" indent="-285750" algn="just">
               <a:lnSpc>
                 <a:spcPct val="150000"/>
               </a:lnSpc>
@@ -14325,24 +10533,78 @@
               <a:buChar char="o"/>
             </a:pPr>
             <a:r>
-              <a:rPr lang="pl-PL" sz="1800" b="1" dirty="0" err="1">
-                <a:solidFill>
-                  <a:schemeClr val="bg1"/>
-                </a:solidFill>
-              </a:rPr>
-              <a:t>WebKit</a:t>
-            </a:r>
-            <a:r>
               <a:rPr lang="pl-PL" sz="1800" dirty="0">
                 <a:solidFill>
-                  <a:schemeClr val="bg1"/>
-                </a:solidFill>
-              </a:rPr>
-              <a:t> – silnik przeglądarki</a:t>
-            </a:r>
-            <a:endParaRPr lang="pl-PL" sz="1800" b="1" dirty="0">
+                  <a:schemeClr val="bg2"/>
+                </a:solidFill>
+              </a:rPr>
+              <a:t>Zasoby są krytycznie niskie</a:t>
+            </a:r>
+          </a:p>
+          <a:p>
+            <a:pPr marL="742950" lvl="1" indent="-285750" algn="just">
+              <a:lnSpc>
+                <a:spcPct val="150000"/>
+              </a:lnSpc>
+              <a:buFont typeface="Courier New" panose="02070309020205020404" pitchFamily="49" charset="0"/>
+              <a:buChar char="o"/>
+            </a:pPr>
+            <a:r>
+              <a:rPr lang="pl-PL" sz="1800" dirty="0">
+                <a:solidFill>
+                  <a:schemeClr val="bg2"/>
+                </a:solidFill>
+              </a:rPr>
+              <a:t>Duża liczba działających aplikacji</a:t>
+            </a:r>
+          </a:p>
+          <a:p>
+            <a:pPr marL="742950" lvl="1" indent="-285750" algn="just">
+              <a:lnSpc>
+                <a:spcPct val="150000"/>
+              </a:lnSpc>
+              <a:buFont typeface="Courier New" panose="02070309020205020404" pitchFamily="49" charset="0"/>
+              <a:buChar char="o"/>
+            </a:pPr>
+            <a:r>
+              <a:rPr lang="pl-PL" sz="1800" dirty="0">
+                <a:solidFill>
+                  <a:schemeClr val="bg2"/>
+                </a:solidFill>
+              </a:rPr>
+              <a:t>Aplikacja wymagająca bardzo dużych zasobów (energia, pamięć)</a:t>
+            </a:r>
+          </a:p>
+          <a:p>
+            <a:pPr marL="742950" lvl="1" indent="-285750" algn="just">
+              <a:lnSpc>
+                <a:spcPct val="150000"/>
+              </a:lnSpc>
+              <a:buFont typeface="Courier New" panose="02070309020205020404" pitchFamily="49" charset="0"/>
+              <a:buChar char="o"/>
+            </a:pPr>
+            <a:endParaRPr lang="pl-PL" sz="1600" dirty="0">
               <a:solidFill>
-                <a:schemeClr val="bg1"/>
+                <a:schemeClr val="bg2"/>
+              </a:solidFill>
+            </a:endParaRPr>
+          </a:p>
+          <a:p>
+            <a:pPr marL="342900" indent="-342900" algn="just">
+              <a:buFont typeface="+mj-lt"/>
+              <a:buAutoNum type="arabicPeriod"/>
+            </a:pPr>
+            <a:endParaRPr lang="pl-PL" sz="1600" dirty="0">
+              <a:solidFill>
+                <a:schemeClr val="bg2"/>
+              </a:solidFill>
+            </a:endParaRPr>
+          </a:p>
+          <a:p>
+            <a:pPr algn="just"/>
+            <a:endParaRPr lang="pl-PL" sz="1600" dirty="0">
+              <a:solidFill>
+                <a:schemeClr val="bg2"/>
               </a:solidFill>
             </a:endParaRPr>
           </a:p>
@@ -14351,7 +10613,7 @@
     </p:spTree>
     <p:extLst>
       <p:ext uri="{BB962C8B-B14F-4D97-AF65-F5344CB8AC3E}">
-        <p14:creationId xmlns:p14="http://schemas.microsoft.com/office/powerpoint/2010/main" val="1348041617"/>
+        <p14:creationId xmlns:p14="http://schemas.microsoft.com/office/powerpoint/2010/main" val="583584318"/>
       </p:ext>
     </p:extLst>
   </p:cSld>

--- a/2023-2024/Wyk/Wyklad1.pptx
+++ b/2023-2024/Wyk/Wyklad1.pptx
@@ -5,33 +5,34 @@
     <p:sldMasterId id="2147483696" r:id="rId1"/>
   </p:sldMasterIdLst>
   <p:notesMasterIdLst>
-    <p:notesMasterId r:id="rId23"/>
+    <p:notesMasterId r:id="rId24"/>
   </p:notesMasterIdLst>
   <p:handoutMasterIdLst>
-    <p:handoutMasterId r:id="rId24"/>
+    <p:handoutMasterId r:id="rId25"/>
   </p:handoutMasterIdLst>
   <p:sldIdLst>
     <p:sldId id="346" r:id="rId2"/>
-    <p:sldId id="529" r:id="rId3"/>
-    <p:sldId id="513" r:id="rId4"/>
-    <p:sldId id="514" r:id="rId5"/>
-    <p:sldId id="515" r:id="rId6"/>
-    <p:sldId id="516" r:id="rId7"/>
-    <p:sldId id="517" r:id="rId8"/>
-    <p:sldId id="530" r:id="rId9"/>
-    <p:sldId id="518" r:id="rId10"/>
-    <p:sldId id="519" r:id="rId11"/>
-    <p:sldId id="520" r:id="rId12"/>
-    <p:sldId id="522" r:id="rId13"/>
-    <p:sldId id="524" r:id="rId14"/>
-    <p:sldId id="523" r:id="rId15"/>
-    <p:sldId id="531" r:id="rId16"/>
-    <p:sldId id="525" r:id="rId17"/>
-    <p:sldId id="526" r:id="rId18"/>
-    <p:sldId id="527" r:id="rId19"/>
-    <p:sldId id="528" r:id="rId20"/>
-    <p:sldId id="533" r:id="rId21"/>
-    <p:sldId id="534" r:id="rId22"/>
+    <p:sldId id="513" r:id="rId3"/>
+    <p:sldId id="535" r:id="rId4"/>
+    <p:sldId id="536" r:id="rId5"/>
+    <p:sldId id="537" r:id="rId6"/>
+    <p:sldId id="538" r:id="rId7"/>
+    <p:sldId id="514" r:id="rId8"/>
+    <p:sldId id="515" r:id="rId9"/>
+    <p:sldId id="516" r:id="rId10"/>
+    <p:sldId id="517" r:id="rId11"/>
+    <p:sldId id="518" r:id="rId12"/>
+    <p:sldId id="539" r:id="rId13"/>
+    <p:sldId id="519" r:id="rId14"/>
+    <p:sldId id="540" r:id="rId15"/>
+    <p:sldId id="541" r:id="rId16"/>
+    <p:sldId id="520" r:id="rId17"/>
+    <p:sldId id="522" r:id="rId18"/>
+    <p:sldId id="524" r:id="rId19"/>
+    <p:sldId id="542" r:id="rId20"/>
+    <p:sldId id="525" r:id="rId21"/>
+    <p:sldId id="543" r:id="rId22"/>
+    <p:sldId id="528" r:id="rId23"/>
   </p:sldIdLst>
   <p:sldSz cx="9144000" cy="6858000" type="screen4x3"/>
   <p:notesSz cx="6858000" cy="9144000"/>
@@ -292,7 +293,7 @@
           <a:p>
             <a:fld id="{5113504E-0C99-2340-A5F6-DD6E1A87C372}" type="datetimeFigureOut">
               <a:rPr lang="pl-PL" smtClean="0"/>
-              <a:t>24.03.2023</a:t>
+              <a:t>07.10.2023</a:t>
             </a:fld>
             <a:endParaRPr lang="pl-PL"/>
           </a:p>
@@ -458,7 +459,7 @@
           <a:p>
             <a:fld id="{F78C933E-44E9-2D43-91B0-0D2BEEFA7EB9}" type="datetimeFigureOut">
               <a:rPr lang="pl-PL" smtClean="0"/>
-              <a:t>24.03.2023</a:t>
+              <a:t>07.10.2023</a:t>
             </a:fld>
             <a:endParaRPr lang="pl-PL"/>
           </a:p>
@@ -887,7 +888,7 @@
     </p:spTree>
     <p:extLst>
       <p:ext uri="{BB962C8B-B14F-4D97-AF65-F5344CB8AC3E}">
-        <p14:creationId xmlns:p14="http://schemas.microsoft.com/office/powerpoint/2010/main" val="999574385"/>
+        <p14:creationId xmlns:p14="http://schemas.microsoft.com/office/powerpoint/2010/main" val="2019522785"/>
       </p:ext>
     </p:extLst>
   </p:cSld>
@@ -974,7 +975,7 @@
     </p:spTree>
     <p:extLst>
       <p:ext uri="{BB962C8B-B14F-4D97-AF65-F5344CB8AC3E}">
-        <p14:creationId xmlns:p14="http://schemas.microsoft.com/office/powerpoint/2010/main" val="2524349922"/>
+        <p14:creationId xmlns:p14="http://schemas.microsoft.com/office/powerpoint/2010/main" val="1700460633"/>
       </p:ext>
     </p:extLst>
   </p:cSld>
@@ -1061,7 +1062,7 @@
     </p:spTree>
     <p:extLst>
       <p:ext uri="{BB962C8B-B14F-4D97-AF65-F5344CB8AC3E}">
-        <p14:creationId xmlns:p14="http://schemas.microsoft.com/office/powerpoint/2010/main" val="1574357408"/>
+        <p14:creationId xmlns:p14="http://schemas.microsoft.com/office/powerpoint/2010/main" val="952044173"/>
       </p:ext>
     </p:extLst>
   </p:cSld>
@@ -1148,7 +1149,7 @@
     </p:spTree>
     <p:extLst>
       <p:ext uri="{BB962C8B-B14F-4D97-AF65-F5344CB8AC3E}">
-        <p14:creationId xmlns:p14="http://schemas.microsoft.com/office/powerpoint/2010/main" val="3160030625"/>
+        <p14:creationId xmlns:p14="http://schemas.microsoft.com/office/powerpoint/2010/main" val="999574385"/>
       </p:ext>
     </p:extLst>
   </p:cSld>
@@ -1235,7 +1236,7 @@
     </p:spTree>
     <p:extLst>
       <p:ext uri="{BB962C8B-B14F-4D97-AF65-F5344CB8AC3E}">
-        <p14:creationId xmlns:p14="http://schemas.microsoft.com/office/powerpoint/2010/main" val="663072683"/>
+        <p14:creationId xmlns:p14="http://schemas.microsoft.com/office/powerpoint/2010/main" val="3023110360"/>
       </p:ext>
     </p:extLst>
   </p:cSld>
@@ -1284,12 +1285,15 @@
             <p:ph type="body" idx="1"/>
           </p:nvPr>
         </p:nvSpPr>
-        <p:spPr bwMode="auto"/>
+        <p:spPr/>
         <p:txBody>
           <a:bodyPr/>
           <a:lstStyle/>
           <a:p>
-            <a:endParaRPr lang="pl-PL" dirty="0"/>
+            <a:pPr rtl="0"/>
+            <a:endParaRPr lang="pl-PL" dirty="0">
+              <a:effectLst/>
+            </a:endParaRPr>
           </a:p>
         </p:txBody>
       </p:sp>
@@ -1319,7 +1323,7 @@
     </p:spTree>
     <p:extLst>
       <p:ext uri="{BB962C8B-B14F-4D97-AF65-F5344CB8AC3E}">
-        <p14:creationId xmlns:p14="http://schemas.microsoft.com/office/powerpoint/2010/main" val="3036623439"/>
+        <p14:creationId xmlns:p14="http://schemas.microsoft.com/office/powerpoint/2010/main" val="3342266360"/>
       </p:ext>
     </p:extLst>
   </p:cSld>
@@ -1406,7 +1410,7 @@
     </p:spTree>
     <p:extLst>
       <p:ext uri="{BB962C8B-B14F-4D97-AF65-F5344CB8AC3E}">
-        <p14:creationId xmlns:p14="http://schemas.microsoft.com/office/powerpoint/2010/main" val="3480557471"/>
+        <p14:creationId xmlns:p14="http://schemas.microsoft.com/office/powerpoint/2010/main" val="2524349922"/>
       </p:ext>
     </p:extLst>
   </p:cSld>
@@ -1493,7 +1497,7 @@
     </p:spTree>
     <p:extLst>
       <p:ext uri="{BB962C8B-B14F-4D97-AF65-F5344CB8AC3E}">
-        <p14:creationId xmlns:p14="http://schemas.microsoft.com/office/powerpoint/2010/main" val="378938099"/>
+        <p14:creationId xmlns:p14="http://schemas.microsoft.com/office/powerpoint/2010/main" val="1574357408"/>
       </p:ext>
     </p:extLst>
   </p:cSld>
@@ -1580,7 +1584,7 @@
     </p:spTree>
     <p:extLst>
       <p:ext uri="{BB962C8B-B14F-4D97-AF65-F5344CB8AC3E}">
-        <p14:creationId xmlns:p14="http://schemas.microsoft.com/office/powerpoint/2010/main" val="2588991464"/>
+        <p14:creationId xmlns:p14="http://schemas.microsoft.com/office/powerpoint/2010/main" val="3160030625"/>
       </p:ext>
     </p:extLst>
   </p:cSld>
@@ -1635,18 +1639,6 @@
           <a:lstStyle/>
           <a:p>
             <a:pPr rtl="0"/>
-            <a:r>
-              <a:rPr lang="pl-PL" dirty="0"/>
-              <a:t>Najprostsze aplikacje Java są jednowątkowe. Program wywołuje metody w sposób synchroniczny, czekając na wynik. Po zakończeniu wykonywania metody, następuje powrót zgodnie z aktualną wartością wskaźnika stosu i program jest kontynuowany. • Aplikacje działające pod kontrolą systemu Android składają się z wielu niezależnych lecz często pozostające w kooperacji aktywności. Każda aktywność działa w ramach swojego wątku, a jedna z nich określana jest mianem aktywności głównej. Android wykorzystuje metodę </a:t>
-            </a:r>
-            <a:r>
-              <a:rPr lang="pl-PL" dirty="0" err="1"/>
-              <a:t>startActivity</a:t>
-            </a:r>
-            <a:r>
-              <a:rPr lang="pl-PL" dirty="0"/>
-              <a:t>(Intent) by uruchomić aktywność, która staje się aktywna i potencjalnie widoczna dla użytkownika, jednakże obiekt wywołujący cały czas znajduje się w obrębie swojego wątku. Następny przykład prezentuje proces komunikacji wewnątrz-procesowej wykorzystywanej w systemie Android w postaci aplikacji składającej się z wielu współpracujących aktywności. Prezentuje sposób wywołania, dostarczania danych oraz pobierania rezultatów działania. </a:t>
-            </a:r>
             <a:endParaRPr lang="pl-PL" dirty="0">
               <a:effectLst/>
             </a:endParaRPr>
@@ -1679,7 +1671,7 @@
     </p:spTree>
     <p:extLst>
       <p:ext uri="{BB962C8B-B14F-4D97-AF65-F5344CB8AC3E}">
-        <p14:creationId xmlns:p14="http://schemas.microsoft.com/office/powerpoint/2010/main" val="4128737339"/>
+        <p14:creationId xmlns:p14="http://schemas.microsoft.com/office/powerpoint/2010/main" val="3868721510"/>
       </p:ext>
     </p:extLst>
   </p:cSld>
@@ -1728,12 +1720,15 @@
             <p:ph type="body" idx="1"/>
           </p:nvPr>
         </p:nvSpPr>
-        <p:spPr bwMode="auto"/>
+        <p:spPr/>
         <p:txBody>
           <a:bodyPr/>
           <a:lstStyle/>
           <a:p>
-            <a:endParaRPr lang="pl-PL" dirty="0"/>
+            <a:pPr rtl="0"/>
+            <a:endParaRPr lang="pl-PL" dirty="0">
+              <a:effectLst/>
+            </a:endParaRPr>
           </a:p>
         </p:txBody>
       </p:sp>
@@ -1763,7 +1758,7 @@
     </p:spTree>
     <p:extLst>
       <p:ext uri="{BB962C8B-B14F-4D97-AF65-F5344CB8AC3E}">
-        <p14:creationId xmlns:p14="http://schemas.microsoft.com/office/powerpoint/2010/main" val="2204113546"/>
+        <p14:creationId xmlns:p14="http://schemas.microsoft.com/office/powerpoint/2010/main" val="2568733764"/>
       </p:ext>
     </p:extLst>
   </p:cSld>
@@ -1812,12 +1807,15 @@
             <p:ph type="body" idx="1"/>
           </p:nvPr>
         </p:nvSpPr>
-        <p:spPr bwMode="auto"/>
+        <p:spPr/>
         <p:txBody>
           <a:bodyPr/>
           <a:lstStyle/>
           <a:p>
-            <a:endParaRPr lang="pl-PL" dirty="0"/>
+            <a:pPr rtl="0"/>
+            <a:endParaRPr lang="pl-PL" dirty="0">
+              <a:effectLst/>
+            </a:endParaRPr>
           </a:p>
         </p:txBody>
       </p:sp>
@@ -1847,7 +1845,7 @@
     </p:spTree>
     <p:extLst>
       <p:ext uri="{BB962C8B-B14F-4D97-AF65-F5344CB8AC3E}">
-        <p14:creationId xmlns:p14="http://schemas.microsoft.com/office/powerpoint/2010/main" val="4111707598"/>
+        <p14:creationId xmlns:p14="http://schemas.microsoft.com/office/powerpoint/2010/main" val="3480557471"/>
       </p:ext>
     </p:extLst>
   </p:cSld>
@@ -1934,7 +1932,98 @@
     </p:spTree>
     <p:extLst>
       <p:ext uri="{BB962C8B-B14F-4D97-AF65-F5344CB8AC3E}">
-        <p14:creationId xmlns:p14="http://schemas.microsoft.com/office/powerpoint/2010/main" val="2265628385"/>
+        <p14:creationId xmlns:p14="http://schemas.microsoft.com/office/powerpoint/2010/main" val="2539041018"/>
+      </p:ext>
+    </p:extLst>
+  </p:cSld>
+  <p:clrMapOvr>
+    <a:masterClrMapping/>
+  </p:clrMapOvr>
+</p:notes>
+</file>
+
+<file path=ppt/notesSlides/notesSlide22.xml><?xml version="1.0" encoding="utf-8"?>
+<p:notes xmlns:a="http://schemas.openxmlformats.org/drawingml/2006/main" xmlns:r="http://schemas.openxmlformats.org/officeDocument/2006/relationships" xmlns:p="http://schemas.openxmlformats.org/presentationml/2006/main">
+  <p:cSld>
+    <p:spTree>
+      <p:nvGrpSpPr>
+        <p:cNvPr id="1" name=""/>
+        <p:cNvGrpSpPr/>
+        <p:nvPr/>
+      </p:nvGrpSpPr>
+      <p:grpSpPr>
+        <a:xfrm>
+          <a:off x="0" y="0"/>
+          <a:ext cx="0" cy="0"/>
+          <a:chOff x="0" y="0"/>
+          <a:chExt cx="0" cy="0"/>
+        </a:xfrm>
+      </p:grpSpPr>
+      <p:sp>
+        <p:nvSpPr>
+          <p:cNvPr id="2" name="Slide Image Placeholder 1"/>
+          <p:cNvSpPr>
+            <a:spLocks noGrp="1" noRot="1" noChangeAspect="1"/>
+          </p:cNvSpPr>
+          <p:nvPr>
+            <p:ph type="sldImg"/>
+          </p:nvPr>
+        </p:nvSpPr>
+        <p:spPr/>
+      </p:sp>
+      <p:sp>
+        <p:nvSpPr>
+          <p:cNvPr id="3" name="Notes Placeholder 2"/>
+          <p:cNvSpPr>
+            <a:spLocks noGrp="1"/>
+          </p:cNvSpPr>
+          <p:nvPr>
+            <p:ph type="body" idx="1"/>
+          </p:nvPr>
+        </p:nvSpPr>
+        <p:spPr/>
+        <p:txBody>
+          <a:bodyPr/>
+          <a:lstStyle/>
+          <a:p>
+            <a:pPr rtl="0"/>
+            <a:r>
+              <a:rPr lang="pl-PL" dirty="0"/>
+              <a:t>Najprostsze aplikacje Java są jednowątkowe. Program wywołuje metody w sposób synchroniczny, czekając na wynik. Po zakończeniu wykonywania metody, następuje powrót zgodnie z aktualną wartością wskaźnika stosu i program jest kontynuowany. • Aplikacje działające pod kontrolą systemu Android składają się z wielu niezależnych lecz często pozostające w kooperacji aktywności. Każda aktywność działa w ramach swojego wątku, a jedna z nich określana jest mianem aktywności głównej. Android wykorzystuje metodę startActivity(Intent) by uruchomić aktywność, która staje się aktywna i potencjalnie widoczna dla użytkownika, jednakże obiekt wywołujący cały czas znajduje się w obrębie swojego wątku. Następny przykład prezentuje proces komunikacji wewnątrz-procesowej wykorzystywanej w systemie Android w postaci aplikacji składającej się z wielu współpracujących aktywności. Prezentuje sposób wywołania, dostarczania danych oraz pobierania rezultatów działania. </a:t>
+            </a:r>
+            <a:endParaRPr lang="pl-PL" dirty="0">
+              <a:effectLst/>
+            </a:endParaRPr>
+          </a:p>
+        </p:txBody>
+      </p:sp>
+      <p:sp>
+        <p:nvSpPr>
+          <p:cNvPr id="4" name="Slide Number Placeholder 3"/>
+          <p:cNvSpPr>
+            <a:spLocks noGrp="1"/>
+          </p:cNvSpPr>
+          <p:nvPr>
+            <p:ph type="sldNum" sz="quarter" idx="10"/>
+          </p:nvPr>
+        </p:nvSpPr>
+        <p:spPr/>
+        <p:txBody>
+          <a:bodyPr/>
+          <a:lstStyle/>
+          <a:p>
+            <a:fld id="{79CE77F9-1A7F-B148-A0AA-5828300D10BC}" type="slidenum">
+              <a:rPr lang="pl-PL" smtClean="0"/>
+              <a:t>22</a:t>
+            </a:fld>
+            <a:endParaRPr lang="pl-PL"/>
+          </a:p>
+        </p:txBody>
+      </p:sp>
+    </p:spTree>
+    <p:extLst>
+      <p:ext uri="{BB962C8B-B14F-4D97-AF65-F5344CB8AC3E}">
+        <p14:creationId xmlns:p14="http://schemas.microsoft.com/office/powerpoint/2010/main" val="4128737339"/>
       </p:ext>
     </p:extLst>
   </p:cSld>
@@ -2021,7 +2110,7 @@
     </p:spTree>
     <p:extLst>
       <p:ext uri="{BB962C8B-B14F-4D97-AF65-F5344CB8AC3E}">
-        <p14:creationId xmlns:p14="http://schemas.microsoft.com/office/powerpoint/2010/main" val="2568733764"/>
+        <p14:creationId xmlns:p14="http://schemas.microsoft.com/office/powerpoint/2010/main" val="356989513"/>
       </p:ext>
     </p:extLst>
   </p:cSld>
@@ -2108,7 +2197,7 @@
     </p:spTree>
     <p:extLst>
       <p:ext uri="{BB962C8B-B14F-4D97-AF65-F5344CB8AC3E}">
-        <p14:creationId xmlns:p14="http://schemas.microsoft.com/office/powerpoint/2010/main" val="1922192466"/>
+        <p14:creationId xmlns:p14="http://schemas.microsoft.com/office/powerpoint/2010/main" val="3019301967"/>
       </p:ext>
     </p:extLst>
   </p:cSld>
@@ -2195,7 +2284,7 @@
     </p:spTree>
     <p:extLst>
       <p:ext uri="{BB962C8B-B14F-4D97-AF65-F5344CB8AC3E}">
-        <p14:creationId xmlns:p14="http://schemas.microsoft.com/office/powerpoint/2010/main" val="1119306457"/>
+        <p14:creationId xmlns:p14="http://schemas.microsoft.com/office/powerpoint/2010/main" val="1233745155"/>
       </p:ext>
     </p:extLst>
   </p:cSld>
@@ -2282,7 +2371,7 @@
     </p:spTree>
     <p:extLst>
       <p:ext uri="{BB962C8B-B14F-4D97-AF65-F5344CB8AC3E}">
-        <p14:creationId xmlns:p14="http://schemas.microsoft.com/office/powerpoint/2010/main" val="916039483"/>
+        <p14:creationId xmlns:p14="http://schemas.microsoft.com/office/powerpoint/2010/main" val="154666350"/>
       </p:ext>
     </p:extLst>
   </p:cSld>
@@ -2369,7 +2458,7 @@
     </p:spTree>
     <p:extLst>
       <p:ext uri="{BB962C8B-B14F-4D97-AF65-F5344CB8AC3E}">
-        <p14:creationId xmlns:p14="http://schemas.microsoft.com/office/powerpoint/2010/main" val="2019522785"/>
+        <p14:creationId xmlns:p14="http://schemas.microsoft.com/office/powerpoint/2010/main" val="1922192466"/>
       </p:ext>
     </p:extLst>
   </p:cSld>
@@ -2418,12 +2507,15 @@
             <p:ph type="body" idx="1"/>
           </p:nvPr>
         </p:nvSpPr>
-        <p:spPr bwMode="auto"/>
+        <p:spPr/>
         <p:txBody>
           <a:bodyPr/>
           <a:lstStyle/>
           <a:p>
-            <a:endParaRPr lang="pl-PL" dirty="0"/>
+            <a:pPr rtl="0"/>
+            <a:endParaRPr lang="pl-PL" dirty="0">
+              <a:effectLst/>
+            </a:endParaRPr>
           </a:p>
         </p:txBody>
       </p:sp>
@@ -2453,7 +2545,7 @@
     </p:spTree>
     <p:extLst>
       <p:ext uri="{BB962C8B-B14F-4D97-AF65-F5344CB8AC3E}">
-        <p14:creationId xmlns:p14="http://schemas.microsoft.com/office/powerpoint/2010/main" val="1221358304"/>
+        <p14:creationId xmlns:p14="http://schemas.microsoft.com/office/powerpoint/2010/main" val="1119306457"/>
       </p:ext>
     </p:extLst>
   </p:cSld>
@@ -2540,7 +2632,7 @@
     </p:spTree>
     <p:extLst>
       <p:ext uri="{BB962C8B-B14F-4D97-AF65-F5344CB8AC3E}">
-        <p14:creationId xmlns:p14="http://schemas.microsoft.com/office/powerpoint/2010/main" val="1700460633"/>
+        <p14:creationId xmlns:p14="http://schemas.microsoft.com/office/powerpoint/2010/main" val="916039483"/>
       </p:ext>
     </p:extLst>
   </p:cSld>
@@ -2729,7 +2821,7 @@
           <a:p>
             <a:fld id="{91017B01-0C30-B241-B19F-621BE4770608}" type="datetimeFigureOut">
               <a:rPr lang="pl-PL" smtClean="0"/>
-              <a:t>24.03.2023</a:t>
+              <a:t>07.10.2023</a:t>
             </a:fld>
             <a:endParaRPr lang="pl-PL"/>
           </a:p>
@@ -2898,7 +2990,7 @@
           <a:p>
             <a:fld id="{91017B01-0C30-B241-B19F-621BE4770608}" type="datetimeFigureOut">
               <a:rPr lang="pl-PL" smtClean="0"/>
-              <a:t>24.03.2023</a:t>
+              <a:t>07.10.2023</a:t>
             </a:fld>
             <a:endParaRPr lang="pl-PL"/>
           </a:p>
@@ -3077,7 +3169,7 @@
           <a:p>
             <a:fld id="{91017B01-0C30-B241-B19F-621BE4770608}" type="datetimeFigureOut">
               <a:rPr lang="pl-PL" smtClean="0"/>
-              <a:t>24.03.2023</a:t>
+              <a:t>07.10.2023</a:t>
             </a:fld>
             <a:endParaRPr lang="pl-PL"/>
           </a:p>
@@ -3246,7 +3338,7 @@
           <a:p>
             <a:fld id="{91017B01-0C30-B241-B19F-621BE4770608}" type="datetimeFigureOut">
               <a:rPr lang="pl-PL" smtClean="0"/>
-              <a:t>24.03.2023</a:t>
+              <a:t>07.10.2023</a:t>
             </a:fld>
             <a:endParaRPr lang="pl-PL"/>
           </a:p>
@@ -3492,7 +3584,7 @@
           <a:p>
             <a:fld id="{91017B01-0C30-B241-B19F-621BE4770608}" type="datetimeFigureOut">
               <a:rPr lang="pl-PL" smtClean="0"/>
-              <a:t>24.03.2023</a:t>
+              <a:t>07.10.2023</a:t>
             </a:fld>
             <a:endParaRPr lang="pl-PL"/>
           </a:p>
@@ -3778,7 +3870,7 @@
           <a:p>
             <a:fld id="{91017B01-0C30-B241-B19F-621BE4770608}" type="datetimeFigureOut">
               <a:rPr lang="pl-PL" smtClean="0"/>
-              <a:t>24.03.2023</a:t>
+              <a:t>07.10.2023</a:t>
             </a:fld>
             <a:endParaRPr lang="pl-PL"/>
           </a:p>
@@ -4198,7 +4290,7 @@
           <a:p>
             <a:fld id="{91017B01-0C30-B241-B19F-621BE4770608}" type="datetimeFigureOut">
               <a:rPr lang="pl-PL" smtClean="0"/>
-              <a:t>24.03.2023</a:t>
+              <a:t>07.10.2023</a:t>
             </a:fld>
             <a:endParaRPr lang="pl-PL"/>
           </a:p>
@@ -4316,7 +4408,7 @@
           <a:p>
             <a:fld id="{91017B01-0C30-B241-B19F-621BE4770608}" type="datetimeFigureOut">
               <a:rPr lang="pl-PL" smtClean="0"/>
-              <a:t>24.03.2023</a:t>
+              <a:t>07.10.2023</a:t>
             </a:fld>
             <a:endParaRPr lang="pl-PL"/>
           </a:p>
@@ -4412,7 +4504,7 @@
           <a:p>
             <a:fld id="{91017B01-0C30-B241-B19F-621BE4770608}" type="datetimeFigureOut">
               <a:rPr lang="pl-PL" smtClean="0"/>
-              <a:t>24.03.2023</a:t>
+              <a:t>07.10.2023</a:t>
             </a:fld>
             <a:endParaRPr lang="pl-PL"/>
           </a:p>
@@ -4689,7 +4781,7 @@
           <a:p>
             <a:fld id="{91017B01-0C30-B241-B19F-621BE4770608}" type="datetimeFigureOut">
               <a:rPr lang="pl-PL" smtClean="0"/>
-              <a:t>24.03.2023</a:t>
+              <a:t>07.10.2023</a:t>
             </a:fld>
             <a:endParaRPr lang="pl-PL"/>
           </a:p>
@@ -4945,7 +5037,7 @@
           <a:p>
             <a:fld id="{91017B01-0C30-B241-B19F-621BE4770608}" type="datetimeFigureOut">
               <a:rPr lang="pl-PL" smtClean="0"/>
-              <a:t>24.03.2023</a:t>
+              <a:t>07.10.2023</a:t>
             </a:fld>
             <a:endParaRPr lang="pl-PL"/>
           </a:p>
@@ -5157,7 +5249,7 @@
           <a:p>
             <a:fld id="{91017B01-0C30-B241-B19F-621BE4770608}" type="datetimeFigureOut">
               <a:rPr lang="pl-PL" smtClean="0"/>
-              <a:t>24.03.2023</a:t>
+              <a:t>07.10.2023</a:t>
             </a:fld>
             <a:endParaRPr lang="pl-PL"/>
           </a:p>
@@ -5630,7 +5722,7 @@
         <p:spPr>
           <a:xfrm>
             <a:off x="179512" y="2844225"/>
-            <a:ext cx="8424936" cy="461665"/>
+            <a:ext cx="8424936" cy="769441"/>
           </a:xfrm>
           <a:prstGeom prst="rect">
             <a:avLst/>
@@ -5651,6 +5743,17 @@
                 </a:solidFill>
               </a:rPr>
               <a:t>WYKŁAD 1</a:t>
+            </a:r>
+          </a:p>
+          <a:p>
+            <a:pPr algn="ctr"/>
+            <a:r>
+              <a:rPr lang="pl-PL" sz="2000" dirty="0">
+                <a:solidFill>
+                  <a:schemeClr val="bg1"/>
+                </a:solidFill>
+              </a:rPr>
+              <a:t>Fundamenty Aplikacji 1</a:t>
             </a:r>
           </a:p>
         </p:txBody>
@@ -5669,8 +5772,8 @@
         </p:nvSpPr>
         <p:spPr>
           <a:xfrm>
-            <a:off x="3275729" y="3789040"/>
-            <a:ext cx="5472608" cy="1200329"/>
+            <a:off x="827584" y="3789040"/>
+            <a:ext cx="7920753" cy="1477328"/>
           </a:xfrm>
           <a:prstGeom prst="rect">
             <a:avLst/>
@@ -5693,7 +5796,7 @@
                   <a:schemeClr val="bg1"/>
                 </a:solidFill>
               </a:rPr>
-              <a:t>Podstawowe Elementy Aplikacji</a:t>
+              <a:t>Context</a:t>
             </a:r>
           </a:p>
           <a:p>
@@ -5707,7 +5810,7 @@
                   <a:schemeClr val="bg1"/>
                 </a:solidFill>
               </a:rPr>
-              <a:t>Cykl Życia</a:t>
+              <a:t>Aktywność</a:t>
             </a:r>
           </a:p>
           <a:p>
@@ -5721,7 +5824,7 @@
                   <a:schemeClr val="bg1"/>
                 </a:solidFill>
               </a:rPr>
-              <a:t>Intent</a:t>
+              <a:t>Cykl Życia</a:t>
             </a:r>
           </a:p>
           <a:p>
@@ -5735,7 +5838,21 @@
                   <a:schemeClr val="bg1"/>
                 </a:solidFill>
               </a:rPr>
-              <a:t>Context</a:t>
+              <a:t>Mechanizm Komunikacji Międzyprocesowej - Intent</a:t>
+            </a:r>
+          </a:p>
+          <a:p>
+            <a:pPr marL="342900" indent="-342900">
+              <a:buFont typeface="Courier New" panose="02070309020205020404" pitchFamily="49" charset="0"/>
+              <a:buChar char="o"/>
+            </a:pPr>
+            <a:r>
+              <a:rPr lang="pl-PL" sz="1800" dirty="0">
+                <a:solidFill>
+                  <a:schemeClr val="bg1"/>
+                </a:solidFill>
+              </a:rPr>
+              <a:t>Layout</a:t>
             </a:r>
           </a:p>
         </p:txBody>
@@ -5784,62 +5901,31 @@
       </p:grpSpPr>
       <p:sp>
         <p:nvSpPr>
-          <p:cNvPr id="2" name="Rectangle 1"/>
-          <p:cNvSpPr/>
-          <p:nvPr/>
-        </p:nvSpPr>
-        <p:spPr>
-          <a:xfrm>
-            <a:off x="1979712" y="188640"/>
-            <a:ext cx="6696744" cy="492443"/>
-          </a:xfrm>
-          <a:prstGeom prst="rect">
-            <a:avLst/>
-          </a:prstGeom>
-        </p:spPr>
-        <p:txBody>
-          <a:bodyPr wrap="square">
-            <a:spAutoFit/>
-          </a:bodyPr>
-          <a:lstStyle/>
-          <a:p>
-            <a:pPr algn="ctr"/>
-            <a:r>
-              <a:rPr lang="pl-PL" sz="2600" dirty="0">
-                <a:solidFill>
-                  <a:schemeClr val="bg1"/>
-                </a:solidFill>
-                <a:latin typeface="Verdana" panose="020B0604030504040204" pitchFamily="34" charset="0"/>
-                <a:ea typeface="Verdana" panose="020B0604030504040204" pitchFamily="34" charset="0"/>
-                <a:cs typeface="Verdana" panose="020B0604030504040204" pitchFamily="34" charset="0"/>
-              </a:rPr>
-              <a:t>Cykl Życia</a:t>
-            </a:r>
-          </a:p>
-        </p:txBody>
-      </p:sp>
-      <p:sp>
-        <p:nvSpPr>
-          <p:cNvPr id="6" name="Prostokąt 5">
+          <p:cNvPr id="5" name="Prostokąt 4">
             <a:extLst>
               <a:ext uri="{FF2B5EF4-FFF2-40B4-BE49-F238E27FC236}">
-                <a16:creationId xmlns:a16="http://schemas.microsoft.com/office/drawing/2014/main" id="{CA41B780-B57E-411C-AAD5-3D3D6912F664}"/>
+                <a16:creationId xmlns:a16="http://schemas.microsoft.com/office/drawing/2014/main" id="{7754272C-7D24-D148-D91F-FCEF42A658A2}"/>
               </a:ext>
             </a:extLst>
           </p:cNvPr>
-          <p:cNvSpPr/>
+          <p:cNvSpPr>
+            <a:spLocks/>
+          </p:cNvSpPr>
           <p:nvPr/>
         </p:nvSpPr>
         <p:spPr>
           <a:xfrm>
-            <a:off x="0" y="810072"/>
-            <a:ext cx="9144000" cy="6021288"/>
+            <a:off x="970062" y="836712"/>
+            <a:ext cx="8172400" cy="6021288"/>
           </a:xfrm>
           <a:prstGeom prst="rect">
             <a:avLst/>
           </a:prstGeom>
           <a:solidFill>
-            <a:schemeClr val="tx1"/>
+            <a:schemeClr val="tx1">
+              <a:lumMod val="75000"/>
+              <a:lumOff val="25000"/>
+            </a:schemeClr>
           </a:solidFill>
         </p:spPr>
         <p:style>
@@ -5861,16 +5947,166 @@
           <a:lstStyle/>
           <a:p>
             <a:pPr algn="ctr"/>
-            <a:endParaRPr lang="pl-PL"/>
+            <a:endParaRPr lang="pl-PL" dirty="0"/>
+          </a:p>
+        </p:txBody>
+      </p:sp>
+      <p:sp>
+        <p:nvSpPr>
+          <p:cNvPr id="2" name="Rectangle 1"/>
+          <p:cNvSpPr/>
+          <p:nvPr/>
+        </p:nvSpPr>
+        <p:spPr>
+          <a:xfrm>
+            <a:off x="1979712" y="188640"/>
+            <a:ext cx="6696744" cy="492443"/>
+          </a:xfrm>
+          <a:prstGeom prst="rect">
+            <a:avLst/>
+          </a:prstGeom>
+        </p:spPr>
+        <p:txBody>
+          <a:bodyPr wrap="square">
+            <a:spAutoFit/>
+          </a:bodyPr>
+          <a:lstStyle/>
+          <a:p>
+            <a:pPr algn="ctr"/>
+            <a:r>
+              <a:rPr lang="pl-PL" sz="2600" dirty="0">
+                <a:solidFill>
+                  <a:schemeClr val="bg1"/>
+                </a:solidFill>
+                <a:latin typeface="Verdana" panose="020B0604030504040204" pitchFamily="34" charset="0"/>
+                <a:ea typeface="Verdana" panose="020B0604030504040204" pitchFamily="34" charset="0"/>
+                <a:cs typeface="Verdana" panose="020B0604030504040204" pitchFamily="34" charset="0"/>
+              </a:rPr>
+              <a:t>Podstawowe elementy aplikacji</a:t>
+            </a:r>
+          </a:p>
+        </p:txBody>
+      </p:sp>
+      <p:sp>
+        <p:nvSpPr>
+          <p:cNvPr id="3" name="pole tekstowe 2">
+            <a:extLst>
+              <a:ext uri="{FF2B5EF4-FFF2-40B4-BE49-F238E27FC236}">
+                <a16:creationId xmlns:a16="http://schemas.microsoft.com/office/drawing/2014/main" id="{DE844D0F-DE98-492A-8B73-1EA3ECEE4E84}"/>
+              </a:ext>
+            </a:extLst>
+          </p:cNvPr>
+          <p:cNvSpPr txBox="1"/>
+          <p:nvPr/>
+        </p:nvSpPr>
+        <p:spPr>
+          <a:xfrm>
+            <a:off x="1043607" y="853108"/>
+            <a:ext cx="8078689" cy="2118529"/>
+          </a:xfrm>
+          <a:prstGeom prst="rect">
+            <a:avLst/>
+          </a:prstGeom>
+          <a:noFill/>
+        </p:spPr>
+        <p:txBody>
+          <a:bodyPr wrap="square" rtlCol="0">
+            <a:spAutoFit/>
+          </a:bodyPr>
+          <a:lstStyle/>
+          <a:p>
+            <a:pPr marL="285750" indent="-285750" algn="just">
+              <a:lnSpc>
+                <a:spcPct val="150000"/>
+              </a:lnSpc>
+              <a:buFont typeface="Courier New" panose="02070309020205020404" pitchFamily="49" charset="0"/>
+              <a:buChar char="o"/>
+            </a:pPr>
+            <a:r>
+              <a:rPr lang="pl-PL" sz="1800" dirty="0">
+                <a:solidFill>
+                  <a:schemeClr val="bg1"/>
+                </a:solidFill>
+              </a:rPr>
+              <a:t>ContentProvider Class – zapewnia dostęp do danych wielu aplikacjom</a:t>
+            </a:r>
+          </a:p>
+          <a:p>
+            <a:pPr marL="285750" indent="-285750" algn="just">
+              <a:lnSpc>
+                <a:spcPct val="150000"/>
+              </a:lnSpc>
+              <a:buFont typeface="Courier New" panose="02070309020205020404" pitchFamily="49" charset="0"/>
+              <a:buChar char="o"/>
+            </a:pPr>
+            <a:r>
+              <a:rPr lang="pl-PL" sz="1800" dirty="0">
+                <a:solidFill>
+                  <a:schemeClr val="bg1"/>
+                </a:solidFill>
+              </a:rPr>
+              <a:t>Dane globalne: lista kontaktów, zdjęcia, wiadomości, filmy, email</a:t>
+            </a:r>
+          </a:p>
+          <a:p>
+            <a:pPr marL="285750" indent="-285750" algn="just">
+              <a:lnSpc>
+                <a:spcPct val="150000"/>
+              </a:lnSpc>
+              <a:buFont typeface="Courier New" panose="02070309020205020404" pitchFamily="49" charset="0"/>
+              <a:buChar char="o"/>
+            </a:pPr>
+            <a:r>
+              <a:rPr lang="pl-PL" sz="1800" dirty="0">
+                <a:solidFill>
+                  <a:schemeClr val="bg1"/>
+                </a:solidFill>
+              </a:rPr>
+              <a:t>Dane globalne są zazwyczaj przechowywane w bazie danych (SQLite)</a:t>
+            </a:r>
+          </a:p>
+          <a:p>
+            <a:pPr marL="285750" indent="-285750" algn="just">
+              <a:lnSpc>
+                <a:spcPct val="150000"/>
+              </a:lnSpc>
+              <a:buFont typeface="Courier New" panose="02070309020205020404" pitchFamily="49" charset="0"/>
+              <a:buChar char="o"/>
+            </a:pPr>
+            <a:r>
+              <a:rPr lang="pl-PL" sz="1800" dirty="0">
+                <a:solidFill>
+                  <a:schemeClr val="bg1"/>
+                </a:solidFill>
+              </a:rPr>
+              <a:t>Klasa oferuje metody innym aplikacjom: retrieve, delete, update, insert</a:t>
+            </a:r>
+          </a:p>
+          <a:p>
+            <a:pPr marL="285750" indent="-285750" algn="just">
+              <a:lnSpc>
+                <a:spcPct val="150000"/>
+              </a:lnSpc>
+              <a:buFont typeface="Courier New" panose="02070309020205020404" pitchFamily="49" charset="0"/>
+              <a:buChar char="o"/>
+            </a:pPr>
+            <a:r>
+              <a:rPr lang="pl-PL" sz="1800" dirty="0">
+                <a:solidFill>
+                  <a:schemeClr val="bg1"/>
+                </a:solidFill>
+              </a:rPr>
+              <a:t>Wrapper ukrywający właściwe dane. Dostępny interfejs. </a:t>
+            </a:r>
           </a:p>
         </p:txBody>
       </p:sp>
       <p:pic>
         <p:nvPicPr>
-          <p:cNvPr id="5" name="Obraz 4">
+          <p:cNvPr id="4" name="Obraz 3">
             <a:extLst>
               <a:ext uri="{FF2B5EF4-FFF2-40B4-BE49-F238E27FC236}">
-                <a16:creationId xmlns:a16="http://schemas.microsoft.com/office/drawing/2014/main" id="{A52137E8-9CB3-4E6E-96B7-BA7B7F3748BD}"/>
+                <a16:creationId xmlns:a16="http://schemas.microsoft.com/office/drawing/2014/main" id="{11E6C90A-F034-4A9C-876C-5C6302649F36}"/>
               </a:ext>
             </a:extLst>
           </p:cNvPr>
@@ -5887,18 +6123,57 @@
         </p:blipFill>
         <p:spPr>
           <a:xfrm>
-            <a:off x="2050734" y="836712"/>
-            <a:ext cx="5564503" cy="5721250"/>
+            <a:off x="1691680" y="2998788"/>
+            <a:ext cx="5436096" cy="3670572"/>
           </a:xfrm>
           <a:prstGeom prst="rect">
             <a:avLst/>
           </a:prstGeom>
         </p:spPr>
       </p:pic>
+      <p:sp>
+        <p:nvSpPr>
+          <p:cNvPr id="7" name="pole tekstowe 6">
+            <a:extLst>
+              <a:ext uri="{FF2B5EF4-FFF2-40B4-BE49-F238E27FC236}">
+                <a16:creationId xmlns:a16="http://schemas.microsoft.com/office/drawing/2014/main" id="{6051B3A0-7FD4-4E37-B19B-A8ABD5BB9753}"/>
+              </a:ext>
+            </a:extLst>
+          </p:cNvPr>
+          <p:cNvSpPr txBox="1"/>
+          <p:nvPr/>
+        </p:nvSpPr>
+        <p:spPr>
+          <a:xfrm>
+            <a:off x="3593639" y="6579066"/>
+            <a:ext cx="1632178" cy="276999"/>
+          </a:xfrm>
+          <a:prstGeom prst="rect">
+            <a:avLst/>
+          </a:prstGeom>
+          <a:noFill/>
+        </p:spPr>
+        <p:txBody>
+          <a:bodyPr wrap="none" rtlCol="0">
+            <a:spAutoFit/>
+          </a:bodyPr>
+          <a:lstStyle/>
+          <a:p>
+            <a:r>
+              <a:rPr lang="pl-PL" dirty="0">
+                <a:solidFill>
+                  <a:schemeClr val="bg1"/>
+                </a:solidFill>
+              </a:rPr>
+              <a:t>grail.cba.csuohio.edu</a:t>
+            </a:r>
+          </a:p>
+        </p:txBody>
+      </p:sp>
     </p:spTree>
     <p:extLst>
       <p:ext uri="{BB962C8B-B14F-4D97-AF65-F5344CB8AC3E}">
-        <p14:creationId xmlns:p14="http://schemas.microsoft.com/office/powerpoint/2010/main" val="1963388816"/>
+        <p14:creationId xmlns:p14="http://schemas.microsoft.com/office/powerpoint/2010/main" val="2862396164"/>
       </p:ext>
     </p:extLst>
   </p:cSld>
@@ -5939,62 +6214,31 @@
       </p:grpSpPr>
       <p:sp>
         <p:nvSpPr>
-          <p:cNvPr id="2" name="Rectangle 1"/>
-          <p:cNvSpPr/>
-          <p:nvPr/>
-        </p:nvSpPr>
-        <p:spPr>
-          <a:xfrm>
-            <a:off x="1979712" y="188640"/>
-            <a:ext cx="7164288" cy="492443"/>
-          </a:xfrm>
-          <a:prstGeom prst="rect">
-            <a:avLst/>
-          </a:prstGeom>
-        </p:spPr>
-        <p:txBody>
-          <a:bodyPr wrap="square">
-            <a:spAutoFit/>
-          </a:bodyPr>
-          <a:lstStyle/>
-          <a:p>
-            <a:pPr algn="ctr"/>
-            <a:r>
-              <a:rPr lang="pl-PL" sz="2600" dirty="0">
-                <a:solidFill>
-                  <a:schemeClr val="bg1"/>
-                </a:solidFill>
-                <a:latin typeface="Verdana" panose="020B0604030504040204" pitchFamily="34" charset="0"/>
-                <a:ea typeface="Verdana" panose="020B0604030504040204" pitchFamily="34" charset="0"/>
-                <a:cs typeface="Verdana" panose="020B0604030504040204" pitchFamily="34" charset="0"/>
-              </a:rPr>
-              <a:t>Cykl Życia – Trwałość Danych</a:t>
-            </a:r>
-          </a:p>
-        </p:txBody>
-      </p:sp>
-      <p:sp>
-        <p:nvSpPr>
-          <p:cNvPr id="6" name="Prostokąt 5">
+          <p:cNvPr id="4" name="Prostokąt 3">
             <a:extLst>
               <a:ext uri="{FF2B5EF4-FFF2-40B4-BE49-F238E27FC236}">
-                <a16:creationId xmlns:a16="http://schemas.microsoft.com/office/drawing/2014/main" id="{CA41B780-B57E-411C-AAD5-3D3D6912F664}"/>
+                <a16:creationId xmlns:a16="http://schemas.microsoft.com/office/drawing/2014/main" id="{E8E46518-A8BD-5E3C-4885-FA9202937164}"/>
               </a:ext>
             </a:extLst>
           </p:cNvPr>
-          <p:cNvSpPr/>
+          <p:cNvSpPr>
+            <a:spLocks/>
+          </p:cNvSpPr>
           <p:nvPr/>
         </p:nvSpPr>
         <p:spPr>
           <a:xfrm>
-            <a:off x="0" y="810072"/>
-            <a:ext cx="9144000" cy="6021288"/>
+            <a:off x="970062" y="836712"/>
+            <a:ext cx="8172400" cy="6021288"/>
           </a:xfrm>
           <a:prstGeom prst="rect">
             <a:avLst/>
           </a:prstGeom>
           <a:solidFill>
-            <a:schemeClr val="tx1"/>
+            <a:schemeClr val="tx1">
+              <a:lumMod val="75000"/>
+              <a:lumOff val="25000"/>
+            </a:schemeClr>
           </a:solidFill>
         </p:spPr>
         <p:style>
@@ -6022,10 +6266,76 @@
       </p:sp>
       <p:sp>
         <p:nvSpPr>
-          <p:cNvPr id="5" name="pole tekstowe 4">
+          <p:cNvPr id="2" name="Rectangle 1"/>
+          <p:cNvSpPr/>
+          <p:nvPr/>
+        </p:nvSpPr>
+        <p:spPr>
+          <a:xfrm>
+            <a:off x="1979712" y="188640"/>
+            <a:ext cx="6696744" cy="492443"/>
+          </a:xfrm>
+          <a:prstGeom prst="rect">
+            <a:avLst/>
+          </a:prstGeom>
+        </p:spPr>
+        <p:txBody>
+          <a:bodyPr wrap="square">
+            <a:spAutoFit/>
+          </a:bodyPr>
+          <a:lstStyle/>
+          <a:p>
+            <a:pPr algn="ctr"/>
+            <a:r>
+              <a:rPr lang="pl-PL" sz="2600" dirty="0">
+                <a:solidFill>
+                  <a:schemeClr val="bg1"/>
+                </a:solidFill>
+                <a:latin typeface="Verdana" panose="020B0604030504040204" pitchFamily="34" charset="0"/>
+                <a:ea typeface="Verdana" panose="020B0604030504040204" pitchFamily="34" charset="0"/>
+                <a:cs typeface="Verdana" panose="020B0604030504040204" pitchFamily="34" charset="0"/>
+              </a:rPr>
+              <a:t>Cykl Życia</a:t>
+            </a:r>
+          </a:p>
+        </p:txBody>
+      </p:sp>
+      <p:pic>
+        <p:nvPicPr>
+          <p:cNvPr id="5" name="Obraz 4">
             <a:extLst>
               <a:ext uri="{FF2B5EF4-FFF2-40B4-BE49-F238E27FC236}">
-                <a16:creationId xmlns:a16="http://schemas.microsoft.com/office/drawing/2014/main" id="{0A845266-1F0E-46E2-9D26-7C185BAF40CE}"/>
+                <a16:creationId xmlns:a16="http://schemas.microsoft.com/office/drawing/2014/main" id="{067E4941-91B2-4E07-BBE7-42AD77927F19}"/>
+              </a:ext>
+            </a:extLst>
+          </p:cNvPr>
+          <p:cNvPicPr>
+            <a:picLocks noChangeAspect="1"/>
+          </p:cNvPicPr>
+          <p:nvPr/>
+        </p:nvPicPr>
+        <p:blipFill>
+          <a:blip r:embed="rId4"/>
+          <a:stretch>
+            <a:fillRect/>
+          </a:stretch>
+        </p:blipFill>
+        <p:spPr>
+          <a:xfrm>
+            <a:off x="2555776" y="5108317"/>
+            <a:ext cx="5151765" cy="1743850"/>
+          </a:xfrm>
+          <a:prstGeom prst="rect">
+            <a:avLst/>
+          </a:prstGeom>
+        </p:spPr>
+      </p:pic>
+      <p:sp>
+        <p:nvSpPr>
+          <p:cNvPr id="3" name="pole tekstowe 2">
+            <a:extLst>
+              <a:ext uri="{FF2B5EF4-FFF2-40B4-BE49-F238E27FC236}">
+                <a16:creationId xmlns:a16="http://schemas.microsoft.com/office/drawing/2014/main" id="{00776F55-FCA0-4543-8855-DB6E68BE895A}"/>
               </a:ext>
             </a:extLst>
           </p:cNvPr>
@@ -6034,8 +6344,8 @@
         </p:nvSpPr>
         <p:spPr>
           <a:xfrm>
-            <a:off x="4661756" y="6554361"/>
-            <a:ext cx="4592283" cy="276999"/>
+            <a:off x="1043608" y="908720"/>
+            <a:ext cx="8064896" cy="5109091"/>
           </a:xfrm>
           <a:prstGeom prst="rect">
             <a:avLst/>
@@ -6043,165 +6353,198 @@
           <a:noFill/>
         </p:spPr>
         <p:txBody>
-          <a:bodyPr wrap="none" rtlCol="0">
+          <a:bodyPr wrap="square" rtlCol="0">
             <a:spAutoFit/>
           </a:bodyPr>
           <a:lstStyle/>
           <a:p>
-            <a:r>
-              <a:rPr lang="pl-PL" dirty="0">
-                <a:solidFill>
-                  <a:schemeClr val="bg2"/>
-                </a:solidFill>
-              </a:rPr>
-              <a:t>https://developer.android.com/reference/android/app/Activity.html</a:t>
-            </a:r>
-          </a:p>
-        </p:txBody>
-      </p:sp>
-      <p:sp>
-        <p:nvSpPr>
-          <p:cNvPr id="7" name="pole tekstowe 6">
-            <a:extLst>
-              <a:ext uri="{FF2B5EF4-FFF2-40B4-BE49-F238E27FC236}">
-                <a16:creationId xmlns:a16="http://schemas.microsoft.com/office/drawing/2014/main" id="{66974675-607F-4C5C-A079-57F7EDD6ECBD}"/>
-              </a:ext>
-            </a:extLst>
-          </p:cNvPr>
-          <p:cNvSpPr txBox="1"/>
-          <p:nvPr/>
-        </p:nvSpPr>
-        <p:spPr>
-          <a:xfrm>
-            <a:off x="0" y="1340768"/>
-            <a:ext cx="9079730" cy="3266985"/>
-          </a:xfrm>
-          <a:prstGeom prst="rect">
-            <a:avLst/>
-          </a:prstGeom>
-          <a:noFill/>
-        </p:spPr>
-        <p:txBody>
-          <a:bodyPr wrap="none" rtlCol="0">
-            <a:spAutoFit/>
-          </a:bodyPr>
-          <a:lstStyle/>
-          <a:p>
-            <a:pPr>
+            <a:pPr marL="285750" indent="-285750" algn="just">
               <a:lnSpc>
                 <a:spcPct val="150000"/>
               </a:lnSpc>
+              <a:buFont typeface="Courier New" panose="02070309020205020404" pitchFamily="49" charset="0"/>
+              <a:buChar char="o"/>
             </a:pPr>
             <a:r>
-              <a:rPr lang="pl-PL" sz="2000" dirty="0">
-                <a:solidFill>
-                  <a:schemeClr val="bg1"/>
-                </a:solidFill>
-              </a:rPr>
-              <a:t>Zmiana konfiguracji wymaga przeładowania layoutu oraz innych zasobów gdy:</a:t>
-            </a:r>
-          </a:p>
-          <a:p>
-            <a:pPr marL="171450" indent="-171450">
+              <a:rPr lang="pl-PL" sz="1800" dirty="0">
+                <a:solidFill>
+                  <a:schemeClr val="bg2"/>
+                </a:solidFill>
+              </a:rPr>
+              <a:t>Każda aplikacja Androida działa w swojej własnej instancji maszyny wirtualnej</a:t>
+            </a:r>
+          </a:p>
+          <a:p>
+            <a:pPr marL="285750" indent="-285750" algn="just">
               <a:lnSpc>
                 <a:spcPct val="150000"/>
               </a:lnSpc>
-              <a:buFont typeface="Arial" panose="020B0604020202020204" pitchFamily="34" charset="0"/>
-              <a:buChar char="•"/>
+              <a:buFont typeface="Courier New" panose="02070309020205020404" pitchFamily="49" charset="0"/>
+              <a:buChar char="o"/>
             </a:pPr>
             <a:r>
-              <a:rPr lang="pl-PL" sz="2000" dirty="0">
-                <a:solidFill>
-                  <a:schemeClr val="bg1"/>
-                </a:solidFill>
-              </a:rPr>
-              <a:t>Następuje zmiana orientacji urządzenia</a:t>
-            </a:r>
-          </a:p>
-          <a:p>
-            <a:pPr marL="171450" indent="-171450">
+              <a:rPr lang="pl-PL" sz="1800" dirty="0">
+                <a:solidFill>
+                  <a:schemeClr val="bg2"/>
+                </a:solidFill>
+              </a:rPr>
+              <a:t>W każdym momencie kilka instancji maszyny wirtualnej może być aktywna (rzeczywista równoległość – nie </a:t>
+            </a:r>
+            <a:r>
+              <a:rPr lang="pl-PL" sz="1800" i="1" dirty="0">
+                <a:solidFill>
+                  <a:schemeClr val="bg2"/>
+                </a:solidFill>
+              </a:rPr>
+              <a:t>task switching</a:t>
+            </a:r>
+            <a:r>
+              <a:rPr lang="pl-PL" sz="1800" dirty="0">
+                <a:solidFill>
+                  <a:schemeClr val="bg2"/>
+                </a:solidFill>
+              </a:rPr>
+              <a:t>)</a:t>
+            </a:r>
+          </a:p>
+          <a:p>
+            <a:pPr marL="285750" indent="-285750" algn="just">
               <a:lnSpc>
                 <a:spcPct val="150000"/>
               </a:lnSpc>
-              <a:buFont typeface="Arial" panose="020B0604020202020204" pitchFamily="34" charset="0"/>
-              <a:buChar char="•"/>
+              <a:buFont typeface="Courier New" panose="02070309020205020404" pitchFamily="49" charset="0"/>
+              <a:buChar char="o"/>
             </a:pPr>
             <a:r>
-              <a:rPr lang="pl-PL" sz="2000" dirty="0">
-                <a:solidFill>
-                  <a:schemeClr val="bg1"/>
-                </a:solidFill>
-              </a:rPr>
-              <a:t>Zostaje zmieniony język</a:t>
-            </a:r>
-          </a:p>
-          <a:p>
-            <a:pPr>
+              <a:rPr lang="pl-PL" sz="1800" dirty="0">
+                <a:solidFill>
+                  <a:schemeClr val="bg2"/>
+                </a:solidFill>
+              </a:rPr>
+              <a:t>Aplikacja Androida nie kontroluje całkowicie realizacji swojego cyklu życia</a:t>
+            </a:r>
+          </a:p>
+          <a:p>
+            <a:pPr marL="285750" indent="-285750" algn="just">
               <a:lnSpc>
                 <a:spcPct val="150000"/>
               </a:lnSpc>
+              <a:buFont typeface="Courier New" panose="02070309020205020404" pitchFamily="49" charset="0"/>
+              <a:buChar char="o"/>
             </a:pPr>
-            <a:endParaRPr lang="pl-PL" sz="2000" dirty="0">
+            <a:endParaRPr lang="pl-PL" sz="1800" dirty="0">
               <a:solidFill>
-                <a:schemeClr val="bg1"/>
+                <a:schemeClr val="bg2"/>
               </a:solidFill>
             </a:endParaRPr>
           </a:p>
           <a:p>
-            <a:pPr>
+            <a:pPr marL="285750" indent="-285750" algn="just">
               <a:lnSpc>
                 <a:spcPct val="150000"/>
               </a:lnSpc>
+              <a:buFont typeface="Courier New" panose="02070309020205020404" pitchFamily="49" charset="0"/>
+              <a:buChar char="o"/>
             </a:pPr>
             <a:r>
-              <a:rPr lang="pl-PL" sz="2000" dirty="0">
-                <a:solidFill>
-                  <a:schemeClr val="bg1"/>
-                </a:solidFill>
-              </a:rPr>
-              <a:t>Przy zmianie konfiguracji Android:</a:t>
-            </a:r>
-          </a:p>
-          <a:p>
-            <a:pPr marL="342900" indent="-342900">
+              <a:rPr lang="pl-PL" sz="1800" dirty="0">
+                <a:solidFill>
+                  <a:schemeClr val="bg2"/>
+                </a:solidFill>
+              </a:rPr>
+              <a:t>OS może zakończyć każdy proces</a:t>
+            </a:r>
+          </a:p>
+          <a:p>
+            <a:pPr marL="742950" lvl="1" indent="-285750" algn="just">
               <a:lnSpc>
                 <a:spcPct val="150000"/>
               </a:lnSpc>
+              <a:buFont typeface="Courier New" panose="02070309020205020404" pitchFamily="49" charset="0"/>
+              <a:buChar char="o"/>
+            </a:pPr>
+            <a:r>
+              <a:rPr lang="pl-PL" sz="1800" dirty="0">
+                <a:solidFill>
+                  <a:schemeClr val="bg2"/>
+                </a:solidFill>
+              </a:rPr>
+              <a:t>Zasoby są krytycznie niskie</a:t>
+            </a:r>
+          </a:p>
+          <a:p>
+            <a:pPr marL="742950" lvl="1" indent="-285750" algn="just">
+              <a:lnSpc>
+                <a:spcPct val="150000"/>
+              </a:lnSpc>
+              <a:buFont typeface="Courier New" panose="02070309020205020404" pitchFamily="49" charset="0"/>
+              <a:buChar char="o"/>
+            </a:pPr>
+            <a:r>
+              <a:rPr lang="pl-PL" sz="1800" dirty="0">
+                <a:solidFill>
+                  <a:schemeClr val="bg2"/>
+                </a:solidFill>
+              </a:rPr>
+              <a:t>Duża liczba działających aplikacji</a:t>
+            </a:r>
+          </a:p>
+          <a:p>
+            <a:pPr marL="742950" lvl="1" indent="-285750" algn="just">
+              <a:lnSpc>
+                <a:spcPct val="150000"/>
+              </a:lnSpc>
+              <a:buFont typeface="Courier New" panose="02070309020205020404" pitchFamily="49" charset="0"/>
+              <a:buChar char="o"/>
+            </a:pPr>
+            <a:r>
+              <a:rPr lang="pl-PL" sz="1800" dirty="0">
+                <a:solidFill>
+                  <a:schemeClr val="bg2"/>
+                </a:solidFill>
+              </a:rPr>
+              <a:t>Aplikacja wymagająca bardzo dużych zasobów (energia, pamięć)</a:t>
+            </a:r>
+          </a:p>
+          <a:p>
+            <a:pPr marL="742950" lvl="1" indent="-285750" algn="just">
+              <a:lnSpc>
+                <a:spcPct val="150000"/>
+              </a:lnSpc>
+              <a:buFont typeface="Courier New" panose="02070309020205020404" pitchFamily="49" charset="0"/>
+              <a:buChar char="o"/>
+            </a:pPr>
+            <a:endParaRPr lang="pl-PL" sz="1600" dirty="0">
+              <a:solidFill>
+                <a:schemeClr val="bg2"/>
+              </a:solidFill>
+            </a:endParaRPr>
+          </a:p>
+          <a:p>
+            <a:pPr marL="342900" indent="-342900" algn="just">
               <a:buFont typeface="+mj-lt"/>
               <a:buAutoNum type="arabicPeriod"/>
             </a:pPr>
-            <a:r>
-              <a:rPr lang="pl-PL" sz="2000" dirty="0">
-                <a:solidFill>
-                  <a:schemeClr val="bg1"/>
-                </a:solidFill>
-              </a:rPr>
-              <a:t>Wyłącza aktywność – onPause(), onStop(), onDestroy()</a:t>
-            </a:r>
-          </a:p>
-          <a:p>
-            <a:pPr marL="342900" indent="-342900">
-              <a:lnSpc>
-                <a:spcPct val="150000"/>
-              </a:lnSpc>
-              <a:buFont typeface="+mj-lt"/>
-              <a:buAutoNum type="arabicPeriod"/>
-            </a:pPr>
-            <a:r>
-              <a:rPr lang="pl-PL" sz="2000" dirty="0">
-                <a:solidFill>
-                  <a:schemeClr val="bg1"/>
-                </a:solidFill>
-              </a:rPr>
-              <a:t>Startuje nową instancję aktywności – onCreate(), onStart(), onResume()</a:t>
-            </a:r>
+            <a:endParaRPr lang="pl-PL" sz="1600" dirty="0">
+              <a:solidFill>
+                <a:schemeClr val="bg2"/>
+              </a:solidFill>
+            </a:endParaRPr>
+          </a:p>
+          <a:p>
+            <a:pPr algn="just"/>
+            <a:endParaRPr lang="pl-PL" sz="1600" dirty="0">
+              <a:solidFill>
+                <a:schemeClr val="bg2"/>
+              </a:solidFill>
+            </a:endParaRPr>
           </a:p>
         </p:txBody>
       </p:sp>
     </p:spTree>
     <p:extLst>
       <p:ext uri="{BB962C8B-B14F-4D97-AF65-F5344CB8AC3E}">
-        <p14:creationId xmlns:p14="http://schemas.microsoft.com/office/powerpoint/2010/main" val="3026884181"/>
+        <p14:creationId xmlns:p14="http://schemas.microsoft.com/office/powerpoint/2010/main" val="583584318"/>
       </p:ext>
     </p:extLst>
   </p:cSld>
@@ -6242,62 +6585,31 @@
       </p:grpSpPr>
       <p:sp>
         <p:nvSpPr>
-          <p:cNvPr id="2" name="Rectangle 1"/>
-          <p:cNvSpPr/>
-          <p:nvPr/>
-        </p:nvSpPr>
-        <p:spPr>
-          <a:xfrm>
-            <a:off x="1979712" y="188640"/>
-            <a:ext cx="7164288" cy="492443"/>
-          </a:xfrm>
-          <a:prstGeom prst="rect">
-            <a:avLst/>
-          </a:prstGeom>
-        </p:spPr>
-        <p:txBody>
-          <a:bodyPr wrap="square">
-            <a:spAutoFit/>
-          </a:bodyPr>
-          <a:lstStyle/>
-          <a:p>
-            <a:pPr algn="ctr"/>
-            <a:r>
-              <a:rPr lang="pl-PL" sz="2600" dirty="0">
-                <a:solidFill>
-                  <a:schemeClr val="bg1"/>
-                </a:solidFill>
-                <a:latin typeface="Verdana" panose="020B0604030504040204" pitchFamily="34" charset="0"/>
-                <a:ea typeface="Verdana" panose="020B0604030504040204" pitchFamily="34" charset="0"/>
-                <a:cs typeface="Verdana" panose="020B0604030504040204" pitchFamily="34" charset="0"/>
-              </a:rPr>
-              <a:t>Cykl Życia – Trwałość Danych</a:t>
-            </a:r>
-          </a:p>
-        </p:txBody>
-      </p:sp>
-      <p:sp>
-        <p:nvSpPr>
-          <p:cNvPr id="6" name="Prostokąt 5">
+          <p:cNvPr id="4" name="Prostokąt 3">
             <a:extLst>
               <a:ext uri="{FF2B5EF4-FFF2-40B4-BE49-F238E27FC236}">
-                <a16:creationId xmlns:a16="http://schemas.microsoft.com/office/drawing/2014/main" id="{CA41B780-B57E-411C-AAD5-3D3D6912F664}"/>
+                <a16:creationId xmlns:a16="http://schemas.microsoft.com/office/drawing/2014/main" id="{E8E46518-A8BD-5E3C-4885-FA9202937164}"/>
               </a:ext>
             </a:extLst>
           </p:cNvPr>
-          <p:cNvSpPr/>
+          <p:cNvSpPr>
+            <a:spLocks/>
+          </p:cNvSpPr>
           <p:nvPr/>
         </p:nvSpPr>
         <p:spPr>
           <a:xfrm>
-            <a:off x="0" y="810072"/>
-            <a:ext cx="9144000" cy="6021288"/>
+            <a:off x="970062" y="836712"/>
+            <a:ext cx="8172400" cy="6021288"/>
           </a:xfrm>
           <a:prstGeom prst="rect">
             <a:avLst/>
           </a:prstGeom>
           <a:solidFill>
-            <a:schemeClr val="tx1"/>
+            <a:schemeClr val="tx1">
+              <a:lumMod val="75000"/>
+              <a:lumOff val="25000"/>
+            </a:schemeClr>
           </a:solidFill>
         </p:spPr>
         <p:style>
@@ -6319,235 +6631,97 @@
           <a:lstStyle/>
           <a:p>
             <a:pPr algn="ctr"/>
-            <a:endParaRPr lang="pl-PL"/>
-          </a:p>
-        </p:txBody>
-      </p:sp>
-      <p:sp>
-        <p:nvSpPr>
-          <p:cNvPr id="5" name="pole tekstowe 4">
+            <a:endParaRPr lang="pl-PL" dirty="0"/>
+          </a:p>
+        </p:txBody>
+      </p:sp>
+      <p:sp>
+        <p:nvSpPr>
+          <p:cNvPr id="2" name="Rectangle 1"/>
+          <p:cNvSpPr/>
+          <p:nvPr/>
+        </p:nvSpPr>
+        <p:spPr>
+          <a:xfrm>
+            <a:off x="1979712" y="188640"/>
+            <a:ext cx="6696744" cy="492443"/>
+          </a:xfrm>
+          <a:prstGeom prst="rect">
+            <a:avLst/>
+          </a:prstGeom>
+        </p:spPr>
+        <p:txBody>
+          <a:bodyPr wrap="square">
+            <a:spAutoFit/>
+          </a:bodyPr>
+          <a:lstStyle/>
+          <a:p>
+            <a:pPr algn="ctr"/>
+            <a:r>
+              <a:rPr lang="pl-PL" sz="2600" dirty="0">
+                <a:solidFill>
+                  <a:schemeClr val="bg1"/>
+                </a:solidFill>
+                <a:latin typeface="Verdana" panose="020B0604030504040204" pitchFamily="34" charset="0"/>
+                <a:ea typeface="Verdana" panose="020B0604030504040204" pitchFamily="34" charset="0"/>
+                <a:cs typeface="Verdana" panose="020B0604030504040204" pitchFamily="34" charset="0"/>
+              </a:rPr>
+              <a:t>Cykl Życia</a:t>
+            </a:r>
+          </a:p>
+        </p:txBody>
+      </p:sp>
+      <p:pic>
+        <p:nvPicPr>
+          <p:cNvPr id="1026" name="Picture 2" descr="Shipping your Android SDK anytime on live devices | Akshay Deo">
             <a:extLst>
               <a:ext uri="{FF2B5EF4-FFF2-40B4-BE49-F238E27FC236}">
-                <a16:creationId xmlns:a16="http://schemas.microsoft.com/office/drawing/2014/main" id="{0A845266-1F0E-46E2-9D26-7C185BAF40CE}"/>
+                <a16:creationId xmlns:a16="http://schemas.microsoft.com/office/drawing/2014/main" id="{8B67532A-F761-71AE-6C5F-2E83F927502C}"/>
               </a:ext>
             </a:extLst>
           </p:cNvPr>
-          <p:cNvSpPr txBox="1"/>
+          <p:cNvPicPr>
+            <a:picLocks noChangeAspect="1" noChangeArrowheads="1"/>
+          </p:cNvPicPr>
           <p:nvPr/>
-        </p:nvSpPr>
-        <p:spPr>
+        </p:nvPicPr>
+        <p:blipFill>
+          <a:blip r:embed="rId4">
+            <a:extLst>
+              <a:ext uri="{28A0092B-C50C-407E-A947-70E740481C1C}">
+                <a14:useLocalDpi xmlns:a14="http://schemas.microsoft.com/office/drawing/2010/main" val="0"/>
+              </a:ext>
+            </a:extLst>
+          </a:blip>
+          <a:srcRect/>
+          <a:stretch>
+            <a:fillRect/>
+          </a:stretch>
+        </p:blipFill>
+        <p:spPr bwMode="auto">
           <a:xfrm>
-            <a:off x="4661756" y="6554361"/>
-            <a:ext cx="4592283" cy="276999"/>
+            <a:off x="1187624" y="1052736"/>
+            <a:ext cx="8003836" cy="5472608"/>
           </a:xfrm>
           <a:prstGeom prst="rect">
             <a:avLst/>
           </a:prstGeom>
           <a:noFill/>
+          <a:extLst>
+            <a:ext uri="{909E8E84-426E-40DD-AFC4-6F175D3DCCD1}">
+              <a14:hiddenFill xmlns:a14="http://schemas.microsoft.com/office/drawing/2010/main">
+                <a:solidFill>
+                  <a:srgbClr val="FFFFFF"/>
+                </a:solidFill>
+              </a14:hiddenFill>
+            </a:ext>
+          </a:extLst>
         </p:spPr>
-        <p:txBody>
-          <a:bodyPr wrap="none" rtlCol="0">
-            <a:spAutoFit/>
-          </a:bodyPr>
-          <a:lstStyle/>
-          <a:p>
-            <a:r>
-              <a:rPr lang="pl-PL" dirty="0">
-                <a:solidFill>
-                  <a:schemeClr val="bg2"/>
-                </a:solidFill>
-              </a:rPr>
-              <a:t>https://developer.android.com/reference/android/app/Activity.html</a:t>
-            </a:r>
-          </a:p>
-        </p:txBody>
-      </p:sp>
-      <p:sp>
-        <p:nvSpPr>
-          <p:cNvPr id="7" name="pole tekstowe 6">
-            <a:extLst>
-              <a:ext uri="{FF2B5EF4-FFF2-40B4-BE49-F238E27FC236}">
-                <a16:creationId xmlns:a16="http://schemas.microsoft.com/office/drawing/2014/main" id="{41165D91-6AF7-4776-816D-7B79D4D5A3CD}"/>
-              </a:ext>
-            </a:extLst>
-          </p:cNvPr>
-          <p:cNvSpPr txBox="1"/>
-          <p:nvPr/>
-        </p:nvSpPr>
-        <p:spPr>
-          <a:xfrm>
-            <a:off x="89756" y="2022140"/>
-            <a:ext cx="8964488" cy="2813719"/>
-          </a:xfrm>
-          <a:prstGeom prst="rect">
-            <a:avLst/>
-          </a:prstGeom>
-          <a:noFill/>
-        </p:spPr>
-        <p:txBody>
-          <a:bodyPr wrap="square" rtlCol="0">
-            <a:spAutoFit/>
-          </a:bodyPr>
-          <a:lstStyle/>
-          <a:p>
-            <a:pPr algn="ctr">
-              <a:lnSpc>
-                <a:spcPct val="150000"/>
-              </a:lnSpc>
-            </a:pPr>
-            <a:r>
-              <a:rPr lang="pl-PL" sz="2000" dirty="0">
-                <a:solidFill>
-                  <a:schemeClr val="bg2"/>
-                </a:solidFill>
-              </a:rPr>
-              <a:t>Bundle Class</a:t>
-            </a:r>
-          </a:p>
-          <a:p>
-            <a:pPr marL="342900" indent="-342900">
-              <a:lnSpc>
-                <a:spcPct val="150000"/>
-              </a:lnSpc>
-              <a:buFont typeface="Courier New" panose="02070309020205020404" pitchFamily="49" charset="0"/>
-              <a:buChar char="o"/>
-            </a:pPr>
-            <a:r>
-              <a:rPr lang="pl-PL" sz="2000" dirty="0">
-                <a:solidFill>
-                  <a:schemeClr val="bg2"/>
-                </a:solidFill>
-                <a:latin typeface="Arial" panose="020B0604020202020204" pitchFamily="34" charset="0"/>
-                <a:ea typeface="Source Code Pro" panose="020B0509030403020204" pitchFamily="49" charset="0"/>
-                <a:cs typeface="Arial" panose="020B0604020202020204" pitchFamily="34" charset="0"/>
-              </a:rPr>
-              <a:t>Można zapisać nawet cały obiekt</a:t>
-            </a:r>
-          </a:p>
-          <a:p>
-            <a:pPr marL="342900" indent="-342900">
-              <a:lnSpc>
-                <a:spcPct val="150000"/>
-              </a:lnSpc>
-              <a:buFont typeface="Courier New" panose="02070309020205020404" pitchFamily="49" charset="0"/>
-              <a:buChar char="o"/>
-            </a:pPr>
-            <a:r>
-              <a:rPr lang="pl-PL" sz="2000" dirty="0">
-                <a:solidFill>
-                  <a:schemeClr val="bg2"/>
-                </a:solidFill>
-                <a:latin typeface="Arial" panose="020B0604020202020204" pitchFamily="34" charset="0"/>
-                <a:ea typeface="Source Code Pro" panose="020B0509030403020204" pitchFamily="49" charset="0"/>
-                <a:cs typeface="Arial" panose="020B0604020202020204" pitchFamily="34" charset="0"/>
-              </a:rPr>
-              <a:t>Klasa musi implementować interfejs </a:t>
-            </a:r>
-            <a:r>
-              <a:rPr lang="pl-PL" sz="2000" dirty="0">
-                <a:solidFill>
-                  <a:schemeClr val="bg2"/>
-                </a:solidFill>
-                <a:latin typeface="Source Code Pro" panose="020B0509030403020204" pitchFamily="49" charset="0"/>
-                <a:ea typeface="Source Code Pro" panose="020B0509030403020204" pitchFamily="49" charset="0"/>
-                <a:cs typeface="Arial" panose="020B0604020202020204" pitchFamily="34" charset="0"/>
-              </a:rPr>
-              <a:t>Parcelable</a:t>
-            </a:r>
-            <a:endParaRPr lang="pl-PL" sz="2000" dirty="0">
-              <a:solidFill>
-                <a:schemeClr val="bg2"/>
-              </a:solidFill>
-              <a:latin typeface="Arial" panose="020B0604020202020204" pitchFamily="34" charset="0"/>
-              <a:ea typeface="Source Code Pro" panose="020B0509030403020204" pitchFamily="49" charset="0"/>
-              <a:cs typeface="Arial" panose="020B0604020202020204" pitchFamily="34" charset="0"/>
-            </a:endParaRPr>
-          </a:p>
-          <a:p>
-            <a:pPr marL="800100" lvl="1" indent="-342900">
-              <a:lnSpc>
-                <a:spcPct val="150000"/>
-              </a:lnSpc>
-              <a:buFont typeface="Courier New" panose="02070309020205020404" pitchFamily="49" charset="0"/>
-              <a:buChar char="o"/>
-            </a:pPr>
-            <a:r>
-              <a:rPr lang="pl-PL" sz="2000" dirty="0">
-                <a:solidFill>
-                  <a:schemeClr val="bg2"/>
-                </a:solidFill>
-                <a:latin typeface="Arial" panose="020B0604020202020204" pitchFamily="34" charset="0"/>
-                <a:ea typeface="Source Code Pro" panose="020B0509030403020204" pitchFamily="49" charset="0"/>
-                <a:cs typeface="Arial" panose="020B0604020202020204" pitchFamily="34" charset="0"/>
-              </a:rPr>
-              <a:t>Konstruktor przyjmuje obiekt typu </a:t>
-            </a:r>
-            <a:r>
-              <a:rPr lang="pl-PL" sz="2000" dirty="0">
-                <a:solidFill>
-                  <a:schemeClr val="bg2"/>
-                </a:solidFill>
-                <a:latin typeface="Source Code Pro" panose="020B0509030403020204" pitchFamily="49" charset="0"/>
-                <a:ea typeface="Source Code Pro" panose="020B0509030403020204" pitchFamily="49" charset="0"/>
-                <a:cs typeface="Arial" panose="020B0604020202020204" pitchFamily="34" charset="0"/>
-              </a:rPr>
-              <a:t>Parcel</a:t>
-            </a:r>
-            <a:endParaRPr lang="pl-PL" sz="2000" dirty="0">
-              <a:solidFill>
-                <a:schemeClr val="bg2"/>
-              </a:solidFill>
-              <a:latin typeface="Arial" panose="020B0604020202020204" pitchFamily="34" charset="0"/>
-              <a:ea typeface="Source Code Pro" panose="020B0509030403020204" pitchFamily="49" charset="0"/>
-              <a:cs typeface="Arial" panose="020B0604020202020204" pitchFamily="34" charset="0"/>
-            </a:endParaRPr>
-          </a:p>
-          <a:p>
-            <a:pPr marL="800100" lvl="1" indent="-342900">
-              <a:lnSpc>
-                <a:spcPct val="150000"/>
-              </a:lnSpc>
-              <a:buFont typeface="Courier New" panose="02070309020205020404" pitchFamily="49" charset="0"/>
-              <a:buChar char="o"/>
-            </a:pPr>
-            <a:r>
-              <a:rPr lang="pl-PL" sz="2000" dirty="0">
-                <a:solidFill>
-                  <a:schemeClr val="bg2"/>
-                </a:solidFill>
-                <a:latin typeface="Source Code Pro" panose="020B0509030403020204" pitchFamily="49" charset="0"/>
-                <a:ea typeface="Source Code Pro" panose="020B0509030403020204" pitchFamily="49" charset="0"/>
-                <a:cs typeface="Arial" panose="020B0604020202020204" pitchFamily="34" charset="0"/>
-              </a:rPr>
-              <a:t>writeToParcel(Parcel dest, int flags)</a:t>
-            </a:r>
-          </a:p>
-          <a:p>
-            <a:pPr marL="800100" lvl="1" indent="-342900">
-              <a:lnSpc>
-                <a:spcPct val="150000"/>
-              </a:lnSpc>
-              <a:buFont typeface="Courier New" panose="02070309020205020404" pitchFamily="49" charset="0"/>
-              <a:buChar char="o"/>
-            </a:pPr>
-            <a:r>
-              <a:rPr lang="pl-PL" sz="2000" dirty="0">
-                <a:solidFill>
-                  <a:schemeClr val="bg2"/>
-                </a:solidFill>
-                <a:latin typeface="Source Code Pro" panose="020B0509030403020204" pitchFamily="49" charset="0"/>
-                <a:ea typeface="Source Code Pro" panose="020B0509030403020204" pitchFamily="49" charset="0"/>
-                <a:cs typeface="Arial" panose="020B0604020202020204" pitchFamily="34" charset="0"/>
-              </a:rPr>
-              <a:t>Parcelable.Creator</a:t>
-            </a:r>
-          </a:p>
-        </p:txBody>
-      </p:sp>
+      </p:pic>
     </p:spTree>
     <p:extLst>
       <p:ext uri="{BB962C8B-B14F-4D97-AF65-F5344CB8AC3E}">
-        <p14:creationId xmlns:p14="http://schemas.microsoft.com/office/powerpoint/2010/main" val="3372845237"/>
+        <p14:creationId xmlns:p14="http://schemas.microsoft.com/office/powerpoint/2010/main" val="1136291395"/>
       </p:ext>
     </p:extLst>
   </p:cSld>
@@ -6588,62 +6762,31 @@
       </p:grpSpPr>
       <p:sp>
         <p:nvSpPr>
-          <p:cNvPr id="2" name="Rectangle 1"/>
-          <p:cNvSpPr/>
-          <p:nvPr/>
-        </p:nvSpPr>
-        <p:spPr>
-          <a:xfrm>
-            <a:off x="1979712" y="188640"/>
-            <a:ext cx="7164288" cy="492443"/>
-          </a:xfrm>
-          <a:prstGeom prst="rect">
-            <a:avLst/>
-          </a:prstGeom>
-        </p:spPr>
-        <p:txBody>
-          <a:bodyPr wrap="square">
-            <a:spAutoFit/>
-          </a:bodyPr>
-          <a:lstStyle/>
-          <a:p>
-            <a:pPr algn="ctr"/>
-            <a:r>
-              <a:rPr lang="pl-PL" sz="2600" dirty="0">
-                <a:solidFill>
-                  <a:schemeClr val="bg1"/>
-                </a:solidFill>
-                <a:latin typeface="Verdana" panose="020B0604030504040204" pitchFamily="34" charset="0"/>
-                <a:ea typeface="Verdana" panose="020B0604030504040204" pitchFamily="34" charset="0"/>
-                <a:cs typeface="Verdana" panose="020B0604030504040204" pitchFamily="34" charset="0"/>
-              </a:rPr>
-              <a:t>Cykl Życia – Trwałość Danych</a:t>
-            </a:r>
-          </a:p>
-        </p:txBody>
-      </p:sp>
-      <p:sp>
-        <p:nvSpPr>
-          <p:cNvPr id="6" name="Prostokąt 5">
+          <p:cNvPr id="3" name="Prostokąt 2">
             <a:extLst>
               <a:ext uri="{FF2B5EF4-FFF2-40B4-BE49-F238E27FC236}">
-                <a16:creationId xmlns:a16="http://schemas.microsoft.com/office/drawing/2014/main" id="{CA41B780-B57E-411C-AAD5-3D3D6912F664}"/>
+                <a16:creationId xmlns:a16="http://schemas.microsoft.com/office/drawing/2014/main" id="{CF39EE2F-C6A2-8B79-6AD8-811DFAE1B712}"/>
               </a:ext>
             </a:extLst>
           </p:cNvPr>
-          <p:cNvSpPr/>
+          <p:cNvSpPr>
+            <a:spLocks/>
+          </p:cNvSpPr>
           <p:nvPr/>
         </p:nvSpPr>
         <p:spPr>
           <a:xfrm>
-            <a:off x="0" y="810072"/>
-            <a:ext cx="9144000" cy="6021288"/>
+            <a:off x="970062" y="836712"/>
+            <a:ext cx="8172400" cy="6021288"/>
           </a:xfrm>
           <a:prstGeom prst="rect">
             <a:avLst/>
           </a:prstGeom>
           <a:solidFill>
-            <a:schemeClr val="tx1"/>
+            <a:schemeClr val="tx1">
+              <a:lumMod val="75000"/>
+              <a:lumOff val="25000"/>
+            </a:schemeClr>
           </a:solidFill>
         </p:spPr>
         <p:style>
@@ -6665,16 +6808,52 @@
           <a:lstStyle/>
           <a:p>
             <a:pPr algn="ctr"/>
-            <a:endParaRPr lang="pl-PL"/>
+            <a:endParaRPr lang="pl-PL" dirty="0"/>
+          </a:p>
+        </p:txBody>
+      </p:sp>
+      <p:sp>
+        <p:nvSpPr>
+          <p:cNvPr id="2" name="Rectangle 1"/>
+          <p:cNvSpPr/>
+          <p:nvPr/>
+        </p:nvSpPr>
+        <p:spPr>
+          <a:xfrm>
+            <a:off x="1979712" y="188640"/>
+            <a:ext cx="6696744" cy="492443"/>
+          </a:xfrm>
+          <a:prstGeom prst="rect">
+            <a:avLst/>
+          </a:prstGeom>
+        </p:spPr>
+        <p:txBody>
+          <a:bodyPr wrap="square">
+            <a:spAutoFit/>
+          </a:bodyPr>
+          <a:lstStyle/>
+          <a:p>
+            <a:pPr algn="ctr"/>
+            <a:r>
+              <a:rPr lang="pl-PL" sz="2600" dirty="0">
+                <a:solidFill>
+                  <a:schemeClr val="bg1"/>
+                </a:solidFill>
+                <a:latin typeface="Verdana" panose="020B0604030504040204" pitchFamily="34" charset="0"/>
+                <a:ea typeface="Verdana" panose="020B0604030504040204" pitchFamily="34" charset="0"/>
+                <a:cs typeface="Verdana" panose="020B0604030504040204" pitchFamily="34" charset="0"/>
+              </a:rPr>
+              <a:t>Cykl Życia</a:t>
+            </a:r>
           </a:p>
         </p:txBody>
       </p:sp>
       <p:pic>
         <p:nvPicPr>
-          <p:cNvPr id="7" name="Obraz 6">
+          <p:cNvPr id="5" name="Obraz 4">
             <a:extLst>
               <a:ext uri="{FF2B5EF4-FFF2-40B4-BE49-F238E27FC236}">
-                <a16:creationId xmlns:a16="http://schemas.microsoft.com/office/drawing/2014/main" id="{E6D3A63E-431C-4DBE-AB98-8C6C9886C9B2}"/>
+                <a16:creationId xmlns:a16="http://schemas.microsoft.com/office/drawing/2014/main" id="{A52137E8-9CB3-4E6E-96B7-BA7B7F3748BD}"/>
               </a:ext>
             </a:extLst>
           </p:cNvPr>
@@ -6691,87 +6870,18 @@
         </p:blipFill>
         <p:spPr>
           <a:xfrm>
-            <a:off x="61218" y="792901"/>
-            <a:ext cx="8791575" cy="3448050"/>
+            <a:off x="2123728" y="986731"/>
+            <a:ext cx="5564503" cy="5721250"/>
           </a:xfrm>
           <a:prstGeom prst="rect">
             <a:avLst/>
           </a:prstGeom>
         </p:spPr>
       </p:pic>
-      <p:pic>
-        <p:nvPicPr>
-          <p:cNvPr id="8" name="Obraz 7">
-            <a:extLst>
-              <a:ext uri="{FF2B5EF4-FFF2-40B4-BE49-F238E27FC236}">
-                <a16:creationId xmlns:a16="http://schemas.microsoft.com/office/drawing/2014/main" id="{905398CA-D327-4313-857C-07B183320485}"/>
-              </a:ext>
-            </a:extLst>
-          </p:cNvPr>
-          <p:cNvPicPr>
-            <a:picLocks noChangeAspect="1"/>
-          </p:cNvPicPr>
-          <p:nvPr/>
-        </p:nvPicPr>
-        <p:blipFill>
-          <a:blip r:embed="rId5"/>
-          <a:stretch>
-            <a:fillRect/>
-          </a:stretch>
-        </p:blipFill>
-        <p:spPr>
-          <a:xfrm>
-            <a:off x="486594" y="3860917"/>
-            <a:ext cx="8170812" cy="2808442"/>
-          </a:xfrm>
-          <a:prstGeom prst="rect">
-            <a:avLst/>
-          </a:prstGeom>
-        </p:spPr>
-      </p:pic>
-      <p:sp>
-        <p:nvSpPr>
-          <p:cNvPr id="5" name="pole tekstowe 4">
-            <a:extLst>
-              <a:ext uri="{FF2B5EF4-FFF2-40B4-BE49-F238E27FC236}">
-                <a16:creationId xmlns:a16="http://schemas.microsoft.com/office/drawing/2014/main" id="{0A845266-1F0E-46E2-9D26-7C185BAF40CE}"/>
-              </a:ext>
-            </a:extLst>
-          </p:cNvPr>
-          <p:cNvSpPr txBox="1"/>
-          <p:nvPr/>
-        </p:nvSpPr>
-        <p:spPr>
-          <a:xfrm>
-            <a:off x="6939692" y="6530860"/>
-            <a:ext cx="2240870" cy="276999"/>
-          </a:xfrm>
-          <a:prstGeom prst="rect">
-            <a:avLst/>
-          </a:prstGeom>
-          <a:noFill/>
-        </p:spPr>
-        <p:txBody>
-          <a:bodyPr wrap="none" rtlCol="0">
-            <a:spAutoFit/>
-          </a:bodyPr>
-          <a:lstStyle/>
-          <a:p>
-            <a:r>
-              <a:rPr lang="pl-PL" dirty="0">
-                <a:solidFill>
-                  <a:schemeClr val="bg2"/>
-                </a:solidFill>
-              </a:rPr>
-              <a:t>https://developer.android.com</a:t>
-            </a:r>
-          </a:p>
-        </p:txBody>
-      </p:sp>
     </p:spTree>
     <p:extLst>
       <p:ext uri="{BB962C8B-B14F-4D97-AF65-F5344CB8AC3E}">
-        <p14:creationId xmlns:p14="http://schemas.microsoft.com/office/powerpoint/2010/main" val="3152115575"/>
+        <p14:creationId xmlns:p14="http://schemas.microsoft.com/office/powerpoint/2010/main" val="1963388816"/>
       </p:ext>
     </p:extLst>
   </p:cSld>
@@ -6812,62 +6922,31 @@
       </p:grpSpPr>
       <p:sp>
         <p:nvSpPr>
-          <p:cNvPr id="2" name="Rectangle 1"/>
-          <p:cNvSpPr/>
-          <p:nvPr/>
-        </p:nvSpPr>
-        <p:spPr>
-          <a:xfrm>
-            <a:off x="1979712" y="188640"/>
-            <a:ext cx="7164288" cy="492443"/>
-          </a:xfrm>
-          <a:prstGeom prst="rect">
-            <a:avLst/>
-          </a:prstGeom>
-        </p:spPr>
-        <p:txBody>
-          <a:bodyPr wrap="square">
-            <a:spAutoFit/>
-          </a:bodyPr>
-          <a:lstStyle/>
-          <a:p>
-            <a:pPr algn="ctr"/>
-            <a:r>
-              <a:rPr lang="pl-PL" sz="2600" dirty="0">
-                <a:solidFill>
-                  <a:schemeClr val="bg1"/>
-                </a:solidFill>
-                <a:latin typeface="Verdana" panose="020B0604030504040204" pitchFamily="34" charset="0"/>
-                <a:ea typeface="Verdana" panose="020B0604030504040204" pitchFamily="34" charset="0"/>
-                <a:cs typeface="Verdana" panose="020B0604030504040204" pitchFamily="34" charset="0"/>
-              </a:rPr>
-              <a:t>Cykl Życia – Trwałość Danych</a:t>
-            </a:r>
-          </a:p>
-        </p:txBody>
-      </p:sp>
-      <p:sp>
-        <p:nvSpPr>
-          <p:cNvPr id="6" name="Prostokąt 5">
+          <p:cNvPr id="3" name="Prostokąt 2">
             <a:extLst>
               <a:ext uri="{FF2B5EF4-FFF2-40B4-BE49-F238E27FC236}">
-                <a16:creationId xmlns:a16="http://schemas.microsoft.com/office/drawing/2014/main" id="{CA41B780-B57E-411C-AAD5-3D3D6912F664}"/>
+                <a16:creationId xmlns:a16="http://schemas.microsoft.com/office/drawing/2014/main" id="{CF39EE2F-C6A2-8B79-6AD8-811DFAE1B712}"/>
               </a:ext>
             </a:extLst>
           </p:cNvPr>
-          <p:cNvSpPr/>
+          <p:cNvSpPr>
+            <a:spLocks/>
+          </p:cNvSpPr>
           <p:nvPr/>
         </p:nvSpPr>
         <p:spPr>
           <a:xfrm>
-            <a:off x="0" y="810072"/>
-            <a:ext cx="9144000" cy="6021288"/>
+            <a:off x="970062" y="836712"/>
+            <a:ext cx="8172400" cy="6021288"/>
           </a:xfrm>
           <a:prstGeom prst="rect">
             <a:avLst/>
           </a:prstGeom>
           <a:solidFill>
-            <a:schemeClr val="tx1"/>
+            <a:schemeClr val="tx1">
+              <a:lumMod val="75000"/>
+              <a:lumOff val="25000"/>
+            </a:schemeClr>
           </a:solidFill>
         </p:spPr>
         <p:style>
@@ -6889,55 +6968,52 @@
           <a:lstStyle/>
           <a:p>
             <a:pPr algn="ctr"/>
-            <a:endParaRPr lang="pl-PL"/>
-          </a:p>
-        </p:txBody>
-      </p:sp>
-      <p:sp>
-        <p:nvSpPr>
-          <p:cNvPr id="5" name="pole tekstowe 4">
-            <a:extLst>
-              <a:ext uri="{FF2B5EF4-FFF2-40B4-BE49-F238E27FC236}">
-                <a16:creationId xmlns:a16="http://schemas.microsoft.com/office/drawing/2014/main" id="{0A845266-1F0E-46E2-9D26-7C185BAF40CE}"/>
-              </a:ext>
-            </a:extLst>
-          </p:cNvPr>
-          <p:cNvSpPr txBox="1"/>
+            <a:endParaRPr lang="pl-PL" dirty="0"/>
+          </a:p>
+        </p:txBody>
+      </p:sp>
+      <p:sp>
+        <p:nvSpPr>
+          <p:cNvPr id="2" name="Rectangle 1"/>
+          <p:cNvSpPr/>
           <p:nvPr/>
         </p:nvSpPr>
         <p:spPr>
           <a:xfrm>
-            <a:off x="6939692" y="6530860"/>
-            <a:ext cx="2240870" cy="276999"/>
+            <a:off x="1979712" y="188640"/>
+            <a:ext cx="6696744" cy="492443"/>
           </a:xfrm>
           <a:prstGeom prst="rect">
             <a:avLst/>
           </a:prstGeom>
-          <a:noFill/>
         </p:spPr>
         <p:txBody>
-          <a:bodyPr wrap="none" rtlCol="0">
+          <a:bodyPr wrap="square">
             <a:spAutoFit/>
           </a:bodyPr>
           <a:lstStyle/>
           <a:p>
-            <a:r>
-              <a:rPr lang="pl-PL" dirty="0">
-                <a:solidFill>
-                  <a:schemeClr val="bg2"/>
-                </a:solidFill>
-              </a:rPr>
-              <a:t>https://developer.android.com</a:t>
+            <a:pPr algn="ctr"/>
+            <a:r>
+              <a:rPr lang="pl-PL" sz="2600" dirty="0">
+                <a:solidFill>
+                  <a:schemeClr val="bg1"/>
+                </a:solidFill>
+                <a:latin typeface="Verdana" panose="020B0604030504040204" pitchFamily="34" charset="0"/>
+                <a:ea typeface="Verdana" panose="020B0604030504040204" pitchFamily="34" charset="0"/>
+                <a:cs typeface="Verdana" panose="020B0604030504040204" pitchFamily="34" charset="0"/>
+              </a:rPr>
+              <a:t>Cykl Życia</a:t>
             </a:r>
           </a:p>
         </p:txBody>
       </p:sp>
       <p:pic>
         <p:nvPicPr>
-          <p:cNvPr id="3" name="Obraz 2">
+          <p:cNvPr id="6" name="Obraz 5">
             <a:extLst>
               <a:ext uri="{FF2B5EF4-FFF2-40B4-BE49-F238E27FC236}">
-                <a16:creationId xmlns:a16="http://schemas.microsoft.com/office/drawing/2014/main" id="{AD2CEDC7-5A9C-47AA-A8E2-6C98D434DC65}"/>
+                <a16:creationId xmlns:a16="http://schemas.microsoft.com/office/drawing/2014/main" id="{EEEC6F21-D88D-B947-0B32-7DD64A2DA804}"/>
               </a:ext>
             </a:extLst>
           </p:cNvPr>
@@ -6954,18 +7030,136 @@
         </p:blipFill>
         <p:spPr>
           <a:xfrm>
-            <a:off x="123825" y="1815669"/>
-            <a:ext cx="8896350" cy="3581400"/>
+            <a:off x="1619672" y="1268760"/>
+            <a:ext cx="2796782" cy="5524979"/>
           </a:xfrm>
           <a:prstGeom prst="rect">
             <a:avLst/>
           </a:prstGeom>
         </p:spPr>
       </p:pic>
+      <p:sp>
+        <p:nvSpPr>
+          <p:cNvPr id="7" name="pole tekstowe 6">
+            <a:extLst>
+              <a:ext uri="{FF2B5EF4-FFF2-40B4-BE49-F238E27FC236}">
+                <a16:creationId xmlns:a16="http://schemas.microsoft.com/office/drawing/2014/main" id="{E9A5ED56-1202-C3E3-EDB9-D7DF4FE1339D}"/>
+              </a:ext>
+            </a:extLst>
+          </p:cNvPr>
+          <p:cNvSpPr txBox="1"/>
+          <p:nvPr/>
+        </p:nvSpPr>
+        <p:spPr>
+          <a:xfrm>
+            <a:off x="2395937" y="890355"/>
+            <a:ext cx="1244251" cy="338554"/>
+          </a:xfrm>
+          <a:prstGeom prst="rect">
+            <a:avLst/>
+          </a:prstGeom>
+          <a:noFill/>
+        </p:spPr>
+        <p:txBody>
+          <a:bodyPr wrap="none" rtlCol="0">
+            <a:spAutoFit/>
+          </a:bodyPr>
+          <a:lstStyle/>
+          <a:p>
+            <a:r>
+              <a:rPr lang="pl-PL" sz="1600" dirty="0">
+                <a:solidFill>
+                  <a:schemeClr val="bg1"/>
+                </a:solidFill>
+              </a:rPr>
+              <a:t>Foreground</a:t>
+            </a:r>
+            <a:endParaRPr lang="pl-PL" dirty="0">
+              <a:solidFill>
+                <a:schemeClr val="bg1"/>
+              </a:solidFill>
+            </a:endParaRPr>
+          </a:p>
+        </p:txBody>
+      </p:sp>
+      <p:pic>
+        <p:nvPicPr>
+          <p:cNvPr id="9" name="Obraz 8">
+            <a:extLst>
+              <a:ext uri="{FF2B5EF4-FFF2-40B4-BE49-F238E27FC236}">
+                <a16:creationId xmlns:a16="http://schemas.microsoft.com/office/drawing/2014/main" id="{ACD629DD-55DE-080E-5543-CD42DE06174E}"/>
+              </a:ext>
+            </a:extLst>
+          </p:cNvPr>
+          <p:cNvPicPr>
+            <a:picLocks noChangeAspect="1"/>
+          </p:cNvPicPr>
+          <p:nvPr/>
+        </p:nvPicPr>
+        <p:blipFill>
+          <a:blip r:embed="rId5"/>
+          <a:stretch>
+            <a:fillRect/>
+          </a:stretch>
+        </p:blipFill>
+        <p:spPr>
+          <a:xfrm>
+            <a:off x="5580112" y="1253519"/>
+            <a:ext cx="2758679" cy="5540220"/>
+          </a:xfrm>
+          <a:prstGeom prst="rect">
+            <a:avLst/>
+          </a:prstGeom>
+        </p:spPr>
+      </p:pic>
+      <p:sp>
+        <p:nvSpPr>
+          <p:cNvPr id="10" name="pole tekstowe 9">
+            <a:extLst>
+              <a:ext uri="{FF2B5EF4-FFF2-40B4-BE49-F238E27FC236}">
+                <a16:creationId xmlns:a16="http://schemas.microsoft.com/office/drawing/2014/main" id="{C5C50E51-4DFD-2CB7-C1A4-59EF65FC70DF}"/>
+              </a:ext>
+            </a:extLst>
+          </p:cNvPr>
+          <p:cNvSpPr txBox="1"/>
+          <p:nvPr/>
+        </p:nvSpPr>
+        <p:spPr>
+          <a:xfrm>
+            <a:off x="6568414" y="914965"/>
+            <a:ext cx="782074" cy="338554"/>
+          </a:xfrm>
+          <a:prstGeom prst="rect">
+            <a:avLst/>
+          </a:prstGeom>
+          <a:noFill/>
+        </p:spPr>
+        <p:txBody>
+          <a:bodyPr wrap="none" rtlCol="0">
+            <a:spAutoFit/>
+          </a:bodyPr>
+          <a:lstStyle/>
+          <a:p>
+            <a:r>
+              <a:rPr lang="pl-PL" sz="1600" dirty="0">
+                <a:solidFill>
+                  <a:schemeClr val="bg1"/>
+                </a:solidFill>
+              </a:rPr>
+              <a:t>Visible</a:t>
+            </a:r>
+            <a:endParaRPr lang="pl-PL" dirty="0">
+              <a:solidFill>
+                <a:schemeClr val="bg1"/>
+              </a:solidFill>
+            </a:endParaRPr>
+          </a:p>
+        </p:txBody>
+      </p:sp>
     </p:spTree>
     <p:extLst>
       <p:ext uri="{BB962C8B-B14F-4D97-AF65-F5344CB8AC3E}">
-        <p14:creationId xmlns:p14="http://schemas.microsoft.com/office/powerpoint/2010/main" val="2423358204"/>
+        <p14:creationId xmlns:p14="http://schemas.microsoft.com/office/powerpoint/2010/main" val="3287028634"/>
       </p:ext>
     </p:extLst>
   </p:cSld>
@@ -7006,48 +7200,126 @@
       </p:grpSpPr>
       <p:sp>
         <p:nvSpPr>
-          <p:cNvPr id="7" name="TextBox 1">
+          <p:cNvPr id="3" name="Prostokąt 2">
             <a:extLst>
               <a:ext uri="{FF2B5EF4-FFF2-40B4-BE49-F238E27FC236}">
-                <a16:creationId xmlns:a16="http://schemas.microsoft.com/office/drawing/2014/main" id="{18B63D4F-5BA2-440F-9AD4-247950001015}"/>
+                <a16:creationId xmlns:a16="http://schemas.microsoft.com/office/drawing/2014/main" id="{CF39EE2F-C6A2-8B79-6AD8-811DFAE1B712}"/>
               </a:ext>
             </a:extLst>
           </p:cNvPr>
-          <p:cNvSpPr txBox="1"/>
+          <p:cNvSpPr>
+            <a:spLocks/>
+          </p:cNvSpPr>
           <p:nvPr/>
         </p:nvSpPr>
         <p:spPr>
           <a:xfrm>
-            <a:off x="359532" y="3284984"/>
-            <a:ext cx="8424936" cy="584775"/>
+            <a:off x="970062" y="836712"/>
+            <a:ext cx="8172400" cy="6021288"/>
           </a:xfrm>
           <a:prstGeom prst="rect">
             <a:avLst/>
           </a:prstGeom>
-          <a:noFill/>
+          <a:solidFill>
+            <a:schemeClr val="tx1">
+              <a:lumMod val="75000"/>
+              <a:lumOff val="25000"/>
+            </a:schemeClr>
+          </a:solidFill>
         </p:spPr>
-        <p:txBody>
-          <a:bodyPr wrap="square" rtlCol="0">
+        <p:style>
+          <a:lnRef idx="1">
+            <a:schemeClr val="accent1"/>
+          </a:lnRef>
+          <a:fillRef idx="3">
+            <a:schemeClr val="accent1"/>
+          </a:fillRef>
+          <a:effectRef idx="2">
+            <a:schemeClr val="accent1"/>
+          </a:effectRef>
+          <a:fontRef idx="minor">
+            <a:schemeClr val="lt1"/>
+          </a:fontRef>
+        </p:style>
+        <p:txBody>
+          <a:bodyPr rtlCol="0" anchor="ctr"/>
+          <a:lstStyle/>
+          <a:p>
+            <a:pPr algn="ctr"/>
+            <a:endParaRPr lang="pl-PL" dirty="0"/>
+          </a:p>
+        </p:txBody>
+      </p:sp>
+      <p:sp>
+        <p:nvSpPr>
+          <p:cNvPr id="2" name="Rectangle 1"/>
+          <p:cNvSpPr/>
+          <p:nvPr/>
+        </p:nvSpPr>
+        <p:spPr>
+          <a:xfrm>
+            <a:off x="1979712" y="188640"/>
+            <a:ext cx="6696744" cy="492443"/>
+          </a:xfrm>
+          <a:prstGeom prst="rect">
+            <a:avLst/>
+          </a:prstGeom>
+        </p:spPr>
+        <p:txBody>
+          <a:bodyPr wrap="square">
             <a:spAutoFit/>
           </a:bodyPr>
           <a:lstStyle/>
           <a:p>
             <a:pPr algn="ctr"/>
             <a:r>
-              <a:rPr lang="pl-PL" sz="3200" b="1" dirty="0">
+              <a:rPr lang="pl-PL" sz="2600" dirty="0">
                 <a:solidFill>
                   <a:schemeClr val="bg1"/>
                 </a:solidFill>
-              </a:rPr>
-              <a:t>Intent</a:t>
-            </a:r>
-          </a:p>
-        </p:txBody>
-      </p:sp>
+                <a:latin typeface="Verdana" panose="020B0604030504040204" pitchFamily="34" charset="0"/>
+                <a:ea typeface="Verdana" panose="020B0604030504040204" pitchFamily="34" charset="0"/>
+                <a:cs typeface="Verdana" panose="020B0604030504040204" pitchFamily="34" charset="0"/>
+              </a:rPr>
+              <a:t>Cykl Życia</a:t>
+            </a:r>
+          </a:p>
+        </p:txBody>
+      </p:sp>
+      <p:pic>
+        <p:nvPicPr>
+          <p:cNvPr id="5" name="Obraz 4">
+            <a:extLst>
+              <a:ext uri="{FF2B5EF4-FFF2-40B4-BE49-F238E27FC236}">
+                <a16:creationId xmlns:a16="http://schemas.microsoft.com/office/drawing/2014/main" id="{0B4FEE16-AB0F-5D8D-9DA4-9D655C34FAED}"/>
+              </a:ext>
+            </a:extLst>
+          </p:cNvPr>
+          <p:cNvPicPr>
+            <a:picLocks noChangeAspect="1"/>
+          </p:cNvPicPr>
+          <p:nvPr/>
+        </p:nvPicPr>
+        <p:blipFill>
+          <a:blip r:embed="rId4"/>
+          <a:stretch>
+            <a:fillRect/>
+          </a:stretch>
+        </p:blipFill>
+        <p:spPr>
+          <a:xfrm>
+            <a:off x="1823766" y="908720"/>
+            <a:ext cx="6350172" cy="5942278"/>
+          </a:xfrm>
+          <a:prstGeom prst="rect">
+            <a:avLst/>
+          </a:prstGeom>
+        </p:spPr>
+      </p:pic>
     </p:spTree>
     <p:extLst>
       <p:ext uri="{BB962C8B-B14F-4D97-AF65-F5344CB8AC3E}">
-        <p14:creationId xmlns:p14="http://schemas.microsoft.com/office/powerpoint/2010/main" val="2039241175"/>
+        <p14:creationId xmlns:p14="http://schemas.microsoft.com/office/powerpoint/2010/main" val="157201067"/>
       </p:ext>
     </p:extLst>
   </p:cSld>
@@ -7088,61 +7360,31 @@
       </p:grpSpPr>
       <p:sp>
         <p:nvSpPr>
-          <p:cNvPr id="2" name="Rectangle 1"/>
-          <p:cNvSpPr/>
-          <p:nvPr/>
-        </p:nvSpPr>
-        <p:spPr>
-          <a:xfrm>
-            <a:off x="1979712" y="188640"/>
-            <a:ext cx="6696744" cy="492443"/>
-          </a:xfrm>
-          <a:prstGeom prst="rect">
-            <a:avLst/>
-          </a:prstGeom>
-        </p:spPr>
-        <p:txBody>
-          <a:bodyPr wrap="square">
-            <a:spAutoFit/>
-          </a:bodyPr>
-          <a:lstStyle/>
-          <a:p>
-            <a:r>
-              <a:rPr lang="pl-PL" sz="2600" dirty="0">
-                <a:solidFill>
-                  <a:schemeClr val="bg1"/>
-                </a:solidFill>
-                <a:latin typeface="Verdana" panose="020B0604030504040204" pitchFamily="34" charset="0"/>
-                <a:ea typeface="Verdana" panose="020B0604030504040204" pitchFamily="34" charset="0"/>
-                <a:cs typeface="Verdana" panose="020B0604030504040204" pitchFamily="34" charset="0"/>
-              </a:rPr>
-              <a:t>Mechanizm Intencji</a:t>
-            </a:r>
-          </a:p>
-        </p:txBody>
-      </p:sp>
-      <p:sp>
-        <p:nvSpPr>
-          <p:cNvPr id="6" name="Prostokąt 5">
+          <p:cNvPr id="3" name="Prostokąt 2">
             <a:extLst>
               <a:ext uri="{FF2B5EF4-FFF2-40B4-BE49-F238E27FC236}">
-                <a16:creationId xmlns:a16="http://schemas.microsoft.com/office/drawing/2014/main" id="{CA41B780-B57E-411C-AAD5-3D3D6912F664}"/>
+                <a16:creationId xmlns:a16="http://schemas.microsoft.com/office/drawing/2014/main" id="{1FE06AE6-FBDD-C88D-C04E-DBBD00B7083F}"/>
               </a:ext>
             </a:extLst>
           </p:cNvPr>
-          <p:cNvSpPr/>
+          <p:cNvSpPr>
+            <a:spLocks/>
+          </p:cNvSpPr>
           <p:nvPr/>
         </p:nvSpPr>
         <p:spPr>
           <a:xfrm>
-            <a:off x="0" y="810072"/>
-            <a:ext cx="9144000" cy="6021288"/>
+            <a:off x="970062" y="836712"/>
+            <a:ext cx="8172400" cy="6021288"/>
           </a:xfrm>
           <a:prstGeom prst="rect">
             <a:avLst/>
           </a:prstGeom>
           <a:solidFill>
-            <a:schemeClr val="tx1"/>
+            <a:schemeClr val="tx1">
+              <a:lumMod val="75000"/>
+              <a:lumOff val="25000"/>
+            </a:schemeClr>
           </a:solidFill>
         </p:spPr>
         <p:style>
@@ -7168,40 +7410,207 @@
           </a:p>
         </p:txBody>
       </p:sp>
-      <p:pic>
-        <p:nvPicPr>
-          <p:cNvPr id="4" name="Obraz 3">
-            <a:extLst>
-              <a:ext uri="{FF2B5EF4-FFF2-40B4-BE49-F238E27FC236}">
-                <a16:creationId xmlns:a16="http://schemas.microsoft.com/office/drawing/2014/main" id="{EA38C403-C6B8-4940-917E-7C447D3D6A4E}"/>
-              </a:ext>
-            </a:extLst>
-          </p:cNvPr>
-          <p:cNvPicPr>
-            <a:picLocks noChangeAspect="1"/>
-          </p:cNvPicPr>
+      <p:sp>
+        <p:nvSpPr>
+          <p:cNvPr id="2" name="Rectangle 1"/>
+          <p:cNvSpPr/>
           <p:nvPr/>
-        </p:nvPicPr>
-        <p:blipFill>
-          <a:blip r:embed="rId4"/>
-          <a:stretch>
-            <a:fillRect/>
-          </a:stretch>
-        </p:blipFill>
+        </p:nvSpPr>
         <p:spPr>
           <a:xfrm>
-            <a:off x="171450" y="1585912"/>
-            <a:ext cx="8801100" cy="3686175"/>
+            <a:off x="1979712" y="188640"/>
+            <a:ext cx="7164288" cy="492443"/>
           </a:xfrm>
           <a:prstGeom prst="rect">
             <a:avLst/>
           </a:prstGeom>
         </p:spPr>
-      </p:pic>
+        <p:txBody>
+          <a:bodyPr wrap="square">
+            <a:spAutoFit/>
+          </a:bodyPr>
+          <a:lstStyle/>
+          <a:p>
+            <a:pPr algn="ctr"/>
+            <a:r>
+              <a:rPr lang="pl-PL" sz="2600" dirty="0">
+                <a:solidFill>
+                  <a:schemeClr val="bg1"/>
+                </a:solidFill>
+                <a:latin typeface="Verdana" panose="020B0604030504040204" pitchFamily="34" charset="0"/>
+                <a:ea typeface="Verdana" panose="020B0604030504040204" pitchFamily="34" charset="0"/>
+                <a:cs typeface="Verdana" panose="020B0604030504040204" pitchFamily="34" charset="0"/>
+              </a:rPr>
+              <a:t>Cykl Życia</a:t>
+            </a:r>
+          </a:p>
+        </p:txBody>
+      </p:sp>
+      <p:sp>
+        <p:nvSpPr>
+          <p:cNvPr id="5" name="pole tekstowe 4">
+            <a:extLst>
+              <a:ext uri="{FF2B5EF4-FFF2-40B4-BE49-F238E27FC236}">
+                <a16:creationId xmlns:a16="http://schemas.microsoft.com/office/drawing/2014/main" id="{0A845266-1F0E-46E2-9D26-7C185BAF40CE}"/>
+              </a:ext>
+            </a:extLst>
+          </p:cNvPr>
+          <p:cNvSpPr txBox="1"/>
+          <p:nvPr/>
+        </p:nvSpPr>
+        <p:spPr>
+          <a:xfrm>
+            <a:off x="4661756" y="6554361"/>
+            <a:ext cx="4592283" cy="276999"/>
+          </a:xfrm>
+          <a:prstGeom prst="rect">
+            <a:avLst/>
+          </a:prstGeom>
+          <a:noFill/>
+        </p:spPr>
+        <p:txBody>
+          <a:bodyPr wrap="none" rtlCol="0">
+            <a:spAutoFit/>
+          </a:bodyPr>
+          <a:lstStyle/>
+          <a:p>
+            <a:r>
+              <a:rPr lang="pl-PL" dirty="0">
+                <a:solidFill>
+                  <a:schemeClr val="bg2"/>
+                </a:solidFill>
+              </a:rPr>
+              <a:t>https://developer.android.com/reference/android/app/Activity.html</a:t>
+            </a:r>
+          </a:p>
+        </p:txBody>
+      </p:sp>
+      <p:sp>
+        <p:nvSpPr>
+          <p:cNvPr id="7" name="pole tekstowe 6">
+            <a:extLst>
+              <a:ext uri="{FF2B5EF4-FFF2-40B4-BE49-F238E27FC236}">
+                <a16:creationId xmlns:a16="http://schemas.microsoft.com/office/drawing/2014/main" id="{66974675-607F-4C5C-A079-57F7EDD6ECBD}"/>
+              </a:ext>
+            </a:extLst>
+          </p:cNvPr>
+          <p:cNvSpPr txBox="1"/>
+          <p:nvPr/>
+        </p:nvSpPr>
+        <p:spPr>
+          <a:xfrm>
+            <a:off x="970062" y="1340768"/>
+            <a:ext cx="8109668" cy="3728649"/>
+          </a:xfrm>
+          <a:prstGeom prst="rect">
+            <a:avLst/>
+          </a:prstGeom>
+          <a:noFill/>
+        </p:spPr>
+        <p:txBody>
+          <a:bodyPr wrap="square" rtlCol="0">
+            <a:spAutoFit/>
+          </a:bodyPr>
+          <a:lstStyle/>
+          <a:p>
+            <a:pPr>
+              <a:lnSpc>
+                <a:spcPct val="150000"/>
+              </a:lnSpc>
+            </a:pPr>
+            <a:r>
+              <a:rPr lang="pl-PL" sz="2000" dirty="0">
+                <a:solidFill>
+                  <a:schemeClr val="bg1"/>
+                </a:solidFill>
+              </a:rPr>
+              <a:t>Zmiana konfiguracji wymaga przeładowania layoutu oraz innych zasobów gdy:</a:t>
+            </a:r>
+          </a:p>
+          <a:p>
+            <a:pPr marL="171450" indent="-171450">
+              <a:lnSpc>
+                <a:spcPct val="150000"/>
+              </a:lnSpc>
+              <a:buFont typeface="Arial" panose="020B0604020202020204" pitchFamily="34" charset="0"/>
+              <a:buChar char="•"/>
+            </a:pPr>
+            <a:r>
+              <a:rPr lang="pl-PL" sz="2000" dirty="0">
+                <a:solidFill>
+                  <a:schemeClr val="bg1"/>
+                </a:solidFill>
+              </a:rPr>
+              <a:t>Następuje zmiana orientacji urządzenia</a:t>
+            </a:r>
+          </a:p>
+          <a:p>
+            <a:pPr>
+              <a:lnSpc>
+                <a:spcPct val="150000"/>
+              </a:lnSpc>
+            </a:pPr>
+            <a:endParaRPr lang="pl-PL" sz="2000" dirty="0">
+              <a:solidFill>
+                <a:schemeClr val="bg1"/>
+              </a:solidFill>
+            </a:endParaRPr>
+          </a:p>
+          <a:p>
+            <a:pPr>
+              <a:lnSpc>
+                <a:spcPct val="150000"/>
+              </a:lnSpc>
+            </a:pPr>
+            <a:r>
+              <a:rPr lang="pl-PL" sz="2000" dirty="0">
+                <a:solidFill>
+                  <a:schemeClr val="bg1"/>
+                </a:solidFill>
+              </a:rPr>
+              <a:t>Przy zmianie konfiguracji Android:</a:t>
+            </a:r>
+          </a:p>
+          <a:p>
+            <a:pPr marL="342900" indent="-342900">
+              <a:lnSpc>
+                <a:spcPct val="150000"/>
+              </a:lnSpc>
+              <a:buFont typeface="+mj-lt"/>
+              <a:buAutoNum type="arabicPeriod"/>
+            </a:pPr>
+            <a:r>
+              <a:rPr lang="pl-PL" sz="2000" dirty="0">
+                <a:solidFill>
+                  <a:schemeClr val="bg1"/>
+                </a:solidFill>
+              </a:rPr>
+              <a:t>Wyłącza aktywność – onPause(), onStop(), onDestroy()</a:t>
+            </a:r>
+          </a:p>
+          <a:p>
+            <a:pPr marL="342900" indent="-342900">
+              <a:lnSpc>
+                <a:spcPct val="150000"/>
+              </a:lnSpc>
+              <a:buFont typeface="+mj-lt"/>
+              <a:buAutoNum type="arabicPeriod"/>
+            </a:pPr>
+            <a:r>
+              <a:rPr lang="pl-PL" sz="2000" dirty="0">
+                <a:solidFill>
+                  <a:schemeClr val="bg1"/>
+                </a:solidFill>
+              </a:rPr>
+              <a:t>Startuje nową instancję aktywności – onCreate(), onStart(), onResume()</a:t>
+            </a:r>
+          </a:p>
+        </p:txBody>
+      </p:sp>
     </p:spTree>
     <p:extLst>
       <p:ext uri="{BB962C8B-B14F-4D97-AF65-F5344CB8AC3E}">
-        <p14:creationId xmlns:p14="http://schemas.microsoft.com/office/powerpoint/2010/main" val="1329556250"/>
+        <p14:creationId xmlns:p14="http://schemas.microsoft.com/office/powerpoint/2010/main" val="3026884181"/>
       </p:ext>
     </p:extLst>
   </p:cSld>
@@ -7242,62 +7651,31 @@
       </p:grpSpPr>
       <p:sp>
         <p:nvSpPr>
-          <p:cNvPr id="2" name="Rectangle 1"/>
-          <p:cNvSpPr/>
-          <p:nvPr/>
-        </p:nvSpPr>
-        <p:spPr>
-          <a:xfrm>
-            <a:off x="1979712" y="188640"/>
-            <a:ext cx="6696744" cy="492443"/>
-          </a:xfrm>
-          <a:prstGeom prst="rect">
-            <a:avLst/>
-          </a:prstGeom>
-        </p:spPr>
-        <p:txBody>
-          <a:bodyPr wrap="square">
-            <a:spAutoFit/>
-          </a:bodyPr>
-          <a:lstStyle/>
-          <a:p>
-            <a:pPr algn="ctr"/>
-            <a:r>
-              <a:rPr lang="pl-PL" sz="2600" dirty="0">
-                <a:solidFill>
-                  <a:schemeClr val="bg1"/>
-                </a:solidFill>
-                <a:latin typeface="Verdana" panose="020B0604030504040204" pitchFamily="34" charset="0"/>
-                <a:ea typeface="Verdana" panose="020B0604030504040204" pitchFamily="34" charset="0"/>
-                <a:cs typeface="Verdana" panose="020B0604030504040204" pitchFamily="34" charset="0"/>
-              </a:rPr>
-              <a:t>Mechanizm Intencji</a:t>
-            </a:r>
-          </a:p>
-        </p:txBody>
-      </p:sp>
-      <p:sp>
-        <p:nvSpPr>
-          <p:cNvPr id="6" name="Prostokąt 5">
+          <p:cNvPr id="8" name="Prostokąt 7">
             <a:extLst>
               <a:ext uri="{FF2B5EF4-FFF2-40B4-BE49-F238E27FC236}">
-                <a16:creationId xmlns:a16="http://schemas.microsoft.com/office/drawing/2014/main" id="{CA41B780-B57E-411C-AAD5-3D3D6912F664}"/>
+                <a16:creationId xmlns:a16="http://schemas.microsoft.com/office/drawing/2014/main" id="{612C3691-A7BF-B3E3-5060-E6A25206C06E}"/>
               </a:ext>
             </a:extLst>
           </p:cNvPr>
-          <p:cNvSpPr/>
+          <p:cNvSpPr>
+            <a:spLocks/>
+          </p:cNvSpPr>
           <p:nvPr/>
         </p:nvSpPr>
         <p:spPr>
           <a:xfrm>
-            <a:off x="0" y="810072"/>
-            <a:ext cx="9144000" cy="6021288"/>
+            <a:off x="970062" y="836712"/>
+            <a:ext cx="8172400" cy="6021288"/>
           </a:xfrm>
           <a:prstGeom prst="rect">
             <a:avLst/>
           </a:prstGeom>
           <a:solidFill>
-            <a:schemeClr val="tx1"/>
+            <a:schemeClr val="tx1">
+              <a:lumMod val="75000"/>
+              <a:lumOff val="25000"/>
+            </a:schemeClr>
           </a:solidFill>
         </p:spPr>
         <p:style>
@@ -7325,10 +7703,46 @@
       </p:sp>
       <p:sp>
         <p:nvSpPr>
+          <p:cNvPr id="2" name="Rectangle 1"/>
+          <p:cNvSpPr/>
+          <p:nvPr/>
+        </p:nvSpPr>
+        <p:spPr>
+          <a:xfrm>
+            <a:off x="1979712" y="188640"/>
+            <a:ext cx="7164288" cy="492443"/>
+          </a:xfrm>
+          <a:prstGeom prst="rect">
+            <a:avLst/>
+          </a:prstGeom>
+        </p:spPr>
+        <p:txBody>
+          <a:bodyPr wrap="square">
+            <a:spAutoFit/>
+          </a:bodyPr>
+          <a:lstStyle/>
+          <a:p>
+            <a:pPr algn="ctr"/>
+            <a:r>
+              <a:rPr lang="pl-PL" sz="2600" dirty="0">
+                <a:solidFill>
+                  <a:schemeClr val="bg1"/>
+                </a:solidFill>
+                <a:latin typeface="Verdana" panose="020B0604030504040204" pitchFamily="34" charset="0"/>
+                <a:ea typeface="Verdana" panose="020B0604030504040204" pitchFamily="34" charset="0"/>
+                <a:cs typeface="Verdana" panose="020B0604030504040204" pitchFamily="34" charset="0"/>
+              </a:rPr>
+              <a:t>Cykl Życia – Trwałość Danych</a:t>
+            </a:r>
+          </a:p>
+        </p:txBody>
+      </p:sp>
+      <p:sp>
+        <p:nvSpPr>
           <p:cNvPr id="5" name="pole tekstowe 4">
             <a:extLst>
               <a:ext uri="{FF2B5EF4-FFF2-40B4-BE49-F238E27FC236}">
-                <a16:creationId xmlns:a16="http://schemas.microsoft.com/office/drawing/2014/main" id="{2D05CE3F-37A8-456E-B2FD-719E8893838C}"/>
+                <a16:creationId xmlns:a16="http://schemas.microsoft.com/office/drawing/2014/main" id="{0A845266-1F0E-46E2-9D26-7C185BAF40CE}"/>
               </a:ext>
             </a:extLst>
           </p:cNvPr>
@@ -7337,8 +7751,8 @@
         </p:nvSpPr>
         <p:spPr>
           <a:xfrm>
-            <a:off x="0" y="908720"/>
-            <a:ext cx="9144000" cy="456535"/>
+            <a:off x="4661756" y="6554361"/>
+            <a:ext cx="4592283" cy="276999"/>
           </a:xfrm>
           <a:prstGeom prst="rect">
             <a:avLst/>
@@ -7346,12 +7760,66 @@
           <a:noFill/>
         </p:spPr>
         <p:txBody>
+          <a:bodyPr wrap="none" rtlCol="0">
+            <a:spAutoFit/>
+          </a:bodyPr>
+          <a:lstStyle/>
+          <a:p>
+            <a:r>
+              <a:rPr lang="pl-PL" dirty="0">
+                <a:solidFill>
+                  <a:schemeClr val="bg2"/>
+                </a:solidFill>
+              </a:rPr>
+              <a:t>https://developer.android.com/reference/android/app/Activity.html</a:t>
+            </a:r>
+          </a:p>
+        </p:txBody>
+      </p:sp>
+      <p:sp>
+        <p:nvSpPr>
+          <p:cNvPr id="7" name="pole tekstowe 6">
+            <a:extLst>
+              <a:ext uri="{FF2B5EF4-FFF2-40B4-BE49-F238E27FC236}">
+                <a16:creationId xmlns:a16="http://schemas.microsoft.com/office/drawing/2014/main" id="{41165D91-6AF7-4776-816D-7B79D4D5A3CD}"/>
+              </a:ext>
+            </a:extLst>
+          </p:cNvPr>
+          <p:cNvSpPr txBox="1"/>
+          <p:nvPr/>
+        </p:nvSpPr>
+        <p:spPr>
+          <a:xfrm>
+            <a:off x="1043608" y="1844824"/>
+            <a:ext cx="8098854" cy="2813719"/>
+          </a:xfrm>
+          <a:prstGeom prst="rect">
+            <a:avLst/>
+          </a:prstGeom>
+          <a:noFill/>
+        </p:spPr>
+        <p:txBody>
           <a:bodyPr wrap="square" rtlCol="0">
             <a:spAutoFit/>
           </a:bodyPr>
           <a:lstStyle/>
           <a:p>
-            <a:pPr marL="285750" indent="-285750">
+            <a:pPr algn="ctr">
+              <a:lnSpc>
+                <a:spcPct val="150000"/>
+              </a:lnSpc>
+            </a:pPr>
+            <a:r>
+              <a:rPr lang="pl-PL" sz="2000" dirty="0">
+                <a:solidFill>
+                  <a:schemeClr val="bg2"/>
+                </a:solidFill>
+              </a:rPr>
+              <a:t>Bundle Class</a:t>
+            </a:r>
+          </a:p>
+          <a:p>
+            <a:pPr marL="342900" indent="-342900">
               <a:lnSpc>
                 <a:spcPct val="150000"/>
               </a:lnSpc>
@@ -7359,7 +7827,7 @@
               <a:buChar char="o"/>
             </a:pPr>
             <a:r>
-              <a:rPr lang="pl-PL" sz="1800" dirty="0">
+              <a:rPr lang="pl-PL" sz="2000" dirty="0">
                 <a:solidFill>
                   <a:schemeClr val="bg2"/>
                 </a:solidFill>
@@ -7367,75 +7835,133 @@
                 <a:ea typeface="Source Code Pro" panose="020B0509030403020204" pitchFamily="49" charset="0"/>
                 <a:cs typeface="Arial" panose="020B0604020202020204" pitchFamily="34" charset="0"/>
               </a:rPr>
-              <a:t>Wywoływanie intencji</a:t>
-            </a:r>
-          </a:p>
-        </p:txBody>
-      </p:sp>
-      <p:pic>
-        <p:nvPicPr>
-          <p:cNvPr id="3" name="Obraz 2">
-            <a:extLst>
-              <a:ext uri="{FF2B5EF4-FFF2-40B4-BE49-F238E27FC236}">
-                <a16:creationId xmlns:a16="http://schemas.microsoft.com/office/drawing/2014/main" id="{66C2EA21-B64C-4969-A30D-06A909C76D68}"/>
-              </a:ext>
-            </a:extLst>
-          </p:cNvPr>
-          <p:cNvPicPr>
-            <a:picLocks noChangeAspect="1"/>
-          </p:cNvPicPr>
-          <p:nvPr/>
-        </p:nvPicPr>
-        <p:blipFill>
-          <a:blip r:embed="rId4"/>
-          <a:stretch>
-            <a:fillRect/>
-          </a:stretch>
-        </p:blipFill>
-        <p:spPr>
-          <a:xfrm>
-            <a:off x="-12179" y="1361832"/>
-            <a:ext cx="9144000" cy="3318870"/>
-          </a:xfrm>
-          <a:prstGeom prst="rect">
-            <a:avLst/>
-          </a:prstGeom>
-        </p:spPr>
-      </p:pic>
-      <p:pic>
-        <p:nvPicPr>
-          <p:cNvPr id="4" name="Obraz 3">
-            <a:extLst>
-              <a:ext uri="{FF2B5EF4-FFF2-40B4-BE49-F238E27FC236}">
-                <a16:creationId xmlns:a16="http://schemas.microsoft.com/office/drawing/2014/main" id="{D8EF5B98-2D24-47B5-8481-F1113D283D28}"/>
-              </a:ext>
-            </a:extLst>
-          </p:cNvPr>
-          <p:cNvPicPr>
-            <a:picLocks noChangeAspect="1"/>
-          </p:cNvPicPr>
-          <p:nvPr/>
-        </p:nvPicPr>
-        <p:blipFill>
-          <a:blip r:embed="rId5"/>
-          <a:stretch>
-            <a:fillRect/>
-          </a:stretch>
-        </p:blipFill>
-        <p:spPr>
-          <a:xfrm>
-            <a:off x="117376" y="4785283"/>
-            <a:ext cx="9039225" cy="1762125"/>
-          </a:xfrm>
-          <a:prstGeom prst="rect">
-            <a:avLst/>
-          </a:prstGeom>
-        </p:spPr>
-      </p:pic>
+              <a:t>Można zapisać nawet cały obiekt</a:t>
+            </a:r>
+          </a:p>
+          <a:p>
+            <a:pPr marL="342900" indent="-342900">
+              <a:lnSpc>
+                <a:spcPct val="150000"/>
+              </a:lnSpc>
+              <a:buFont typeface="Courier New" panose="02070309020205020404" pitchFamily="49" charset="0"/>
+              <a:buChar char="o"/>
+            </a:pPr>
+            <a:r>
+              <a:rPr lang="pl-PL" sz="2000" dirty="0">
+                <a:solidFill>
+                  <a:schemeClr val="bg2"/>
+                </a:solidFill>
+                <a:latin typeface="Arial" panose="020B0604020202020204" pitchFamily="34" charset="0"/>
+                <a:ea typeface="Source Code Pro" panose="020B0509030403020204" pitchFamily="49" charset="0"/>
+                <a:cs typeface="Arial" panose="020B0604020202020204" pitchFamily="34" charset="0"/>
+              </a:rPr>
+              <a:t>Klasa musi implementować interfejs </a:t>
+            </a:r>
+            <a:r>
+              <a:rPr lang="pl-PL" sz="2000" dirty="0">
+                <a:solidFill>
+                  <a:schemeClr val="bg2"/>
+                </a:solidFill>
+                <a:latin typeface="Source Code Pro" panose="020B0509030403020204" pitchFamily="49" charset="0"/>
+                <a:ea typeface="Source Code Pro" panose="020B0509030403020204" pitchFamily="49" charset="0"/>
+                <a:cs typeface="Arial" panose="020B0604020202020204" pitchFamily="34" charset="0"/>
+              </a:rPr>
+              <a:t>Parcelable</a:t>
+            </a:r>
+            <a:endParaRPr lang="pl-PL" sz="2000" dirty="0">
+              <a:solidFill>
+                <a:schemeClr val="bg2"/>
+              </a:solidFill>
+              <a:latin typeface="Arial" panose="020B0604020202020204" pitchFamily="34" charset="0"/>
+              <a:ea typeface="Source Code Pro" panose="020B0509030403020204" pitchFamily="49" charset="0"/>
+              <a:cs typeface="Arial" panose="020B0604020202020204" pitchFamily="34" charset="0"/>
+            </a:endParaRPr>
+          </a:p>
+          <a:p>
+            <a:pPr marL="800100" lvl="1" indent="-342900">
+              <a:lnSpc>
+                <a:spcPct val="150000"/>
+              </a:lnSpc>
+              <a:buFont typeface="Courier New" panose="02070309020205020404" pitchFamily="49" charset="0"/>
+              <a:buChar char="o"/>
+            </a:pPr>
+            <a:r>
+              <a:rPr lang="pl-PL" sz="2000" dirty="0">
+                <a:solidFill>
+                  <a:schemeClr val="bg2"/>
+                </a:solidFill>
+                <a:latin typeface="Arial" panose="020B0604020202020204" pitchFamily="34" charset="0"/>
+                <a:ea typeface="Source Code Pro" panose="020B0509030403020204" pitchFamily="49" charset="0"/>
+                <a:cs typeface="Arial" panose="020B0604020202020204" pitchFamily="34" charset="0"/>
+              </a:rPr>
+              <a:t>Konstruktor przyjmuje obiekt typu </a:t>
+            </a:r>
+            <a:r>
+              <a:rPr lang="pl-PL" sz="2000" dirty="0">
+                <a:solidFill>
+                  <a:schemeClr val="bg2"/>
+                </a:solidFill>
+                <a:latin typeface="Source Code Pro" panose="020B0509030403020204" pitchFamily="49" charset="0"/>
+                <a:ea typeface="Source Code Pro" panose="020B0509030403020204" pitchFamily="49" charset="0"/>
+                <a:cs typeface="Arial" panose="020B0604020202020204" pitchFamily="34" charset="0"/>
+              </a:rPr>
+              <a:t>Parcel</a:t>
+            </a:r>
+            <a:endParaRPr lang="pl-PL" sz="2000" dirty="0">
+              <a:solidFill>
+                <a:schemeClr val="bg2"/>
+              </a:solidFill>
+              <a:latin typeface="Arial" panose="020B0604020202020204" pitchFamily="34" charset="0"/>
+              <a:ea typeface="Source Code Pro" panose="020B0509030403020204" pitchFamily="49" charset="0"/>
+              <a:cs typeface="Arial" panose="020B0604020202020204" pitchFamily="34" charset="0"/>
+            </a:endParaRPr>
+          </a:p>
+          <a:p>
+            <a:pPr marL="800100" lvl="1" indent="-342900">
+              <a:lnSpc>
+                <a:spcPct val="150000"/>
+              </a:lnSpc>
+              <a:buFont typeface="Courier New" panose="02070309020205020404" pitchFamily="49" charset="0"/>
+              <a:buChar char="o"/>
+            </a:pPr>
+            <a:r>
+              <a:rPr lang="pl-PL" sz="2000" dirty="0">
+                <a:solidFill>
+                  <a:schemeClr val="bg2"/>
+                </a:solidFill>
+                <a:latin typeface="Source Code Pro" panose="020B0509030403020204" pitchFamily="49" charset="0"/>
+                <a:ea typeface="Source Code Pro" panose="020B0509030403020204" pitchFamily="49" charset="0"/>
+                <a:cs typeface="Arial" panose="020B0604020202020204" pitchFamily="34" charset="0"/>
+              </a:rPr>
+              <a:t>writeToParcel(Parcel dest, int flags)</a:t>
+            </a:r>
+          </a:p>
+          <a:p>
+            <a:pPr marL="800100" lvl="1" indent="-342900">
+              <a:lnSpc>
+                <a:spcPct val="150000"/>
+              </a:lnSpc>
+              <a:buFont typeface="Courier New" panose="02070309020205020404" pitchFamily="49" charset="0"/>
+              <a:buChar char="o"/>
+            </a:pPr>
+            <a:r>
+              <a:rPr lang="pl-PL" sz="2000" dirty="0">
+                <a:solidFill>
+                  <a:schemeClr val="bg2"/>
+                </a:solidFill>
+                <a:latin typeface="Source Code Pro" panose="020B0509030403020204" pitchFamily="49" charset="0"/>
+                <a:ea typeface="Source Code Pro" panose="020B0509030403020204" pitchFamily="49" charset="0"/>
+                <a:cs typeface="Arial" panose="020B0604020202020204" pitchFamily="34" charset="0"/>
+              </a:rPr>
+              <a:t>Parcelable.Creator</a:t>
+            </a:r>
+          </a:p>
+        </p:txBody>
+      </p:sp>
     </p:spTree>
     <p:extLst>
       <p:ext uri="{BB962C8B-B14F-4D97-AF65-F5344CB8AC3E}">
-        <p14:creationId xmlns:p14="http://schemas.microsoft.com/office/powerpoint/2010/main" val="1110513912"/>
+        <p14:creationId xmlns:p14="http://schemas.microsoft.com/office/powerpoint/2010/main" val="3372845237"/>
       </p:ext>
     </p:extLst>
   </p:cSld>
@@ -7476,62 +8002,31 @@
       </p:grpSpPr>
       <p:sp>
         <p:nvSpPr>
-          <p:cNvPr id="2" name="Rectangle 1"/>
-          <p:cNvSpPr/>
-          <p:nvPr/>
-        </p:nvSpPr>
-        <p:spPr>
-          <a:xfrm>
-            <a:off x="1979712" y="188640"/>
-            <a:ext cx="6696744" cy="492443"/>
-          </a:xfrm>
-          <a:prstGeom prst="rect">
-            <a:avLst/>
-          </a:prstGeom>
-        </p:spPr>
-        <p:txBody>
-          <a:bodyPr wrap="square">
-            <a:spAutoFit/>
-          </a:bodyPr>
-          <a:lstStyle/>
-          <a:p>
-            <a:pPr algn="ctr"/>
-            <a:r>
-              <a:rPr lang="pl-PL" sz="2600" dirty="0">
-                <a:solidFill>
-                  <a:schemeClr val="bg1"/>
-                </a:solidFill>
-                <a:latin typeface="Verdana" panose="020B0604030504040204" pitchFamily="34" charset="0"/>
-                <a:ea typeface="Verdana" panose="020B0604030504040204" pitchFamily="34" charset="0"/>
-                <a:cs typeface="Verdana" panose="020B0604030504040204" pitchFamily="34" charset="0"/>
-              </a:rPr>
-              <a:t>Mechanizm Intencji</a:t>
-            </a:r>
-          </a:p>
-        </p:txBody>
-      </p:sp>
-      <p:sp>
-        <p:nvSpPr>
-          <p:cNvPr id="6" name="Prostokąt 5">
+          <p:cNvPr id="3" name="Prostokąt 2">
             <a:extLst>
               <a:ext uri="{FF2B5EF4-FFF2-40B4-BE49-F238E27FC236}">
-                <a16:creationId xmlns:a16="http://schemas.microsoft.com/office/drawing/2014/main" id="{CA41B780-B57E-411C-AAD5-3D3D6912F664}"/>
+                <a16:creationId xmlns:a16="http://schemas.microsoft.com/office/drawing/2014/main" id="{8A13C84D-B74B-9156-C7EC-A39421A688D6}"/>
               </a:ext>
             </a:extLst>
           </p:cNvPr>
-          <p:cNvSpPr/>
+          <p:cNvSpPr>
+            <a:spLocks/>
+          </p:cNvSpPr>
           <p:nvPr/>
         </p:nvSpPr>
         <p:spPr>
           <a:xfrm>
-            <a:off x="0" y="810072"/>
-            <a:ext cx="9144000" cy="6021288"/>
+            <a:off x="970062" y="836712"/>
+            <a:ext cx="8172400" cy="6021288"/>
           </a:xfrm>
           <a:prstGeom prst="rect">
             <a:avLst/>
           </a:prstGeom>
           <a:solidFill>
-            <a:schemeClr val="tx1"/>
+            <a:schemeClr val="tx1">
+              <a:lumMod val="75000"/>
+              <a:lumOff val="25000"/>
+            </a:schemeClr>
           </a:solidFill>
         </p:spPr>
         <p:style>
@@ -7557,40 +8052,318 @@
           </a:p>
         </p:txBody>
       </p:sp>
-      <p:pic>
-        <p:nvPicPr>
-          <p:cNvPr id="3" name="Obraz 2">
-            <a:extLst>
-              <a:ext uri="{FF2B5EF4-FFF2-40B4-BE49-F238E27FC236}">
-                <a16:creationId xmlns:a16="http://schemas.microsoft.com/office/drawing/2014/main" id="{9C32CC9A-86D8-4AB4-8B65-70472D4D7D4E}"/>
-              </a:ext>
-            </a:extLst>
-          </p:cNvPr>
-          <p:cNvPicPr>
-            <a:picLocks noChangeAspect="1"/>
-          </p:cNvPicPr>
+      <p:sp>
+        <p:nvSpPr>
+          <p:cNvPr id="2" name="Rectangle 1"/>
+          <p:cNvSpPr/>
           <p:nvPr/>
-        </p:nvPicPr>
-        <p:blipFill>
-          <a:blip r:embed="rId4"/>
-          <a:stretch>
-            <a:fillRect/>
-          </a:stretch>
-        </p:blipFill>
+        </p:nvSpPr>
         <p:spPr>
           <a:xfrm>
-            <a:off x="0" y="1615159"/>
-            <a:ext cx="9144000" cy="3627681"/>
+            <a:off x="1979712" y="188640"/>
+            <a:ext cx="7164288" cy="492443"/>
           </a:xfrm>
           <a:prstGeom prst="rect">
             <a:avLst/>
           </a:prstGeom>
         </p:spPr>
-      </p:pic>
+        <p:txBody>
+          <a:bodyPr wrap="square">
+            <a:spAutoFit/>
+          </a:bodyPr>
+          <a:lstStyle/>
+          <a:p>
+            <a:pPr algn="ctr"/>
+            <a:r>
+              <a:rPr lang="pl-PL" sz="2600" dirty="0">
+                <a:solidFill>
+                  <a:schemeClr val="bg1"/>
+                </a:solidFill>
+                <a:latin typeface="Verdana" panose="020B0604030504040204" pitchFamily="34" charset="0"/>
+                <a:ea typeface="Verdana" panose="020B0604030504040204" pitchFamily="34" charset="0"/>
+                <a:cs typeface="Verdana" panose="020B0604030504040204" pitchFamily="34" charset="0"/>
+              </a:rPr>
+              <a:t>Cykl Życia – Trwałość Danych</a:t>
+            </a:r>
+          </a:p>
+        </p:txBody>
+      </p:sp>
+      <p:sp>
+        <p:nvSpPr>
+          <p:cNvPr id="5" name="pole tekstowe 4">
+            <a:extLst>
+              <a:ext uri="{FF2B5EF4-FFF2-40B4-BE49-F238E27FC236}">
+                <a16:creationId xmlns:a16="http://schemas.microsoft.com/office/drawing/2014/main" id="{0A845266-1F0E-46E2-9D26-7C185BAF40CE}"/>
+              </a:ext>
+            </a:extLst>
+          </p:cNvPr>
+          <p:cNvSpPr txBox="1"/>
+          <p:nvPr/>
+        </p:nvSpPr>
+        <p:spPr>
+          <a:xfrm>
+            <a:off x="6939692" y="6530860"/>
+            <a:ext cx="2240870" cy="276999"/>
+          </a:xfrm>
+          <a:prstGeom prst="rect">
+            <a:avLst/>
+          </a:prstGeom>
+          <a:noFill/>
+        </p:spPr>
+        <p:txBody>
+          <a:bodyPr wrap="none" rtlCol="0">
+            <a:spAutoFit/>
+          </a:bodyPr>
+          <a:lstStyle/>
+          <a:p>
+            <a:r>
+              <a:rPr lang="pl-PL" dirty="0">
+                <a:solidFill>
+                  <a:schemeClr val="bg2"/>
+                </a:solidFill>
+              </a:rPr>
+              <a:t>https://developer.android.com</a:t>
+            </a:r>
+          </a:p>
+        </p:txBody>
+      </p:sp>
+      <p:sp>
+        <p:nvSpPr>
+          <p:cNvPr id="4" name="pole tekstowe 3">
+            <a:extLst>
+              <a:ext uri="{FF2B5EF4-FFF2-40B4-BE49-F238E27FC236}">
+                <a16:creationId xmlns:a16="http://schemas.microsoft.com/office/drawing/2014/main" id="{4ED1A440-B039-EA1F-60A8-3D0B21E4E1B2}"/>
+              </a:ext>
+            </a:extLst>
+          </p:cNvPr>
+          <p:cNvSpPr txBox="1"/>
+          <p:nvPr/>
+        </p:nvSpPr>
+        <p:spPr>
+          <a:xfrm>
+            <a:off x="947992" y="1052297"/>
+            <a:ext cx="8172400" cy="5262979"/>
+          </a:xfrm>
+          <a:prstGeom prst="rect">
+            <a:avLst/>
+          </a:prstGeom>
+          <a:noFill/>
+        </p:spPr>
+        <p:txBody>
+          <a:bodyPr wrap="square" rtlCol="0">
+            <a:spAutoFit/>
+          </a:bodyPr>
+          <a:lstStyle/>
+          <a:p>
+            <a:pPr algn="just">
+              <a:buFont typeface="+mj-lt"/>
+              <a:buAutoNum type="arabicPeriod"/>
+            </a:pPr>
+            <a:r>
+              <a:rPr lang="pl-PL" sz="1800" b="1" i="0" dirty="0">
+                <a:solidFill>
+                  <a:srgbClr val="D1D5DB"/>
+                </a:solidFill>
+                <a:effectLst/>
+                <a:latin typeface="Söhne"/>
+              </a:rPr>
+              <a:t>Przekazywanie danych między komponentami</a:t>
+            </a:r>
+            <a:r>
+              <a:rPr lang="pl-PL" sz="1800" b="0" i="0" dirty="0">
+                <a:solidFill>
+                  <a:srgbClr val="D1D5DB"/>
+                </a:solidFill>
+                <a:effectLst/>
+                <a:latin typeface="Söhne"/>
+              </a:rPr>
+              <a:t>: Bundle jest często używany do przekazywania danych między różnymi komponentami aplikacji.</a:t>
+            </a:r>
+          </a:p>
+          <a:p>
+            <a:pPr algn="just">
+              <a:buFont typeface="+mj-lt"/>
+              <a:buAutoNum type="arabicPeriod"/>
+            </a:pPr>
+            <a:endParaRPr lang="pl-PL" sz="1800" b="0" i="0" dirty="0">
+              <a:solidFill>
+                <a:srgbClr val="D1D5DB"/>
+              </a:solidFill>
+              <a:effectLst/>
+              <a:latin typeface="Söhne"/>
+            </a:endParaRPr>
+          </a:p>
+          <a:p>
+            <a:pPr algn="just">
+              <a:buFont typeface="+mj-lt"/>
+              <a:buAutoNum type="arabicPeriod"/>
+            </a:pPr>
+            <a:r>
+              <a:rPr lang="pl-PL" sz="1800" b="1" i="0" dirty="0">
+                <a:solidFill>
+                  <a:srgbClr val="D1D5DB"/>
+                </a:solidFill>
+                <a:effectLst/>
+                <a:latin typeface="Söhne"/>
+              </a:rPr>
+              <a:t>Zachowanie stanu</a:t>
+            </a:r>
+            <a:r>
+              <a:rPr lang="pl-PL" sz="1800" b="0" i="0" dirty="0">
+                <a:solidFill>
+                  <a:srgbClr val="D1D5DB"/>
+                </a:solidFill>
+                <a:effectLst/>
+                <a:latin typeface="Söhne"/>
+              </a:rPr>
+              <a:t>: Bundle jest używany do zachowywania stanu komponentów w przypadku zmiany orientacji ekranu lub zniszczenia i odtworzenia, na przykład aktywności. Dzięki temu dane nie zostaną utracone </a:t>
+            </a:r>
+            <a:r>
+              <a:rPr lang="pl-PL" sz="1800" dirty="0">
+                <a:solidFill>
+                  <a:srgbClr val="D1D5DB"/>
+                </a:solidFill>
+                <a:latin typeface="Söhne"/>
+              </a:rPr>
+              <a:t>podczas tych </a:t>
+            </a:r>
+            <a:r>
+              <a:rPr lang="pl-PL" sz="1800" b="0" i="0" dirty="0">
+                <a:solidFill>
+                  <a:srgbClr val="D1D5DB"/>
+                </a:solidFill>
+                <a:effectLst/>
+                <a:latin typeface="Söhne"/>
+              </a:rPr>
+              <a:t>operacji.</a:t>
+            </a:r>
+          </a:p>
+          <a:p>
+            <a:pPr algn="just">
+              <a:buFont typeface="+mj-lt"/>
+              <a:buAutoNum type="arabicPeriod"/>
+            </a:pPr>
+            <a:endParaRPr lang="pl-PL" sz="1800" b="0" i="0" dirty="0">
+              <a:solidFill>
+                <a:srgbClr val="D1D5DB"/>
+              </a:solidFill>
+              <a:effectLst/>
+              <a:latin typeface="Söhne"/>
+            </a:endParaRPr>
+          </a:p>
+          <a:p>
+            <a:pPr algn="just">
+              <a:buFont typeface="+mj-lt"/>
+              <a:buAutoNum type="arabicPeriod"/>
+            </a:pPr>
+            <a:r>
+              <a:rPr lang="pl-PL" sz="1800" b="1" i="0" dirty="0">
+                <a:solidFill>
+                  <a:srgbClr val="D1D5DB"/>
+                </a:solidFill>
+                <a:effectLst/>
+                <a:latin typeface="Söhne"/>
+              </a:rPr>
+              <a:t>Przekazywanie argumentów do fragmentów</a:t>
+            </a:r>
+            <a:r>
+              <a:rPr lang="pl-PL" sz="1800" b="0" i="0" dirty="0">
+                <a:solidFill>
+                  <a:srgbClr val="D1D5DB"/>
+                </a:solidFill>
+                <a:effectLst/>
+                <a:latin typeface="Söhne"/>
+              </a:rPr>
+              <a:t>: Kiedy tworzysz fragmenty, możesz przekazywać im argumenty za pomocą obiektów Bundle.</a:t>
+            </a:r>
+          </a:p>
+          <a:p>
+            <a:pPr algn="just">
+              <a:buFont typeface="+mj-lt"/>
+              <a:buAutoNum type="arabicPeriod"/>
+            </a:pPr>
+            <a:endParaRPr lang="pl-PL" sz="1800" b="0" i="0" dirty="0">
+              <a:solidFill>
+                <a:srgbClr val="D1D5DB"/>
+              </a:solidFill>
+              <a:effectLst/>
+              <a:latin typeface="Söhne"/>
+            </a:endParaRPr>
+          </a:p>
+          <a:p>
+            <a:pPr algn="just">
+              <a:buFont typeface="+mj-lt"/>
+              <a:buAutoNum type="arabicPeriod"/>
+            </a:pPr>
+            <a:r>
+              <a:rPr lang="pl-PL" sz="1800" b="1" i="0" dirty="0">
+                <a:solidFill>
+                  <a:srgbClr val="D1D5DB"/>
+                </a:solidFill>
+                <a:effectLst/>
+                <a:latin typeface="Söhne"/>
+              </a:rPr>
+              <a:t>Przekazywanie danych do usług i Broadcast Receiverów</a:t>
+            </a:r>
+            <a:r>
+              <a:rPr lang="pl-PL" sz="1800" b="0" i="0" dirty="0">
+                <a:solidFill>
+                  <a:srgbClr val="D1D5DB"/>
+                </a:solidFill>
+                <a:effectLst/>
+                <a:latin typeface="Söhne"/>
+              </a:rPr>
+              <a:t>: Możesz używać Bundle do przekazywania danych do usług (Service) i Broadcast Receiverów, co pozwala na przetwarzanie tych danych w tle lub w odpowiedzi na zdarzenia systemowe.</a:t>
+            </a:r>
+          </a:p>
+          <a:p>
+            <a:pPr algn="just">
+              <a:buFont typeface="+mj-lt"/>
+              <a:buAutoNum type="arabicPeriod"/>
+            </a:pPr>
+            <a:endParaRPr lang="pl-PL" sz="1800" b="0" i="0" dirty="0">
+              <a:solidFill>
+                <a:srgbClr val="D1D5DB"/>
+              </a:solidFill>
+              <a:effectLst/>
+              <a:latin typeface="Söhne"/>
+            </a:endParaRPr>
+          </a:p>
+          <a:p>
+            <a:pPr algn="just">
+              <a:buFont typeface="+mj-lt"/>
+              <a:buAutoNum type="arabicPeriod"/>
+            </a:pPr>
+            <a:r>
+              <a:rPr lang="pl-PL" sz="1800" b="1" i="0" dirty="0">
+                <a:solidFill>
+                  <a:srgbClr val="D1D5DB"/>
+                </a:solidFill>
+                <a:effectLst/>
+                <a:latin typeface="Söhne"/>
+              </a:rPr>
+              <a:t>Przekazywanie danych między komponentami aplikacji i aplikacjami</a:t>
+            </a:r>
+            <a:r>
+              <a:rPr lang="pl-PL" sz="1800" b="0" i="0" dirty="0">
+                <a:solidFill>
+                  <a:srgbClr val="D1D5DB"/>
+                </a:solidFill>
+                <a:effectLst/>
+                <a:latin typeface="Söhne"/>
+              </a:rPr>
+              <a:t>: Bundle może być wykorzystywany do przekazywania danych między różnymi komponentami tej samej aplikacji lub nawet między różnymi aplikacjami w systemie Android, jeśli masz odpowiednie uprawnienia.</a:t>
+            </a:r>
+          </a:p>
+          <a:p>
+            <a:endParaRPr lang="pl-PL" dirty="0"/>
+          </a:p>
+        </p:txBody>
+      </p:sp>
     </p:spTree>
     <p:extLst>
       <p:ext uri="{BB962C8B-B14F-4D97-AF65-F5344CB8AC3E}">
-        <p14:creationId xmlns:p14="http://schemas.microsoft.com/office/powerpoint/2010/main" val="4131505215"/>
+        <p14:creationId xmlns:p14="http://schemas.microsoft.com/office/powerpoint/2010/main" val="3152115575"/>
       </p:ext>
     </p:extLst>
   </p:cSld>
@@ -7631,62 +8404,31 @@
       </p:grpSpPr>
       <p:sp>
         <p:nvSpPr>
-          <p:cNvPr id="2" name="Rectangle 1"/>
-          <p:cNvSpPr/>
-          <p:nvPr/>
-        </p:nvSpPr>
-        <p:spPr>
-          <a:xfrm>
-            <a:off x="1979712" y="188640"/>
-            <a:ext cx="6696744" cy="492443"/>
-          </a:xfrm>
-          <a:prstGeom prst="rect">
-            <a:avLst/>
-          </a:prstGeom>
-        </p:spPr>
-        <p:txBody>
-          <a:bodyPr wrap="square">
-            <a:spAutoFit/>
-          </a:bodyPr>
-          <a:lstStyle/>
-          <a:p>
-            <a:pPr algn="ctr"/>
-            <a:r>
-              <a:rPr lang="pl-PL" sz="2600" dirty="0">
-                <a:solidFill>
-                  <a:schemeClr val="bg1"/>
-                </a:solidFill>
-                <a:latin typeface="Verdana" panose="020B0604030504040204" pitchFamily="34" charset="0"/>
-                <a:ea typeface="Verdana" panose="020B0604030504040204" pitchFamily="34" charset="0"/>
-                <a:cs typeface="Verdana" panose="020B0604030504040204" pitchFamily="34" charset="0"/>
-              </a:rPr>
-              <a:t>Mechanizm Intencji</a:t>
-            </a:r>
-          </a:p>
-        </p:txBody>
-      </p:sp>
-      <p:sp>
-        <p:nvSpPr>
-          <p:cNvPr id="6" name="Prostokąt 5">
+          <p:cNvPr id="3" name="Prostokąt 2">
             <a:extLst>
               <a:ext uri="{FF2B5EF4-FFF2-40B4-BE49-F238E27FC236}">
-                <a16:creationId xmlns:a16="http://schemas.microsoft.com/office/drawing/2014/main" id="{CA41B780-B57E-411C-AAD5-3D3D6912F664}"/>
+                <a16:creationId xmlns:a16="http://schemas.microsoft.com/office/drawing/2014/main" id="{8A13C84D-B74B-9156-C7EC-A39421A688D6}"/>
               </a:ext>
             </a:extLst>
           </p:cNvPr>
-          <p:cNvSpPr/>
+          <p:cNvSpPr>
+            <a:spLocks/>
+          </p:cNvSpPr>
           <p:nvPr/>
         </p:nvSpPr>
         <p:spPr>
           <a:xfrm>
-            <a:off x="0" y="836712"/>
-            <a:ext cx="9144000" cy="6021288"/>
+            <a:off x="970062" y="836712"/>
+            <a:ext cx="8172400" cy="6021288"/>
           </a:xfrm>
           <a:prstGeom prst="rect">
             <a:avLst/>
           </a:prstGeom>
           <a:solidFill>
-            <a:schemeClr val="tx1"/>
+            <a:schemeClr val="tx1">
+              <a:lumMod val="75000"/>
+              <a:lumOff val="25000"/>
+            </a:schemeClr>
           </a:solidFill>
         </p:spPr>
         <p:style>
@@ -7714,10 +8456,46 @@
       </p:sp>
       <p:sp>
         <p:nvSpPr>
+          <p:cNvPr id="2" name="Rectangle 1"/>
+          <p:cNvSpPr/>
+          <p:nvPr/>
+        </p:nvSpPr>
+        <p:spPr>
+          <a:xfrm>
+            <a:off x="1979712" y="188640"/>
+            <a:ext cx="7164288" cy="492443"/>
+          </a:xfrm>
+          <a:prstGeom prst="rect">
+            <a:avLst/>
+          </a:prstGeom>
+        </p:spPr>
+        <p:txBody>
+          <a:bodyPr wrap="square">
+            <a:spAutoFit/>
+          </a:bodyPr>
+          <a:lstStyle/>
+          <a:p>
+            <a:pPr algn="ctr"/>
+            <a:r>
+              <a:rPr lang="pl-PL" sz="2600" dirty="0">
+                <a:solidFill>
+                  <a:schemeClr val="bg1"/>
+                </a:solidFill>
+                <a:latin typeface="Verdana" panose="020B0604030504040204" pitchFamily="34" charset="0"/>
+                <a:ea typeface="Verdana" panose="020B0604030504040204" pitchFamily="34" charset="0"/>
+                <a:cs typeface="Verdana" panose="020B0604030504040204" pitchFamily="34" charset="0"/>
+              </a:rPr>
+              <a:t>Cykl Życia – Trwałość Danych</a:t>
+            </a:r>
+          </a:p>
+        </p:txBody>
+      </p:sp>
+      <p:sp>
+        <p:nvSpPr>
           <p:cNvPr id="5" name="pole tekstowe 4">
             <a:extLst>
               <a:ext uri="{FF2B5EF4-FFF2-40B4-BE49-F238E27FC236}">
-                <a16:creationId xmlns:a16="http://schemas.microsoft.com/office/drawing/2014/main" id="{2D05CE3F-37A8-456E-B2FD-719E8893838C}"/>
+                <a16:creationId xmlns:a16="http://schemas.microsoft.com/office/drawing/2014/main" id="{0A845266-1F0E-46E2-9D26-7C185BAF40CE}"/>
               </a:ext>
             </a:extLst>
           </p:cNvPr>
@@ -7726,8 +8504,8 @@
         </p:nvSpPr>
         <p:spPr>
           <a:xfrm>
-            <a:off x="0" y="908720"/>
-            <a:ext cx="9144000" cy="6273512"/>
+            <a:off x="6939692" y="6530860"/>
+            <a:ext cx="2240870" cy="276999"/>
           </a:xfrm>
           <a:prstGeom prst="rect">
             <a:avLst/>
@@ -7735,451 +8513,874 @@
           <a:noFill/>
         </p:spPr>
         <p:txBody>
-          <a:bodyPr wrap="square" rtlCol="0">
+          <a:bodyPr wrap="none" rtlCol="0">
             <a:spAutoFit/>
           </a:bodyPr>
           <a:lstStyle/>
           <a:p>
-            <a:pPr marL="285750" indent="-285750">
-              <a:lnSpc>
-                <a:spcPct val="150000"/>
-              </a:lnSpc>
-              <a:buFont typeface="Courier New" panose="02070309020205020404" pitchFamily="49" charset="0"/>
-              <a:buChar char="o"/>
-            </a:pPr>
-            <a:r>
-              <a:rPr lang="pl-PL" sz="1800" dirty="0">
+            <a:r>
+              <a:rPr lang="pl-PL" dirty="0">
                 <a:solidFill>
                   <a:schemeClr val="bg2"/>
                 </a:solidFill>
-                <a:latin typeface="Arial" panose="020B0604020202020204" pitchFamily="34" charset="0"/>
-                <a:ea typeface="Source Code Pro" panose="020B0509030403020204" pitchFamily="49" charset="0"/>
-                <a:cs typeface="Arial" panose="020B0604020202020204" pitchFamily="34" charset="0"/>
-              </a:rPr>
-              <a:t>Uruchamianie aktywności jest jednym z głównych zadań intencji</a:t>
-            </a:r>
-          </a:p>
-          <a:p>
-            <a:pPr marL="285750" indent="-285750">
-              <a:lnSpc>
-                <a:spcPct val="150000"/>
-              </a:lnSpc>
-              <a:buFont typeface="Courier New" panose="02070309020205020404" pitchFamily="49" charset="0"/>
-              <a:buChar char="o"/>
-            </a:pPr>
-            <a:r>
-              <a:rPr lang="pl-PL" sz="1800" dirty="0">
-                <a:solidFill>
-                  <a:schemeClr val="bg2"/>
-                </a:solidFill>
-                <a:latin typeface="Arial" panose="020B0604020202020204" pitchFamily="34" charset="0"/>
-                <a:ea typeface="Source Code Pro" panose="020B0509030403020204" pitchFamily="49" charset="0"/>
-                <a:cs typeface="Arial" panose="020B0604020202020204" pitchFamily="34" charset="0"/>
-              </a:rPr>
-              <a:t>Intencje uruchomieniowe zostały podzielone na dwa typy</a:t>
-            </a:r>
-          </a:p>
-          <a:p>
-            <a:pPr marL="742950" lvl="1" indent="-285750">
-              <a:lnSpc>
-                <a:spcPct val="150000"/>
-              </a:lnSpc>
-              <a:buFont typeface="Courier New" panose="02070309020205020404" pitchFamily="49" charset="0"/>
-              <a:buChar char="o"/>
-            </a:pPr>
-            <a:r>
-              <a:rPr lang="pl-PL" sz="1800" dirty="0">
-                <a:solidFill>
-                  <a:schemeClr val="bg2"/>
-                </a:solidFill>
-                <a:latin typeface="Arial" panose="020B0604020202020204" pitchFamily="34" charset="0"/>
-                <a:ea typeface="Source Code Pro" panose="020B0509030403020204" pitchFamily="49" charset="0"/>
-                <a:cs typeface="Arial" panose="020B0604020202020204" pitchFamily="34" charset="0"/>
-              </a:rPr>
-              <a:t>Jawne – z jawnie określonym obiektem który chcemy otworzyć</a:t>
-            </a:r>
-          </a:p>
-          <a:p>
-            <a:pPr marL="1200150" lvl="2" indent="-285750">
-              <a:lnSpc>
-                <a:spcPct val="150000"/>
-              </a:lnSpc>
-              <a:buFont typeface="Courier New" panose="02070309020205020404" pitchFamily="49" charset="0"/>
-              <a:buChar char="o"/>
-            </a:pPr>
-            <a:r>
-              <a:rPr lang="pl-PL" sz="1800" dirty="0">
-                <a:solidFill>
-                  <a:schemeClr val="bg2"/>
-                </a:solidFill>
-                <a:latin typeface="Arial" panose="020B0604020202020204" pitchFamily="34" charset="0"/>
-                <a:ea typeface="Source Code Pro" panose="020B0509030403020204" pitchFamily="49" charset="0"/>
-                <a:cs typeface="Arial" panose="020B0604020202020204" pitchFamily="34" charset="0"/>
-              </a:rPr>
-              <a:t>Intencja uruchamiająca aktywność </a:t>
-            </a:r>
-            <a:r>
-              <a:rPr lang="pl-PL" sz="1800" dirty="0">
-                <a:solidFill>
-                  <a:schemeClr val="bg2"/>
-                </a:solidFill>
-                <a:latin typeface="Source Code Pro" panose="020B0509030403020204" pitchFamily="49" charset="0"/>
-                <a:ea typeface="Source Code Pro" panose="020B0509030403020204" pitchFamily="49" charset="0"/>
-                <a:cs typeface="Arial" panose="020B0604020202020204" pitchFamily="34" charset="0"/>
-              </a:rPr>
-              <a:t>mojaAktywność</a:t>
-            </a:r>
-          </a:p>
-          <a:p>
-            <a:pPr lvl="1">
-              <a:lnSpc>
-                <a:spcPct val="150000"/>
-              </a:lnSpc>
-            </a:pPr>
-            <a:r>
-              <a:rPr lang="pl-PL" sz="1800" dirty="0">
-                <a:solidFill>
-                  <a:schemeClr val="bg2"/>
-                </a:solidFill>
-                <a:latin typeface="Source Code Pro" panose="020B0509030403020204" pitchFamily="49" charset="0"/>
-                <a:ea typeface="Source Code Pro" panose="020B0509030403020204" pitchFamily="49" charset="0"/>
-                <a:cs typeface="Arial" panose="020B0604020202020204" pitchFamily="34" charset="0"/>
-              </a:rPr>
-              <a:t>  	  Intent </a:t>
-            </a:r>
-            <a:r>
-              <a:rPr lang="pl-PL" sz="1800" dirty="0" err="1">
-                <a:solidFill>
-                  <a:schemeClr val="bg2"/>
-                </a:solidFill>
-                <a:latin typeface="Source Code Pro" panose="020B0509030403020204" pitchFamily="49" charset="0"/>
-                <a:ea typeface="Source Code Pro" panose="020B0509030403020204" pitchFamily="49" charset="0"/>
-                <a:cs typeface="Arial" panose="020B0604020202020204" pitchFamily="34" charset="0"/>
-              </a:rPr>
-              <a:t>intent</a:t>
-            </a:r>
-            <a:r>
-              <a:rPr lang="pl-PL" sz="1800" dirty="0">
-                <a:solidFill>
-                  <a:schemeClr val="bg2"/>
-                </a:solidFill>
-                <a:latin typeface="Source Code Pro" panose="020B0509030403020204" pitchFamily="49" charset="0"/>
-                <a:ea typeface="Source Code Pro" panose="020B0509030403020204" pitchFamily="49" charset="0"/>
-                <a:cs typeface="Arial" panose="020B0604020202020204" pitchFamily="34" charset="0"/>
-              </a:rPr>
-              <a:t> = new Intent (</a:t>
-            </a:r>
-            <a:r>
-              <a:rPr lang="pl-PL" sz="1800" dirty="0" err="1">
-                <a:solidFill>
-                  <a:schemeClr val="bg2"/>
-                </a:solidFill>
-                <a:latin typeface="Source Code Pro" panose="020B0509030403020204" pitchFamily="49" charset="0"/>
-                <a:ea typeface="Source Code Pro" panose="020B0509030403020204" pitchFamily="49" charset="0"/>
-                <a:cs typeface="Arial" panose="020B0604020202020204" pitchFamily="34" charset="0"/>
-              </a:rPr>
-              <a:t>context</a:t>
-            </a:r>
-            <a:r>
-              <a:rPr lang="pl-PL" sz="1800" dirty="0">
-                <a:solidFill>
-                  <a:schemeClr val="bg2"/>
-                </a:solidFill>
-                <a:latin typeface="Source Code Pro" panose="020B0509030403020204" pitchFamily="49" charset="0"/>
-                <a:ea typeface="Source Code Pro" panose="020B0509030403020204" pitchFamily="49" charset="0"/>
-                <a:cs typeface="Arial" panose="020B0604020202020204" pitchFamily="34" charset="0"/>
-              </a:rPr>
-              <a:t>,           	 			     mojaAktywność.class);</a:t>
-            </a:r>
-          </a:p>
-          <a:p>
-            <a:pPr lvl="1">
-              <a:lnSpc>
-                <a:spcPct val="150000"/>
-              </a:lnSpc>
-            </a:pPr>
-            <a:r>
-              <a:rPr lang="pl-PL" sz="1800" dirty="0">
-                <a:solidFill>
-                  <a:schemeClr val="bg2"/>
-                </a:solidFill>
-                <a:latin typeface="Source Code Pro" panose="020B0509030403020204" pitchFamily="49" charset="0"/>
-                <a:ea typeface="Source Code Pro" panose="020B0509030403020204" pitchFamily="49" charset="0"/>
-                <a:cs typeface="Arial" panose="020B0604020202020204" pitchFamily="34" charset="0"/>
-              </a:rPr>
-              <a:t>	  </a:t>
-            </a:r>
-            <a:r>
-              <a:rPr lang="pl-PL" sz="1800" dirty="0" err="1">
-                <a:solidFill>
-                  <a:schemeClr val="bg2"/>
-                </a:solidFill>
-                <a:latin typeface="Source Code Pro" panose="020B0509030403020204" pitchFamily="49" charset="0"/>
-                <a:ea typeface="Source Code Pro" panose="020B0509030403020204" pitchFamily="49" charset="0"/>
-                <a:cs typeface="Arial" panose="020B0604020202020204" pitchFamily="34" charset="0"/>
-              </a:rPr>
-              <a:t>startActivity</a:t>
-            </a:r>
-            <a:r>
-              <a:rPr lang="pl-PL" sz="1800" dirty="0">
-                <a:solidFill>
-                  <a:schemeClr val="bg2"/>
-                </a:solidFill>
-                <a:latin typeface="Source Code Pro" panose="020B0509030403020204" pitchFamily="49" charset="0"/>
-                <a:ea typeface="Source Code Pro" panose="020B0509030403020204" pitchFamily="49" charset="0"/>
-                <a:cs typeface="Arial" panose="020B0604020202020204" pitchFamily="34" charset="0"/>
-              </a:rPr>
-              <a:t>(</a:t>
-            </a:r>
-            <a:r>
-              <a:rPr lang="pl-PL" sz="1800" dirty="0" err="1">
-                <a:solidFill>
-                  <a:schemeClr val="bg2"/>
-                </a:solidFill>
-                <a:latin typeface="Source Code Pro" panose="020B0509030403020204" pitchFamily="49" charset="0"/>
-                <a:ea typeface="Source Code Pro" panose="020B0509030403020204" pitchFamily="49" charset="0"/>
-                <a:cs typeface="Arial" panose="020B0604020202020204" pitchFamily="34" charset="0"/>
-              </a:rPr>
-              <a:t>intent</a:t>
-            </a:r>
-            <a:r>
-              <a:rPr lang="pl-PL" sz="1800" dirty="0">
-                <a:solidFill>
-                  <a:schemeClr val="bg2"/>
-                </a:solidFill>
-                <a:latin typeface="Source Code Pro" panose="020B0509030403020204" pitchFamily="49" charset="0"/>
-                <a:ea typeface="Source Code Pro" panose="020B0509030403020204" pitchFamily="49" charset="0"/>
-                <a:cs typeface="Arial" panose="020B0604020202020204" pitchFamily="34" charset="0"/>
-              </a:rPr>
-              <a:t>);</a:t>
-            </a:r>
-          </a:p>
-          <a:p>
-            <a:pPr marL="742950" lvl="1" indent="-285750">
-              <a:lnSpc>
-                <a:spcPct val="150000"/>
-              </a:lnSpc>
-              <a:buFont typeface="Courier New" panose="02070309020205020404" pitchFamily="49" charset="0"/>
-              <a:buChar char="o"/>
-            </a:pPr>
-            <a:r>
-              <a:rPr lang="pl-PL" sz="1800" dirty="0">
-                <a:solidFill>
-                  <a:schemeClr val="bg2"/>
-                </a:solidFill>
-                <a:latin typeface="Arial" panose="020B0604020202020204" pitchFamily="34" charset="0"/>
-                <a:ea typeface="Source Code Pro" panose="020B0509030403020204" pitchFamily="49" charset="0"/>
-                <a:cs typeface="Arial" panose="020B0604020202020204" pitchFamily="34" charset="0"/>
-              </a:rPr>
-              <a:t>Domniemane – intencje zawierające informacje o tym co chcemy zrobić</a:t>
-            </a:r>
-          </a:p>
-          <a:p>
-            <a:pPr marL="1200150" lvl="2" indent="-285750">
-              <a:lnSpc>
-                <a:spcPct val="150000"/>
-              </a:lnSpc>
-              <a:buFont typeface="Courier New" panose="02070309020205020404" pitchFamily="49" charset="0"/>
-              <a:buChar char="o"/>
-            </a:pPr>
-            <a:r>
-              <a:rPr lang="pl-PL" sz="1800" dirty="0">
-                <a:solidFill>
-                  <a:schemeClr val="bg2"/>
-                </a:solidFill>
-                <a:latin typeface="Arial" panose="020B0604020202020204" pitchFamily="34" charset="0"/>
-                <a:ea typeface="Source Code Pro" panose="020B0509030403020204" pitchFamily="49" charset="0"/>
-                <a:cs typeface="Arial" panose="020B0604020202020204" pitchFamily="34" charset="0"/>
-              </a:rPr>
-              <a:t>Nie podajemy konkretnych klas które mają zadanie realizować</a:t>
-            </a:r>
-          </a:p>
-          <a:p>
-            <a:pPr marL="1200150" lvl="2" indent="-285750">
-              <a:lnSpc>
-                <a:spcPct val="150000"/>
-              </a:lnSpc>
-              <a:buFont typeface="Courier New" panose="02070309020205020404" pitchFamily="49" charset="0"/>
-              <a:buChar char="o"/>
-            </a:pPr>
-            <a:r>
-              <a:rPr lang="pl-PL" sz="1800" dirty="0">
-                <a:solidFill>
-                  <a:schemeClr val="bg2"/>
-                </a:solidFill>
-                <a:latin typeface="Arial" panose="020B0604020202020204" pitchFamily="34" charset="0"/>
-                <a:ea typeface="Source Code Pro" panose="020B0509030403020204" pitchFamily="49" charset="0"/>
-                <a:cs typeface="Arial" panose="020B0604020202020204" pitchFamily="34" charset="0"/>
-              </a:rPr>
-              <a:t>System decyduje która aktywność zostaje uruchomiona</a:t>
-            </a:r>
-          </a:p>
-          <a:p>
-            <a:pPr marL="1200150" lvl="2" indent="-285750">
-              <a:lnSpc>
-                <a:spcPct val="150000"/>
-              </a:lnSpc>
-              <a:buFont typeface="Courier New" panose="02070309020205020404" pitchFamily="49" charset="0"/>
-              <a:buChar char="o"/>
-            </a:pPr>
-            <a:r>
-              <a:rPr lang="pl-PL" sz="1800" dirty="0">
-                <a:solidFill>
-                  <a:schemeClr val="bg2"/>
-                </a:solidFill>
-                <a:latin typeface="Arial" panose="020B0604020202020204" pitchFamily="34" charset="0"/>
-                <a:ea typeface="Source Code Pro" panose="020B0509030403020204" pitchFamily="49" charset="0"/>
-                <a:cs typeface="Arial" panose="020B0604020202020204" pitchFamily="34" charset="0"/>
-              </a:rPr>
-              <a:t>Decyzje podejmuje przy pomocy Filtrów Intencji</a:t>
-            </a:r>
-          </a:p>
-          <a:p>
-            <a:pPr marL="1200150" lvl="2" indent="-285750">
-              <a:lnSpc>
-                <a:spcPct val="150000"/>
-              </a:lnSpc>
-              <a:buFont typeface="Courier New" panose="02070309020205020404" pitchFamily="49" charset="0"/>
-              <a:buChar char="o"/>
-            </a:pPr>
-            <a:r>
-              <a:rPr lang="pl-PL" sz="1800" dirty="0">
-                <a:solidFill>
-                  <a:schemeClr val="bg2"/>
-                </a:solidFill>
-                <a:latin typeface="Arial" panose="020B0604020202020204" pitchFamily="34" charset="0"/>
-                <a:ea typeface="Source Code Pro" panose="020B0509030403020204" pitchFamily="49" charset="0"/>
-                <a:cs typeface="Arial" panose="020B0604020202020204" pitchFamily="34" charset="0"/>
-              </a:rPr>
-              <a:t>Intencja pokazująca dane z adresu URL</a:t>
-            </a:r>
-          </a:p>
-          <a:p>
-            <a:pPr lvl="2">
-              <a:lnSpc>
-                <a:spcPct val="150000"/>
-              </a:lnSpc>
-            </a:pPr>
-            <a:r>
-              <a:rPr lang="pl-PL" sz="1800" dirty="0">
-                <a:solidFill>
-                  <a:schemeClr val="bg2"/>
-                </a:solidFill>
-                <a:latin typeface="Arial" panose="020B0604020202020204" pitchFamily="34" charset="0"/>
-                <a:ea typeface="Source Code Pro" panose="020B0509030403020204" pitchFamily="49" charset="0"/>
-                <a:cs typeface="Arial" panose="020B0604020202020204" pitchFamily="34" charset="0"/>
-              </a:rPr>
-              <a:t>    </a:t>
-            </a:r>
-            <a:r>
-              <a:rPr lang="pl-PL" sz="1800" dirty="0">
-                <a:solidFill>
-                  <a:schemeClr val="bg2"/>
-                </a:solidFill>
-                <a:latin typeface="Source Code Pro" panose="020B0509030403020204" pitchFamily="49" charset="0"/>
-                <a:ea typeface="Source Code Pro" panose="020B0509030403020204" pitchFamily="49" charset="0"/>
-                <a:cs typeface="Arial" panose="020B0604020202020204" pitchFamily="34" charset="0"/>
-              </a:rPr>
-              <a:t>Intent </a:t>
-            </a:r>
-            <a:r>
-              <a:rPr lang="pl-PL" sz="1800" dirty="0" err="1">
-                <a:solidFill>
-                  <a:schemeClr val="bg2"/>
-                </a:solidFill>
-                <a:latin typeface="Source Code Pro" panose="020B0509030403020204" pitchFamily="49" charset="0"/>
-                <a:ea typeface="Source Code Pro" panose="020B0509030403020204" pitchFamily="49" charset="0"/>
-                <a:cs typeface="Arial" panose="020B0604020202020204" pitchFamily="34" charset="0"/>
-              </a:rPr>
-              <a:t>intent</a:t>
-            </a:r>
-            <a:r>
-              <a:rPr lang="pl-PL" sz="1800" dirty="0">
-                <a:solidFill>
-                  <a:schemeClr val="bg2"/>
-                </a:solidFill>
-                <a:latin typeface="Source Code Pro" panose="020B0509030403020204" pitchFamily="49" charset="0"/>
-                <a:ea typeface="Source Code Pro" panose="020B0509030403020204" pitchFamily="49" charset="0"/>
-                <a:cs typeface="Arial" panose="020B0604020202020204" pitchFamily="34" charset="0"/>
-              </a:rPr>
-              <a:t> = new Intent (</a:t>
-            </a:r>
-            <a:r>
-              <a:rPr lang="pl-PL" sz="1800" dirty="0" err="1">
-                <a:solidFill>
-                  <a:schemeClr val="bg2"/>
-                </a:solidFill>
-                <a:latin typeface="Source Code Pro" panose="020B0509030403020204" pitchFamily="49" charset="0"/>
-                <a:ea typeface="Source Code Pro" panose="020B0509030403020204" pitchFamily="49" charset="0"/>
-                <a:cs typeface="Arial" panose="020B0604020202020204" pitchFamily="34" charset="0"/>
-              </a:rPr>
-              <a:t>Intent.ACTION_VIEW</a:t>
-            </a:r>
-            <a:r>
-              <a:rPr lang="pl-PL" sz="1800" dirty="0">
-                <a:solidFill>
-                  <a:schemeClr val="bg2"/>
-                </a:solidFill>
-                <a:latin typeface="Source Code Pro" panose="020B0509030403020204" pitchFamily="49" charset="0"/>
-                <a:ea typeface="Source Code Pro" panose="020B0509030403020204" pitchFamily="49" charset="0"/>
-                <a:cs typeface="Arial" panose="020B0604020202020204" pitchFamily="34" charset="0"/>
-              </a:rPr>
-              <a:t>,       		    </a:t>
-            </a:r>
-            <a:r>
-              <a:rPr lang="pl-PL" sz="1800" dirty="0" err="1">
-                <a:solidFill>
-                  <a:schemeClr val="bg2"/>
-                </a:solidFill>
-                <a:latin typeface="Source Code Pro" panose="020B0509030403020204" pitchFamily="49" charset="0"/>
-                <a:ea typeface="Source Code Pro" panose="020B0509030403020204" pitchFamily="49" charset="0"/>
-                <a:cs typeface="Arial" panose="020B0604020202020204" pitchFamily="34" charset="0"/>
-              </a:rPr>
-              <a:t>Uri.parse</a:t>
-            </a:r>
-            <a:r>
-              <a:rPr lang="pl-PL" sz="1800" dirty="0">
-                <a:solidFill>
-                  <a:schemeClr val="bg2"/>
-                </a:solidFill>
-                <a:latin typeface="Source Code Pro" panose="020B0509030403020204" pitchFamily="49" charset="0"/>
-                <a:ea typeface="Source Code Pro" panose="020B0509030403020204" pitchFamily="49" charset="0"/>
-                <a:cs typeface="Arial" panose="020B0604020202020204" pitchFamily="34" charset="0"/>
-              </a:rPr>
-              <a:t>(„www.uwr.edu.pl”));</a:t>
-            </a:r>
-            <a:endParaRPr lang="pl-PL" sz="1800" dirty="0">
+              </a:rPr>
+              <a:t>https://developer.android.com</a:t>
+            </a:r>
+          </a:p>
+        </p:txBody>
+      </p:sp>
+      <p:sp>
+        <p:nvSpPr>
+          <p:cNvPr id="7" name="pole tekstowe 6">
+            <a:extLst>
+              <a:ext uri="{FF2B5EF4-FFF2-40B4-BE49-F238E27FC236}">
+                <a16:creationId xmlns:a16="http://schemas.microsoft.com/office/drawing/2014/main" id="{42F7E57F-4CBC-6322-46B8-710F242054A4}"/>
+              </a:ext>
+            </a:extLst>
+          </p:cNvPr>
+          <p:cNvSpPr txBox="1"/>
+          <p:nvPr/>
+        </p:nvSpPr>
+        <p:spPr>
+          <a:xfrm>
+            <a:off x="1043608" y="992119"/>
+            <a:ext cx="7848871" cy="5262979"/>
+          </a:xfrm>
+          <a:prstGeom prst="rect">
+            <a:avLst/>
+          </a:prstGeom>
+          <a:noFill/>
+        </p:spPr>
+        <p:txBody>
+          <a:bodyPr wrap="square">
+            <a:spAutoFit/>
+          </a:bodyPr>
+          <a:lstStyle/>
+          <a:p>
+            <a:r>
+              <a:rPr lang="pl-PL" sz="1600" b="0" i="0" dirty="0">
+                <a:solidFill>
+                  <a:srgbClr val="2E95D3"/>
+                </a:solidFill>
+                <a:effectLst/>
+                <a:latin typeface="Söhne Mono"/>
+              </a:rPr>
+              <a:t>public</a:t>
+            </a:r>
+            <a:r>
+              <a:rPr lang="pl-PL" sz="1600" b="0" i="0" dirty="0">
+                <a:solidFill>
+                  <a:srgbClr val="FFFFFF"/>
+                </a:solidFill>
+                <a:effectLst/>
+                <a:latin typeface="Söhne Mono"/>
+              </a:rPr>
+              <a:t> </a:t>
+            </a:r>
+            <a:r>
+              <a:rPr lang="pl-PL" sz="1600" b="0" i="0" dirty="0">
+                <a:solidFill>
+                  <a:srgbClr val="2E95D3"/>
+                </a:solidFill>
+                <a:effectLst/>
+                <a:latin typeface="Söhne Mono"/>
+              </a:rPr>
+              <a:t>class</a:t>
+            </a:r>
+            <a:r>
+              <a:rPr lang="pl-PL" sz="1600" b="0" i="0" dirty="0">
+                <a:solidFill>
+                  <a:srgbClr val="FFFFFF"/>
+                </a:solidFill>
+                <a:effectLst/>
+                <a:latin typeface="Söhne Mono"/>
+              </a:rPr>
+              <a:t> </a:t>
+            </a:r>
+            <a:r>
+              <a:rPr lang="pl-PL" sz="1600" b="0" i="0" dirty="0">
+                <a:solidFill>
+                  <a:srgbClr val="F22C3D"/>
+                </a:solidFill>
+                <a:effectLst/>
+                <a:latin typeface="Söhne Mono"/>
+              </a:rPr>
+              <a:t>MainActivity</a:t>
+            </a:r>
+            <a:r>
+              <a:rPr lang="pl-PL" sz="1600" b="0" i="0" dirty="0">
+                <a:solidFill>
+                  <a:srgbClr val="FFFFFF"/>
+                </a:solidFill>
+                <a:effectLst/>
+                <a:latin typeface="Söhne Mono"/>
+              </a:rPr>
+              <a:t> </a:t>
+            </a:r>
+            <a:r>
+              <a:rPr lang="pl-PL" sz="1600" b="0" i="0" dirty="0">
+                <a:solidFill>
+                  <a:srgbClr val="2E95D3"/>
+                </a:solidFill>
+                <a:effectLst/>
+                <a:latin typeface="Söhne Mono"/>
+              </a:rPr>
+              <a:t>extends</a:t>
+            </a:r>
+            <a:r>
+              <a:rPr lang="pl-PL" sz="1600" b="0" i="0" dirty="0">
+                <a:solidFill>
+                  <a:srgbClr val="FFFFFF"/>
+                </a:solidFill>
+                <a:effectLst/>
+                <a:latin typeface="Söhne Mono"/>
+              </a:rPr>
+              <a:t> </a:t>
+            </a:r>
+            <a:r>
+              <a:rPr lang="pl-PL" sz="1600" b="0" i="0" dirty="0">
+                <a:solidFill>
+                  <a:srgbClr val="F22C3D"/>
+                </a:solidFill>
+                <a:effectLst/>
+                <a:latin typeface="Söhne Mono"/>
+              </a:rPr>
+              <a:t>AppCompatActivity</a:t>
+            </a:r>
+            <a:r>
+              <a:rPr lang="pl-PL" sz="1600" b="0" i="0" dirty="0">
+                <a:solidFill>
+                  <a:srgbClr val="FFFFFF"/>
+                </a:solidFill>
+                <a:effectLst/>
+                <a:latin typeface="Söhne Mono"/>
+              </a:rPr>
+              <a:t> { </a:t>
+            </a:r>
+          </a:p>
+          <a:p>
+            <a:r>
+              <a:rPr lang="pl-PL" sz="1600" dirty="0">
+                <a:solidFill>
+                  <a:srgbClr val="2E95D3"/>
+                </a:solidFill>
+                <a:latin typeface="Söhne Mono"/>
+              </a:rPr>
+              <a:t>        </a:t>
+            </a:r>
+            <a:r>
+              <a:rPr lang="pl-PL" sz="1600" b="0" i="0" dirty="0">
+                <a:solidFill>
+                  <a:srgbClr val="2E95D3"/>
+                </a:solidFill>
+                <a:effectLst/>
+                <a:latin typeface="Söhne Mono"/>
+              </a:rPr>
+              <a:t>private</a:t>
+            </a:r>
+            <a:r>
+              <a:rPr lang="pl-PL" sz="1600" b="0" i="0" dirty="0">
+                <a:solidFill>
+                  <a:srgbClr val="FFFFFF"/>
+                </a:solidFill>
+                <a:effectLst/>
+                <a:latin typeface="Söhne Mono"/>
+              </a:rPr>
+              <a:t> </a:t>
+            </a:r>
+            <a:r>
+              <a:rPr lang="pl-PL" sz="1600" b="0" i="0" dirty="0">
+                <a:solidFill>
+                  <a:srgbClr val="2E95D3"/>
+                </a:solidFill>
+                <a:effectLst/>
+                <a:latin typeface="Söhne Mono"/>
+              </a:rPr>
+              <a:t>static</a:t>
+            </a:r>
+            <a:r>
+              <a:rPr lang="pl-PL" sz="1600" b="0" i="0" dirty="0">
+                <a:solidFill>
+                  <a:srgbClr val="FFFFFF"/>
+                </a:solidFill>
+                <a:effectLst/>
+                <a:latin typeface="Söhne Mono"/>
+              </a:rPr>
+              <a:t> </a:t>
+            </a:r>
+            <a:r>
+              <a:rPr lang="pl-PL" sz="1600" b="0" i="0" dirty="0">
+                <a:solidFill>
+                  <a:srgbClr val="2E95D3"/>
+                </a:solidFill>
+                <a:effectLst/>
+                <a:latin typeface="Söhne Mono"/>
+              </a:rPr>
+              <a:t>final</a:t>
+            </a:r>
+            <a:r>
+              <a:rPr lang="pl-PL" sz="1600" b="0" i="0" dirty="0">
+                <a:solidFill>
+                  <a:srgbClr val="FFFFFF"/>
+                </a:solidFill>
+                <a:effectLst/>
+                <a:latin typeface="Söhne Mono"/>
+              </a:rPr>
+              <a:t> </a:t>
+            </a:r>
+            <a:r>
+              <a:rPr lang="pl-PL" sz="1600" b="0" i="0" dirty="0">
+                <a:solidFill>
+                  <a:srgbClr val="DF3079"/>
+                </a:solidFill>
+                <a:effectLst/>
+                <a:latin typeface="Söhne Mono"/>
+              </a:rPr>
+              <a:t>String</a:t>
+            </a:r>
+            <a:r>
+              <a:rPr lang="pl-PL" sz="1600" b="0" i="0" dirty="0">
+                <a:solidFill>
+                  <a:srgbClr val="FFFFFF"/>
+                </a:solidFill>
+                <a:effectLst/>
+                <a:latin typeface="Söhne Mono"/>
+              </a:rPr>
+              <a:t> </a:t>
+            </a:r>
+            <a:r>
+              <a:rPr lang="pl-PL" sz="1600" b="0" i="0" dirty="0">
+                <a:solidFill>
+                  <a:srgbClr val="DF3079"/>
+                </a:solidFill>
+                <a:effectLst/>
+                <a:latin typeface="Söhne Mono"/>
+              </a:rPr>
+              <a:t>KEY_TEXT</a:t>
+            </a:r>
+            <a:r>
+              <a:rPr lang="pl-PL" sz="1600" b="0" i="0" dirty="0">
+                <a:solidFill>
+                  <a:srgbClr val="FFFFFF"/>
+                </a:solidFill>
+                <a:effectLst/>
+                <a:latin typeface="Söhne Mono"/>
+              </a:rPr>
+              <a:t> = </a:t>
+            </a:r>
+            <a:r>
+              <a:rPr lang="pl-PL" sz="1600" b="0" i="0" dirty="0">
+                <a:solidFill>
+                  <a:srgbClr val="00A67D"/>
+                </a:solidFill>
+                <a:effectLst/>
+                <a:latin typeface="Söhne Mono"/>
+              </a:rPr>
+              <a:t>"text_key"</a:t>
+            </a:r>
+            <a:r>
+              <a:rPr lang="pl-PL" sz="1600" b="0" i="0" dirty="0">
+                <a:solidFill>
+                  <a:srgbClr val="FFFFFF"/>
+                </a:solidFill>
+                <a:effectLst/>
+                <a:latin typeface="Söhne Mono"/>
+              </a:rPr>
+              <a:t>; </a:t>
+            </a:r>
+          </a:p>
+          <a:p>
+            <a:r>
+              <a:rPr lang="pl-PL" sz="1600" b="0" i="0" dirty="0">
+                <a:solidFill>
+                  <a:srgbClr val="2E95D3"/>
+                </a:solidFill>
+                <a:effectLst/>
+                <a:latin typeface="Söhne Mono"/>
+              </a:rPr>
+              <a:t>        private </a:t>
+            </a:r>
+            <a:r>
+              <a:rPr lang="pl-PL" sz="1600" b="0" i="0" dirty="0">
+                <a:solidFill>
+                  <a:srgbClr val="DF3079"/>
+                </a:solidFill>
+                <a:effectLst/>
+                <a:latin typeface="Söhne Mono"/>
+              </a:rPr>
+              <a:t>String</a:t>
+            </a:r>
+            <a:r>
+              <a:rPr lang="pl-PL" sz="1600" b="0" i="0" dirty="0">
+                <a:solidFill>
+                  <a:srgbClr val="2E95D3"/>
+                </a:solidFill>
+                <a:effectLst/>
+                <a:latin typeface="Söhne Mono"/>
+              </a:rPr>
+              <a:t> </a:t>
+            </a:r>
+            <a:r>
+              <a:rPr lang="pl-PL" sz="1600" dirty="0">
+                <a:solidFill>
+                  <a:srgbClr val="DF3079"/>
+                </a:solidFill>
+                <a:latin typeface="Söhne Mono"/>
+              </a:rPr>
+              <a:t>saved</a:t>
+            </a:r>
+            <a:r>
+              <a:rPr lang="pl-PL" sz="1600" b="0" i="0" dirty="0">
+                <a:solidFill>
+                  <a:srgbClr val="DF3079"/>
+                </a:solidFill>
+                <a:effectLst/>
+                <a:latin typeface="Söhne Mono"/>
+              </a:rPr>
+              <a:t>Save;</a:t>
+            </a:r>
+            <a:endParaRPr lang="pl-PL" sz="1600" b="0" i="0" dirty="0">
               <a:solidFill>
-                <a:schemeClr val="bg2"/>
+                <a:srgbClr val="FFFFFF"/>
               </a:solidFill>
-              <a:latin typeface="Arial" panose="020B0604020202020204" pitchFamily="34" charset="0"/>
-              <a:ea typeface="Source Code Pro" panose="020B0509030403020204" pitchFamily="49" charset="0"/>
-              <a:cs typeface="Arial" panose="020B0604020202020204" pitchFamily="34" charset="0"/>
+              <a:effectLst/>
+              <a:latin typeface="Söhne Mono"/>
             </a:endParaRPr>
           </a:p>
           <a:p>
-            <a:pPr marL="742950" lvl="1" indent="-285750">
-              <a:lnSpc>
-                <a:spcPct val="150000"/>
-              </a:lnSpc>
-              <a:buFont typeface="Courier New" panose="02070309020205020404" pitchFamily="49" charset="0"/>
-              <a:buChar char="o"/>
-            </a:pPr>
-            <a:endParaRPr lang="pl-PL" sz="1800" dirty="0">
+            <a:r>
+              <a:rPr lang="pl-PL" sz="1600" b="0" i="0" dirty="0">
+                <a:effectLst/>
+                <a:latin typeface="Söhne Mono"/>
+              </a:rPr>
+              <a:t>        </a:t>
+            </a:r>
+          </a:p>
+          <a:p>
+            <a:r>
+              <a:rPr lang="pl-PL" sz="1600" dirty="0">
+                <a:latin typeface="Söhne Mono"/>
+              </a:rPr>
+              <a:t>       </a:t>
+            </a:r>
+            <a:r>
+              <a:rPr lang="pl-PL" sz="1600" b="0" i="0" dirty="0">
+                <a:solidFill>
+                  <a:schemeClr val="accent6">
+                    <a:lumMod val="75000"/>
+                  </a:schemeClr>
+                </a:solidFill>
+                <a:effectLst/>
+                <a:latin typeface="Söhne Mono"/>
+              </a:rPr>
+              <a:t>@Override </a:t>
+            </a:r>
+          </a:p>
+          <a:p>
+            <a:r>
+              <a:rPr lang="pl-PL" sz="1600" b="0" i="0" dirty="0">
+                <a:solidFill>
+                  <a:srgbClr val="2E95D3"/>
+                </a:solidFill>
+                <a:effectLst/>
+                <a:latin typeface="Söhne Mono"/>
+              </a:rPr>
+              <a:t>        protected</a:t>
+            </a:r>
+            <a:r>
+              <a:rPr lang="pl-PL" sz="1600" b="0" i="0" dirty="0">
+                <a:solidFill>
+                  <a:srgbClr val="FFFFFF"/>
+                </a:solidFill>
+                <a:effectLst/>
+                <a:latin typeface="Söhne Mono"/>
+              </a:rPr>
+              <a:t> </a:t>
+            </a:r>
+            <a:r>
+              <a:rPr lang="pl-PL" sz="1600" b="0" i="0" dirty="0">
+                <a:solidFill>
+                  <a:srgbClr val="2E95D3"/>
+                </a:solidFill>
+                <a:effectLst/>
+                <a:latin typeface="Söhne Mono"/>
+              </a:rPr>
+              <a:t>void</a:t>
+            </a:r>
+            <a:r>
+              <a:rPr lang="pl-PL" sz="1600" b="0" i="0" dirty="0">
+                <a:solidFill>
+                  <a:srgbClr val="FFFFFF"/>
+                </a:solidFill>
+                <a:effectLst/>
+                <a:latin typeface="Söhne Mono"/>
+              </a:rPr>
+              <a:t> </a:t>
+            </a:r>
+            <a:r>
+              <a:rPr lang="pl-PL" sz="1600" b="0" i="0" dirty="0">
+                <a:solidFill>
+                  <a:srgbClr val="F22C3D"/>
+                </a:solidFill>
+                <a:effectLst/>
+                <a:latin typeface="Söhne Mono"/>
+              </a:rPr>
+              <a:t>onCreate</a:t>
+            </a:r>
+            <a:r>
+              <a:rPr lang="pl-PL" sz="1600" b="0" i="0" dirty="0">
+                <a:solidFill>
+                  <a:srgbClr val="FFFFFF"/>
+                </a:solidFill>
+                <a:effectLst/>
+                <a:latin typeface="Söhne Mono"/>
+              </a:rPr>
+              <a:t>(Bundle savedInstanceState) { </a:t>
+            </a:r>
+          </a:p>
+          <a:p>
+            <a:r>
+              <a:rPr lang="pl-PL" sz="1600" dirty="0">
+                <a:solidFill>
+                  <a:srgbClr val="FFFFFF"/>
+                </a:solidFill>
+                <a:latin typeface="Söhne Mono"/>
+              </a:rPr>
+              <a:t>                </a:t>
+            </a:r>
+            <a:r>
+              <a:rPr lang="pl-PL" sz="1600" b="0" i="0" dirty="0">
+                <a:solidFill>
+                  <a:srgbClr val="E9950C"/>
+                </a:solidFill>
+                <a:effectLst/>
+                <a:latin typeface="Söhne Mono"/>
+              </a:rPr>
+              <a:t>super</a:t>
+            </a:r>
+            <a:r>
+              <a:rPr lang="pl-PL" sz="1600" b="0" i="0" dirty="0">
+                <a:solidFill>
+                  <a:srgbClr val="FFFFFF"/>
+                </a:solidFill>
+                <a:effectLst/>
+                <a:latin typeface="Söhne Mono"/>
+              </a:rPr>
+              <a:t>.onCreate(savedInstanceState); </a:t>
+            </a:r>
+          </a:p>
+          <a:p>
+            <a:r>
+              <a:rPr lang="pl-PL" sz="1600" dirty="0">
+                <a:solidFill>
+                  <a:srgbClr val="FFFFFF"/>
+                </a:solidFill>
+                <a:latin typeface="Söhne Mono"/>
+              </a:rPr>
+              <a:t>                </a:t>
+            </a:r>
+            <a:r>
+              <a:rPr lang="pl-PL" sz="1600" b="0" i="0" dirty="0">
+                <a:solidFill>
+                  <a:srgbClr val="FFFFFF"/>
+                </a:solidFill>
+                <a:effectLst/>
+                <a:latin typeface="Söhne Mono"/>
+              </a:rPr>
+              <a:t>setContentView(R.layout.activity_main); </a:t>
+            </a:r>
+          </a:p>
+          <a:p>
+            <a:endParaRPr lang="pl-PL" sz="1600" b="0" i="0" dirty="0">
               <a:solidFill>
-                <a:schemeClr val="bg2"/>
+                <a:srgbClr val="FFFFFF"/>
               </a:solidFill>
-              <a:latin typeface="Arial" panose="020B0604020202020204" pitchFamily="34" charset="0"/>
-              <a:ea typeface="Source Code Pro" panose="020B0509030403020204" pitchFamily="49" charset="0"/>
-              <a:cs typeface="Arial" panose="020B0604020202020204" pitchFamily="34" charset="0"/>
+              <a:effectLst/>
+              <a:latin typeface="Söhne Mono"/>
             </a:endParaRPr>
+          </a:p>
+          <a:p>
+            <a:r>
+              <a:rPr lang="pl-PL" sz="1600" dirty="0">
+                <a:solidFill>
+                  <a:srgbClr val="FFFFFF"/>
+                </a:solidFill>
+                <a:latin typeface="Söhne Mono"/>
+              </a:rPr>
+              <a:t>                </a:t>
+            </a:r>
+            <a:r>
+              <a:rPr lang="pl-PL" sz="1600" b="0" i="0" dirty="0">
+                <a:solidFill>
+                  <a:srgbClr val="2E95D3"/>
+                </a:solidFill>
+                <a:effectLst/>
+                <a:latin typeface="Söhne Mono"/>
+              </a:rPr>
+              <a:t>if</a:t>
+            </a:r>
+            <a:r>
+              <a:rPr lang="pl-PL" sz="1600" b="0" i="0" dirty="0">
+                <a:solidFill>
+                  <a:srgbClr val="FFFFFF"/>
+                </a:solidFill>
+                <a:effectLst/>
+                <a:latin typeface="Söhne Mono"/>
+              </a:rPr>
+              <a:t> (savedInstanceState != </a:t>
+            </a:r>
+            <a:r>
+              <a:rPr lang="pl-PL" sz="1600" b="0" i="0" dirty="0">
+                <a:solidFill>
+                  <a:srgbClr val="2E95D3"/>
+                </a:solidFill>
+                <a:effectLst/>
+                <a:latin typeface="Söhne Mono"/>
+              </a:rPr>
+              <a:t>null</a:t>
+            </a:r>
+            <a:r>
+              <a:rPr lang="pl-PL" sz="1600" b="0" i="0" dirty="0">
+                <a:solidFill>
+                  <a:srgbClr val="FFFFFF"/>
+                </a:solidFill>
+                <a:effectLst/>
+                <a:latin typeface="Söhne Mono"/>
+              </a:rPr>
+              <a:t>) {</a:t>
+            </a:r>
+          </a:p>
+          <a:p>
+            <a:r>
+              <a:rPr lang="pl-PL" sz="1600" b="0" i="0" dirty="0">
+                <a:solidFill>
+                  <a:srgbClr val="DF3079"/>
+                </a:solidFill>
+                <a:effectLst/>
+                <a:latin typeface="Söhne Mono"/>
+              </a:rPr>
+              <a:t>                       savedText</a:t>
+            </a:r>
+            <a:r>
+              <a:rPr lang="pl-PL" sz="1600" b="0" i="0" dirty="0">
+                <a:solidFill>
+                  <a:srgbClr val="FFFFFF"/>
+                </a:solidFill>
+                <a:effectLst/>
+                <a:latin typeface="Söhne Mono"/>
+              </a:rPr>
+              <a:t> = savedInstanceState.getString(KEY_TEXT); </a:t>
+            </a:r>
+          </a:p>
+          <a:p>
+            <a:r>
+              <a:rPr lang="pl-PL" sz="1600" b="0" i="0" dirty="0">
+                <a:solidFill>
+                  <a:srgbClr val="FFFFFF"/>
+                </a:solidFill>
+                <a:effectLst/>
+                <a:latin typeface="Söhne Mono"/>
+              </a:rPr>
+              <a:t>               }</a:t>
+            </a:r>
+          </a:p>
+          <a:p>
+            <a:r>
+              <a:rPr lang="pl-PL" sz="1600" dirty="0">
+                <a:solidFill>
+                  <a:srgbClr val="FFFFFF"/>
+                </a:solidFill>
+                <a:latin typeface="Söhne Mono"/>
+              </a:rPr>
+              <a:t>        </a:t>
+            </a:r>
+            <a:r>
+              <a:rPr lang="pl-PL" sz="1600" b="0" i="0" dirty="0">
+                <a:solidFill>
+                  <a:srgbClr val="FFFFFF"/>
+                </a:solidFill>
+                <a:effectLst/>
+                <a:latin typeface="Söhne Mono"/>
+              </a:rPr>
+              <a:t> } </a:t>
+            </a:r>
+          </a:p>
+          <a:p>
+            <a:r>
+              <a:rPr lang="pl-PL" sz="1600" dirty="0">
+                <a:solidFill>
+                  <a:srgbClr val="FFFFFF"/>
+                </a:solidFill>
+                <a:latin typeface="Söhne Mono"/>
+              </a:rPr>
+              <a:t>       </a:t>
+            </a:r>
+          </a:p>
+          <a:p>
+            <a:r>
+              <a:rPr lang="pl-PL" sz="1600" b="0" i="0" dirty="0">
+                <a:solidFill>
+                  <a:srgbClr val="FFFFFF"/>
+                </a:solidFill>
+                <a:effectLst/>
+                <a:latin typeface="Söhne Mono"/>
+              </a:rPr>
+              <a:t>        </a:t>
+            </a:r>
+            <a:r>
+              <a:rPr lang="pl-PL" sz="1600" b="0" i="0" dirty="0">
+                <a:solidFill>
+                  <a:schemeClr val="accent6">
+                    <a:lumMod val="75000"/>
+                  </a:schemeClr>
+                </a:solidFill>
+                <a:effectLst/>
+                <a:latin typeface="Söhne Mono"/>
+              </a:rPr>
+              <a:t>@Override </a:t>
+            </a:r>
+          </a:p>
+          <a:p>
+            <a:r>
+              <a:rPr lang="pl-PL" sz="1600" dirty="0">
+                <a:solidFill>
+                  <a:srgbClr val="FFFFFF"/>
+                </a:solidFill>
+                <a:latin typeface="Söhne Mono"/>
+              </a:rPr>
+              <a:t>        </a:t>
+            </a:r>
+            <a:r>
+              <a:rPr lang="pl-PL" sz="1600" b="0" i="0" dirty="0">
+                <a:solidFill>
+                  <a:srgbClr val="2E95D3"/>
+                </a:solidFill>
+                <a:effectLst/>
+                <a:latin typeface="Söhne Mono"/>
+              </a:rPr>
+              <a:t>protected</a:t>
+            </a:r>
+            <a:r>
+              <a:rPr lang="pl-PL" sz="1600" b="0" i="0" dirty="0">
+                <a:solidFill>
+                  <a:srgbClr val="FFFFFF"/>
+                </a:solidFill>
+                <a:effectLst/>
+                <a:latin typeface="Söhne Mono"/>
+              </a:rPr>
+              <a:t> </a:t>
+            </a:r>
+            <a:r>
+              <a:rPr lang="pl-PL" sz="1600" b="0" i="0" dirty="0">
+                <a:solidFill>
+                  <a:srgbClr val="2E95D3"/>
+                </a:solidFill>
+                <a:effectLst/>
+                <a:latin typeface="Söhne Mono"/>
+              </a:rPr>
+              <a:t>void</a:t>
+            </a:r>
+            <a:r>
+              <a:rPr lang="pl-PL" sz="1600" b="0" i="0" dirty="0">
+                <a:solidFill>
+                  <a:srgbClr val="FFFFFF"/>
+                </a:solidFill>
+                <a:effectLst/>
+                <a:latin typeface="Söhne Mono"/>
+              </a:rPr>
+              <a:t> </a:t>
+            </a:r>
+            <a:r>
+              <a:rPr lang="pl-PL" sz="1600" b="0" i="0" dirty="0">
+                <a:solidFill>
+                  <a:srgbClr val="F22C3D"/>
+                </a:solidFill>
+                <a:effectLst/>
+                <a:latin typeface="Söhne Mono"/>
+              </a:rPr>
+              <a:t>onSaveInstanceState</a:t>
+            </a:r>
+            <a:r>
+              <a:rPr lang="pl-PL" sz="1600" b="0" i="0" dirty="0">
+                <a:solidFill>
+                  <a:srgbClr val="FFFFFF"/>
+                </a:solidFill>
+                <a:effectLst/>
+                <a:latin typeface="Söhne Mono"/>
+              </a:rPr>
+              <a:t>(Bundle outState) {</a:t>
+            </a:r>
+          </a:p>
+          <a:p>
+            <a:r>
+              <a:rPr lang="pl-PL" sz="1600" dirty="0">
+                <a:solidFill>
+                  <a:srgbClr val="FFFFFF"/>
+                </a:solidFill>
+                <a:latin typeface="Söhne Mono"/>
+              </a:rPr>
+              <a:t>               </a:t>
+            </a:r>
+            <a:r>
+              <a:rPr lang="pl-PL" sz="1600" b="0" i="0" dirty="0">
+                <a:solidFill>
+                  <a:srgbClr val="FFFFFF"/>
+                </a:solidFill>
+                <a:effectLst/>
+                <a:latin typeface="Söhne Mono"/>
+              </a:rPr>
+              <a:t> </a:t>
+            </a:r>
+            <a:r>
+              <a:rPr lang="pl-PL" sz="1600" b="0" i="0" dirty="0">
+                <a:solidFill>
+                  <a:srgbClr val="E9950C"/>
+                </a:solidFill>
+                <a:effectLst/>
+                <a:latin typeface="Söhne Mono"/>
+              </a:rPr>
+              <a:t>super</a:t>
+            </a:r>
+            <a:r>
+              <a:rPr lang="pl-PL" sz="1600" b="0" i="0" dirty="0">
+                <a:solidFill>
+                  <a:srgbClr val="FFFFFF"/>
+                </a:solidFill>
+                <a:effectLst/>
+                <a:latin typeface="Söhne Mono"/>
+              </a:rPr>
+              <a:t>.onSaveInstanceState(outState); </a:t>
+            </a:r>
+          </a:p>
+          <a:p>
+            <a:r>
+              <a:rPr lang="pl-PL" sz="1600" dirty="0">
+                <a:solidFill>
+                  <a:srgbClr val="FFFFFF"/>
+                </a:solidFill>
+                <a:latin typeface="Söhne Mono"/>
+              </a:rPr>
+              <a:t>                </a:t>
+            </a:r>
+            <a:r>
+              <a:rPr lang="pl-PL" sz="1600" b="0" i="0" dirty="0">
+                <a:solidFill>
+                  <a:srgbClr val="DF3079"/>
+                </a:solidFill>
+                <a:effectLst/>
+                <a:latin typeface="Söhne Mono"/>
+              </a:rPr>
+              <a:t>String</a:t>
+            </a:r>
+            <a:r>
+              <a:rPr lang="pl-PL" sz="1600" b="0" i="0" dirty="0">
+                <a:solidFill>
+                  <a:srgbClr val="FFFFFF"/>
+                </a:solidFill>
+                <a:effectLst/>
+                <a:latin typeface="Söhne Mono"/>
+              </a:rPr>
+              <a:t> </a:t>
+            </a:r>
+            <a:r>
+              <a:rPr lang="pl-PL" sz="1600" b="0" i="0" dirty="0">
+                <a:solidFill>
+                  <a:srgbClr val="DF3079"/>
+                </a:solidFill>
+                <a:effectLst/>
+                <a:latin typeface="Söhne Mono"/>
+              </a:rPr>
+              <a:t>textToSave</a:t>
+            </a:r>
+            <a:r>
+              <a:rPr lang="pl-PL" sz="1600" b="0" i="0" dirty="0">
+                <a:solidFill>
+                  <a:srgbClr val="FFFFFF"/>
+                </a:solidFill>
+                <a:effectLst/>
+                <a:latin typeface="Söhne Mono"/>
+              </a:rPr>
+              <a:t> = </a:t>
+            </a:r>
+            <a:r>
+              <a:rPr lang="pl-PL" sz="1600" b="0" i="0" dirty="0">
+                <a:solidFill>
+                  <a:srgbClr val="00A67D"/>
+                </a:solidFill>
+                <a:effectLst/>
+                <a:latin typeface="Söhne Mono"/>
+              </a:rPr>
+              <a:t>"text_value"</a:t>
+            </a:r>
+            <a:endParaRPr lang="pl-PL" sz="1600" b="0" i="0" dirty="0">
+              <a:solidFill>
+                <a:srgbClr val="FFFFFF"/>
+              </a:solidFill>
+              <a:effectLst/>
+              <a:latin typeface="Söhne Mono"/>
+            </a:endParaRPr>
+          </a:p>
+          <a:p>
+            <a:r>
+              <a:rPr lang="pl-PL" sz="1600" dirty="0">
+                <a:solidFill>
+                  <a:srgbClr val="FFFFFF"/>
+                </a:solidFill>
+                <a:latin typeface="Söhne Mono"/>
+              </a:rPr>
+              <a:t>                </a:t>
+            </a:r>
+            <a:r>
+              <a:rPr lang="pl-PL" sz="1600" b="0" i="0" dirty="0">
+                <a:solidFill>
+                  <a:srgbClr val="FFFFFF"/>
+                </a:solidFill>
+                <a:effectLst/>
+                <a:latin typeface="Söhne Mono"/>
+              </a:rPr>
+              <a:t>outState.putString(KEY_TEXT, textToSave);</a:t>
+            </a:r>
+          </a:p>
+          <a:p>
+            <a:r>
+              <a:rPr lang="pl-PL" sz="1600" dirty="0">
+                <a:solidFill>
+                  <a:srgbClr val="FFFFFF"/>
+                </a:solidFill>
+                <a:latin typeface="Söhne Mono"/>
+              </a:rPr>
+              <a:t>       </a:t>
+            </a:r>
+            <a:r>
+              <a:rPr lang="pl-PL" sz="1600" b="0" i="0" dirty="0">
+                <a:solidFill>
+                  <a:srgbClr val="FFFFFF"/>
+                </a:solidFill>
+                <a:effectLst/>
+                <a:latin typeface="Söhne Mono"/>
+              </a:rPr>
+              <a:t> } </a:t>
+            </a:r>
+          </a:p>
+          <a:p>
+            <a:r>
+              <a:rPr lang="pl-PL" sz="1600" b="0" i="0" dirty="0">
+                <a:solidFill>
+                  <a:srgbClr val="FFFFFF"/>
+                </a:solidFill>
+                <a:effectLst/>
+                <a:latin typeface="Söhne Mono"/>
+              </a:rPr>
+              <a:t>}</a:t>
+            </a:r>
+            <a:endParaRPr lang="pl-PL" sz="1600" dirty="0"/>
           </a:p>
         </p:txBody>
       </p:sp>
     </p:spTree>
     <p:extLst>
       <p:ext uri="{BB962C8B-B14F-4D97-AF65-F5344CB8AC3E}">
-        <p14:creationId xmlns:p14="http://schemas.microsoft.com/office/powerpoint/2010/main" val="1666748105"/>
+        <p14:creationId xmlns:p14="http://schemas.microsoft.com/office/powerpoint/2010/main" val="3175026166"/>
       </p:ext>
     </p:extLst>
   </p:cSld>
@@ -8220,10 +9421,98 @@
       </p:grpSpPr>
       <p:sp>
         <p:nvSpPr>
-          <p:cNvPr id="7" name="TextBox 1">
+          <p:cNvPr id="4" name="Prostokąt 3">
             <a:extLst>
               <a:ext uri="{FF2B5EF4-FFF2-40B4-BE49-F238E27FC236}">
-                <a16:creationId xmlns:a16="http://schemas.microsoft.com/office/drawing/2014/main" id="{18B63D4F-5BA2-440F-9AD4-247950001015}"/>
+                <a16:creationId xmlns:a16="http://schemas.microsoft.com/office/drawing/2014/main" id="{D35F415C-CE51-C10F-D8C1-7699B8271391}"/>
+              </a:ext>
+            </a:extLst>
+          </p:cNvPr>
+          <p:cNvSpPr>
+            <a:spLocks/>
+          </p:cNvSpPr>
+          <p:nvPr/>
+        </p:nvSpPr>
+        <p:spPr>
+          <a:xfrm>
+            <a:off x="970062" y="836712"/>
+            <a:ext cx="8172400" cy="6021288"/>
+          </a:xfrm>
+          <a:prstGeom prst="rect">
+            <a:avLst/>
+          </a:prstGeom>
+          <a:solidFill>
+            <a:schemeClr val="tx1">
+              <a:lumMod val="75000"/>
+              <a:lumOff val="25000"/>
+            </a:schemeClr>
+          </a:solidFill>
+        </p:spPr>
+        <p:style>
+          <a:lnRef idx="1">
+            <a:schemeClr val="accent1"/>
+          </a:lnRef>
+          <a:fillRef idx="3">
+            <a:schemeClr val="accent1"/>
+          </a:fillRef>
+          <a:effectRef idx="2">
+            <a:schemeClr val="accent1"/>
+          </a:effectRef>
+          <a:fontRef idx="minor">
+            <a:schemeClr val="lt1"/>
+          </a:fontRef>
+        </p:style>
+        <p:txBody>
+          <a:bodyPr rtlCol="0" anchor="ctr"/>
+          <a:lstStyle/>
+          <a:p>
+            <a:pPr algn="ctr"/>
+            <a:endParaRPr lang="pl-PL"/>
+          </a:p>
+        </p:txBody>
+      </p:sp>
+      <p:sp>
+        <p:nvSpPr>
+          <p:cNvPr id="2" name="Rectangle 1"/>
+          <p:cNvSpPr/>
+          <p:nvPr/>
+        </p:nvSpPr>
+        <p:spPr>
+          <a:xfrm>
+            <a:off x="1979712" y="188640"/>
+            <a:ext cx="6696744" cy="492443"/>
+          </a:xfrm>
+          <a:prstGeom prst="rect">
+            <a:avLst/>
+          </a:prstGeom>
+        </p:spPr>
+        <p:txBody>
+          <a:bodyPr wrap="square">
+            <a:spAutoFit/>
+          </a:bodyPr>
+          <a:lstStyle/>
+          <a:p>
+            <a:pPr algn="ctr"/>
+            <a:r>
+              <a:rPr lang="pl-PL" sz="2600" dirty="0">
+                <a:solidFill>
+                  <a:schemeClr val="bg1"/>
+                </a:solidFill>
+                <a:latin typeface="Verdana" panose="020B0604030504040204" pitchFamily="34" charset="0"/>
+                <a:ea typeface="Verdana" panose="020B0604030504040204" pitchFamily="34" charset="0"/>
+                <a:cs typeface="Verdana" panose="020B0604030504040204" pitchFamily="34" charset="0"/>
+              </a:rPr>
+              <a:t>Podstawowe elementy aplikacji</a:t>
+            </a:r>
+          </a:p>
+        </p:txBody>
+      </p:sp>
+      <p:sp>
+        <p:nvSpPr>
+          <p:cNvPr id="3" name="pole tekstowe 2">
+            <a:extLst>
+              <a:ext uri="{FF2B5EF4-FFF2-40B4-BE49-F238E27FC236}">
+                <a16:creationId xmlns:a16="http://schemas.microsoft.com/office/drawing/2014/main" id="{DE844D0F-DE98-492A-8B73-1EA3ECEE4E84}"/>
               </a:ext>
             </a:extLst>
           </p:cNvPr>
@@ -8232,8 +9521,8 @@
         </p:nvSpPr>
         <p:spPr>
           <a:xfrm>
-            <a:off x="359532" y="3284984"/>
-            <a:ext cx="8424936" cy="584775"/>
+            <a:off x="1043609" y="853108"/>
+            <a:ext cx="8078688" cy="5770811"/>
           </a:xfrm>
           <a:prstGeom prst="rect">
             <a:avLst/>
@@ -8246,14 +9535,156 @@
           </a:bodyPr>
           <a:lstStyle/>
           <a:p>
-            <a:pPr algn="ctr"/>
-            <a:r>
-              <a:rPr lang="pl-PL" sz="3200" b="1" dirty="0">
+            <a:pPr algn="just">
+              <a:lnSpc>
+                <a:spcPct val="150000"/>
+              </a:lnSpc>
+            </a:pPr>
+            <a:r>
+              <a:rPr lang="pl-PL" sz="1800" dirty="0">
                 <a:solidFill>
                   <a:schemeClr val="bg1"/>
                 </a:solidFill>
               </a:rPr>
-              <a:t>Podstawowe Elementy Aplikacji</a:t>
+              <a:t>Podstawowe elementy – komponenty, klasy pierwotne z których zbudowana jest aplikacja (VM + Zasoby = APK (Android Package Kit))</a:t>
+            </a:r>
+          </a:p>
+          <a:p>
+            <a:pPr algn="just">
+              <a:lnSpc>
+                <a:spcPct val="150000"/>
+              </a:lnSpc>
+            </a:pPr>
+            <a:endParaRPr lang="pl-PL" sz="1800" dirty="0">
+              <a:solidFill>
+                <a:schemeClr val="bg1"/>
+              </a:solidFill>
+            </a:endParaRPr>
+          </a:p>
+          <a:p>
+            <a:pPr algn="just">
+              <a:lnSpc>
+                <a:spcPct val="150000"/>
+              </a:lnSpc>
+            </a:pPr>
+            <a:r>
+              <a:rPr lang="pl-PL" sz="1800" dirty="0">
+                <a:solidFill>
+                  <a:schemeClr val="bg1"/>
+                </a:solidFill>
+              </a:rPr>
+              <a:t>Każdy komponent zapewnia konkretną funkcjonalność i posiada </a:t>
+            </a:r>
+            <a:r>
+              <a:rPr lang="pl-PL" sz="1800" u="sng" dirty="0">
+                <a:solidFill>
+                  <a:schemeClr val="bg1"/>
+                </a:solidFill>
+              </a:rPr>
+              <a:t>wyodrębniony cykl życia</a:t>
+            </a:r>
+            <a:r>
+              <a:rPr lang="pl-PL" sz="1800" dirty="0">
+                <a:solidFill>
+                  <a:schemeClr val="bg1"/>
+                </a:solidFill>
+              </a:rPr>
+              <a:t>. Komponenty działają </a:t>
+            </a:r>
+            <a:r>
+              <a:rPr lang="pl-PL" sz="1800" u="sng" dirty="0">
+                <a:solidFill>
+                  <a:schemeClr val="bg1"/>
+                </a:solidFill>
+              </a:rPr>
+              <a:t>kooperacyjnie,</a:t>
+            </a:r>
+            <a:r>
+              <a:rPr lang="pl-PL" sz="1800" dirty="0">
+                <a:solidFill>
+                  <a:schemeClr val="bg1"/>
+                </a:solidFill>
+              </a:rPr>
+              <a:t> wspólnie zapewniając ukończenie określonego zadania aplikacji</a:t>
+            </a:r>
+          </a:p>
+          <a:p>
+            <a:pPr algn="just">
+              <a:lnSpc>
+                <a:spcPct val="150000"/>
+              </a:lnSpc>
+            </a:pPr>
+            <a:endParaRPr lang="pl-PL" sz="1800" dirty="0">
+              <a:solidFill>
+                <a:schemeClr val="bg1"/>
+              </a:solidFill>
+            </a:endParaRPr>
+          </a:p>
+          <a:p>
+            <a:pPr algn="just"/>
+            <a:r>
+              <a:rPr lang="pl-PL" sz="1800" dirty="0">
+                <a:solidFill>
+                  <a:schemeClr val="bg1"/>
+                </a:solidFill>
+              </a:rPr>
+              <a:t>Podstawowe elementy:</a:t>
+            </a:r>
+          </a:p>
+          <a:p>
+            <a:pPr marL="342900" indent="-342900" algn="just">
+              <a:buFont typeface="+mj-lt"/>
+              <a:buAutoNum type="arabicPeriod"/>
+            </a:pPr>
+            <a:r>
+              <a:rPr lang="pl-PL" sz="1800" dirty="0">
+                <a:solidFill>
+                  <a:schemeClr val="bg1"/>
+                </a:solidFill>
+              </a:rPr>
+              <a:t>Activities/Fragments – pojedynczy ekran z UI</a:t>
+            </a:r>
+          </a:p>
+          <a:p>
+            <a:pPr marL="342900" indent="-342900" algn="just">
+              <a:buFont typeface="+mj-lt"/>
+              <a:buAutoNum type="arabicPeriod"/>
+            </a:pPr>
+            <a:r>
+              <a:rPr lang="pl-PL" sz="1800" dirty="0">
+                <a:solidFill>
+                  <a:schemeClr val="bg1"/>
+                </a:solidFill>
+              </a:rPr>
+              <a:t>Services – Usługi są często wykorzystywane do obsługi długotrwałych operacji, zarządzania komunikacją między komponentami aplikacji oraz wykonywania operacji, które mają trwać po zamknięciu interfejsu użytkownika aplikacji</a:t>
+            </a:r>
+          </a:p>
+          <a:p>
+            <a:pPr marL="342900" indent="-342900" algn="just">
+              <a:buFont typeface="+mj-lt"/>
+              <a:buAutoNum type="arabicPeriod"/>
+            </a:pPr>
+            <a:r>
+              <a:rPr lang="pl-PL" sz="1800" dirty="0">
+                <a:solidFill>
+                  <a:schemeClr val="bg1"/>
+                </a:solidFill>
+              </a:rPr>
+              <a:t>Broadcast Receiver – pozwala aplikacji na reagowanie na różnego rodzaju zdarzenia lub komunikaty systemowe</a:t>
+            </a:r>
+          </a:p>
+          <a:p>
+            <a:pPr marL="342900" indent="-342900" algn="just">
+              <a:buFont typeface="+mj-lt"/>
+              <a:buAutoNum type="arabicPeriod"/>
+            </a:pPr>
+            <a:r>
+              <a:rPr lang="pl-PL" sz="1800" dirty="0">
+                <a:solidFill>
+                  <a:schemeClr val="bg1"/>
+                </a:solidFill>
+              </a:rPr>
+              <a:t>Content Provider – umożliwia aplikacjom dzielenie się danymi z innymi aplikacjami w sposób kontrolowany i zabezpieczony</a:t>
             </a:r>
           </a:p>
         </p:txBody>
@@ -8261,7 +9692,7 @@
     </p:spTree>
     <p:extLst>
       <p:ext uri="{BB962C8B-B14F-4D97-AF65-F5344CB8AC3E}">
-        <p14:creationId xmlns:p14="http://schemas.microsoft.com/office/powerpoint/2010/main" val="2715929198"/>
+        <p14:creationId xmlns:p14="http://schemas.microsoft.com/office/powerpoint/2010/main" val="758655208"/>
       </p:ext>
     </p:extLst>
   </p:cSld>
@@ -8302,10 +9733,98 @@
       </p:grpSpPr>
       <p:sp>
         <p:nvSpPr>
-          <p:cNvPr id="7" name="TextBox 1">
+          <p:cNvPr id="2" name="Rectangle 1"/>
+          <p:cNvSpPr/>
+          <p:nvPr/>
+        </p:nvSpPr>
+        <p:spPr>
+          <a:xfrm>
+            <a:off x="1979712" y="44624"/>
+            <a:ext cx="6696744" cy="830997"/>
+          </a:xfrm>
+          <a:prstGeom prst="rect">
+            <a:avLst/>
+          </a:prstGeom>
+        </p:spPr>
+        <p:txBody>
+          <a:bodyPr wrap="square">
+            <a:spAutoFit/>
+          </a:bodyPr>
+          <a:lstStyle/>
+          <a:p>
+            <a:pPr algn="ctr"/>
+            <a:r>
+              <a:rPr lang="pl-PL" sz="2400" dirty="0">
+                <a:solidFill>
+                  <a:schemeClr val="bg1"/>
+                </a:solidFill>
+                <a:latin typeface="Verdana" panose="020B0604030504040204" pitchFamily="34" charset="0"/>
+                <a:ea typeface="Verdana" panose="020B0604030504040204" pitchFamily="34" charset="0"/>
+                <a:cs typeface="Verdana" panose="020B0604030504040204" pitchFamily="34" charset="0"/>
+              </a:rPr>
+              <a:t>Mechanizm Komunikacji Międzyprocesowej - Intent</a:t>
+            </a:r>
+          </a:p>
+        </p:txBody>
+      </p:sp>
+      <p:sp>
+        <p:nvSpPr>
+          <p:cNvPr id="3" name="Prostokąt 2">
             <a:extLst>
               <a:ext uri="{FF2B5EF4-FFF2-40B4-BE49-F238E27FC236}">
-                <a16:creationId xmlns:a16="http://schemas.microsoft.com/office/drawing/2014/main" id="{18B63D4F-5BA2-440F-9AD4-247950001015}"/>
+                <a16:creationId xmlns:a16="http://schemas.microsoft.com/office/drawing/2014/main" id="{1B2DAFFF-649A-6A3A-CDA4-94BE3F02F0BD}"/>
+              </a:ext>
+            </a:extLst>
+          </p:cNvPr>
+          <p:cNvSpPr>
+            <a:spLocks/>
+          </p:cNvSpPr>
+          <p:nvPr/>
+        </p:nvSpPr>
+        <p:spPr>
+          <a:xfrm>
+            <a:off x="970062" y="836712"/>
+            <a:ext cx="8172400" cy="6021288"/>
+          </a:xfrm>
+          <a:prstGeom prst="rect">
+            <a:avLst/>
+          </a:prstGeom>
+          <a:solidFill>
+            <a:schemeClr val="tx1">
+              <a:lumMod val="75000"/>
+              <a:lumOff val="25000"/>
+            </a:schemeClr>
+          </a:solidFill>
+        </p:spPr>
+        <p:style>
+          <a:lnRef idx="1">
+            <a:schemeClr val="accent1"/>
+          </a:lnRef>
+          <a:fillRef idx="3">
+            <a:schemeClr val="accent1"/>
+          </a:fillRef>
+          <a:effectRef idx="2">
+            <a:schemeClr val="accent1"/>
+          </a:effectRef>
+          <a:fontRef idx="minor">
+            <a:schemeClr val="lt1"/>
+          </a:fontRef>
+        </p:style>
+        <p:txBody>
+          <a:bodyPr rtlCol="0" anchor="ctr"/>
+          <a:lstStyle/>
+          <a:p>
+            <a:pPr algn="ctr"/>
+            <a:endParaRPr lang="pl-PL" dirty="0"/>
+          </a:p>
+        </p:txBody>
+      </p:sp>
+      <p:sp>
+        <p:nvSpPr>
+          <p:cNvPr id="5" name="pole tekstowe 4">
+            <a:extLst>
+              <a:ext uri="{FF2B5EF4-FFF2-40B4-BE49-F238E27FC236}">
+                <a16:creationId xmlns:a16="http://schemas.microsoft.com/office/drawing/2014/main" id="{1EC9BDF1-71DF-1E5F-C1AA-943ABC6BF276}"/>
               </a:ext>
             </a:extLst>
           </p:cNvPr>
@@ -8314,8 +9833,8 @@
         </p:nvSpPr>
         <p:spPr>
           <a:xfrm>
-            <a:off x="359532" y="3284984"/>
-            <a:ext cx="8424936" cy="584775"/>
+            <a:off x="940439" y="871655"/>
+            <a:ext cx="8138443" cy="5632311"/>
           </a:xfrm>
           <a:prstGeom prst="rect">
             <a:avLst/>
@@ -8328,22 +9847,233 @@
           </a:bodyPr>
           <a:lstStyle/>
           <a:p>
-            <a:pPr algn="ctr"/>
-            <a:r>
-              <a:rPr lang="pl-PL" sz="3200" b="1" dirty="0">
-                <a:solidFill>
-                  <a:schemeClr val="bg1"/>
-                </a:solidFill>
-              </a:rPr>
-              <a:t>Context</a:t>
-            </a:r>
+            <a:pPr algn="just">
+              <a:buFont typeface="+mj-lt"/>
+              <a:buAutoNum type="arabicPeriod"/>
+            </a:pPr>
+            <a:r>
+              <a:rPr lang="pl-PL" sz="1800" b="1" i="0" dirty="0">
+                <a:solidFill>
+                  <a:srgbClr val="D1D5DB"/>
+                </a:solidFill>
+                <a:effectLst/>
+                <a:latin typeface="Söhne"/>
+              </a:rPr>
+              <a:t>Komunikacja między komponentami</a:t>
+            </a:r>
+            <a:r>
+              <a:rPr lang="pl-PL" sz="1800" b="0" i="0" dirty="0">
+                <a:solidFill>
+                  <a:srgbClr val="D1D5DB"/>
+                </a:solidFill>
+                <a:effectLst/>
+                <a:latin typeface="Söhne"/>
+              </a:rPr>
+              <a:t>: Intenty pozwalają na komunikację między różnymi komponentami aplikacji, takimi jak aktywności (Activity), fragmenty (Fragment), usługi (Service), oraz Broadcast Receivery.</a:t>
+            </a:r>
+          </a:p>
+          <a:p>
+            <a:pPr algn="just">
+              <a:buFont typeface="+mj-lt"/>
+              <a:buAutoNum type="arabicPeriod"/>
+            </a:pPr>
+            <a:endParaRPr lang="pl-PL" sz="1800" b="0" i="0" dirty="0">
+              <a:solidFill>
+                <a:srgbClr val="D1D5DB"/>
+              </a:solidFill>
+              <a:effectLst/>
+              <a:latin typeface="Söhne"/>
+            </a:endParaRPr>
+          </a:p>
+          <a:p>
+            <a:pPr algn="just">
+              <a:buFont typeface="+mj-lt"/>
+              <a:buAutoNum type="arabicPeriod"/>
+            </a:pPr>
+            <a:r>
+              <a:rPr lang="pl-PL" sz="1800" b="1" i="0" dirty="0">
+                <a:solidFill>
+                  <a:srgbClr val="D1D5DB"/>
+                </a:solidFill>
+                <a:effectLst/>
+                <a:latin typeface="Söhne"/>
+              </a:rPr>
+              <a:t>Wykonywanie akcji</a:t>
+            </a:r>
+            <a:r>
+              <a:rPr lang="pl-PL" sz="1800" b="0" i="0" dirty="0">
+                <a:solidFill>
+                  <a:srgbClr val="D1D5DB"/>
+                </a:solidFill>
+                <a:effectLst/>
+                <a:latin typeface="Söhne"/>
+              </a:rPr>
+              <a:t>: Intenty opisują intencje do wykonania określonej akcji, na przykład uruchomienie konkretnej aktywności, wysłanie wiadomości SMS lub otwarcie określonej strony internetowej.</a:t>
+            </a:r>
+          </a:p>
+          <a:p>
+            <a:pPr algn="just">
+              <a:buFont typeface="+mj-lt"/>
+              <a:buAutoNum type="arabicPeriod"/>
+            </a:pPr>
+            <a:endParaRPr lang="pl-PL" sz="1800" b="0" i="0" dirty="0">
+              <a:solidFill>
+                <a:srgbClr val="D1D5DB"/>
+              </a:solidFill>
+              <a:effectLst/>
+              <a:latin typeface="Söhne"/>
+            </a:endParaRPr>
+          </a:p>
+          <a:p>
+            <a:pPr algn="just">
+              <a:buFont typeface="+mj-lt"/>
+              <a:buAutoNum type="arabicPeriod"/>
+            </a:pPr>
+            <a:r>
+              <a:rPr lang="pl-PL" sz="1800" b="1" i="0" dirty="0">
+                <a:solidFill>
+                  <a:srgbClr val="D1D5DB"/>
+                </a:solidFill>
+                <a:effectLst/>
+                <a:latin typeface="Söhne"/>
+              </a:rPr>
+              <a:t>Przekazywanie danych</a:t>
+            </a:r>
+            <a:r>
+              <a:rPr lang="pl-PL" sz="1800" b="0" i="0" dirty="0">
+                <a:solidFill>
+                  <a:srgbClr val="D1D5DB"/>
+                </a:solidFill>
+                <a:effectLst/>
+                <a:latin typeface="Söhne"/>
+              </a:rPr>
+              <a:t>: Intenty mogą przekazywać dane jako dodatkowe informacje w formie paczki danych (Bundle).</a:t>
+            </a:r>
+          </a:p>
+          <a:p>
+            <a:pPr algn="just">
+              <a:buFont typeface="+mj-lt"/>
+              <a:buAutoNum type="arabicPeriod"/>
+            </a:pPr>
+            <a:endParaRPr lang="pl-PL" sz="1800" b="0" i="0" dirty="0">
+              <a:solidFill>
+                <a:srgbClr val="D1D5DB"/>
+              </a:solidFill>
+              <a:effectLst/>
+              <a:latin typeface="Söhne"/>
+            </a:endParaRPr>
+          </a:p>
+          <a:p>
+            <a:pPr algn="just">
+              <a:buFont typeface="+mj-lt"/>
+              <a:buAutoNum type="arabicPeriod"/>
+            </a:pPr>
+            <a:r>
+              <a:rPr lang="pl-PL" sz="1800" b="1" i="0" dirty="0">
+                <a:solidFill>
+                  <a:srgbClr val="D1D5DB"/>
+                </a:solidFill>
+                <a:effectLst/>
+                <a:latin typeface="Söhne"/>
+              </a:rPr>
+              <a:t>Rozgłaszanie zdarzeń (Broadcasting)</a:t>
+            </a:r>
+            <a:r>
+              <a:rPr lang="pl-PL" sz="1800" b="0" i="0" dirty="0">
+                <a:solidFill>
+                  <a:srgbClr val="D1D5DB"/>
+                </a:solidFill>
+                <a:effectLst/>
+                <a:latin typeface="Söhne"/>
+              </a:rPr>
+              <a:t>: Intenty mogą być używane do wysyłania wiadomości broadcast do innych komponentów systemu lub aplikacji. Pozwala to na powiadamianie innych komponentów o wystąpieniu określonych zdarzeń.</a:t>
+            </a:r>
+          </a:p>
+          <a:p>
+            <a:pPr algn="just">
+              <a:buFont typeface="+mj-lt"/>
+              <a:buAutoNum type="arabicPeriod"/>
+            </a:pPr>
+            <a:endParaRPr lang="pl-PL" sz="1800" b="0" i="0" dirty="0">
+              <a:solidFill>
+                <a:srgbClr val="D1D5DB"/>
+              </a:solidFill>
+              <a:effectLst/>
+              <a:latin typeface="Söhne"/>
+            </a:endParaRPr>
+          </a:p>
+          <a:p>
+            <a:pPr algn="just">
+              <a:buFont typeface="+mj-lt"/>
+              <a:buAutoNum type="arabicPeriod"/>
+            </a:pPr>
+            <a:r>
+              <a:rPr lang="pl-PL" sz="1800" b="1" i="0" dirty="0">
+                <a:solidFill>
+                  <a:srgbClr val="D1D5DB"/>
+                </a:solidFill>
+                <a:effectLst/>
+                <a:latin typeface="Söhne"/>
+              </a:rPr>
+              <a:t>Startowanie komponentów</a:t>
+            </a:r>
+            <a:r>
+              <a:rPr lang="pl-PL" sz="1800" b="0" i="0" dirty="0">
+                <a:solidFill>
+                  <a:srgbClr val="D1D5DB"/>
+                </a:solidFill>
+                <a:effectLst/>
+                <a:latin typeface="Söhne"/>
+              </a:rPr>
+              <a:t>: Intenty są używane do rozpoczęcia działania różnych komponentów, takich jak aktywności, usługi lub Broadcast Receiver.</a:t>
+            </a:r>
+          </a:p>
+          <a:p>
+            <a:pPr algn="just">
+              <a:buFont typeface="+mj-lt"/>
+              <a:buAutoNum type="arabicPeriod"/>
+            </a:pPr>
+            <a:endParaRPr lang="pl-PL" sz="1800" b="0" i="0" dirty="0">
+              <a:solidFill>
+                <a:srgbClr val="D1D5DB"/>
+              </a:solidFill>
+              <a:effectLst/>
+              <a:latin typeface="Söhne"/>
+            </a:endParaRPr>
+          </a:p>
+          <a:p>
+            <a:pPr algn="just">
+              <a:buFont typeface="+mj-lt"/>
+              <a:buAutoNum type="arabicPeriod"/>
+            </a:pPr>
+            <a:r>
+              <a:rPr lang="pl-PL" sz="1800" b="1" i="0" dirty="0">
+                <a:solidFill>
+                  <a:srgbClr val="D1D5DB"/>
+                </a:solidFill>
+                <a:effectLst/>
+                <a:latin typeface="Söhne"/>
+              </a:rPr>
+              <a:t>Odpowiedzi (Result)</a:t>
+            </a:r>
+            <a:r>
+              <a:rPr lang="pl-PL" sz="1800" b="0" i="0" dirty="0">
+                <a:solidFill>
+                  <a:srgbClr val="D1D5DB"/>
+                </a:solidFill>
+                <a:effectLst/>
+                <a:latin typeface="Söhne"/>
+              </a:rPr>
+              <a:t>: Intenty mogą być używane do oczekiwania na odpowiedź (result) od innego komponentu.</a:t>
+            </a:r>
+            <a:endParaRPr lang="pl-PL" sz="1400" dirty="0"/>
           </a:p>
         </p:txBody>
       </p:sp>
     </p:spTree>
     <p:extLst>
       <p:ext uri="{BB962C8B-B14F-4D97-AF65-F5344CB8AC3E}">
-        <p14:creationId xmlns:p14="http://schemas.microsoft.com/office/powerpoint/2010/main" val="3799995324"/>
+        <p14:creationId xmlns:p14="http://schemas.microsoft.com/office/powerpoint/2010/main" val="1329556250"/>
       </p:ext>
     </p:extLst>
   </p:cSld>
@@ -8390,8 +10120,8 @@
         </p:nvSpPr>
         <p:spPr>
           <a:xfrm>
-            <a:off x="1979712" y="188640"/>
-            <a:ext cx="7164288" cy="492443"/>
+            <a:off x="1979712" y="44624"/>
+            <a:ext cx="6696744" cy="830997"/>
           </a:xfrm>
           <a:prstGeom prst="rect">
             <a:avLst/>
@@ -8405,7 +10135,7 @@
           <a:p>
             <a:pPr algn="ctr"/>
             <a:r>
-              <a:rPr lang="pl-PL" sz="2600" dirty="0">
+              <a:rPr lang="pl-PL" sz="2400" dirty="0">
                 <a:solidFill>
                   <a:schemeClr val="bg1"/>
                 </a:solidFill>
@@ -8413,33 +10143,38 @@
                 <a:ea typeface="Verdana" panose="020B0604030504040204" pitchFamily="34" charset="0"/>
                 <a:cs typeface="Verdana" panose="020B0604030504040204" pitchFamily="34" charset="0"/>
               </a:rPr>
-              <a:t>Context</a:t>
-            </a:r>
-          </a:p>
-        </p:txBody>
-      </p:sp>
-      <p:sp>
-        <p:nvSpPr>
-          <p:cNvPr id="6" name="Prostokąt 5">
+              <a:t>Mechanizm Komunikacji Międzyprocesowej - Intent</a:t>
+            </a:r>
+          </a:p>
+        </p:txBody>
+      </p:sp>
+      <p:sp>
+        <p:nvSpPr>
+          <p:cNvPr id="3" name="Prostokąt 2">
             <a:extLst>
               <a:ext uri="{FF2B5EF4-FFF2-40B4-BE49-F238E27FC236}">
-                <a16:creationId xmlns:a16="http://schemas.microsoft.com/office/drawing/2014/main" id="{CA41B780-B57E-411C-AAD5-3D3D6912F664}"/>
+                <a16:creationId xmlns:a16="http://schemas.microsoft.com/office/drawing/2014/main" id="{1B2DAFFF-649A-6A3A-CDA4-94BE3F02F0BD}"/>
               </a:ext>
             </a:extLst>
           </p:cNvPr>
-          <p:cNvSpPr/>
+          <p:cNvSpPr>
+            <a:spLocks/>
+          </p:cNvSpPr>
           <p:nvPr/>
         </p:nvSpPr>
         <p:spPr>
           <a:xfrm>
-            <a:off x="0" y="810072"/>
-            <a:ext cx="9144000" cy="6021288"/>
+            <a:off x="970062" y="836712"/>
+            <a:ext cx="8172400" cy="6021288"/>
           </a:xfrm>
           <a:prstGeom prst="rect">
             <a:avLst/>
           </a:prstGeom>
           <a:solidFill>
-            <a:schemeClr val="tx1"/>
+            <a:schemeClr val="tx1">
+              <a:lumMod val="75000"/>
+              <a:lumOff val="25000"/>
+            </a:schemeClr>
           </a:solidFill>
         </p:spPr>
         <p:style>
@@ -8465,51 +10200,12 @@
           </a:p>
         </p:txBody>
       </p:sp>
-      <p:sp>
-        <p:nvSpPr>
-          <p:cNvPr id="5" name="pole tekstowe 4">
+      <p:pic>
+        <p:nvPicPr>
+          <p:cNvPr id="6" name="Obraz 5">
             <a:extLst>
               <a:ext uri="{FF2B5EF4-FFF2-40B4-BE49-F238E27FC236}">
-                <a16:creationId xmlns:a16="http://schemas.microsoft.com/office/drawing/2014/main" id="{0A845266-1F0E-46E2-9D26-7C185BAF40CE}"/>
-              </a:ext>
-            </a:extLst>
-          </p:cNvPr>
-          <p:cNvSpPr txBox="1"/>
-          <p:nvPr/>
-        </p:nvSpPr>
-        <p:spPr>
-          <a:xfrm>
-            <a:off x="4661756" y="6554361"/>
-            <a:ext cx="4592283" cy="276999"/>
-          </a:xfrm>
-          <a:prstGeom prst="rect">
-            <a:avLst/>
-          </a:prstGeom>
-          <a:noFill/>
-        </p:spPr>
-        <p:txBody>
-          <a:bodyPr wrap="none" rtlCol="0">
-            <a:spAutoFit/>
-          </a:bodyPr>
-          <a:lstStyle/>
-          <a:p>
-            <a:r>
-              <a:rPr lang="pl-PL" dirty="0">
-                <a:solidFill>
-                  <a:schemeClr val="bg2"/>
-                </a:solidFill>
-              </a:rPr>
-              <a:t>https://developer.android.com/reference/android/app/Activity.html</a:t>
-            </a:r>
-          </a:p>
-        </p:txBody>
-      </p:sp>
-      <p:pic>
-        <p:nvPicPr>
-          <p:cNvPr id="4" name="Obraz 3">
-            <a:extLst>
-              <a:ext uri="{FF2B5EF4-FFF2-40B4-BE49-F238E27FC236}">
-                <a16:creationId xmlns:a16="http://schemas.microsoft.com/office/drawing/2014/main" id="{359D61A9-0878-4525-9A2D-1BFEE5701BD4}"/>
+                <a16:creationId xmlns:a16="http://schemas.microsoft.com/office/drawing/2014/main" id="{DC79CD27-1916-99D0-EA72-83AEA89F5B10}"/>
               </a:ext>
             </a:extLst>
           </p:cNvPr>
@@ -8526,8 +10222,8 @@
         </p:blipFill>
         <p:spPr>
           <a:xfrm>
-            <a:off x="0" y="1143000"/>
-            <a:ext cx="9144000" cy="4572000"/>
+            <a:off x="1002769" y="836712"/>
+            <a:ext cx="8094725" cy="5956711"/>
           </a:xfrm>
           <a:prstGeom prst="rect">
             <a:avLst/>
@@ -8537,7 +10233,447 @@
     </p:spTree>
     <p:extLst>
       <p:ext uri="{BB962C8B-B14F-4D97-AF65-F5344CB8AC3E}">
-        <p14:creationId xmlns:p14="http://schemas.microsoft.com/office/powerpoint/2010/main" val="767437988"/>
+        <p14:creationId xmlns:p14="http://schemas.microsoft.com/office/powerpoint/2010/main" val="184476136"/>
+      </p:ext>
+    </p:extLst>
+  </p:cSld>
+  <p:clrMapOvr>
+    <a:masterClrMapping/>
+  </p:clrMapOvr>
+</p:sld>
+</file>
+
+<file path=ppt/slides/slide22.xml><?xml version="1.0" encoding="utf-8"?>
+<p:sld xmlns:a="http://schemas.openxmlformats.org/drawingml/2006/main" xmlns:r="http://schemas.openxmlformats.org/officeDocument/2006/relationships" xmlns:p="http://schemas.openxmlformats.org/presentationml/2006/main">
+  <p:cSld>
+    <p:bg>
+      <p:bgPr>
+        <a:blipFill dpi="0" rotWithShape="0">
+          <a:blip r:embed="rId3" cstate="print"/>
+          <a:srcRect/>
+          <a:stretch>
+            <a:fillRect/>
+          </a:stretch>
+        </a:blipFill>
+        <a:effectLst/>
+      </p:bgPr>
+    </p:bg>
+    <p:spTree>
+      <p:nvGrpSpPr>
+        <p:cNvPr id="1" name=""/>
+        <p:cNvGrpSpPr/>
+        <p:nvPr/>
+      </p:nvGrpSpPr>
+      <p:grpSpPr>
+        <a:xfrm>
+          <a:off x="0" y="0"/>
+          <a:ext cx="0" cy="0"/>
+          <a:chOff x="0" y="0"/>
+          <a:chExt cx="0" cy="0"/>
+        </a:xfrm>
+      </p:grpSpPr>
+      <p:sp>
+        <p:nvSpPr>
+          <p:cNvPr id="3" name="Prostokąt 2">
+            <a:extLst>
+              <a:ext uri="{FF2B5EF4-FFF2-40B4-BE49-F238E27FC236}">
+                <a16:creationId xmlns:a16="http://schemas.microsoft.com/office/drawing/2014/main" id="{B1A6751D-1697-75F4-FDAD-B26C06CBC1F8}"/>
+              </a:ext>
+            </a:extLst>
+          </p:cNvPr>
+          <p:cNvSpPr>
+            <a:spLocks/>
+          </p:cNvSpPr>
+          <p:nvPr/>
+        </p:nvSpPr>
+        <p:spPr>
+          <a:xfrm>
+            <a:off x="970062" y="836712"/>
+            <a:ext cx="8172400" cy="6021288"/>
+          </a:xfrm>
+          <a:prstGeom prst="rect">
+            <a:avLst/>
+          </a:prstGeom>
+          <a:solidFill>
+            <a:schemeClr val="tx1">
+              <a:lumMod val="75000"/>
+              <a:lumOff val="25000"/>
+            </a:schemeClr>
+          </a:solidFill>
+        </p:spPr>
+        <p:style>
+          <a:lnRef idx="1">
+            <a:schemeClr val="accent1"/>
+          </a:lnRef>
+          <a:fillRef idx="3">
+            <a:schemeClr val="accent1"/>
+          </a:fillRef>
+          <a:effectRef idx="2">
+            <a:schemeClr val="accent1"/>
+          </a:effectRef>
+          <a:fontRef idx="minor">
+            <a:schemeClr val="lt1"/>
+          </a:fontRef>
+        </p:style>
+        <p:txBody>
+          <a:bodyPr rtlCol="0" anchor="ctr"/>
+          <a:lstStyle/>
+          <a:p>
+            <a:pPr algn="ctr"/>
+            <a:endParaRPr lang="pl-PL" dirty="0"/>
+          </a:p>
+        </p:txBody>
+      </p:sp>
+      <p:sp>
+        <p:nvSpPr>
+          <p:cNvPr id="2" name="Rectangle 1"/>
+          <p:cNvSpPr/>
+          <p:nvPr/>
+        </p:nvSpPr>
+        <p:spPr>
+          <a:xfrm>
+            <a:off x="1979712" y="188640"/>
+            <a:ext cx="6696744" cy="492443"/>
+          </a:xfrm>
+          <a:prstGeom prst="rect">
+            <a:avLst/>
+          </a:prstGeom>
+        </p:spPr>
+        <p:txBody>
+          <a:bodyPr wrap="square">
+            <a:spAutoFit/>
+          </a:bodyPr>
+          <a:lstStyle/>
+          <a:p>
+            <a:pPr algn="ctr"/>
+            <a:r>
+              <a:rPr lang="pl-PL" sz="2600" dirty="0">
+                <a:solidFill>
+                  <a:schemeClr val="bg1"/>
+                </a:solidFill>
+                <a:latin typeface="Verdana" panose="020B0604030504040204" pitchFamily="34" charset="0"/>
+                <a:ea typeface="Verdana" panose="020B0604030504040204" pitchFamily="34" charset="0"/>
+                <a:cs typeface="Verdana" panose="020B0604030504040204" pitchFamily="34" charset="0"/>
+              </a:rPr>
+              <a:t>Mechanizm Intencji</a:t>
+            </a:r>
+          </a:p>
+        </p:txBody>
+      </p:sp>
+      <p:sp>
+        <p:nvSpPr>
+          <p:cNvPr id="5" name="pole tekstowe 4">
+            <a:extLst>
+              <a:ext uri="{FF2B5EF4-FFF2-40B4-BE49-F238E27FC236}">
+                <a16:creationId xmlns:a16="http://schemas.microsoft.com/office/drawing/2014/main" id="{2D05CE3F-37A8-456E-B2FD-719E8893838C}"/>
+              </a:ext>
+            </a:extLst>
+          </p:cNvPr>
+          <p:cNvSpPr txBox="1"/>
+          <p:nvPr/>
+        </p:nvSpPr>
+        <p:spPr>
+          <a:xfrm>
+            <a:off x="899592" y="688015"/>
+            <a:ext cx="8172400" cy="6273512"/>
+          </a:xfrm>
+          <a:prstGeom prst="rect">
+            <a:avLst/>
+          </a:prstGeom>
+          <a:noFill/>
+        </p:spPr>
+        <p:txBody>
+          <a:bodyPr wrap="square" rtlCol="0">
+            <a:spAutoFit/>
+          </a:bodyPr>
+          <a:lstStyle/>
+          <a:p>
+            <a:pPr marL="285750" indent="-285750">
+              <a:lnSpc>
+                <a:spcPct val="150000"/>
+              </a:lnSpc>
+              <a:buFont typeface="Courier New" panose="02070309020205020404" pitchFamily="49" charset="0"/>
+              <a:buChar char="o"/>
+            </a:pPr>
+            <a:r>
+              <a:rPr lang="pl-PL" sz="1800" dirty="0">
+                <a:solidFill>
+                  <a:schemeClr val="bg2"/>
+                </a:solidFill>
+                <a:latin typeface="Arial" panose="020B0604020202020204" pitchFamily="34" charset="0"/>
+                <a:ea typeface="Source Code Pro" panose="020B0509030403020204" pitchFamily="49" charset="0"/>
+                <a:cs typeface="Arial" panose="020B0604020202020204" pitchFamily="34" charset="0"/>
+              </a:rPr>
+              <a:t>Uruchamianie aktywności jest jednym z głównych zadań intencji</a:t>
+            </a:r>
+          </a:p>
+          <a:p>
+            <a:pPr marL="285750" indent="-285750">
+              <a:lnSpc>
+                <a:spcPct val="150000"/>
+              </a:lnSpc>
+              <a:buFont typeface="Courier New" panose="02070309020205020404" pitchFamily="49" charset="0"/>
+              <a:buChar char="o"/>
+            </a:pPr>
+            <a:r>
+              <a:rPr lang="pl-PL" sz="1800" dirty="0">
+                <a:solidFill>
+                  <a:schemeClr val="bg2"/>
+                </a:solidFill>
+                <a:latin typeface="Arial" panose="020B0604020202020204" pitchFamily="34" charset="0"/>
+                <a:ea typeface="Source Code Pro" panose="020B0509030403020204" pitchFamily="49" charset="0"/>
+                <a:cs typeface="Arial" panose="020B0604020202020204" pitchFamily="34" charset="0"/>
+              </a:rPr>
+              <a:t>Intencje uruchomieniowe zostały podzielone na dwa typy</a:t>
+            </a:r>
+          </a:p>
+          <a:p>
+            <a:pPr marL="742950" lvl="1" indent="-285750">
+              <a:lnSpc>
+                <a:spcPct val="150000"/>
+              </a:lnSpc>
+              <a:buFont typeface="Courier New" panose="02070309020205020404" pitchFamily="49" charset="0"/>
+              <a:buChar char="o"/>
+            </a:pPr>
+            <a:r>
+              <a:rPr lang="pl-PL" sz="1800" dirty="0">
+                <a:solidFill>
+                  <a:schemeClr val="bg2"/>
+                </a:solidFill>
+                <a:latin typeface="Arial" panose="020B0604020202020204" pitchFamily="34" charset="0"/>
+                <a:ea typeface="Source Code Pro" panose="020B0509030403020204" pitchFamily="49" charset="0"/>
+                <a:cs typeface="Arial" panose="020B0604020202020204" pitchFamily="34" charset="0"/>
+              </a:rPr>
+              <a:t>Jawne – z jawnie określonym obiektem który chcemy otworzyć</a:t>
+            </a:r>
+          </a:p>
+          <a:p>
+            <a:pPr marL="1200150" lvl="2" indent="-285750">
+              <a:lnSpc>
+                <a:spcPct val="150000"/>
+              </a:lnSpc>
+              <a:buFont typeface="Courier New" panose="02070309020205020404" pitchFamily="49" charset="0"/>
+              <a:buChar char="o"/>
+            </a:pPr>
+            <a:r>
+              <a:rPr lang="pl-PL" sz="1800" dirty="0">
+                <a:solidFill>
+                  <a:schemeClr val="bg2"/>
+                </a:solidFill>
+                <a:latin typeface="Arial" panose="020B0604020202020204" pitchFamily="34" charset="0"/>
+                <a:ea typeface="Source Code Pro" panose="020B0509030403020204" pitchFamily="49" charset="0"/>
+                <a:cs typeface="Arial" panose="020B0604020202020204" pitchFamily="34" charset="0"/>
+              </a:rPr>
+              <a:t>Intencja uruchamiająca aktywność </a:t>
+            </a:r>
+            <a:r>
+              <a:rPr lang="pl-PL" sz="1800" dirty="0">
+                <a:solidFill>
+                  <a:schemeClr val="bg2"/>
+                </a:solidFill>
+                <a:latin typeface="Source Code Pro" panose="020B0509030403020204" pitchFamily="49" charset="0"/>
+                <a:ea typeface="Source Code Pro" panose="020B0509030403020204" pitchFamily="49" charset="0"/>
+                <a:cs typeface="Arial" panose="020B0604020202020204" pitchFamily="34" charset="0"/>
+              </a:rPr>
+              <a:t>mojaAktywność</a:t>
+            </a:r>
+          </a:p>
+          <a:p>
+            <a:pPr lvl="1">
+              <a:lnSpc>
+                <a:spcPct val="150000"/>
+              </a:lnSpc>
+            </a:pPr>
+            <a:r>
+              <a:rPr lang="pl-PL" sz="1800" dirty="0">
+                <a:solidFill>
+                  <a:schemeClr val="bg2"/>
+                </a:solidFill>
+                <a:latin typeface="Source Code Pro" panose="020B0509030403020204" pitchFamily="49" charset="0"/>
+                <a:ea typeface="Source Code Pro" panose="020B0509030403020204" pitchFamily="49" charset="0"/>
+                <a:cs typeface="Arial" panose="020B0604020202020204" pitchFamily="34" charset="0"/>
+              </a:rPr>
+              <a:t>  	  Intent intent = new Intent (context,           	 			     mojaAktywność.class);</a:t>
+            </a:r>
+          </a:p>
+          <a:p>
+            <a:pPr lvl="1">
+              <a:lnSpc>
+                <a:spcPct val="150000"/>
+              </a:lnSpc>
+            </a:pPr>
+            <a:r>
+              <a:rPr lang="pl-PL" sz="1800" dirty="0">
+                <a:solidFill>
+                  <a:schemeClr val="bg2"/>
+                </a:solidFill>
+                <a:latin typeface="Source Code Pro" panose="020B0509030403020204" pitchFamily="49" charset="0"/>
+                <a:ea typeface="Source Code Pro" panose="020B0509030403020204" pitchFamily="49" charset="0"/>
+                <a:cs typeface="Arial" panose="020B0604020202020204" pitchFamily="34" charset="0"/>
+              </a:rPr>
+              <a:t>	  startActivity(intent);</a:t>
+            </a:r>
+          </a:p>
+          <a:p>
+            <a:pPr marL="742950" lvl="1" indent="-285750">
+              <a:lnSpc>
+                <a:spcPct val="150000"/>
+              </a:lnSpc>
+              <a:buFont typeface="Courier New" panose="02070309020205020404" pitchFamily="49" charset="0"/>
+              <a:buChar char="o"/>
+            </a:pPr>
+            <a:r>
+              <a:rPr lang="pl-PL" sz="1800" dirty="0">
+                <a:solidFill>
+                  <a:schemeClr val="bg2"/>
+                </a:solidFill>
+                <a:latin typeface="Arial" panose="020B0604020202020204" pitchFamily="34" charset="0"/>
+                <a:ea typeface="Source Code Pro" panose="020B0509030403020204" pitchFamily="49" charset="0"/>
+                <a:cs typeface="Arial" panose="020B0604020202020204" pitchFamily="34" charset="0"/>
+              </a:rPr>
+              <a:t>Domniemane – intencje zawierające informacje o tym co chcemy zrobić</a:t>
+            </a:r>
+          </a:p>
+          <a:p>
+            <a:pPr marL="1200150" lvl="2" indent="-285750">
+              <a:lnSpc>
+                <a:spcPct val="150000"/>
+              </a:lnSpc>
+              <a:buFont typeface="Courier New" panose="02070309020205020404" pitchFamily="49" charset="0"/>
+              <a:buChar char="o"/>
+            </a:pPr>
+            <a:r>
+              <a:rPr lang="pl-PL" sz="1800" dirty="0">
+                <a:solidFill>
+                  <a:schemeClr val="bg2"/>
+                </a:solidFill>
+                <a:latin typeface="Arial" panose="020B0604020202020204" pitchFamily="34" charset="0"/>
+                <a:ea typeface="Source Code Pro" panose="020B0509030403020204" pitchFamily="49" charset="0"/>
+                <a:cs typeface="Arial" panose="020B0604020202020204" pitchFamily="34" charset="0"/>
+              </a:rPr>
+              <a:t>Nie podajemy konkretnych klas które mają zadanie realizować</a:t>
+            </a:r>
+          </a:p>
+          <a:p>
+            <a:pPr marL="1200150" lvl="2" indent="-285750">
+              <a:lnSpc>
+                <a:spcPct val="150000"/>
+              </a:lnSpc>
+              <a:buFont typeface="Courier New" panose="02070309020205020404" pitchFamily="49" charset="0"/>
+              <a:buChar char="o"/>
+            </a:pPr>
+            <a:r>
+              <a:rPr lang="pl-PL" sz="1800" dirty="0">
+                <a:solidFill>
+                  <a:schemeClr val="bg2"/>
+                </a:solidFill>
+                <a:latin typeface="Arial" panose="020B0604020202020204" pitchFamily="34" charset="0"/>
+                <a:ea typeface="Source Code Pro" panose="020B0509030403020204" pitchFamily="49" charset="0"/>
+                <a:cs typeface="Arial" panose="020B0604020202020204" pitchFamily="34" charset="0"/>
+              </a:rPr>
+              <a:t>System decyduje która aktywność zostaje uruchomiona</a:t>
+            </a:r>
+          </a:p>
+          <a:p>
+            <a:pPr marL="1200150" lvl="2" indent="-285750">
+              <a:lnSpc>
+                <a:spcPct val="150000"/>
+              </a:lnSpc>
+              <a:buFont typeface="Courier New" panose="02070309020205020404" pitchFamily="49" charset="0"/>
+              <a:buChar char="o"/>
+            </a:pPr>
+            <a:r>
+              <a:rPr lang="pl-PL" sz="1800" dirty="0">
+                <a:solidFill>
+                  <a:schemeClr val="bg2"/>
+                </a:solidFill>
+                <a:latin typeface="Arial" panose="020B0604020202020204" pitchFamily="34" charset="0"/>
+                <a:ea typeface="Source Code Pro" panose="020B0509030403020204" pitchFamily="49" charset="0"/>
+                <a:cs typeface="Arial" panose="020B0604020202020204" pitchFamily="34" charset="0"/>
+              </a:rPr>
+              <a:t>Decyzje podejmuje przy pomocy Filtrów Intencji</a:t>
+            </a:r>
+          </a:p>
+          <a:p>
+            <a:pPr marL="1200150" lvl="2" indent="-285750">
+              <a:lnSpc>
+                <a:spcPct val="150000"/>
+              </a:lnSpc>
+              <a:buFont typeface="Courier New" panose="02070309020205020404" pitchFamily="49" charset="0"/>
+              <a:buChar char="o"/>
+            </a:pPr>
+            <a:r>
+              <a:rPr lang="pl-PL" sz="1800" dirty="0">
+                <a:solidFill>
+                  <a:schemeClr val="bg2"/>
+                </a:solidFill>
+                <a:latin typeface="Arial" panose="020B0604020202020204" pitchFamily="34" charset="0"/>
+                <a:ea typeface="Source Code Pro" panose="020B0509030403020204" pitchFamily="49" charset="0"/>
+                <a:cs typeface="Arial" panose="020B0604020202020204" pitchFamily="34" charset="0"/>
+              </a:rPr>
+              <a:t>Intencja pokazująca dane z adresu URL</a:t>
+            </a:r>
+          </a:p>
+          <a:p>
+            <a:pPr lvl="2">
+              <a:lnSpc>
+                <a:spcPct val="150000"/>
+              </a:lnSpc>
+            </a:pPr>
+            <a:r>
+              <a:rPr lang="pl-PL" sz="1800" dirty="0">
+                <a:solidFill>
+                  <a:schemeClr val="bg2"/>
+                </a:solidFill>
+                <a:latin typeface="Arial" panose="020B0604020202020204" pitchFamily="34" charset="0"/>
+                <a:ea typeface="Source Code Pro" panose="020B0509030403020204" pitchFamily="49" charset="0"/>
+                <a:cs typeface="Arial" panose="020B0604020202020204" pitchFamily="34" charset="0"/>
+              </a:rPr>
+              <a:t>    </a:t>
+            </a:r>
+            <a:r>
+              <a:rPr lang="pl-PL" sz="1800" dirty="0">
+                <a:solidFill>
+                  <a:schemeClr val="bg2"/>
+                </a:solidFill>
+                <a:latin typeface="Source Code Pro" panose="020B0509030403020204" pitchFamily="49" charset="0"/>
+                <a:ea typeface="Source Code Pro" panose="020B0509030403020204" pitchFamily="49" charset="0"/>
+                <a:cs typeface="Arial" panose="020B0604020202020204" pitchFamily="34" charset="0"/>
+              </a:rPr>
+              <a:t>Intent intent = new Intent (Intent.ACTION_VIEW,       		    Uri.parse(„www.uwr.edu.pl”));</a:t>
+            </a:r>
+            <a:endParaRPr lang="pl-PL" sz="1800" dirty="0">
+              <a:solidFill>
+                <a:schemeClr val="bg2"/>
+              </a:solidFill>
+              <a:latin typeface="Arial" panose="020B0604020202020204" pitchFamily="34" charset="0"/>
+              <a:ea typeface="Source Code Pro" panose="020B0509030403020204" pitchFamily="49" charset="0"/>
+              <a:cs typeface="Arial" panose="020B0604020202020204" pitchFamily="34" charset="0"/>
+            </a:endParaRPr>
+          </a:p>
+          <a:p>
+            <a:pPr marL="742950" lvl="1" indent="-285750">
+              <a:lnSpc>
+                <a:spcPct val="150000"/>
+              </a:lnSpc>
+              <a:buFont typeface="Courier New" panose="02070309020205020404" pitchFamily="49" charset="0"/>
+              <a:buChar char="o"/>
+            </a:pPr>
+            <a:endParaRPr lang="pl-PL" sz="1800" dirty="0">
+              <a:solidFill>
+                <a:schemeClr val="bg2"/>
+              </a:solidFill>
+              <a:latin typeface="Arial" panose="020B0604020202020204" pitchFamily="34" charset="0"/>
+              <a:ea typeface="Source Code Pro" panose="020B0509030403020204" pitchFamily="49" charset="0"/>
+              <a:cs typeface="Arial" panose="020B0604020202020204" pitchFamily="34" charset="0"/>
+            </a:endParaRPr>
+          </a:p>
+        </p:txBody>
+      </p:sp>
+    </p:spTree>
+    <p:extLst>
+      <p:ext uri="{BB962C8B-B14F-4D97-AF65-F5344CB8AC3E}">
+        <p14:creationId xmlns:p14="http://schemas.microsoft.com/office/powerpoint/2010/main" val="1666748105"/>
       </p:ext>
     </p:extLst>
   </p:cSld>
@@ -8578,62 +10714,31 @@
       </p:grpSpPr>
       <p:sp>
         <p:nvSpPr>
-          <p:cNvPr id="2" name="Rectangle 1"/>
-          <p:cNvSpPr/>
-          <p:nvPr/>
-        </p:nvSpPr>
-        <p:spPr>
-          <a:xfrm>
-            <a:off x="1979712" y="188640"/>
-            <a:ext cx="6696744" cy="492443"/>
-          </a:xfrm>
-          <a:prstGeom prst="rect">
-            <a:avLst/>
-          </a:prstGeom>
-        </p:spPr>
-        <p:txBody>
-          <a:bodyPr wrap="square">
-            <a:spAutoFit/>
-          </a:bodyPr>
-          <a:lstStyle/>
-          <a:p>
-            <a:pPr algn="ctr"/>
-            <a:r>
-              <a:rPr lang="pl-PL" sz="2600" dirty="0">
-                <a:solidFill>
-                  <a:schemeClr val="bg1"/>
-                </a:solidFill>
-                <a:latin typeface="Verdana" panose="020B0604030504040204" pitchFamily="34" charset="0"/>
-                <a:ea typeface="Verdana" panose="020B0604030504040204" pitchFamily="34" charset="0"/>
-                <a:cs typeface="Verdana" panose="020B0604030504040204" pitchFamily="34" charset="0"/>
-              </a:rPr>
-              <a:t>Podstawowe elementy aplikacji</a:t>
-            </a:r>
-          </a:p>
-        </p:txBody>
-      </p:sp>
-      <p:sp>
-        <p:nvSpPr>
-          <p:cNvPr id="6" name="Prostokąt 5">
+          <p:cNvPr id="4" name="Prostokąt 3">
             <a:extLst>
               <a:ext uri="{FF2B5EF4-FFF2-40B4-BE49-F238E27FC236}">
-                <a16:creationId xmlns:a16="http://schemas.microsoft.com/office/drawing/2014/main" id="{B483F383-749C-4DE4-ACCC-8253AFF3C42A}"/>
+                <a16:creationId xmlns:a16="http://schemas.microsoft.com/office/drawing/2014/main" id="{D35F415C-CE51-C10F-D8C1-7699B8271391}"/>
               </a:ext>
             </a:extLst>
           </p:cNvPr>
-          <p:cNvSpPr/>
+          <p:cNvSpPr>
+            <a:spLocks/>
+          </p:cNvSpPr>
           <p:nvPr/>
         </p:nvSpPr>
         <p:spPr>
           <a:xfrm>
-            <a:off x="971600" y="836712"/>
-            <a:ext cx="8150696" cy="6021288"/>
+            <a:off x="970062" y="836712"/>
+            <a:ext cx="8172400" cy="6021288"/>
           </a:xfrm>
           <a:prstGeom prst="rect">
             <a:avLst/>
           </a:prstGeom>
           <a:solidFill>
-            <a:schemeClr val="tx1"/>
+            <a:schemeClr val="tx1">
+              <a:lumMod val="75000"/>
+              <a:lumOff val="25000"/>
+            </a:schemeClr>
           </a:solidFill>
         </p:spPr>
         <p:style>
@@ -8655,196 +10760,80 @@
           <a:lstStyle/>
           <a:p>
             <a:pPr algn="ctr"/>
-            <a:endParaRPr lang="pl-PL" dirty="0"/>
-          </a:p>
-        </p:txBody>
-      </p:sp>
-      <p:sp>
-        <p:nvSpPr>
-          <p:cNvPr id="3" name="pole tekstowe 2">
-            <a:extLst>
-              <a:ext uri="{FF2B5EF4-FFF2-40B4-BE49-F238E27FC236}">
-                <a16:creationId xmlns:a16="http://schemas.microsoft.com/office/drawing/2014/main" id="{DE844D0F-DE98-492A-8B73-1EA3ECEE4E84}"/>
-              </a:ext>
-            </a:extLst>
-          </p:cNvPr>
-          <p:cNvSpPr txBox="1"/>
+            <a:endParaRPr lang="pl-PL"/>
+          </a:p>
+        </p:txBody>
+      </p:sp>
+      <p:sp>
+        <p:nvSpPr>
+          <p:cNvPr id="2" name="Rectangle 1"/>
+          <p:cNvSpPr/>
           <p:nvPr/>
         </p:nvSpPr>
         <p:spPr>
           <a:xfrm>
-            <a:off x="1043609" y="853108"/>
-            <a:ext cx="8078688" cy="5027017"/>
+            <a:off x="1979712" y="30396"/>
+            <a:ext cx="6696744" cy="892552"/>
           </a:xfrm>
           <a:prstGeom prst="rect">
             <a:avLst/>
           </a:prstGeom>
-          <a:noFill/>
         </p:spPr>
         <p:txBody>
-          <a:bodyPr wrap="square" rtlCol="0">
+          <a:bodyPr wrap="square">
             <a:spAutoFit/>
           </a:bodyPr>
           <a:lstStyle/>
           <a:p>
-            <a:pPr algn="just">
-              <a:lnSpc>
-                <a:spcPct val="150000"/>
-              </a:lnSpc>
-            </a:pPr>
-            <a:r>
-              <a:rPr lang="pl-PL" sz="1800" dirty="0">
+            <a:pPr algn="ctr"/>
+            <a:r>
+              <a:rPr lang="pl-PL" sz="2600" dirty="0">
                 <a:solidFill>
                   <a:schemeClr val="bg1"/>
                 </a:solidFill>
-              </a:rPr>
-              <a:t>Podstawowe elementy – komponenty, klasy pierwotne z których zbudowana jest aplikacja (VM + Zasoby = APK (Android Package Kit))</a:t>
-            </a:r>
-          </a:p>
-          <a:p>
-            <a:pPr algn="just">
-              <a:lnSpc>
-                <a:spcPct val="150000"/>
-              </a:lnSpc>
-            </a:pPr>
-            <a:endParaRPr lang="pl-PL" sz="1800" dirty="0">
-              <a:solidFill>
-                <a:schemeClr val="bg1"/>
-              </a:solidFill>
-            </a:endParaRPr>
-          </a:p>
-          <a:p>
-            <a:pPr algn="just">
-              <a:lnSpc>
-                <a:spcPct val="150000"/>
-              </a:lnSpc>
-            </a:pPr>
-            <a:r>
-              <a:rPr lang="pl-PL" sz="1800" dirty="0">
-                <a:solidFill>
-                  <a:schemeClr val="bg1"/>
-                </a:solidFill>
-              </a:rPr>
-              <a:t>Każdy komponent zapewnia konkretną funkcjonalność i posiada wyodrębniony cykl życia. Komponenty działają kooperacyjnie wspólnie zapewniając ukończenie określonego zadania aplikacji</a:t>
-            </a:r>
-          </a:p>
-          <a:p>
-            <a:pPr algn="just">
-              <a:lnSpc>
-                <a:spcPct val="150000"/>
-              </a:lnSpc>
-            </a:pPr>
-            <a:endParaRPr lang="pl-PL" sz="1800" dirty="0">
-              <a:solidFill>
-                <a:schemeClr val="bg1"/>
-              </a:solidFill>
-            </a:endParaRPr>
-          </a:p>
-          <a:p>
-            <a:pPr algn="just">
-              <a:lnSpc>
-                <a:spcPct val="150000"/>
-              </a:lnSpc>
-            </a:pPr>
-            <a:r>
-              <a:rPr lang="pl-PL" sz="1800" dirty="0">
-                <a:solidFill>
-                  <a:schemeClr val="bg1"/>
-                </a:solidFill>
-              </a:rPr>
-              <a:t>Podstawowe elementy:</a:t>
-            </a:r>
-          </a:p>
-          <a:p>
-            <a:pPr marL="342900" indent="-342900" algn="just">
-              <a:lnSpc>
-                <a:spcPct val="150000"/>
-              </a:lnSpc>
-              <a:buFont typeface="+mj-lt"/>
-              <a:buAutoNum type="arabicPeriod"/>
-            </a:pPr>
-            <a:r>
-              <a:rPr lang="pl-PL" sz="1800" dirty="0">
-                <a:solidFill>
-                  <a:schemeClr val="bg1"/>
-                </a:solidFill>
-              </a:rPr>
-              <a:t>Activities/Fragments – pojedynczy ekran z UI</a:t>
-            </a:r>
-          </a:p>
-          <a:p>
-            <a:pPr marL="342900" indent="-342900" algn="just">
-              <a:lnSpc>
-                <a:spcPct val="150000"/>
-              </a:lnSpc>
-              <a:buFont typeface="+mj-lt"/>
-              <a:buAutoNum type="arabicPeriod"/>
-            </a:pPr>
-            <a:r>
-              <a:rPr lang="pl-PL" sz="1800" dirty="0">
-                <a:solidFill>
-                  <a:schemeClr val="bg1"/>
-                </a:solidFill>
-              </a:rPr>
-              <a:t>Services – long running tasks in the background</a:t>
-            </a:r>
-          </a:p>
-          <a:p>
-            <a:pPr marL="342900" indent="-342900" algn="just">
-              <a:lnSpc>
-                <a:spcPct val="150000"/>
-              </a:lnSpc>
-              <a:buFont typeface="+mj-lt"/>
-              <a:buAutoNum type="arabicPeriod"/>
-            </a:pPr>
-            <a:r>
-              <a:rPr lang="pl-PL" sz="1800" dirty="0">
-                <a:solidFill>
-                  <a:schemeClr val="bg1"/>
-                </a:solidFill>
-              </a:rPr>
-              <a:t>Broadcast Receiver – responds to system-</a:t>
-            </a:r>
-            <a:r>
-              <a:rPr lang="pl-PL" sz="1800" dirty="0" err="1">
-                <a:solidFill>
-                  <a:schemeClr val="bg1"/>
-                </a:solidFill>
-              </a:rPr>
-              <a:t>wide</a:t>
-            </a:r>
-            <a:r>
-              <a:rPr lang="pl-PL" sz="1800" dirty="0">
-                <a:solidFill>
-                  <a:schemeClr val="bg1"/>
-                </a:solidFill>
-              </a:rPr>
-              <a:t> announcements</a:t>
-            </a:r>
-          </a:p>
-          <a:p>
-            <a:pPr marL="342900" indent="-342900" algn="just">
-              <a:lnSpc>
-                <a:spcPct val="150000"/>
-              </a:lnSpc>
-              <a:buFont typeface="+mj-lt"/>
-              <a:buAutoNum type="arabicPeriod"/>
-            </a:pPr>
-            <a:r>
-              <a:rPr lang="pl-PL" sz="1800" dirty="0">
-                <a:solidFill>
-                  <a:schemeClr val="bg1"/>
-                </a:solidFill>
-              </a:rPr>
-              <a:t>Content Provider</a:t>
-            </a:r>
-          </a:p>
-        </p:txBody>
-      </p:sp>
+                <a:latin typeface="Verdana" panose="020B0604030504040204" pitchFamily="34" charset="0"/>
+                <a:ea typeface="Verdana" panose="020B0604030504040204" pitchFamily="34" charset="0"/>
+                <a:cs typeface="Verdana" panose="020B0604030504040204" pitchFamily="34" charset="0"/>
+              </a:rPr>
+              <a:t>Podstawowe elementy aplikacji - Context</a:t>
+            </a:r>
+          </a:p>
+        </p:txBody>
+      </p:sp>
+      <p:pic>
+        <p:nvPicPr>
+          <p:cNvPr id="6" name="Obraz 5">
+            <a:extLst>
+              <a:ext uri="{FF2B5EF4-FFF2-40B4-BE49-F238E27FC236}">
+                <a16:creationId xmlns:a16="http://schemas.microsoft.com/office/drawing/2014/main" id="{640B3A56-2EA6-4B10-16F7-637A1CE6016E}"/>
+              </a:ext>
+            </a:extLst>
+          </p:cNvPr>
+          <p:cNvPicPr>
+            <a:picLocks noChangeAspect="1"/>
+          </p:cNvPicPr>
+          <p:nvPr/>
+        </p:nvPicPr>
+        <p:blipFill>
+          <a:blip r:embed="rId4"/>
+          <a:stretch>
+            <a:fillRect/>
+          </a:stretch>
+        </p:blipFill>
+        <p:spPr>
+          <a:xfrm>
+            <a:off x="1296131" y="1340768"/>
+            <a:ext cx="7412588" cy="5040560"/>
+          </a:xfrm>
+          <a:prstGeom prst="rect">
+            <a:avLst/>
+          </a:prstGeom>
+        </p:spPr>
+      </p:pic>
     </p:spTree>
     <p:extLst>
       <p:ext uri="{BB962C8B-B14F-4D97-AF65-F5344CB8AC3E}">
-        <p14:creationId xmlns:p14="http://schemas.microsoft.com/office/powerpoint/2010/main" val="758655208"/>
+        <p14:creationId xmlns:p14="http://schemas.microsoft.com/office/powerpoint/2010/main" val="1179983575"/>
       </p:ext>
     </p:extLst>
   </p:cSld>
@@ -8885,62 +10874,31 @@
       </p:grpSpPr>
       <p:sp>
         <p:nvSpPr>
-          <p:cNvPr id="2" name="Rectangle 1"/>
-          <p:cNvSpPr/>
-          <p:nvPr/>
-        </p:nvSpPr>
-        <p:spPr>
-          <a:xfrm>
-            <a:off x="1979712" y="188640"/>
-            <a:ext cx="6696744" cy="492443"/>
-          </a:xfrm>
-          <a:prstGeom prst="rect">
-            <a:avLst/>
-          </a:prstGeom>
-        </p:spPr>
-        <p:txBody>
-          <a:bodyPr wrap="square">
-            <a:spAutoFit/>
-          </a:bodyPr>
-          <a:lstStyle/>
-          <a:p>
-            <a:pPr algn="ctr"/>
-            <a:r>
-              <a:rPr lang="pl-PL" sz="2600" dirty="0">
-                <a:solidFill>
-                  <a:schemeClr val="bg1"/>
-                </a:solidFill>
-                <a:latin typeface="Verdana" panose="020B0604030504040204" pitchFamily="34" charset="0"/>
-                <a:ea typeface="Verdana" panose="020B0604030504040204" pitchFamily="34" charset="0"/>
-                <a:cs typeface="Verdana" panose="020B0604030504040204" pitchFamily="34" charset="0"/>
-              </a:rPr>
-              <a:t>Podstawowe elementy aplikacji</a:t>
-            </a:r>
-          </a:p>
-        </p:txBody>
-      </p:sp>
-      <p:sp>
-        <p:nvSpPr>
-          <p:cNvPr id="6" name="Prostokąt 5">
+          <p:cNvPr id="4" name="Prostokąt 3">
             <a:extLst>
               <a:ext uri="{FF2B5EF4-FFF2-40B4-BE49-F238E27FC236}">
-                <a16:creationId xmlns:a16="http://schemas.microsoft.com/office/drawing/2014/main" id="{B483F383-749C-4DE4-ACCC-8253AFF3C42A}"/>
+                <a16:creationId xmlns:a16="http://schemas.microsoft.com/office/drawing/2014/main" id="{D35F415C-CE51-C10F-D8C1-7699B8271391}"/>
               </a:ext>
             </a:extLst>
           </p:cNvPr>
-          <p:cNvSpPr/>
+          <p:cNvSpPr>
+            <a:spLocks/>
+          </p:cNvSpPr>
           <p:nvPr/>
         </p:nvSpPr>
         <p:spPr>
           <a:xfrm>
-            <a:off x="21703" y="836712"/>
-            <a:ext cx="9100593" cy="6021288"/>
+            <a:off x="970062" y="836712"/>
+            <a:ext cx="8172400" cy="6021288"/>
           </a:xfrm>
           <a:prstGeom prst="rect">
             <a:avLst/>
           </a:prstGeom>
           <a:solidFill>
-            <a:schemeClr val="tx1"/>
+            <a:schemeClr val="tx1">
+              <a:lumMod val="75000"/>
+              <a:lumOff val="25000"/>
+            </a:schemeClr>
           </a:solidFill>
         </p:spPr>
         <p:style>
@@ -8968,10 +10926,46 @@
       </p:sp>
       <p:sp>
         <p:nvSpPr>
+          <p:cNvPr id="2" name="Rectangle 1"/>
+          <p:cNvSpPr/>
+          <p:nvPr/>
+        </p:nvSpPr>
+        <p:spPr>
+          <a:xfrm>
+            <a:off x="1979712" y="30396"/>
+            <a:ext cx="6696744" cy="892552"/>
+          </a:xfrm>
+          <a:prstGeom prst="rect">
+            <a:avLst/>
+          </a:prstGeom>
+        </p:spPr>
+        <p:txBody>
+          <a:bodyPr wrap="square">
+            <a:spAutoFit/>
+          </a:bodyPr>
+          <a:lstStyle/>
+          <a:p>
+            <a:pPr algn="ctr"/>
+            <a:r>
+              <a:rPr lang="pl-PL" sz="2600" dirty="0">
+                <a:solidFill>
+                  <a:schemeClr val="bg1"/>
+                </a:solidFill>
+                <a:latin typeface="Verdana" panose="020B0604030504040204" pitchFamily="34" charset="0"/>
+                <a:ea typeface="Verdana" panose="020B0604030504040204" pitchFamily="34" charset="0"/>
+                <a:cs typeface="Verdana" panose="020B0604030504040204" pitchFamily="34" charset="0"/>
+              </a:rPr>
+              <a:t>Podstawowe elementy aplikacji - Context</a:t>
+            </a:r>
+          </a:p>
+        </p:txBody>
+      </p:sp>
+      <p:sp>
+        <p:nvSpPr>
           <p:cNvPr id="3" name="pole tekstowe 2">
             <a:extLst>
               <a:ext uri="{FF2B5EF4-FFF2-40B4-BE49-F238E27FC236}">
-                <a16:creationId xmlns:a16="http://schemas.microsoft.com/office/drawing/2014/main" id="{DE844D0F-DE98-492A-8B73-1EA3ECEE4E84}"/>
+                <a16:creationId xmlns:a16="http://schemas.microsoft.com/office/drawing/2014/main" id="{89F04564-C7FD-8611-88ED-0C22185C0D3E}"/>
               </a:ext>
             </a:extLst>
           </p:cNvPr>
@@ -8980,8 +10974,8 @@
         </p:nvSpPr>
         <p:spPr>
           <a:xfrm>
-            <a:off x="0" y="853108"/>
-            <a:ext cx="9122297" cy="2949525"/>
+            <a:off x="4139678" y="1052736"/>
+            <a:ext cx="1944763" cy="523220"/>
           </a:xfrm>
           <a:prstGeom prst="rect">
             <a:avLst/>
@@ -8989,166 +10983,33 @@
           <a:noFill/>
         </p:spPr>
         <p:txBody>
-          <a:bodyPr wrap="square" rtlCol="0">
+          <a:bodyPr wrap="none" rtlCol="0">
             <a:spAutoFit/>
           </a:bodyPr>
           <a:lstStyle/>
           <a:p>
-            <a:pPr marL="285750" indent="-285750" algn="just">
-              <a:lnSpc>
-                <a:spcPct val="150000"/>
-              </a:lnSpc>
-              <a:buFont typeface="Courier New" panose="02070309020205020404" pitchFamily="49" charset="0"/>
-              <a:buChar char="o"/>
-            </a:pPr>
-            <a:r>
-              <a:rPr lang="pl-PL" sz="1800" dirty="0">
+            <a:r>
+              <a:rPr lang="pl-PL" sz="2800" dirty="0">
                 <a:solidFill>
                   <a:schemeClr val="bg1"/>
                 </a:solidFill>
               </a:rPr>
-              <a:t>Activity Class – obiekt, pojedyncze GUI, które poza wyświetlaniem / zbieraniem danych zapewnia pewną funkcjonalność</a:t>
-            </a:r>
-            <a:endParaRPr lang="pl-PL" sz="1800" i="1" dirty="0">
+              <a:t>Application</a:t>
+            </a:r>
+            <a:endParaRPr lang="pl-PL" dirty="0">
               <a:solidFill>
                 <a:schemeClr val="bg1"/>
               </a:solidFill>
             </a:endParaRPr>
           </a:p>
-          <a:p>
-            <a:pPr marL="285750" indent="-285750" algn="just">
-              <a:lnSpc>
-                <a:spcPct val="150000"/>
-              </a:lnSpc>
-              <a:buFont typeface="Courier New" panose="02070309020205020404" pitchFamily="49" charset="0"/>
-              <a:buChar char="o"/>
-            </a:pPr>
-            <a:r>
-              <a:rPr lang="pl-PL" sz="1800" dirty="0">
-                <a:solidFill>
-                  <a:schemeClr val="bg1"/>
-                </a:solidFill>
-              </a:rPr>
-              <a:t>Typowo aplikacje zawierają jeden lub więcej obiektów </a:t>
-            </a:r>
-            <a:r>
-              <a:rPr lang="pl-PL" sz="1800" i="1" dirty="0">
-                <a:solidFill>
-                  <a:schemeClr val="bg1"/>
-                </a:solidFill>
-              </a:rPr>
-              <a:t>Activity</a:t>
-            </a:r>
-            <a:endParaRPr lang="pl-PL" sz="1800" dirty="0">
-              <a:solidFill>
-                <a:schemeClr val="bg1"/>
-              </a:solidFill>
-            </a:endParaRPr>
-          </a:p>
-          <a:p>
-            <a:pPr marL="285750" indent="-285750" algn="just">
-              <a:lnSpc>
-                <a:spcPct val="150000"/>
-              </a:lnSpc>
-              <a:buFont typeface="Courier New" panose="02070309020205020404" pitchFamily="49" charset="0"/>
-              <a:buChar char="o"/>
-            </a:pPr>
-            <a:r>
-              <a:rPr lang="pl-PL" sz="1800" dirty="0">
-                <a:solidFill>
-                  <a:schemeClr val="bg1"/>
-                </a:solidFill>
-              </a:rPr>
-              <a:t>Aplikacje muszą wyznaczyć jedną czynność jako </a:t>
-            </a:r>
-            <a:r>
-              <a:rPr lang="pl-PL" sz="1800" i="1" dirty="0">
-                <a:solidFill>
-                  <a:schemeClr val="bg1"/>
-                </a:solidFill>
-              </a:rPr>
-              <a:t>main task/entry point. </a:t>
-            </a:r>
-            <a:r>
-              <a:rPr lang="pl-PL" sz="1800" dirty="0">
-                <a:solidFill>
-                  <a:schemeClr val="bg1"/>
-                </a:solidFill>
-              </a:rPr>
-              <a:t>Ta czynność jest uruchamiana jako pierwsza gdy aplikacja jest włączana</a:t>
-            </a:r>
-          </a:p>
-          <a:p>
-            <a:pPr marL="285750" indent="-285750" algn="just">
-              <a:lnSpc>
-                <a:spcPct val="150000"/>
-              </a:lnSpc>
-              <a:buFont typeface="Courier New" panose="02070309020205020404" pitchFamily="49" charset="0"/>
-              <a:buChar char="o"/>
-            </a:pPr>
-            <a:r>
-              <a:rPr lang="pl-PL" sz="1800" dirty="0">
-                <a:solidFill>
-                  <a:schemeClr val="bg1"/>
-                </a:solidFill>
-              </a:rPr>
-              <a:t>Czynność może przekazać kontrolę i dane do innej czynności poprzez protokół komunikacji międzyprocesowej </a:t>
-            </a:r>
-            <a:r>
-              <a:rPr lang="pl-PL" sz="1800" i="1" dirty="0">
-                <a:solidFill>
-                  <a:schemeClr val="bg1"/>
-                </a:solidFill>
-              </a:rPr>
-              <a:t>intents  - </a:t>
-            </a:r>
-            <a:r>
-              <a:rPr lang="pl-PL" sz="1800" dirty="0">
-                <a:solidFill>
-                  <a:schemeClr val="bg1"/>
-                </a:solidFill>
-              </a:rPr>
-              <a:t>proces logowania</a:t>
-            </a:r>
-          </a:p>
-        </p:txBody>
-      </p:sp>
-      <p:pic>
-        <p:nvPicPr>
-          <p:cNvPr id="4" name="Obraz 3">
+        </p:txBody>
+      </p:sp>
+      <p:sp>
+        <p:nvSpPr>
+          <p:cNvPr id="7" name="pole tekstowe 6">
             <a:extLst>
               <a:ext uri="{FF2B5EF4-FFF2-40B4-BE49-F238E27FC236}">
-                <a16:creationId xmlns:a16="http://schemas.microsoft.com/office/drawing/2014/main" id="{84070EC6-774D-4741-BC65-E6FBC00310DF}"/>
-              </a:ext>
-            </a:extLst>
-          </p:cNvPr>
-          <p:cNvPicPr>
-            <a:picLocks noChangeAspect="1"/>
-          </p:cNvPicPr>
-          <p:nvPr/>
-        </p:nvPicPr>
-        <p:blipFill>
-          <a:blip r:embed="rId4"/>
-          <a:stretch>
-            <a:fillRect/>
-          </a:stretch>
-        </p:blipFill>
-        <p:spPr>
-          <a:xfrm>
-            <a:off x="1835696" y="3852297"/>
-            <a:ext cx="5185048" cy="3022099"/>
-          </a:xfrm>
-          <a:prstGeom prst="rect">
-            <a:avLst/>
-          </a:prstGeom>
-        </p:spPr>
-      </p:pic>
-      <p:sp>
-        <p:nvSpPr>
-          <p:cNvPr id="5" name="pole tekstowe 4">
-            <a:extLst>
-              <a:ext uri="{FF2B5EF4-FFF2-40B4-BE49-F238E27FC236}">
-                <a16:creationId xmlns:a16="http://schemas.microsoft.com/office/drawing/2014/main" id="{8B1F98A9-AB43-463B-B1AD-A238673D8691}"/>
+                <a16:creationId xmlns:a16="http://schemas.microsoft.com/office/drawing/2014/main" id="{5A89B82E-B0B9-8EB8-6B23-B3A046364414}"/>
               </a:ext>
             </a:extLst>
           </p:cNvPr>
@@ -9157,8 +11018,8 @@
         </p:nvSpPr>
         <p:spPr>
           <a:xfrm>
-            <a:off x="7475882" y="6392361"/>
-            <a:ext cx="1075038" cy="276999"/>
+            <a:off x="950195" y="1729264"/>
+            <a:ext cx="8173938" cy="3785652"/>
           </a:xfrm>
           <a:prstGeom prst="rect">
             <a:avLst/>
@@ -9166,39 +11027,101 @@
           <a:noFill/>
         </p:spPr>
         <p:txBody>
-          <a:bodyPr wrap="none" rtlCol="0">
+          <a:bodyPr wrap="square" rtlCol="0">
             <a:spAutoFit/>
           </a:bodyPr>
           <a:lstStyle/>
           <a:p>
-            <a:r>
-              <a:rPr lang="pl-PL" b="1" dirty="0">
+            <a:pPr marL="342900" indent="-342900" algn="just">
+              <a:buFont typeface="Arial" panose="020B0604020202020204" pitchFamily="34" charset="0"/>
+              <a:buChar char="•"/>
+            </a:pPr>
+            <a:r>
+              <a:rPr lang="pl-PL" sz="2000" dirty="0">
                 <a:solidFill>
                   <a:schemeClr val="bg1"/>
                 </a:solidFill>
               </a:rPr>
-              <a:t>BACHA </a:t>
-            </a:r>
-            <a:r>
-              <a:rPr lang="pl-PL" b="1" dirty="0" err="1">
+              <a:t>Globalny dostęp: Application Context dostarcza globalny dostęp do zasobów aplikacji np. takich jak pliki zasobów (katalog </a:t>
+            </a:r>
+            <a:r>
+              <a:rPr lang="pl-PL" sz="2000" i="1" dirty="0">
                 <a:solidFill>
                   <a:schemeClr val="bg1"/>
                 </a:solidFill>
               </a:rPr>
-              <a:t>Soft</a:t>
-            </a:r>
-            <a:endParaRPr lang="pl-PL" dirty="0">
+              <a:t>res, </a:t>
+            </a:r>
+            <a:r>
+              <a:rPr lang="pl-PL" sz="2000" dirty="0">
+                <a:solidFill>
+                  <a:schemeClr val="bg1"/>
+                </a:solidFill>
+              </a:rPr>
+              <a:t>klasa R)</a:t>
+            </a:r>
+          </a:p>
+          <a:p>
+            <a:pPr marL="342900" indent="-342900" algn="just">
+              <a:buFont typeface="Arial" panose="020B0604020202020204" pitchFamily="34" charset="0"/>
+              <a:buChar char="•"/>
+            </a:pPr>
+            <a:endParaRPr lang="pl-PL" sz="2000" dirty="0">
               <a:solidFill>
                 <a:schemeClr val="bg1"/>
               </a:solidFill>
             </a:endParaRPr>
           </a:p>
+          <a:p>
+            <a:pPr marL="342900" indent="-342900" algn="just">
+              <a:buFont typeface="Arial" panose="020B0604020202020204" pitchFamily="34" charset="0"/>
+              <a:buChar char="•"/>
+            </a:pPr>
+            <a:r>
+              <a:rPr lang="pl-PL" sz="2000" dirty="0">
+                <a:solidFill>
+                  <a:schemeClr val="bg1"/>
+                </a:solidFill>
+              </a:rPr>
+              <a:t>Długi cykl życia: Application Context jest tworzony raz podczas uruchamiania aplikacji i pozostaje dostępny przez cały czas życia aplikacji. Nie jest on powiązany z cyklem życia konkretnego Activity, więc można go używać nawet po zamknięciu Activity.</a:t>
+            </a:r>
+          </a:p>
+          <a:p>
+            <a:pPr marL="342900" indent="-342900" algn="just">
+              <a:buFont typeface="Arial" panose="020B0604020202020204" pitchFamily="34" charset="0"/>
+              <a:buChar char="•"/>
+            </a:pPr>
+            <a:endParaRPr lang="pl-PL" sz="2000" dirty="0">
+              <a:solidFill>
+                <a:schemeClr val="bg1"/>
+              </a:solidFill>
+            </a:endParaRPr>
+          </a:p>
+          <a:p>
+            <a:pPr marL="342900" indent="-342900" algn="just">
+              <a:buFont typeface="Arial" panose="020B0604020202020204" pitchFamily="34" charset="0"/>
+              <a:buChar char="•"/>
+            </a:pPr>
+            <a:r>
+              <a:rPr lang="pl-PL" sz="2000" dirty="0">
+                <a:solidFill>
+                  <a:schemeClr val="bg1"/>
+                </a:solidFill>
+              </a:rPr>
+              <a:t>Bezpieczne do użycia w dłuższych operacjach: Application Context jest bezpieczny do użycia w dłuższych operacjach, które mogą być wykonywane w tle, ponieważ nie jest związany z cyklem życia UI i nie powinien prowadzić do wycieków pamięci.</a:t>
+            </a:r>
+            <a:endParaRPr lang="pl-PL" sz="1050" dirty="0">
+              <a:solidFill>
+                <a:schemeClr val="bg1"/>
+              </a:solidFill>
+            </a:endParaRPr>
+          </a:p>
         </p:txBody>
       </p:sp>
     </p:spTree>
     <p:extLst>
       <p:ext uri="{BB962C8B-B14F-4D97-AF65-F5344CB8AC3E}">
-        <p14:creationId xmlns:p14="http://schemas.microsoft.com/office/powerpoint/2010/main" val="28629014"/>
+        <p14:creationId xmlns:p14="http://schemas.microsoft.com/office/powerpoint/2010/main" val="1214803691"/>
       </p:ext>
     </p:extLst>
   </p:cSld>
@@ -9239,62 +11162,31 @@
       </p:grpSpPr>
       <p:sp>
         <p:nvSpPr>
-          <p:cNvPr id="2" name="Rectangle 1"/>
-          <p:cNvSpPr/>
-          <p:nvPr/>
-        </p:nvSpPr>
-        <p:spPr>
-          <a:xfrm>
-            <a:off x="1979712" y="188640"/>
-            <a:ext cx="6696744" cy="492443"/>
-          </a:xfrm>
-          <a:prstGeom prst="rect">
-            <a:avLst/>
-          </a:prstGeom>
-        </p:spPr>
-        <p:txBody>
-          <a:bodyPr wrap="square">
-            <a:spAutoFit/>
-          </a:bodyPr>
-          <a:lstStyle/>
-          <a:p>
-            <a:pPr algn="ctr"/>
-            <a:r>
-              <a:rPr lang="pl-PL" sz="2600" dirty="0">
-                <a:solidFill>
-                  <a:schemeClr val="bg1"/>
-                </a:solidFill>
-                <a:latin typeface="Verdana" panose="020B0604030504040204" pitchFamily="34" charset="0"/>
-                <a:ea typeface="Verdana" panose="020B0604030504040204" pitchFamily="34" charset="0"/>
-                <a:cs typeface="Verdana" panose="020B0604030504040204" pitchFamily="34" charset="0"/>
-              </a:rPr>
-              <a:t>Podstawowe elementy aplikacji</a:t>
-            </a:r>
-          </a:p>
-        </p:txBody>
-      </p:sp>
-      <p:sp>
-        <p:nvSpPr>
-          <p:cNvPr id="6" name="Prostokąt 5">
+          <p:cNvPr id="4" name="Prostokąt 3">
             <a:extLst>
               <a:ext uri="{FF2B5EF4-FFF2-40B4-BE49-F238E27FC236}">
-                <a16:creationId xmlns:a16="http://schemas.microsoft.com/office/drawing/2014/main" id="{B483F383-749C-4DE4-ACCC-8253AFF3C42A}"/>
+                <a16:creationId xmlns:a16="http://schemas.microsoft.com/office/drawing/2014/main" id="{D35F415C-CE51-C10F-D8C1-7699B8271391}"/>
               </a:ext>
             </a:extLst>
           </p:cNvPr>
-          <p:cNvSpPr/>
+          <p:cNvSpPr>
+            <a:spLocks/>
+          </p:cNvSpPr>
           <p:nvPr/>
         </p:nvSpPr>
         <p:spPr>
           <a:xfrm>
-            <a:off x="21703" y="836712"/>
-            <a:ext cx="9100593" cy="6021288"/>
+            <a:off x="970062" y="836712"/>
+            <a:ext cx="8172400" cy="6021288"/>
           </a:xfrm>
           <a:prstGeom prst="rect">
             <a:avLst/>
           </a:prstGeom>
           <a:solidFill>
-            <a:schemeClr val="tx1"/>
+            <a:schemeClr val="tx1">
+              <a:lumMod val="75000"/>
+              <a:lumOff val="25000"/>
+            </a:schemeClr>
           </a:solidFill>
         </p:spPr>
         <p:style>
@@ -9322,10 +11214,46 @@
       </p:sp>
       <p:sp>
         <p:nvSpPr>
+          <p:cNvPr id="2" name="Rectangle 1"/>
+          <p:cNvSpPr/>
+          <p:nvPr/>
+        </p:nvSpPr>
+        <p:spPr>
+          <a:xfrm>
+            <a:off x="1979712" y="30396"/>
+            <a:ext cx="6696744" cy="892552"/>
+          </a:xfrm>
+          <a:prstGeom prst="rect">
+            <a:avLst/>
+          </a:prstGeom>
+        </p:spPr>
+        <p:txBody>
+          <a:bodyPr wrap="square">
+            <a:spAutoFit/>
+          </a:bodyPr>
+          <a:lstStyle/>
+          <a:p>
+            <a:pPr algn="ctr"/>
+            <a:r>
+              <a:rPr lang="pl-PL" sz="2600" dirty="0">
+                <a:solidFill>
+                  <a:schemeClr val="bg1"/>
+                </a:solidFill>
+                <a:latin typeface="Verdana" panose="020B0604030504040204" pitchFamily="34" charset="0"/>
+                <a:ea typeface="Verdana" panose="020B0604030504040204" pitchFamily="34" charset="0"/>
+                <a:cs typeface="Verdana" panose="020B0604030504040204" pitchFamily="34" charset="0"/>
+              </a:rPr>
+              <a:t>Podstawowe elementy aplikacji - Context</a:t>
+            </a:r>
+          </a:p>
+        </p:txBody>
+      </p:sp>
+      <p:sp>
+        <p:nvSpPr>
           <p:cNvPr id="3" name="pole tekstowe 2">
             <a:extLst>
               <a:ext uri="{FF2B5EF4-FFF2-40B4-BE49-F238E27FC236}">
-                <a16:creationId xmlns:a16="http://schemas.microsoft.com/office/drawing/2014/main" id="{DE844D0F-DE98-492A-8B73-1EA3ECEE4E84}"/>
+                <a16:creationId xmlns:a16="http://schemas.microsoft.com/office/drawing/2014/main" id="{89F04564-C7FD-8611-88ED-0C22185C0D3E}"/>
               </a:ext>
             </a:extLst>
           </p:cNvPr>
@@ -9334,8 +11262,8 @@
         </p:nvSpPr>
         <p:spPr>
           <a:xfrm>
-            <a:off x="21703" y="853108"/>
-            <a:ext cx="9100594" cy="2534027"/>
+            <a:off x="4139678" y="1052736"/>
+            <a:ext cx="1944763" cy="523220"/>
           </a:xfrm>
           <a:prstGeom prst="rect">
             <a:avLst/>
@@ -9343,115 +11271,82 @@
           <a:noFill/>
         </p:spPr>
         <p:txBody>
-          <a:bodyPr wrap="square" rtlCol="0">
+          <a:bodyPr wrap="none" rtlCol="0">
             <a:spAutoFit/>
           </a:bodyPr>
           <a:lstStyle/>
           <a:p>
-            <a:pPr marL="285750" indent="-285750" algn="just">
-              <a:lnSpc>
-                <a:spcPct val="150000"/>
-              </a:lnSpc>
-              <a:buFont typeface="Courier New" panose="02070309020205020404" pitchFamily="49" charset="0"/>
-              <a:buChar char="o"/>
-            </a:pPr>
-            <a:r>
-              <a:rPr lang="pl-PL" sz="1800" dirty="0">
+            <a:r>
+              <a:rPr lang="pl-PL" sz="2800" dirty="0">
                 <a:solidFill>
                   <a:schemeClr val="bg1"/>
                 </a:solidFill>
               </a:rPr>
-              <a:t>Service Class – specjalny typ aktywności – nie posiada </a:t>
-            </a:r>
-            <a:r>
-              <a:rPr lang="pl-PL" sz="1800" i="1" dirty="0">
-                <a:solidFill>
-                  <a:schemeClr val="bg1"/>
-                </a:solidFill>
-              </a:rPr>
-              <a:t>Visual User Interface</a:t>
-            </a:r>
-            <a:r>
-              <a:rPr lang="pl-PL" sz="1800" dirty="0">
-                <a:solidFill>
-                  <a:schemeClr val="bg1"/>
-                </a:solidFill>
-              </a:rPr>
-              <a:t>. Usługa może być aktywna w tle</a:t>
-            </a:r>
-          </a:p>
-          <a:p>
-            <a:pPr marL="285750" indent="-285750" algn="just">
-              <a:lnSpc>
-                <a:spcPct val="150000"/>
-              </a:lnSpc>
-              <a:buFont typeface="Courier New" panose="02070309020205020404" pitchFamily="49" charset="0"/>
-              <a:buChar char="o"/>
-            </a:pPr>
-            <a:r>
-              <a:rPr lang="pl-PL" sz="1800" dirty="0">
-                <a:solidFill>
-                  <a:schemeClr val="bg1"/>
-                </a:solidFill>
-              </a:rPr>
-              <a:t>Usługi zazwyczaj pracują w tle wykonując „busy-work” przez nieokreślony /nieskończony czas</a:t>
-            </a:r>
-          </a:p>
-          <a:p>
-            <a:pPr marL="285750" indent="-285750" algn="just">
-              <a:lnSpc>
-                <a:spcPct val="150000"/>
-              </a:lnSpc>
-              <a:buFont typeface="Courier New" panose="02070309020205020404" pitchFamily="49" charset="0"/>
-              <a:buChar char="o"/>
-            </a:pPr>
-            <a:r>
-              <a:rPr lang="pl-PL" sz="1800" dirty="0">
-                <a:solidFill>
-                  <a:schemeClr val="bg1"/>
-                </a:solidFill>
-              </a:rPr>
-              <a:t>Aplikacje rozpoczynają własne usługi lub łączą się z usługami już aktywnymi (GPS, przełączanie między aplikacjami, aktywnościami, brak okienek)</a:t>
-            </a:r>
-          </a:p>
-        </p:txBody>
-      </p:sp>
-      <p:pic>
-        <p:nvPicPr>
-          <p:cNvPr id="5" name="Obraz 4">
+              <a:t>Application</a:t>
+            </a:r>
+            <a:endParaRPr lang="pl-PL" dirty="0">
+              <a:solidFill>
+                <a:schemeClr val="bg1"/>
+              </a:solidFill>
+            </a:endParaRPr>
+          </a:p>
+        </p:txBody>
+      </p:sp>
+      <p:sp>
+        <p:nvSpPr>
+          <p:cNvPr id="5" name="Nawias klamrowy otwierający 4">
             <a:extLst>
               <a:ext uri="{FF2B5EF4-FFF2-40B4-BE49-F238E27FC236}">
-                <a16:creationId xmlns:a16="http://schemas.microsoft.com/office/drawing/2014/main" id="{AC728112-AF18-448A-83C8-2F4668048EF8}"/>
+                <a16:creationId xmlns:a16="http://schemas.microsoft.com/office/drawing/2014/main" id="{6CC2490D-DD7F-95D8-3FFD-01ECEFDB8A06}"/>
               </a:ext>
             </a:extLst>
           </p:cNvPr>
-          <p:cNvPicPr>
-            <a:picLocks noChangeAspect="1"/>
-          </p:cNvPicPr>
+          <p:cNvSpPr/>
           <p:nvPr/>
-        </p:nvPicPr>
-        <p:blipFill>
-          <a:blip r:embed="rId4"/>
-          <a:stretch>
-            <a:fillRect/>
-          </a:stretch>
-        </p:blipFill>
+        </p:nvSpPr>
         <p:spPr>
-          <a:xfrm>
-            <a:off x="3623956" y="3372211"/>
-            <a:ext cx="1916562" cy="3412415"/>
+          <a:xfrm rot="5400000">
+            <a:off x="4903151" y="-1923547"/>
+            <a:ext cx="417819" cy="7416825"/>
           </a:xfrm>
-          <a:prstGeom prst="rect">
+          <a:prstGeom prst="leftBrace">
             <a:avLst/>
           </a:prstGeom>
+          <a:ln w="38100">
+            <a:solidFill>
+              <a:schemeClr val="bg1"/>
+            </a:solidFill>
+          </a:ln>
         </p:spPr>
-      </p:pic>
-      <p:sp>
-        <p:nvSpPr>
-          <p:cNvPr id="7" name="pole tekstowe 6">
+        <p:style>
+          <a:lnRef idx="2">
+            <a:schemeClr val="accent1"/>
+          </a:lnRef>
+          <a:fillRef idx="0">
+            <a:schemeClr val="accent1"/>
+          </a:fillRef>
+          <a:effectRef idx="1">
+            <a:schemeClr val="accent1"/>
+          </a:effectRef>
+          <a:fontRef idx="minor">
+            <a:schemeClr val="tx1"/>
+          </a:fontRef>
+        </p:style>
+        <p:txBody>
+          <a:bodyPr rtlCol="0" anchor="ctr"/>
+          <a:lstStyle/>
+          <a:p>
+            <a:pPr algn="ctr"/>
+            <a:endParaRPr lang="pl-PL"/>
+          </a:p>
+        </p:txBody>
+      </p:sp>
+      <p:sp>
+        <p:nvSpPr>
+          <p:cNvPr id="6" name="pole tekstowe 5">
             <a:extLst>
               <a:ext uri="{FF2B5EF4-FFF2-40B4-BE49-F238E27FC236}">
-                <a16:creationId xmlns:a16="http://schemas.microsoft.com/office/drawing/2014/main" id="{72096642-C206-49D0-90F1-B33F6092FEC1}"/>
+                <a16:creationId xmlns:a16="http://schemas.microsoft.com/office/drawing/2014/main" id="{828E5BDC-51FB-A874-6EFE-B088D03A5668}"/>
               </a:ext>
             </a:extLst>
           </p:cNvPr>
@@ -9460,8 +11355,8 @@
         </p:nvSpPr>
         <p:spPr>
           <a:xfrm>
-            <a:off x="139011" y="6477337"/>
-            <a:ext cx="1819729" cy="276999"/>
+            <a:off x="2195736" y="2043536"/>
+            <a:ext cx="1159292" cy="461665"/>
           </a:xfrm>
           <a:prstGeom prst="rect">
             <a:avLst/>
@@ -9475,28 +11370,12 @@
           <a:lstStyle/>
           <a:p>
             <a:r>
-              <a:rPr lang="pl-PL" b="1" u="sng" dirty="0" err="1">
+              <a:rPr lang="pl-PL" sz="2400" dirty="0">
                 <a:solidFill>
                   <a:schemeClr val="bg1"/>
                 </a:solidFill>
               </a:rPr>
-              <a:t>Maps</a:t>
-            </a:r>
-            <a:r>
-              <a:rPr lang="pl-PL" b="1" u="sng" dirty="0">
-                <a:solidFill>
-                  <a:schemeClr val="bg1"/>
-                </a:solidFill>
-              </a:rPr>
-              <a:t>, GPS </a:t>
-            </a:r>
-            <a:r>
-              <a:rPr lang="pl-PL" b="1" u="sng" dirty="0" err="1">
-                <a:solidFill>
-                  <a:schemeClr val="bg1"/>
-                </a:solidFill>
-              </a:rPr>
-              <a:t>Navigation</a:t>
+              <a:t>Activity</a:t>
             </a:r>
             <a:endParaRPr lang="pl-PL" dirty="0">
               <a:solidFill>
@@ -9506,10 +11385,190 @@
           </a:p>
         </p:txBody>
       </p:sp>
+      <p:sp>
+        <p:nvSpPr>
+          <p:cNvPr id="7" name="pole tekstowe 6">
+            <a:extLst>
+              <a:ext uri="{FF2B5EF4-FFF2-40B4-BE49-F238E27FC236}">
+                <a16:creationId xmlns:a16="http://schemas.microsoft.com/office/drawing/2014/main" id="{87999C81-0AE3-33D0-17BF-8C32D34B45FC}"/>
+              </a:ext>
+            </a:extLst>
+          </p:cNvPr>
+          <p:cNvSpPr txBox="1"/>
+          <p:nvPr/>
+        </p:nvSpPr>
+        <p:spPr>
+          <a:xfrm>
+            <a:off x="6804248" y="2046861"/>
+            <a:ext cx="1159292" cy="461665"/>
+          </a:xfrm>
+          <a:prstGeom prst="rect">
+            <a:avLst/>
+          </a:prstGeom>
+          <a:noFill/>
+        </p:spPr>
+        <p:txBody>
+          <a:bodyPr wrap="none" rtlCol="0">
+            <a:spAutoFit/>
+          </a:bodyPr>
+          <a:lstStyle/>
+          <a:p>
+            <a:r>
+              <a:rPr lang="pl-PL" sz="2400" dirty="0">
+                <a:solidFill>
+                  <a:schemeClr val="bg1"/>
+                </a:solidFill>
+              </a:rPr>
+              <a:t>Activity</a:t>
+            </a:r>
+            <a:endParaRPr lang="pl-PL" dirty="0">
+              <a:solidFill>
+                <a:schemeClr val="bg1"/>
+              </a:solidFill>
+            </a:endParaRPr>
+          </a:p>
+        </p:txBody>
+      </p:sp>
+      <p:sp>
+        <p:nvSpPr>
+          <p:cNvPr id="8" name="pole tekstowe 7">
+            <a:extLst>
+              <a:ext uri="{FF2B5EF4-FFF2-40B4-BE49-F238E27FC236}">
+                <a16:creationId xmlns:a16="http://schemas.microsoft.com/office/drawing/2014/main" id="{0AFC5EA7-7A1E-C93E-9DF9-835D11AF2E3E}"/>
+              </a:ext>
+            </a:extLst>
+          </p:cNvPr>
+          <p:cNvSpPr txBox="1"/>
+          <p:nvPr/>
+        </p:nvSpPr>
+        <p:spPr>
+          <a:xfrm>
+            <a:off x="1043607" y="2924944"/>
+            <a:ext cx="8064897" cy="3323987"/>
+          </a:xfrm>
+          <a:prstGeom prst="rect">
+            <a:avLst/>
+          </a:prstGeom>
+          <a:noFill/>
+        </p:spPr>
+        <p:txBody>
+          <a:bodyPr wrap="square" rtlCol="0">
+            <a:spAutoFit/>
+          </a:bodyPr>
+          <a:lstStyle/>
+          <a:p>
+            <a:pPr algn="just">
+              <a:buFont typeface="+mj-lt"/>
+              <a:buAutoNum type="arabicPeriod"/>
+            </a:pPr>
+            <a:r>
+              <a:rPr lang="pl-PL" sz="1800" b="1" i="0" dirty="0">
+                <a:solidFill>
+                  <a:srgbClr val="D1D5DB"/>
+                </a:solidFill>
+                <a:effectLst/>
+                <a:latin typeface="Söhne"/>
+              </a:rPr>
+              <a:t> Związek z aktywnością</a:t>
+            </a:r>
+            <a:r>
+              <a:rPr lang="pl-PL" sz="1800" b="0" i="0" dirty="0">
+                <a:solidFill>
+                  <a:srgbClr val="D1D5DB"/>
+                </a:solidFill>
+                <a:effectLst/>
+                <a:latin typeface="Söhne"/>
+              </a:rPr>
+              <a:t>: Kontekst aktywności jest bezpośrednio związany z określoną aktywnością i działa w kontekście tej aktywności. Oznacza to, że jest dostępny tylko wtedy, gdy dana aktywność jest aktywna.</a:t>
+            </a:r>
+          </a:p>
+          <a:p>
+            <a:pPr algn="just">
+              <a:buFont typeface="+mj-lt"/>
+              <a:buAutoNum type="arabicPeriod"/>
+            </a:pPr>
+            <a:endParaRPr lang="pl-PL" sz="1800" b="0" i="0" dirty="0">
+              <a:solidFill>
+                <a:srgbClr val="D1D5DB"/>
+              </a:solidFill>
+              <a:effectLst/>
+              <a:latin typeface="Söhne"/>
+            </a:endParaRPr>
+          </a:p>
+          <a:p>
+            <a:pPr algn="just">
+              <a:buFont typeface="+mj-lt"/>
+              <a:buAutoNum type="arabicPeriod"/>
+            </a:pPr>
+            <a:r>
+              <a:rPr lang="pl-PL" sz="1800" b="1" i="0" dirty="0">
+                <a:solidFill>
+                  <a:srgbClr val="D1D5DB"/>
+                </a:solidFill>
+                <a:effectLst/>
+                <a:latin typeface="Söhne"/>
+              </a:rPr>
+              <a:t> Ograniczony do cyklu życia aktywności</a:t>
+            </a:r>
+            <a:r>
+              <a:rPr lang="pl-PL" sz="1800" b="0" i="0" dirty="0">
+                <a:solidFill>
+                  <a:srgbClr val="D1D5DB"/>
+                </a:solidFill>
+                <a:effectLst/>
+                <a:latin typeface="Söhne"/>
+              </a:rPr>
+              <a:t>: Kontekst aktywności ma ograniczony okres życia, który jest związany z cyklem życia aktywności. Kiedy aktywność jest zniszczona, kontekst aktywności staje się nieważny.</a:t>
+            </a:r>
+          </a:p>
+          <a:p>
+            <a:pPr algn="just">
+              <a:buFont typeface="+mj-lt"/>
+              <a:buAutoNum type="arabicPeriod"/>
+            </a:pPr>
+            <a:endParaRPr lang="pl-PL" sz="1800" b="0" i="0" dirty="0">
+              <a:solidFill>
+                <a:srgbClr val="D1D5DB"/>
+              </a:solidFill>
+              <a:effectLst/>
+              <a:latin typeface="Söhne"/>
+            </a:endParaRPr>
+          </a:p>
+          <a:p>
+            <a:pPr algn="just">
+              <a:buFont typeface="+mj-lt"/>
+              <a:buAutoNum type="arabicPeriod"/>
+            </a:pPr>
+            <a:r>
+              <a:rPr lang="pl-PL" sz="1800" b="1" i="0" dirty="0">
+                <a:solidFill>
+                  <a:srgbClr val="D1D5DB"/>
+                </a:solidFill>
+                <a:effectLst/>
+                <a:latin typeface="Söhne"/>
+              </a:rPr>
+              <a:t> Dostęp do widoków</a:t>
+            </a:r>
+            <a:r>
+              <a:rPr lang="pl-PL" sz="1800" b="0" i="0" dirty="0">
+                <a:solidFill>
+                  <a:srgbClr val="D1D5DB"/>
+                </a:solidFill>
+                <a:effectLst/>
+                <a:latin typeface="Söhne"/>
+              </a:rPr>
+              <a:t>: Kontekst aktywności umożliwia dostęp do widoków (View) znajdujących się w obrębie danej aktywności. Dzięki temu można manipulować widokami, np. zmieniać ich właściwości czy obsługiwać zdarzenia.</a:t>
+            </a:r>
+          </a:p>
+          <a:p>
+            <a:endParaRPr lang="pl-PL" dirty="0"/>
+          </a:p>
+        </p:txBody>
+      </p:sp>
     </p:spTree>
     <p:extLst>
       <p:ext uri="{BB962C8B-B14F-4D97-AF65-F5344CB8AC3E}">
-        <p14:creationId xmlns:p14="http://schemas.microsoft.com/office/powerpoint/2010/main" val="4132728784"/>
+        <p14:creationId xmlns:p14="http://schemas.microsoft.com/office/powerpoint/2010/main" val="2732632798"/>
       </p:ext>
     </p:extLst>
   </p:cSld>
@@ -9550,62 +11609,31 @@
       </p:grpSpPr>
       <p:sp>
         <p:nvSpPr>
-          <p:cNvPr id="2" name="Rectangle 1"/>
-          <p:cNvSpPr/>
-          <p:nvPr/>
-        </p:nvSpPr>
-        <p:spPr>
-          <a:xfrm>
-            <a:off x="1979712" y="188640"/>
-            <a:ext cx="6696744" cy="492443"/>
-          </a:xfrm>
-          <a:prstGeom prst="rect">
-            <a:avLst/>
-          </a:prstGeom>
-        </p:spPr>
-        <p:txBody>
-          <a:bodyPr wrap="square">
-            <a:spAutoFit/>
-          </a:bodyPr>
-          <a:lstStyle/>
-          <a:p>
-            <a:pPr algn="ctr"/>
-            <a:r>
-              <a:rPr lang="pl-PL" sz="2600" dirty="0">
-                <a:solidFill>
-                  <a:schemeClr val="bg1"/>
-                </a:solidFill>
-                <a:latin typeface="Verdana" panose="020B0604030504040204" pitchFamily="34" charset="0"/>
-                <a:ea typeface="Verdana" panose="020B0604030504040204" pitchFamily="34" charset="0"/>
-                <a:cs typeface="Verdana" panose="020B0604030504040204" pitchFamily="34" charset="0"/>
-              </a:rPr>
-              <a:t>Podstawowe elementy aplikacji</a:t>
-            </a:r>
-          </a:p>
-        </p:txBody>
-      </p:sp>
-      <p:sp>
-        <p:nvSpPr>
-          <p:cNvPr id="6" name="Prostokąt 5">
+          <p:cNvPr id="4" name="Prostokąt 3">
             <a:extLst>
               <a:ext uri="{FF2B5EF4-FFF2-40B4-BE49-F238E27FC236}">
-                <a16:creationId xmlns:a16="http://schemas.microsoft.com/office/drawing/2014/main" id="{B483F383-749C-4DE4-ACCC-8253AFF3C42A}"/>
+                <a16:creationId xmlns:a16="http://schemas.microsoft.com/office/drawing/2014/main" id="{D35F415C-CE51-C10F-D8C1-7699B8271391}"/>
               </a:ext>
             </a:extLst>
           </p:cNvPr>
-          <p:cNvSpPr/>
+          <p:cNvSpPr>
+            <a:spLocks/>
+          </p:cNvSpPr>
           <p:nvPr/>
         </p:nvSpPr>
         <p:spPr>
           <a:xfrm>
-            <a:off x="21703" y="836712"/>
-            <a:ext cx="9100593" cy="6021288"/>
+            <a:off x="970062" y="836712"/>
+            <a:ext cx="8172400" cy="6021288"/>
           </a:xfrm>
           <a:prstGeom prst="rect">
             <a:avLst/>
           </a:prstGeom>
           <a:solidFill>
-            <a:schemeClr val="tx1"/>
+            <a:schemeClr val="tx1">
+              <a:lumMod val="75000"/>
+              <a:lumOff val="25000"/>
+            </a:schemeClr>
           </a:solidFill>
         </p:spPr>
         <p:style>
@@ -9633,10 +11661,46 @@
       </p:sp>
       <p:sp>
         <p:nvSpPr>
+          <p:cNvPr id="2" name="Rectangle 1"/>
+          <p:cNvSpPr/>
+          <p:nvPr/>
+        </p:nvSpPr>
+        <p:spPr>
+          <a:xfrm>
+            <a:off x="1979712" y="30396"/>
+            <a:ext cx="6696744" cy="892552"/>
+          </a:xfrm>
+          <a:prstGeom prst="rect">
+            <a:avLst/>
+          </a:prstGeom>
+        </p:spPr>
+        <p:txBody>
+          <a:bodyPr wrap="square">
+            <a:spAutoFit/>
+          </a:bodyPr>
+          <a:lstStyle/>
+          <a:p>
+            <a:pPr algn="ctr"/>
+            <a:r>
+              <a:rPr lang="pl-PL" sz="2600" dirty="0">
+                <a:solidFill>
+                  <a:schemeClr val="bg1"/>
+                </a:solidFill>
+                <a:latin typeface="Verdana" panose="020B0604030504040204" pitchFamily="34" charset="0"/>
+                <a:ea typeface="Verdana" panose="020B0604030504040204" pitchFamily="34" charset="0"/>
+                <a:cs typeface="Verdana" panose="020B0604030504040204" pitchFamily="34" charset="0"/>
+              </a:rPr>
+              <a:t>Podstawowe elementy aplikacji - Context</a:t>
+            </a:r>
+          </a:p>
+        </p:txBody>
+      </p:sp>
+      <p:sp>
+        <p:nvSpPr>
           <p:cNvPr id="3" name="pole tekstowe 2">
             <a:extLst>
               <a:ext uri="{FF2B5EF4-FFF2-40B4-BE49-F238E27FC236}">
-                <a16:creationId xmlns:a16="http://schemas.microsoft.com/office/drawing/2014/main" id="{DE844D0F-DE98-492A-8B73-1EA3ECEE4E84}"/>
+                <a16:creationId xmlns:a16="http://schemas.microsoft.com/office/drawing/2014/main" id="{89F04564-C7FD-8611-88ED-0C22185C0D3E}"/>
               </a:ext>
             </a:extLst>
           </p:cNvPr>
@@ -9645,8 +11709,8 @@
         </p:nvSpPr>
         <p:spPr>
           <a:xfrm>
-            <a:off x="21703" y="853108"/>
-            <a:ext cx="9100594" cy="3365024"/>
+            <a:off x="4139678" y="1052736"/>
+            <a:ext cx="1944763" cy="523220"/>
           </a:xfrm>
           <a:prstGeom prst="rect">
             <a:avLst/>
@@ -9654,173 +11718,82 @@
           <a:noFill/>
         </p:spPr>
         <p:txBody>
-          <a:bodyPr wrap="square" rtlCol="0">
+          <a:bodyPr wrap="none" rtlCol="0">
             <a:spAutoFit/>
           </a:bodyPr>
           <a:lstStyle/>
           <a:p>
-            <a:pPr marL="285750" indent="-285750" algn="just">
-              <a:lnSpc>
-                <a:spcPct val="150000"/>
-              </a:lnSpc>
-              <a:buFont typeface="Courier New" panose="02070309020205020404" pitchFamily="49" charset="0"/>
-              <a:buChar char="o"/>
-            </a:pPr>
-            <a:r>
-              <a:rPr lang="pl-PL" sz="1800" dirty="0">
+            <a:r>
+              <a:rPr lang="pl-PL" sz="2800" dirty="0">
                 <a:solidFill>
                   <a:schemeClr val="bg1"/>
                 </a:solidFill>
               </a:rPr>
-              <a:t>BroadcasterReceiver Class – dedykowany </a:t>
-            </a:r>
-            <a:r>
-              <a:rPr lang="pl-PL" sz="1800" i="1" dirty="0">
-                <a:solidFill>
-                  <a:schemeClr val="bg1"/>
-                </a:solidFill>
-              </a:rPr>
-              <a:t>listener</a:t>
-            </a:r>
-            <a:r>
-              <a:rPr lang="pl-PL" sz="1800" dirty="0">
-                <a:solidFill>
-                  <a:schemeClr val="bg1"/>
-                </a:solidFill>
-              </a:rPr>
-              <a:t> oczekujący na wiadomość zwykle typu </a:t>
-            </a:r>
-            <a:r>
-              <a:rPr lang="pl-PL" sz="1800" i="1" dirty="0">
-                <a:solidFill>
-                  <a:schemeClr val="bg1"/>
-                </a:solidFill>
-              </a:rPr>
-              <a:t>system-</a:t>
-            </a:r>
-            <a:r>
-              <a:rPr lang="pl-PL" sz="1800" i="1" dirty="0" err="1">
-                <a:solidFill>
-                  <a:schemeClr val="bg1"/>
-                </a:solidFill>
-              </a:rPr>
-              <a:t>wide</a:t>
-            </a:r>
-            <a:r>
-              <a:rPr lang="pl-PL" sz="1800" dirty="0">
-                <a:solidFill>
-                  <a:schemeClr val="bg1"/>
-                </a:solidFill>
-              </a:rPr>
-              <a:t> w celu wykonania pewnych czynności</a:t>
-            </a:r>
-          </a:p>
-          <a:p>
-            <a:pPr marL="285750" indent="-285750" algn="just">
-              <a:lnSpc>
-                <a:spcPct val="150000"/>
-              </a:lnSpc>
-              <a:buFont typeface="Courier New" panose="02070309020205020404" pitchFamily="49" charset="0"/>
-              <a:buChar char="o"/>
-            </a:pPr>
-            <a:r>
-              <a:rPr lang="pl-PL" sz="1800" dirty="0">
-                <a:solidFill>
-                  <a:schemeClr val="bg1"/>
-                </a:solidFill>
-              </a:rPr>
-              <a:t>Przykładowo: niski poziom baterii, wi-fi dostępne, ostrzeżenie przed radarami</a:t>
-            </a:r>
-          </a:p>
-          <a:p>
-            <a:pPr marL="285750" indent="-285750" algn="just">
-              <a:lnSpc>
-                <a:spcPct val="150000"/>
-              </a:lnSpc>
-              <a:buFont typeface="Courier New" panose="02070309020205020404" pitchFamily="49" charset="0"/>
-              <a:buChar char="o"/>
-            </a:pPr>
-            <a:r>
-              <a:rPr lang="pl-PL" sz="1800" dirty="0">
-                <a:solidFill>
-                  <a:schemeClr val="bg1"/>
-                </a:solidFill>
-              </a:rPr>
-              <a:t>Nie posiadają interfejsu</a:t>
-            </a:r>
-          </a:p>
-          <a:p>
-            <a:pPr marL="285750" indent="-285750" algn="just">
-              <a:lnSpc>
-                <a:spcPct val="150000"/>
-              </a:lnSpc>
-              <a:buFont typeface="Courier New" panose="02070309020205020404" pitchFamily="49" charset="0"/>
-              <a:buChar char="o"/>
-            </a:pPr>
-            <a:r>
-              <a:rPr lang="pl-PL" sz="1800" dirty="0">
-                <a:solidFill>
-                  <a:schemeClr val="bg1"/>
-                </a:solidFill>
-              </a:rPr>
-              <a:t>Rejestrowanie wiadomości typowo po kluczu – jeśli wiadomość odpowiada kluczowi odbiornik jest aktywowany</a:t>
-            </a:r>
-          </a:p>
-          <a:p>
-            <a:pPr marL="285750" indent="-285750" algn="just">
-              <a:lnSpc>
-                <a:spcPct val="150000"/>
-              </a:lnSpc>
-              <a:buFont typeface="Courier New" panose="02070309020205020404" pitchFamily="49" charset="0"/>
-              <a:buChar char="o"/>
-            </a:pPr>
-            <a:r>
-              <a:rPr lang="pl-PL" sz="1800" dirty="0">
-                <a:solidFill>
-                  <a:schemeClr val="bg1"/>
-                </a:solidFill>
-              </a:rPr>
-              <a:t>Zazwyczaj odpowiada poprzez wykonanie specjalnej czynności lub przekazanie użytkownikowi wiadomości/powiadomienia</a:t>
-            </a:r>
-          </a:p>
-        </p:txBody>
-      </p:sp>
-      <p:pic>
-        <p:nvPicPr>
-          <p:cNvPr id="10" name="Obraz 9">
+              <a:t>Application</a:t>
+            </a:r>
+            <a:endParaRPr lang="pl-PL" dirty="0">
+              <a:solidFill>
+                <a:schemeClr val="bg1"/>
+              </a:solidFill>
+            </a:endParaRPr>
+          </a:p>
+        </p:txBody>
+      </p:sp>
+      <p:sp>
+        <p:nvSpPr>
+          <p:cNvPr id="5" name="Nawias klamrowy otwierający 4">
             <a:extLst>
               <a:ext uri="{FF2B5EF4-FFF2-40B4-BE49-F238E27FC236}">
-                <a16:creationId xmlns:a16="http://schemas.microsoft.com/office/drawing/2014/main" id="{83572099-0DCD-42DC-9DF7-F1A1B0F1ACC1}"/>
+                <a16:creationId xmlns:a16="http://schemas.microsoft.com/office/drawing/2014/main" id="{6CC2490D-DD7F-95D8-3FFD-01ECEFDB8A06}"/>
               </a:ext>
             </a:extLst>
           </p:cNvPr>
-          <p:cNvPicPr>
-            <a:picLocks noChangeAspect="1"/>
-          </p:cNvPicPr>
+          <p:cNvSpPr/>
           <p:nvPr/>
-        </p:nvPicPr>
-        <p:blipFill>
-          <a:blip r:embed="rId4"/>
-          <a:stretch>
-            <a:fillRect/>
-          </a:stretch>
-        </p:blipFill>
+        </p:nvSpPr>
         <p:spPr>
-          <a:xfrm>
-            <a:off x="4723880" y="3933056"/>
-            <a:ext cx="4398416" cy="2892109"/>
+          <a:xfrm rot="5400000">
+            <a:off x="4903151" y="-1923547"/>
+            <a:ext cx="417819" cy="7416825"/>
           </a:xfrm>
-          <a:prstGeom prst="rect">
+          <a:prstGeom prst="leftBrace">
             <a:avLst/>
           </a:prstGeom>
+          <a:ln w="38100">
+            <a:solidFill>
+              <a:schemeClr val="bg1"/>
+            </a:solidFill>
+          </a:ln>
         </p:spPr>
-      </p:pic>
-      <p:sp>
-        <p:nvSpPr>
-          <p:cNvPr id="11" name="pole tekstowe 10">
+        <p:style>
+          <a:lnRef idx="2">
+            <a:schemeClr val="accent1"/>
+          </a:lnRef>
+          <a:fillRef idx="0">
+            <a:schemeClr val="accent1"/>
+          </a:fillRef>
+          <a:effectRef idx="1">
+            <a:schemeClr val="accent1"/>
+          </a:effectRef>
+          <a:fontRef idx="minor">
+            <a:schemeClr val="tx1"/>
+          </a:fontRef>
+        </p:style>
+        <p:txBody>
+          <a:bodyPr rtlCol="0" anchor="ctr"/>
+          <a:lstStyle/>
+          <a:p>
+            <a:pPr algn="ctr"/>
+            <a:endParaRPr lang="pl-PL"/>
+          </a:p>
+        </p:txBody>
+      </p:sp>
+      <p:sp>
+        <p:nvSpPr>
+          <p:cNvPr id="6" name="pole tekstowe 5">
             <a:extLst>
               <a:ext uri="{FF2B5EF4-FFF2-40B4-BE49-F238E27FC236}">
-                <a16:creationId xmlns:a16="http://schemas.microsoft.com/office/drawing/2014/main" id="{30868C79-0B3E-4922-9408-0C1281D8786A}"/>
+                <a16:creationId xmlns:a16="http://schemas.microsoft.com/office/drawing/2014/main" id="{828E5BDC-51FB-A874-6EFE-B088D03A5668}"/>
               </a:ext>
             </a:extLst>
           </p:cNvPr>
@@ -9829,8 +11802,8 @@
         </p:nvSpPr>
         <p:spPr>
           <a:xfrm>
-            <a:off x="7511822" y="6548166"/>
-            <a:ext cx="1632178" cy="276999"/>
+            <a:off x="2479895" y="2046860"/>
+            <a:ext cx="1159292" cy="461665"/>
           </a:xfrm>
           <a:prstGeom prst="rect">
             <a:avLst/>
@@ -9844,20 +11817,440 @@
           <a:lstStyle/>
           <a:p>
             <a:r>
-              <a:rPr lang="pl-PL" dirty="0">
+              <a:rPr lang="pl-PL" sz="2400" dirty="0">
                 <a:solidFill>
                   <a:schemeClr val="bg1"/>
                 </a:solidFill>
               </a:rPr>
-              <a:t>grail.cba.csuohio.edu</a:t>
-            </a:r>
+              <a:t>Activity</a:t>
+            </a:r>
+            <a:endParaRPr lang="pl-PL" dirty="0">
+              <a:solidFill>
+                <a:schemeClr val="bg1"/>
+              </a:solidFill>
+            </a:endParaRPr>
+          </a:p>
+        </p:txBody>
+      </p:sp>
+      <p:sp>
+        <p:nvSpPr>
+          <p:cNvPr id="7" name="pole tekstowe 6">
+            <a:extLst>
+              <a:ext uri="{FF2B5EF4-FFF2-40B4-BE49-F238E27FC236}">
+                <a16:creationId xmlns:a16="http://schemas.microsoft.com/office/drawing/2014/main" id="{87999C81-0AE3-33D0-17BF-8C32D34B45FC}"/>
+              </a:ext>
+            </a:extLst>
+          </p:cNvPr>
+          <p:cNvSpPr txBox="1"/>
+          <p:nvPr/>
+        </p:nvSpPr>
+        <p:spPr>
+          <a:xfrm>
+            <a:off x="6548638" y="2046860"/>
+            <a:ext cx="1159292" cy="461665"/>
+          </a:xfrm>
+          <a:prstGeom prst="rect">
+            <a:avLst/>
+          </a:prstGeom>
+          <a:noFill/>
+        </p:spPr>
+        <p:txBody>
+          <a:bodyPr wrap="none" rtlCol="0">
+            <a:spAutoFit/>
+          </a:bodyPr>
+          <a:lstStyle/>
+          <a:p>
+            <a:r>
+              <a:rPr lang="pl-PL" sz="2400" dirty="0">
+                <a:solidFill>
+                  <a:schemeClr val="bg1"/>
+                </a:solidFill>
+              </a:rPr>
+              <a:t>Activity</a:t>
+            </a:r>
+            <a:endParaRPr lang="pl-PL" dirty="0">
+              <a:solidFill>
+                <a:schemeClr val="bg1"/>
+              </a:solidFill>
+            </a:endParaRPr>
+          </a:p>
+        </p:txBody>
+      </p:sp>
+      <p:sp>
+        <p:nvSpPr>
+          <p:cNvPr id="9" name="Nawias klamrowy otwierający 8">
+            <a:extLst>
+              <a:ext uri="{FF2B5EF4-FFF2-40B4-BE49-F238E27FC236}">
+                <a16:creationId xmlns:a16="http://schemas.microsoft.com/office/drawing/2014/main" id="{73523648-611E-F7D8-E7A8-1B54E49196AB}"/>
+              </a:ext>
+            </a:extLst>
+          </p:cNvPr>
+          <p:cNvSpPr/>
+          <p:nvPr/>
+        </p:nvSpPr>
+        <p:spPr>
+          <a:xfrm rot="5400000">
+            <a:off x="2850632" y="1095772"/>
+            <a:ext cx="417819" cy="3384377"/>
+          </a:xfrm>
+          <a:prstGeom prst="leftBrace">
+            <a:avLst/>
+          </a:prstGeom>
+          <a:ln w="38100">
+            <a:solidFill>
+              <a:schemeClr val="bg1"/>
+            </a:solidFill>
+          </a:ln>
+        </p:spPr>
+        <p:style>
+          <a:lnRef idx="2">
+            <a:schemeClr val="accent1"/>
+          </a:lnRef>
+          <a:fillRef idx="0">
+            <a:schemeClr val="accent1"/>
+          </a:fillRef>
+          <a:effectRef idx="1">
+            <a:schemeClr val="accent1"/>
+          </a:effectRef>
+          <a:fontRef idx="minor">
+            <a:schemeClr val="tx1"/>
+          </a:fontRef>
+        </p:style>
+        <p:txBody>
+          <a:bodyPr rtlCol="0" anchor="ctr"/>
+          <a:lstStyle/>
+          <a:p>
+            <a:pPr algn="ctr"/>
+            <a:endParaRPr lang="pl-PL"/>
+          </a:p>
+        </p:txBody>
+      </p:sp>
+      <p:sp>
+        <p:nvSpPr>
+          <p:cNvPr id="10" name="Nawias klamrowy otwierający 9">
+            <a:extLst>
+              <a:ext uri="{FF2B5EF4-FFF2-40B4-BE49-F238E27FC236}">
+                <a16:creationId xmlns:a16="http://schemas.microsoft.com/office/drawing/2014/main" id="{1A62BF59-905A-32C2-55F6-F43E113831FF}"/>
+              </a:ext>
+            </a:extLst>
+          </p:cNvPr>
+          <p:cNvSpPr/>
+          <p:nvPr/>
+        </p:nvSpPr>
+        <p:spPr>
+          <a:xfrm rot="5400000">
+            <a:off x="6919375" y="1095773"/>
+            <a:ext cx="417819" cy="3384377"/>
+          </a:xfrm>
+          <a:prstGeom prst="leftBrace">
+            <a:avLst/>
+          </a:prstGeom>
+          <a:ln w="38100">
+            <a:solidFill>
+              <a:schemeClr val="bg1"/>
+            </a:solidFill>
+          </a:ln>
+        </p:spPr>
+        <p:style>
+          <a:lnRef idx="2">
+            <a:schemeClr val="accent1"/>
+          </a:lnRef>
+          <a:fillRef idx="0">
+            <a:schemeClr val="accent1"/>
+          </a:fillRef>
+          <a:effectRef idx="1">
+            <a:schemeClr val="accent1"/>
+          </a:effectRef>
+          <a:fontRef idx="minor">
+            <a:schemeClr val="tx1"/>
+          </a:fontRef>
+        </p:style>
+        <p:txBody>
+          <a:bodyPr rtlCol="0" anchor="ctr"/>
+          <a:lstStyle/>
+          <a:p>
+            <a:pPr algn="ctr"/>
+            <a:endParaRPr lang="pl-PL"/>
+          </a:p>
+        </p:txBody>
+      </p:sp>
+      <p:sp>
+        <p:nvSpPr>
+          <p:cNvPr id="11" name="pole tekstowe 10">
+            <a:extLst>
+              <a:ext uri="{FF2B5EF4-FFF2-40B4-BE49-F238E27FC236}">
+                <a16:creationId xmlns:a16="http://schemas.microsoft.com/office/drawing/2014/main" id="{829FA4CC-10F5-2E0D-B04E-59D4FD713189}"/>
+              </a:ext>
+            </a:extLst>
+          </p:cNvPr>
+          <p:cNvSpPr txBox="1"/>
+          <p:nvPr/>
+        </p:nvSpPr>
+        <p:spPr>
+          <a:xfrm>
+            <a:off x="1320603" y="3067397"/>
+            <a:ext cx="1502334" cy="461665"/>
+          </a:xfrm>
+          <a:prstGeom prst="rect">
+            <a:avLst/>
+          </a:prstGeom>
+          <a:noFill/>
+        </p:spPr>
+        <p:txBody>
+          <a:bodyPr wrap="none" rtlCol="0">
+            <a:spAutoFit/>
+          </a:bodyPr>
+          <a:lstStyle/>
+          <a:p>
+            <a:r>
+              <a:rPr lang="pl-PL" sz="2400" dirty="0">
+                <a:solidFill>
+                  <a:schemeClr val="bg1"/>
+                </a:solidFill>
+              </a:rPr>
+              <a:t>Fragment</a:t>
+            </a:r>
+            <a:endParaRPr lang="pl-PL" dirty="0">
+              <a:solidFill>
+                <a:schemeClr val="bg1"/>
+              </a:solidFill>
+            </a:endParaRPr>
+          </a:p>
+        </p:txBody>
+      </p:sp>
+      <p:sp>
+        <p:nvSpPr>
+          <p:cNvPr id="12" name="pole tekstowe 11">
+            <a:extLst>
+              <a:ext uri="{FF2B5EF4-FFF2-40B4-BE49-F238E27FC236}">
+                <a16:creationId xmlns:a16="http://schemas.microsoft.com/office/drawing/2014/main" id="{493485AE-2A36-AFB6-7A72-E1A3A5AD8968}"/>
+              </a:ext>
+            </a:extLst>
+          </p:cNvPr>
+          <p:cNvSpPr txBox="1"/>
+          <p:nvPr/>
+        </p:nvSpPr>
+        <p:spPr>
+          <a:xfrm>
+            <a:off x="3173478" y="3093801"/>
+            <a:ext cx="1502334" cy="461665"/>
+          </a:xfrm>
+          <a:prstGeom prst="rect">
+            <a:avLst/>
+          </a:prstGeom>
+          <a:noFill/>
+        </p:spPr>
+        <p:txBody>
+          <a:bodyPr wrap="none" rtlCol="0">
+            <a:spAutoFit/>
+          </a:bodyPr>
+          <a:lstStyle/>
+          <a:p>
+            <a:r>
+              <a:rPr lang="pl-PL" sz="2400" dirty="0">
+                <a:solidFill>
+                  <a:schemeClr val="bg1"/>
+                </a:solidFill>
+              </a:rPr>
+              <a:t>Fragment</a:t>
+            </a:r>
+            <a:endParaRPr lang="pl-PL" dirty="0">
+              <a:solidFill>
+                <a:schemeClr val="bg1"/>
+              </a:solidFill>
+            </a:endParaRPr>
+          </a:p>
+        </p:txBody>
+      </p:sp>
+      <p:sp>
+        <p:nvSpPr>
+          <p:cNvPr id="13" name="pole tekstowe 12">
+            <a:extLst>
+              <a:ext uri="{FF2B5EF4-FFF2-40B4-BE49-F238E27FC236}">
+                <a16:creationId xmlns:a16="http://schemas.microsoft.com/office/drawing/2014/main" id="{A434F806-DEED-6697-7E3A-54E594F82FAA}"/>
+              </a:ext>
+            </a:extLst>
+          </p:cNvPr>
+          <p:cNvSpPr txBox="1"/>
+          <p:nvPr/>
+        </p:nvSpPr>
+        <p:spPr>
+          <a:xfrm>
+            <a:off x="5414294" y="3093800"/>
+            <a:ext cx="1502334" cy="461665"/>
+          </a:xfrm>
+          <a:prstGeom prst="rect">
+            <a:avLst/>
+          </a:prstGeom>
+          <a:noFill/>
+        </p:spPr>
+        <p:txBody>
+          <a:bodyPr wrap="none" rtlCol="0">
+            <a:spAutoFit/>
+          </a:bodyPr>
+          <a:lstStyle/>
+          <a:p>
+            <a:r>
+              <a:rPr lang="pl-PL" sz="2400" dirty="0">
+                <a:solidFill>
+                  <a:schemeClr val="bg1"/>
+                </a:solidFill>
+              </a:rPr>
+              <a:t>Fragment</a:t>
+            </a:r>
+            <a:endParaRPr lang="pl-PL" dirty="0">
+              <a:solidFill>
+                <a:schemeClr val="bg1"/>
+              </a:solidFill>
+            </a:endParaRPr>
+          </a:p>
+        </p:txBody>
+      </p:sp>
+      <p:sp>
+        <p:nvSpPr>
+          <p:cNvPr id="14" name="pole tekstowe 13">
+            <a:extLst>
+              <a:ext uri="{FF2B5EF4-FFF2-40B4-BE49-F238E27FC236}">
+                <a16:creationId xmlns:a16="http://schemas.microsoft.com/office/drawing/2014/main" id="{04A395F8-E702-2C06-C157-3E0F1EF37099}"/>
+              </a:ext>
+            </a:extLst>
+          </p:cNvPr>
+          <p:cNvSpPr txBox="1"/>
+          <p:nvPr/>
+        </p:nvSpPr>
+        <p:spPr>
+          <a:xfrm>
+            <a:off x="7315062" y="3093799"/>
+            <a:ext cx="1502334" cy="461665"/>
+          </a:xfrm>
+          <a:prstGeom prst="rect">
+            <a:avLst/>
+          </a:prstGeom>
+          <a:noFill/>
+        </p:spPr>
+        <p:txBody>
+          <a:bodyPr wrap="none" rtlCol="0">
+            <a:spAutoFit/>
+          </a:bodyPr>
+          <a:lstStyle/>
+          <a:p>
+            <a:r>
+              <a:rPr lang="pl-PL" sz="2400" dirty="0">
+                <a:solidFill>
+                  <a:schemeClr val="bg1"/>
+                </a:solidFill>
+              </a:rPr>
+              <a:t>Fragment</a:t>
+            </a:r>
+            <a:endParaRPr lang="pl-PL" dirty="0">
+              <a:solidFill>
+                <a:schemeClr val="bg1"/>
+              </a:solidFill>
+            </a:endParaRPr>
+          </a:p>
+        </p:txBody>
+      </p:sp>
+      <p:sp>
+        <p:nvSpPr>
+          <p:cNvPr id="15" name="pole tekstowe 14">
+            <a:extLst>
+              <a:ext uri="{FF2B5EF4-FFF2-40B4-BE49-F238E27FC236}">
+                <a16:creationId xmlns:a16="http://schemas.microsoft.com/office/drawing/2014/main" id="{4B1091B5-B934-CC48-885A-F3D11C8E854D}"/>
+              </a:ext>
+            </a:extLst>
+          </p:cNvPr>
+          <p:cNvSpPr txBox="1"/>
+          <p:nvPr/>
+        </p:nvSpPr>
+        <p:spPr>
+          <a:xfrm>
+            <a:off x="970062" y="3936589"/>
+            <a:ext cx="8138442" cy="2215991"/>
+          </a:xfrm>
+          <a:prstGeom prst="rect">
+            <a:avLst/>
+          </a:prstGeom>
+          <a:noFill/>
+        </p:spPr>
+        <p:txBody>
+          <a:bodyPr wrap="square" rtlCol="0">
+            <a:spAutoFit/>
+          </a:bodyPr>
+          <a:lstStyle/>
+          <a:p>
+            <a:pPr algn="just">
+              <a:buFont typeface="+mj-lt"/>
+              <a:buAutoNum type="arabicPeriod"/>
+            </a:pPr>
+            <a:r>
+              <a:rPr lang="pl-PL" sz="1800" b="1" i="0" dirty="0">
+                <a:solidFill>
+                  <a:srgbClr val="D1D5DB"/>
+                </a:solidFill>
+                <a:effectLst/>
+                <a:latin typeface="Söhne"/>
+              </a:rPr>
+              <a:t> Ograniczony do fragmentu</a:t>
+            </a:r>
+            <a:r>
+              <a:rPr lang="pl-PL" sz="1800" b="0" i="0" dirty="0">
+                <a:solidFill>
+                  <a:srgbClr val="D1D5DB"/>
+                </a:solidFill>
+                <a:effectLst/>
+                <a:latin typeface="Söhne"/>
+              </a:rPr>
+              <a:t>: Kontekst fragmentu jest dostępny tylko w obrębie danego fragmentu i nie jest dostępny poza tym fragmentem. Oznacza to, że nie można go używać poza zakresem tego fragmentu.</a:t>
+            </a:r>
+          </a:p>
+          <a:p>
+            <a:pPr algn="just">
+              <a:buFont typeface="+mj-lt"/>
+              <a:buAutoNum type="arabicPeriod"/>
+            </a:pPr>
+            <a:endParaRPr lang="pl-PL" sz="1800" b="0" i="0" dirty="0">
+              <a:solidFill>
+                <a:srgbClr val="D1D5DB"/>
+              </a:solidFill>
+              <a:effectLst/>
+              <a:latin typeface="Söhne"/>
+            </a:endParaRPr>
+          </a:p>
+          <a:p>
+            <a:pPr algn="just">
+              <a:buFont typeface="+mj-lt"/>
+              <a:buAutoNum type="arabicPeriod"/>
+            </a:pPr>
+            <a:r>
+              <a:rPr lang="pl-PL" sz="1800" b="1" i="0" dirty="0">
+                <a:solidFill>
+                  <a:srgbClr val="D1D5DB"/>
+                </a:solidFill>
+                <a:effectLst/>
+                <a:latin typeface="Söhne"/>
+              </a:rPr>
+              <a:t> Dostęp do widoków</a:t>
+            </a:r>
+            <a:r>
+              <a:rPr lang="pl-PL" sz="1800" b="0" i="0" dirty="0">
+                <a:solidFill>
+                  <a:srgbClr val="D1D5DB"/>
+                </a:solidFill>
+                <a:effectLst/>
+                <a:latin typeface="Söhne"/>
+              </a:rPr>
+              <a:t>: Kontekst fragmentu umożliwia dostęp do widoków (View) znajdujących się wewnątrz tego fragmentu. Można używać go do manipulowania widokami, np. zmieniać ich właściwości czy obsługiwać zdarzenia.</a:t>
+            </a:r>
+          </a:p>
+          <a:p>
+            <a:endParaRPr lang="pl-PL" dirty="0"/>
           </a:p>
         </p:txBody>
       </p:sp>
     </p:spTree>
     <p:extLst>
       <p:ext uri="{BB962C8B-B14F-4D97-AF65-F5344CB8AC3E}">
-        <p14:creationId xmlns:p14="http://schemas.microsoft.com/office/powerpoint/2010/main" val="301413000"/>
+        <p14:creationId xmlns:p14="http://schemas.microsoft.com/office/powerpoint/2010/main" val="2563850633"/>
       </p:ext>
     </p:extLst>
   </p:cSld>
@@ -9898,62 +12291,31 @@
       </p:grpSpPr>
       <p:sp>
         <p:nvSpPr>
-          <p:cNvPr id="2" name="Rectangle 1"/>
-          <p:cNvSpPr/>
-          <p:nvPr/>
-        </p:nvSpPr>
-        <p:spPr>
-          <a:xfrm>
-            <a:off x="1979712" y="188640"/>
-            <a:ext cx="6696744" cy="492443"/>
-          </a:xfrm>
-          <a:prstGeom prst="rect">
-            <a:avLst/>
-          </a:prstGeom>
-        </p:spPr>
-        <p:txBody>
-          <a:bodyPr wrap="square">
-            <a:spAutoFit/>
-          </a:bodyPr>
-          <a:lstStyle/>
-          <a:p>
-            <a:pPr algn="ctr"/>
-            <a:r>
-              <a:rPr lang="pl-PL" sz="2600" dirty="0">
-                <a:solidFill>
-                  <a:schemeClr val="bg1"/>
-                </a:solidFill>
-                <a:latin typeface="Verdana" panose="020B0604030504040204" pitchFamily="34" charset="0"/>
-                <a:ea typeface="Verdana" panose="020B0604030504040204" pitchFamily="34" charset="0"/>
-                <a:cs typeface="Verdana" panose="020B0604030504040204" pitchFamily="34" charset="0"/>
-              </a:rPr>
-              <a:t>Podstawowe elementy aplikacji</a:t>
-            </a:r>
-          </a:p>
-        </p:txBody>
-      </p:sp>
-      <p:sp>
-        <p:nvSpPr>
-          <p:cNvPr id="6" name="Prostokąt 5">
+          <p:cNvPr id="7" name="Prostokąt 6">
             <a:extLst>
               <a:ext uri="{FF2B5EF4-FFF2-40B4-BE49-F238E27FC236}">
-                <a16:creationId xmlns:a16="http://schemas.microsoft.com/office/drawing/2014/main" id="{B483F383-749C-4DE4-ACCC-8253AFF3C42A}"/>
+                <a16:creationId xmlns:a16="http://schemas.microsoft.com/office/drawing/2014/main" id="{2F79610D-4AB3-4D66-5297-E13ABE836320}"/>
               </a:ext>
             </a:extLst>
           </p:cNvPr>
-          <p:cNvSpPr/>
+          <p:cNvSpPr>
+            <a:spLocks/>
+          </p:cNvSpPr>
           <p:nvPr/>
         </p:nvSpPr>
         <p:spPr>
           <a:xfrm>
-            <a:off x="21703" y="836712"/>
-            <a:ext cx="9100593" cy="6021288"/>
+            <a:off x="970062" y="836712"/>
+            <a:ext cx="8172400" cy="6021288"/>
           </a:xfrm>
           <a:prstGeom prst="rect">
             <a:avLst/>
           </a:prstGeom>
           <a:solidFill>
-            <a:schemeClr val="tx1"/>
+            <a:schemeClr val="tx1">
+              <a:lumMod val="75000"/>
+              <a:lumOff val="25000"/>
+            </a:schemeClr>
           </a:solidFill>
         </p:spPr>
         <p:style>
@@ -9981,6 +12343,42 @@
       </p:sp>
       <p:sp>
         <p:nvSpPr>
+          <p:cNvPr id="2" name="Rectangle 1"/>
+          <p:cNvSpPr/>
+          <p:nvPr/>
+        </p:nvSpPr>
+        <p:spPr>
+          <a:xfrm>
+            <a:off x="1979712" y="188640"/>
+            <a:ext cx="6696744" cy="492443"/>
+          </a:xfrm>
+          <a:prstGeom prst="rect">
+            <a:avLst/>
+          </a:prstGeom>
+        </p:spPr>
+        <p:txBody>
+          <a:bodyPr wrap="square">
+            <a:spAutoFit/>
+          </a:bodyPr>
+          <a:lstStyle/>
+          <a:p>
+            <a:pPr algn="ctr"/>
+            <a:r>
+              <a:rPr lang="pl-PL" sz="2600" dirty="0">
+                <a:solidFill>
+                  <a:schemeClr val="bg1"/>
+                </a:solidFill>
+                <a:latin typeface="Verdana" panose="020B0604030504040204" pitchFamily="34" charset="0"/>
+                <a:ea typeface="Verdana" panose="020B0604030504040204" pitchFamily="34" charset="0"/>
+                <a:cs typeface="Verdana" panose="020B0604030504040204" pitchFamily="34" charset="0"/>
+              </a:rPr>
+              <a:t>Podstawowe elementy aplikacji</a:t>
+            </a:r>
+          </a:p>
+        </p:txBody>
+      </p:sp>
+      <p:sp>
+        <p:nvSpPr>
           <p:cNvPr id="3" name="pole tekstowe 2">
             <a:extLst>
               <a:ext uri="{FF2B5EF4-FFF2-40B4-BE49-F238E27FC236}">
@@ -9993,8 +12391,8 @@
         </p:nvSpPr>
         <p:spPr>
           <a:xfrm>
-            <a:off x="21703" y="853108"/>
-            <a:ext cx="9100594" cy="2118529"/>
+            <a:off x="1043608" y="853108"/>
+            <a:ext cx="8078689" cy="2949525"/>
           </a:xfrm>
           <a:prstGeom prst="rect">
             <a:avLst/>
@@ -10020,8 +12418,13 @@
                   <a:schemeClr val="bg1"/>
                 </a:solidFill>
               </a:rPr>
-              <a:t>ContentProvider Class – zapewnia dostęp do danych wielu aplikacjom</a:t>
-            </a:r>
+              <a:t>Activity Class – obiekt, które poza wyświetlaniem / zbieraniem danych zapewnia pewną funkcjonalność</a:t>
+            </a:r>
+            <a:endParaRPr lang="pl-PL" sz="1800" i="1" dirty="0">
+              <a:solidFill>
+                <a:schemeClr val="bg1"/>
+              </a:solidFill>
+            </a:endParaRPr>
           </a:p>
           <a:p>
             <a:pPr marL="285750" indent="-285750" algn="just">
@@ -10037,7 +12440,23 @@
                   <a:schemeClr val="bg1"/>
                 </a:solidFill>
               </a:rPr>
-              <a:t>Dane globalne: lista kontaktów, zdjęcia, wiadomości, filmy, email</a:t>
+              <a:t>Typowo aplikacje zawierają jeden obiekt </a:t>
+            </a:r>
+            <a:r>
+              <a:rPr lang="pl-PL" sz="1800" i="1" dirty="0">
+                <a:solidFill>
+                  <a:schemeClr val="bg1"/>
+                </a:solidFill>
+              </a:rPr>
+              <a:t>Activity </a:t>
+            </a:r>
+            <a:r>
+              <a:rPr lang="pl-PL" sz="1800" dirty="0">
+                <a:solidFill>
+                  <a:schemeClr val="bg1"/>
+                </a:solidFill>
+              </a:rPr>
+              <a:t>i wiele Fragmentów</a:t>
             </a:r>
           </a:p>
           <a:p>
@@ -10054,7 +12473,23 @@
                   <a:schemeClr val="bg1"/>
                 </a:solidFill>
               </a:rPr>
-              <a:t>Dane globalne są zazwyczaj przechowywane w bazie danych (SQLite)</a:t>
+              <a:t>Aplikacje muszą wyznaczyć jedną Aktywność jako </a:t>
+            </a:r>
+            <a:r>
+              <a:rPr lang="pl-PL" sz="1800" i="1" dirty="0">
+                <a:solidFill>
+                  <a:schemeClr val="bg1"/>
+                </a:solidFill>
+              </a:rPr>
+              <a:t>main task/entry point. J</a:t>
+            </a:r>
+            <a:r>
+              <a:rPr lang="pl-PL" sz="1800" dirty="0">
+                <a:solidFill>
+                  <a:schemeClr val="bg1"/>
+                </a:solidFill>
+              </a:rPr>
+              <a:t>est uruchamiana jako pierwsza gdy aplikacja jest włączana</a:t>
             </a:r>
           </a:p>
           <a:p>
@@ -10071,25 +12506,21 @@
                   <a:schemeClr val="bg1"/>
                 </a:solidFill>
               </a:rPr>
-              <a:t>Klasa oferuje metody innym aplikacjom: retrieve, delete, update, insert</a:t>
-            </a:r>
-          </a:p>
-          <a:p>
-            <a:pPr marL="285750" indent="-285750" algn="just">
-              <a:lnSpc>
-                <a:spcPct val="150000"/>
-              </a:lnSpc>
-              <a:buFont typeface="Courier New" panose="02070309020205020404" pitchFamily="49" charset="0"/>
-              <a:buChar char="o"/>
-            </a:pPr>
-            <a:r>
-              <a:rPr lang="pl-PL" sz="1800" dirty="0">
+              <a:t>Aktywność może przekazać kontrolę i dane do innej Aktywności poprzez protokół komunikacji międzyprocesowej </a:t>
+            </a:r>
+            <a:r>
+              <a:rPr lang="pl-PL" sz="1800" i="1" dirty="0" err="1">
                 <a:solidFill>
                   <a:schemeClr val="bg1"/>
                 </a:solidFill>
               </a:rPr>
-              <a:t>Wrapper ukrywający właściwe dane. Dostępny interfejs. </a:t>
-            </a:r>
+              <a:t>intents</a:t>
+            </a:r>
+            <a:endParaRPr lang="pl-PL" sz="1800" dirty="0">
+              <a:solidFill>
+                <a:schemeClr val="bg1"/>
+              </a:solidFill>
+            </a:endParaRPr>
           </a:p>
         </p:txBody>
       </p:sp>
@@ -10098,7 +12529,7 @@
           <p:cNvPr id="4" name="Obraz 3">
             <a:extLst>
               <a:ext uri="{FF2B5EF4-FFF2-40B4-BE49-F238E27FC236}">
-                <a16:creationId xmlns:a16="http://schemas.microsoft.com/office/drawing/2014/main" id="{11E6C90A-F034-4A9C-876C-5C6302649F36}"/>
+                <a16:creationId xmlns:a16="http://schemas.microsoft.com/office/drawing/2014/main" id="{84070EC6-774D-4741-BC65-E6FBC00310DF}"/>
               </a:ext>
             </a:extLst>
           </p:cNvPr>
@@ -10115,8 +12546,8 @@
         </p:blipFill>
         <p:spPr>
           <a:xfrm>
-            <a:off x="1691680" y="2998788"/>
-            <a:ext cx="5436096" cy="3670572"/>
+            <a:off x="1835696" y="3852297"/>
+            <a:ext cx="5185048" cy="3022099"/>
           </a:xfrm>
           <a:prstGeom prst="rect">
             <a:avLst/>
@@ -10125,10 +12556,10 @@
       </p:pic>
       <p:sp>
         <p:nvSpPr>
-          <p:cNvPr id="7" name="pole tekstowe 6">
+          <p:cNvPr id="5" name="pole tekstowe 4">
             <a:extLst>
               <a:ext uri="{FF2B5EF4-FFF2-40B4-BE49-F238E27FC236}">
-                <a16:creationId xmlns:a16="http://schemas.microsoft.com/office/drawing/2014/main" id="{6051B3A0-7FD4-4E37-B19B-A8ABD5BB9753}"/>
+                <a16:creationId xmlns:a16="http://schemas.microsoft.com/office/drawing/2014/main" id="{8B1F98A9-AB43-463B-B1AD-A238673D8691}"/>
               </a:ext>
             </a:extLst>
           </p:cNvPr>
@@ -10137,8 +12568,8 @@
         </p:nvSpPr>
         <p:spPr>
           <a:xfrm>
-            <a:off x="3593639" y="6579066"/>
-            <a:ext cx="1632178" cy="276999"/>
+            <a:off x="7475882" y="6392361"/>
+            <a:ext cx="1075038" cy="276999"/>
           </a:xfrm>
           <a:prstGeom prst="rect">
             <a:avLst/>
@@ -10152,20 +12583,33 @@
           <a:lstStyle/>
           <a:p>
             <a:r>
-              <a:rPr lang="pl-PL" dirty="0">
+              <a:rPr lang="pl-PL" b="1" dirty="0">
                 <a:solidFill>
                   <a:schemeClr val="bg1"/>
                 </a:solidFill>
               </a:rPr>
-              <a:t>grail.cba.csuohio.edu</a:t>
-            </a:r>
+              <a:t>BACHA </a:t>
+            </a:r>
+            <a:r>
+              <a:rPr lang="pl-PL" b="1" dirty="0" err="1">
+                <a:solidFill>
+                  <a:schemeClr val="bg1"/>
+                </a:solidFill>
+              </a:rPr>
+              <a:t>Soft</a:t>
+            </a:r>
+            <a:endParaRPr lang="pl-PL" dirty="0">
+              <a:solidFill>
+                <a:schemeClr val="bg1"/>
+              </a:solidFill>
+            </a:endParaRPr>
           </a:p>
         </p:txBody>
       </p:sp>
     </p:spTree>
     <p:extLst>
       <p:ext uri="{BB962C8B-B14F-4D97-AF65-F5344CB8AC3E}">
-        <p14:creationId xmlns:p14="http://schemas.microsoft.com/office/powerpoint/2010/main" val="2862396164"/>
+        <p14:creationId xmlns:p14="http://schemas.microsoft.com/office/powerpoint/2010/main" val="28629014"/>
       </p:ext>
     </p:extLst>
   </p:cSld>
@@ -10206,10 +12650,98 @@
       </p:grpSpPr>
       <p:sp>
         <p:nvSpPr>
-          <p:cNvPr id="7" name="TextBox 1">
+          <p:cNvPr id="4" name="Prostokąt 3">
             <a:extLst>
               <a:ext uri="{FF2B5EF4-FFF2-40B4-BE49-F238E27FC236}">
-                <a16:creationId xmlns:a16="http://schemas.microsoft.com/office/drawing/2014/main" id="{18B63D4F-5BA2-440F-9AD4-247950001015}"/>
+                <a16:creationId xmlns:a16="http://schemas.microsoft.com/office/drawing/2014/main" id="{75455888-45ED-0926-4A12-9A58D595A02B}"/>
+              </a:ext>
+            </a:extLst>
+          </p:cNvPr>
+          <p:cNvSpPr>
+            <a:spLocks/>
+          </p:cNvSpPr>
+          <p:nvPr/>
+        </p:nvSpPr>
+        <p:spPr>
+          <a:xfrm>
+            <a:off x="970062" y="836712"/>
+            <a:ext cx="8172400" cy="6021288"/>
+          </a:xfrm>
+          <a:prstGeom prst="rect">
+            <a:avLst/>
+          </a:prstGeom>
+          <a:solidFill>
+            <a:schemeClr val="tx1">
+              <a:lumMod val="75000"/>
+              <a:lumOff val="25000"/>
+            </a:schemeClr>
+          </a:solidFill>
+        </p:spPr>
+        <p:style>
+          <a:lnRef idx="1">
+            <a:schemeClr val="accent1"/>
+          </a:lnRef>
+          <a:fillRef idx="3">
+            <a:schemeClr val="accent1"/>
+          </a:fillRef>
+          <a:effectRef idx="2">
+            <a:schemeClr val="accent1"/>
+          </a:effectRef>
+          <a:fontRef idx="minor">
+            <a:schemeClr val="lt1"/>
+          </a:fontRef>
+        </p:style>
+        <p:txBody>
+          <a:bodyPr rtlCol="0" anchor="ctr"/>
+          <a:lstStyle/>
+          <a:p>
+            <a:pPr algn="ctr"/>
+            <a:endParaRPr lang="pl-PL" dirty="0"/>
+          </a:p>
+        </p:txBody>
+      </p:sp>
+      <p:sp>
+        <p:nvSpPr>
+          <p:cNvPr id="2" name="Rectangle 1"/>
+          <p:cNvSpPr/>
+          <p:nvPr/>
+        </p:nvSpPr>
+        <p:spPr>
+          <a:xfrm>
+            <a:off x="1979712" y="188640"/>
+            <a:ext cx="6696744" cy="492443"/>
+          </a:xfrm>
+          <a:prstGeom prst="rect">
+            <a:avLst/>
+          </a:prstGeom>
+        </p:spPr>
+        <p:txBody>
+          <a:bodyPr wrap="square">
+            <a:spAutoFit/>
+          </a:bodyPr>
+          <a:lstStyle/>
+          <a:p>
+            <a:pPr algn="ctr"/>
+            <a:r>
+              <a:rPr lang="pl-PL" sz="2600" dirty="0">
+                <a:solidFill>
+                  <a:schemeClr val="bg1"/>
+                </a:solidFill>
+                <a:latin typeface="Verdana" panose="020B0604030504040204" pitchFamily="34" charset="0"/>
+                <a:ea typeface="Verdana" panose="020B0604030504040204" pitchFamily="34" charset="0"/>
+                <a:cs typeface="Verdana" panose="020B0604030504040204" pitchFamily="34" charset="0"/>
+              </a:rPr>
+              <a:t>Podstawowe elementy aplikacji</a:t>
+            </a:r>
+          </a:p>
+        </p:txBody>
+      </p:sp>
+      <p:sp>
+        <p:nvSpPr>
+          <p:cNvPr id="3" name="pole tekstowe 2">
+            <a:extLst>
+              <a:ext uri="{FF2B5EF4-FFF2-40B4-BE49-F238E27FC236}">
+                <a16:creationId xmlns:a16="http://schemas.microsoft.com/office/drawing/2014/main" id="{DE844D0F-DE98-492A-8B73-1EA3ECEE4E84}"/>
               </a:ext>
             </a:extLst>
           </p:cNvPr>
@@ -10218,8 +12750,8 @@
         </p:nvSpPr>
         <p:spPr>
           <a:xfrm>
-            <a:off x="359532" y="3284984"/>
-            <a:ext cx="8424936" cy="584775"/>
+            <a:off x="1043607" y="853108"/>
+            <a:ext cx="8078689" cy="2949525"/>
           </a:xfrm>
           <a:prstGeom prst="rect">
             <a:avLst/>
@@ -10232,22 +12764,168 @@
           </a:bodyPr>
           <a:lstStyle/>
           <a:p>
-            <a:pPr algn="ctr"/>
-            <a:r>
-              <a:rPr lang="pl-PL" sz="3200" b="1" dirty="0">
+            <a:pPr marL="285750" indent="-285750" algn="just">
+              <a:lnSpc>
+                <a:spcPct val="150000"/>
+              </a:lnSpc>
+              <a:buFont typeface="Courier New" panose="02070309020205020404" pitchFamily="49" charset="0"/>
+              <a:buChar char="o"/>
+            </a:pPr>
+            <a:r>
+              <a:rPr lang="pl-PL" sz="1800" dirty="0">
                 <a:solidFill>
                   <a:schemeClr val="bg1"/>
                 </a:solidFill>
               </a:rPr>
-              <a:t>Cykl Życia</a:t>
-            </a:r>
+              <a:t>Service Class – specjalny typ aktywności – nie posiada </a:t>
+            </a:r>
+            <a:r>
+              <a:rPr lang="pl-PL" sz="1800" i="1" dirty="0">
+                <a:solidFill>
+                  <a:schemeClr val="bg1"/>
+                </a:solidFill>
+              </a:rPr>
+              <a:t>Visual User Interface</a:t>
+            </a:r>
+            <a:r>
+              <a:rPr lang="pl-PL" sz="1800" dirty="0">
+                <a:solidFill>
+                  <a:schemeClr val="bg1"/>
+                </a:solidFill>
+              </a:rPr>
+              <a:t>. Usługa może być aktywna w tle</a:t>
+            </a:r>
+          </a:p>
+          <a:p>
+            <a:pPr marL="285750" indent="-285750" algn="just">
+              <a:lnSpc>
+                <a:spcPct val="150000"/>
+              </a:lnSpc>
+              <a:buFont typeface="Courier New" panose="02070309020205020404" pitchFamily="49" charset="0"/>
+              <a:buChar char="o"/>
+            </a:pPr>
+            <a:r>
+              <a:rPr lang="pl-PL" sz="1800" dirty="0">
+                <a:solidFill>
+                  <a:schemeClr val="bg1"/>
+                </a:solidFill>
+              </a:rPr>
+              <a:t>Usługi zazwyczaj pracują w tle wykonując „busy-work” przez nieokreślony /nieskończony czas</a:t>
+            </a:r>
+          </a:p>
+          <a:p>
+            <a:pPr marL="285750" indent="-285750" algn="just">
+              <a:lnSpc>
+                <a:spcPct val="150000"/>
+              </a:lnSpc>
+              <a:buFont typeface="Courier New" panose="02070309020205020404" pitchFamily="49" charset="0"/>
+              <a:buChar char="o"/>
+            </a:pPr>
+            <a:r>
+              <a:rPr lang="pl-PL" sz="1800" dirty="0">
+                <a:solidFill>
+                  <a:schemeClr val="bg1"/>
+                </a:solidFill>
+              </a:rPr>
+              <a:t>Aplikacje rozpoczynają własne usługi lub łączą się z usługami już aktywnymi (GPS, przełączanie między aplikacjami, aktywnościami, brak okienek)</a:t>
+            </a:r>
+          </a:p>
+        </p:txBody>
+      </p:sp>
+      <p:pic>
+        <p:nvPicPr>
+          <p:cNvPr id="5" name="Obraz 4">
+            <a:extLst>
+              <a:ext uri="{FF2B5EF4-FFF2-40B4-BE49-F238E27FC236}">
+                <a16:creationId xmlns:a16="http://schemas.microsoft.com/office/drawing/2014/main" id="{AC728112-AF18-448A-83C8-2F4668048EF8}"/>
+              </a:ext>
+            </a:extLst>
+          </p:cNvPr>
+          <p:cNvPicPr>
+            <a:picLocks noChangeAspect="1"/>
+          </p:cNvPicPr>
+          <p:nvPr/>
+        </p:nvPicPr>
+        <p:blipFill>
+          <a:blip r:embed="rId4"/>
+          <a:stretch>
+            <a:fillRect/>
+          </a:stretch>
+        </p:blipFill>
+        <p:spPr>
+          <a:xfrm>
+            <a:off x="3623956" y="3372211"/>
+            <a:ext cx="1916562" cy="3412415"/>
+          </a:xfrm>
+          <a:prstGeom prst="rect">
+            <a:avLst/>
+          </a:prstGeom>
+        </p:spPr>
+      </p:pic>
+      <p:sp>
+        <p:nvSpPr>
+          <p:cNvPr id="7" name="pole tekstowe 6">
+            <a:extLst>
+              <a:ext uri="{FF2B5EF4-FFF2-40B4-BE49-F238E27FC236}">
+                <a16:creationId xmlns:a16="http://schemas.microsoft.com/office/drawing/2014/main" id="{72096642-C206-49D0-90F1-B33F6092FEC1}"/>
+              </a:ext>
+            </a:extLst>
+          </p:cNvPr>
+          <p:cNvSpPr txBox="1"/>
+          <p:nvPr/>
+        </p:nvSpPr>
+        <p:spPr>
+          <a:xfrm>
+            <a:off x="139011" y="6477337"/>
+            <a:ext cx="1819729" cy="276999"/>
+          </a:xfrm>
+          <a:prstGeom prst="rect">
+            <a:avLst/>
+          </a:prstGeom>
+          <a:noFill/>
+        </p:spPr>
+        <p:txBody>
+          <a:bodyPr wrap="none" rtlCol="0">
+            <a:spAutoFit/>
+          </a:bodyPr>
+          <a:lstStyle/>
+          <a:p>
+            <a:r>
+              <a:rPr lang="pl-PL" b="1" u="sng" dirty="0" err="1">
+                <a:solidFill>
+                  <a:schemeClr val="bg1"/>
+                </a:solidFill>
+              </a:rPr>
+              <a:t>Maps</a:t>
+            </a:r>
+            <a:r>
+              <a:rPr lang="pl-PL" b="1" u="sng" dirty="0">
+                <a:solidFill>
+                  <a:schemeClr val="bg1"/>
+                </a:solidFill>
+              </a:rPr>
+              <a:t>, GPS </a:t>
+            </a:r>
+            <a:r>
+              <a:rPr lang="pl-PL" b="1" u="sng" dirty="0" err="1">
+                <a:solidFill>
+                  <a:schemeClr val="bg1"/>
+                </a:solidFill>
+              </a:rPr>
+              <a:t>Navigation</a:t>
+            </a:r>
+            <a:endParaRPr lang="pl-PL" dirty="0">
+              <a:solidFill>
+                <a:schemeClr val="bg1"/>
+              </a:solidFill>
+            </a:endParaRPr>
           </a:p>
         </p:txBody>
       </p:sp>
     </p:spTree>
     <p:extLst>
       <p:ext uri="{BB962C8B-B14F-4D97-AF65-F5344CB8AC3E}">
-        <p14:creationId xmlns:p14="http://schemas.microsoft.com/office/powerpoint/2010/main" val="395378273"/>
+        <p14:creationId xmlns:p14="http://schemas.microsoft.com/office/powerpoint/2010/main" val="4132728784"/>
       </p:ext>
     </p:extLst>
   </p:cSld>
@@ -10288,62 +12966,31 @@
       </p:grpSpPr>
       <p:sp>
         <p:nvSpPr>
-          <p:cNvPr id="2" name="Rectangle 1"/>
-          <p:cNvSpPr/>
-          <p:nvPr/>
-        </p:nvSpPr>
-        <p:spPr>
-          <a:xfrm>
-            <a:off x="1979712" y="188640"/>
-            <a:ext cx="6696744" cy="492443"/>
-          </a:xfrm>
-          <a:prstGeom prst="rect">
-            <a:avLst/>
-          </a:prstGeom>
-        </p:spPr>
-        <p:txBody>
-          <a:bodyPr wrap="square">
-            <a:spAutoFit/>
-          </a:bodyPr>
-          <a:lstStyle/>
-          <a:p>
-            <a:pPr algn="ctr"/>
-            <a:r>
-              <a:rPr lang="pl-PL" sz="2600" dirty="0">
-                <a:solidFill>
-                  <a:schemeClr val="bg1"/>
-                </a:solidFill>
-                <a:latin typeface="Verdana" panose="020B0604030504040204" pitchFamily="34" charset="0"/>
-                <a:ea typeface="Verdana" panose="020B0604030504040204" pitchFamily="34" charset="0"/>
-                <a:cs typeface="Verdana" panose="020B0604030504040204" pitchFamily="34" charset="0"/>
-              </a:rPr>
-              <a:t>Cykl Życia</a:t>
-            </a:r>
-          </a:p>
-        </p:txBody>
-      </p:sp>
-      <p:sp>
-        <p:nvSpPr>
-          <p:cNvPr id="6" name="Prostokąt 5">
+          <p:cNvPr id="4" name="Prostokąt 3">
             <a:extLst>
               <a:ext uri="{FF2B5EF4-FFF2-40B4-BE49-F238E27FC236}">
-                <a16:creationId xmlns:a16="http://schemas.microsoft.com/office/drawing/2014/main" id="{CA41B780-B57E-411C-AAD5-3D3D6912F664}"/>
+                <a16:creationId xmlns:a16="http://schemas.microsoft.com/office/drawing/2014/main" id="{601BADA3-FE40-BC62-1770-16E2F865D0C6}"/>
               </a:ext>
             </a:extLst>
           </p:cNvPr>
-          <p:cNvSpPr/>
+          <p:cNvSpPr>
+            <a:spLocks/>
+          </p:cNvSpPr>
           <p:nvPr/>
         </p:nvSpPr>
         <p:spPr>
           <a:xfrm>
-            <a:off x="0" y="810072"/>
-            <a:ext cx="9144000" cy="6021288"/>
+            <a:off x="970062" y="836712"/>
+            <a:ext cx="8172400" cy="6021288"/>
           </a:xfrm>
           <a:prstGeom prst="rect">
             <a:avLst/>
           </a:prstGeom>
           <a:solidFill>
-            <a:schemeClr val="tx1"/>
+            <a:schemeClr val="tx1">
+              <a:lumMod val="75000"/>
+              <a:lumOff val="25000"/>
+            </a:schemeClr>
           </a:solidFill>
         </p:spPr>
         <p:style>
@@ -10365,16 +13012,222 @@
           <a:lstStyle/>
           <a:p>
             <a:pPr algn="ctr"/>
-            <a:endParaRPr lang="pl-PL"/>
+            <a:endParaRPr lang="pl-PL" dirty="0"/>
+          </a:p>
+        </p:txBody>
+      </p:sp>
+      <p:sp>
+        <p:nvSpPr>
+          <p:cNvPr id="2" name="Rectangle 1"/>
+          <p:cNvSpPr/>
+          <p:nvPr/>
+        </p:nvSpPr>
+        <p:spPr>
+          <a:xfrm>
+            <a:off x="1979712" y="188640"/>
+            <a:ext cx="6696744" cy="492443"/>
+          </a:xfrm>
+          <a:prstGeom prst="rect">
+            <a:avLst/>
+          </a:prstGeom>
+        </p:spPr>
+        <p:txBody>
+          <a:bodyPr wrap="square">
+            <a:spAutoFit/>
+          </a:bodyPr>
+          <a:lstStyle/>
+          <a:p>
+            <a:pPr algn="ctr"/>
+            <a:r>
+              <a:rPr lang="pl-PL" sz="2600" dirty="0">
+                <a:solidFill>
+                  <a:schemeClr val="bg1"/>
+                </a:solidFill>
+                <a:latin typeface="Verdana" panose="020B0604030504040204" pitchFamily="34" charset="0"/>
+                <a:ea typeface="Verdana" panose="020B0604030504040204" pitchFamily="34" charset="0"/>
+                <a:cs typeface="Verdana" panose="020B0604030504040204" pitchFamily="34" charset="0"/>
+              </a:rPr>
+              <a:t>Podstawowe elementy aplikacji</a:t>
+            </a:r>
+          </a:p>
+        </p:txBody>
+      </p:sp>
+      <p:sp>
+        <p:nvSpPr>
+          <p:cNvPr id="3" name="pole tekstowe 2">
+            <a:extLst>
+              <a:ext uri="{FF2B5EF4-FFF2-40B4-BE49-F238E27FC236}">
+                <a16:creationId xmlns:a16="http://schemas.microsoft.com/office/drawing/2014/main" id="{DE844D0F-DE98-492A-8B73-1EA3ECEE4E84}"/>
+              </a:ext>
+            </a:extLst>
+          </p:cNvPr>
+          <p:cNvSpPr txBox="1"/>
+          <p:nvPr/>
+        </p:nvSpPr>
+        <p:spPr>
+          <a:xfrm>
+            <a:off x="1043607" y="853108"/>
+            <a:ext cx="8078689" cy="3365024"/>
+          </a:xfrm>
+          <a:prstGeom prst="rect">
+            <a:avLst/>
+          </a:prstGeom>
+          <a:noFill/>
+        </p:spPr>
+        <p:txBody>
+          <a:bodyPr wrap="square" rtlCol="0">
+            <a:spAutoFit/>
+          </a:bodyPr>
+          <a:lstStyle/>
+          <a:p>
+            <a:pPr marL="285750" indent="-285750" algn="just">
+              <a:lnSpc>
+                <a:spcPct val="150000"/>
+              </a:lnSpc>
+              <a:buFont typeface="Courier New" panose="02070309020205020404" pitchFamily="49" charset="0"/>
+              <a:buChar char="o"/>
+            </a:pPr>
+            <a:r>
+              <a:rPr lang="pl-PL" sz="1800" dirty="0">
+                <a:solidFill>
+                  <a:schemeClr val="bg1"/>
+                </a:solidFill>
+              </a:rPr>
+              <a:t>BroadcasterReceiver Class – dedykowany </a:t>
+            </a:r>
+            <a:r>
+              <a:rPr lang="pl-PL" sz="1800" i="1" dirty="0">
+                <a:solidFill>
+                  <a:schemeClr val="bg1"/>
+                </a:solidFill>
+              </a:rPr>
+              <a:t>listener</a:t>
+            </a:r>
+            <a:r>
+              <a:rPr lang="pl-PL" sz="1800" dirty="0">
+                <a:solidFill>
+                  <a:schemeClr val="bg1"/>
+                </a:solidFill>
+              </a:rPr>
+              <a:t> oczekujący na wiadomość zwykle typu </a:t>
+            </a:r>
+            <a:r>
+              <a:rPr lang="pl-PL" sz="1800" i="1" dirty="0">
+                <a:solidFill>
+                  <a:schemeClr val="bg1"/>
+                </a:solidFill>
+              </a:rPr>
+              <a:t>system-</a:t>
+            </a:r>
+            <a:r>
+              <a:rPr lang="pl-PL" sz="1800" i="1" dirty="0" err="1">
+                <a:solidFill>
+                  <a:schemeClr val="bg1"/>
+                </a:solidFill>
+              </a:rPr>
+              <a:t>wide</a:t>
+            </a:r>
+            <a:r>
+              <a:rPr lang="pl-PL" sz="1800" dirty="0">
+                <a:solidFill>
+                  <a:schemeClr val="bg1"/>
+                </a:solidFill>
+              </a:rPr>
+              <a:t> w celu wykonania pewnych czynności</a:t>
+            </a:r>
+          </a:p>
+          <a:p>
+            <a:pPr marL="285750" indent="-285750" algn="just">
+              <a:lnSpc>
+                <a:spcPct val="150000"/>
+              </a:lnSpc>
+              <a:buFont typeface="Courier New" panose="02070309020205020404" pitchFamily="49" charset="0"/>
+              <a:buChar char="o"/>
+            </a:pPr>
+            <a:r>
+              <a:rPr lang="pl-PL" sz="1800" dirty="0">
+                <a:solidFill>
+                  <a:schemeClr val="bg1"/>
+                </a:solidFill>
+              </a:rPr>
+              <a:t>Przykładowo: niski poziom baterii, </a:t>
+            </a:r>
+            <a:r>
+              <a:rPr lang="pl-PL" sz="1800" dirty="0" err="1">
+                <a:solidFill>
+                  <a:schemeClr val="bg1"/>
+                </a:solidFill>
+              </a:rPr>
+              <a:t>wi-fi</a:t>
+            </a:r>
+            <a:r>
+              <a:rPr lang="pl-PL" sz="1800" dirty="0">
+                <a:solidFill>
+                  <a:schemeClr val="bg1"/>
+                </a:solidFill>
+              </a:rPr>
+              <a:t> dostępne</a:t>
+            </a:r>
+          </a:p>
+          <a:p>
+            <a:pPr marL="285750" indent="-285750" algn="just">
+              <a:lnSpc>
+                <a:spcPct val="150000"/>
+              </a:lnSpc>
+              <a:buFont typeface="Courier New" panose="02070309020205020404" pitchFamily="49" charset="0"/>
+              <a:buChar char="o"/>
+            </a:pPr>
+            <a:r>
+              <a:rPr lang="pl-PL" sz="1800" dirty="0">
+                <a:solidFill>
+                  <a:schemeClr val="bg1"/>
+                </a:solidFill>
+              </a:rPr>
+              <a:t>Nie posiadają interfejsu</a:t>
+            </a:r>
+          </a:p>
+          <a:p>
+            <a:pPr marL="285750" indent="-285750" algn="just">
+              <a:lnSpc>
+                <a:spcPct val="150000"/>
+              </a:lnSpc>
+              <a:buFont typeface="Courier New" panose="02070309020205020404" pitchFamily="49" charset="0"/>
+              <a:buChar char="o"/>
+            </a:pPr>
+            <a:r>
+              <a:rPr lang="pl-PL" sz="1800" dirty="0">
+                <a:solidFill>
+                  <a:schemeClr val="bg1"/>
+                </a:solidFill>
+              </a:rPr>
+              <a:t>Rejestrowanie wiadomości, typowo po kluczu – jeśli wiadomość odpowiada kluczowi odbiornik jest aktywowany</a:t>
+            </a:r>
+          </a:p>
+          <a:p>
+            <a:pPr marL="285750" indent="-285750" algn="just">
+              <a:lnSpc>
+                <a:spcPct val="150000"/>
+              </a:lnSpc>
+              <a:buFont typeface="Courier New" panose="02070309020205020404" pitchFamily="49" charset="0"/>
+              <a:buChar char="o"/>
+            </a:pPr>
+            <a:r>
+              <a:rPr lang="pl-PL" sz="1800" dirty="0">
+                <a:solidFill>
+                  <a:schemeClr val="bg1"/>
+                </a:solidFill>
+              </a:rPr>
+              <a:t>Zazwyczaj odpowiada poprzez wykonanie specjalnej czynności lub przekazanie użytkownikowi wiadomości/powiadomienia</a:t>
+            </a:r>
           </a:p>
         </p:txBody>
       </p:sp>
       <p:pic>
         <p:nvPicPr>
-          <p:cNvPr id="5" name="Obraz 4">
+          <p:cNvPr id="10" name="Obraz 9">
             <a:extLst>
               <a:ext uri="{FF2B5EF4-FFF2-40B4-BE49-F238E27FC236}">
-                <a16:creationId xmlns:a16="http://schemas.microsoft.com/office/drawing/2014/main" id="{067E4941-91B2-4E07-BBE7-42AD77927F19}"/>
+                <a16:creationId xmlns:a16="http://schemas.microsoft.com/office/drawing/2014/main" id="{83572099-0DCD-42DC-9DF7-F1A1B0F1ACC1}"/>
               </a:ext>
             </a:extLst>
           </p:cNvPr>
@@ -10391,8 +13244,8 @@
         </p:blipFill>
         <p:spPr>
           <a:xfrm>
-            <a:off x="1580475" y="4294262"/>
-            <a:ext cx="7495218" cy="2537098"/>
+            <a:off x="3235289" y="4218132"/>
+            <a:ext cx="4014799" cy="2639868"/>
           </a:xfrm>
           <a:prstGeom prst="rect">
             <a:avLst/>
@@ -10401,10 +13254,10 @@
       </p:pic>
       <p:sp>
         <p:nvSpPr>
-          <p:cNvPr id="3" name="pole tekstowe 2">
+          <p:cNvPr id="11" name="pole tekstowe 10">
             <a:extLst>
               <a:ext uri="{FF2B5EF4-FFF2-40B4-BE49-F238E27FC236}">
-                <a16:creationId xmlns:a16="http://schemas.microsoft.com/office/drawing/2014/main" id="{00776F55-FCA0-4543-8855-DB6E68BE895A}"/>
+                <a16:creationId xmlns:a16="http://schemas.microsoft.com/office/drawing/2014/main" id="{30868C79-0B3E-4922-9408-0C1281D8786A}"/>
               </a:ext>
             </a:extLst>
           </p:cNvPr>
@@ -10413,8 +13266,8 @@
         </p:nvSpPr>
         <p:spPr>
           <a:xfrm>
-            <a:off x="0" y="908720"/>
-            <a:ext cx="9108504" cy="4693593"/>
+            <a:off x="7511822" y="6548166"/>
+            <a:ext cx="1632178" cy="276999"/>
           </a:xfrm>
           <a:prstGeom prst="rect">
             <a:avLst/>
@@ -10422,198 +13275,26 @@
           <a:noFill/>
         </p:spPr>
         <p:txBody>
-          <a:bodyPr wrap="square" rtlCol="0">
+          <a:bodyPr wrap="none" rtlCol="0">
             <a:spAutoFit/>
           </a:bodyPr>
           <a:lstStyle/>
           <a:p>
-            <a:pPr marL="285750" indent="-285750" algn="just">
-              <a:lnSpc>
-                <a:spcPct val="150000"/>
-              </a:lnSpc>
-              <a:buFont typeface="Courier New" panose="02070309020205020404" pitchFamily="49" charset="0"/>
-              <a:buChar char="o"/>
-            </a:pPr>
-            <a:r>
-              <a:rPr lang="pl-PL" sz="1800" dirty="0">
-                <a:solidFill>
-                  <a:schemeClr val="bg2"/>
-                </a:solidFill>
-              </a:rPr>
-              <a:t>Każda aplikacja Androida działa w swojej własnej instancji maszyny wirtualnej</a:t>
-            </a:r>
-          </a:p>
-          <a:p>
-            <a:pPr marL="285750" indent="-285750" algn="just">
-              <a:lnSpc>
-                <a:spcPct val="150000"/>
-              </a:lnSpc>
-              <a:buFont typeface="Courier New" panose="02070309020205020404" pitchFamily="49" charset="0"/>
-              <a:buChar char="o"/>
-            </a:pPr>
-            <a:r>
-              <a:rPr lang="pl-PL" sz="1800" dirty="0">
-                <a:solidFill>
-                  <a:schemeClr val="bg2"/>
-                </a:solidFill>
-              </a:rPr>
-              <a:t>W każdym momencie kilka instancji maszyny wirtualnej może być aktywna (rzeczywista równoległość – nie </a:t>
-            </a:r>
-            <a:r>
-              <a:rPr lang="pl-PL" sz="1800" i="1" dirty="0">
-                <a:solidFill>
-                  <a:schemeClr val="bg2"/>
-                </a:solidFill>
-              </a:rPr>
-              <a:t>task switching</a:t>
-            </a:r>
-            <a:r>
-              <a:rPr lang="pl-PL" sz="1800" dirty="0">
-                <a:solidFill>
-                  <a:schemeClr val="bg2"/>
-                </a:solidFill>
-              </a:rPr>
-              <a:t>)</a:t>
-            </a:r>
-          </a:p>
-          <a:p>
-            <a:pPr marL="285750" indent="-285750" algn="just">
-              <a:lnSpc>
-                <a:spcPct val="150000"/>
-              </a:lnSpc>
-              <a:buFont typeface="Courier New" panose="02070309020205020404" pitchFamily="49" charset="0"/>
-              <a:buChar char="o"/>
-            </a:pPr>
-            <a:r>
-              <a:rPr lang="pl-PL" sz="1800" dirty="0">
-                <a:solidFill>
-                  <a:schemeClr val="bg2"/>
-                </a:solidFill>
-              </a:rPr>
-              <a:t>Aplikacja Androida nie kontroluje całkowicie realizacji swojego cyklu życia</a:t>
-            </a:r>
-          </a:p>
-          <a:p>
-            <a:pPr marL="285750" indent="-285750" algn="just">
-              <a:lnSpc>
-                <a:spcPct val="150000"/>
-              </a:lnSpc>
-              <a:buFont typeface="Courier New" panose="02070309020205020404" pitchFamily="49" charset="0"/>
-              <a:buChar char="o"/>
-            </a:pPr>
-            <a:endParaRPr lang="pl-PL" sz="1800" dirty="0">
-              <a:solidFill>
-                <a:schemeClr val="bg2"/>
-              </a:solidFill>
-            </a:endParaRPr>
-          </a:p>
-          <a:p>
-            <a:pPr marL="285750" indent="-285750" algn="just">
-              <a:lnSpc>
-                <a:spcPct val="150000"/>
-              </a:lnSpc>
-              <a:buFont typeface="Courier New" panose="02070309020205020404" pitchFamily="49" charset="0"/>
-              <a:buChar char="o"/>
-            </a:pPr>
-            <a:r>
-              <a:rPr lang="pl-PL" sz="1800" dirty="0">
-                <a:solidFill>
-                  <a:schemeClr val="bg2"/>
-                </a:solidFill>
-              </a:rPr>
-              <a:t>OS może zakończyć każdy proces</a:t>
-            </a:r>
-          </a:p>
-          <a:p>
-            <a:pPr marL="742950" lvl="1" indent="-285750" algn="just">
-              <a:lnSpc>
-                <a:spcPct val="150000"/>
-              </a:lnSpc>
-              <a:buFont typeface="Courier New" panose="02070309020205020404" pitchFamily="49" charset="0"/>
-              <a:buChar char="o"/>
-            </a:pPr>
-            <a:r>
-              <a:rPr lang="pl-PL" sz="1800" dirty="0">
-                <a:solidFill>
-                  <a:schemeClr val="bg2"/>
-                </a:solidFill>
-              </a:rPr>
-              <a:t>Zasoby są krytycznie niskie</a:t>
-            </a:r>
-          </a:p>
-          <a:p>
-            <a:pPr marL="742950" lvl="1" indent="-285750" algn="just">
-              <a:lnSpc>
-                <a:spcPct val="150000"/>
-              </a:lnSpc>
-              <a:buFont typeface="Courier New" panose="02070309020205020404" pitchFamily="49" charset="0"/>
-              <a:buChar char="o"/>
-            </a:pPr>
-            <a:r>
-              <a:rPr lang="pl-PL" sz="1800" dirty="0">
-                <a:solidFill>
-                  <a:schemeClr val="bg2"/>
-                </a:solidFill>
-              </a:rPr>
-              <a:t>Duża liczba działających aplikacji</a:t>
-            </a:r>
-          </a:p>
-          <a:p>
-            <a:pPr marL="742950" lvl="1" indent="-285750" algn="just">
-              <a:lnSpc>
-                <a:spcPct val="150000"/>
-              </a:lnSpc>
-              <a:buFont typeface="Courier New" panose="02070309020205020404" pitchFamily="49" charset="0"/>
-              <a:buChar char="o"/>
-            </a:pPr>
-            <a:r>
-              <a:rPr lang="pl-PL" sz="1800" dirty="0">
-                <a:solidFill>
-                  <a:schemeClr val="bg2"/>
-                </a:solidFill>
-              </a:rPr>
-              <a:t>Aplikacja wymagająca bardzo dużych zasobów (energia, pamięć)</a:t>
-            </a:r>
-          </a:p>
-          <a:p>
-            <a:pPr marL="742950" lvl="1" indent="-285750" algn="just">
-              <a:lnSpc>
-                <a:spcPct val="150000"/>
-              </a:lnSpc>
-              <a:buFont typeface="Courier New" panose="02070309020205020404" pitchFamily="49" charset="0"/>
-              <a:buChar char="o"/>
-            </a:pPr>
-            <a:endParaRPr lang="pl-PL" sz="1600" dirty="0">
-              <a:solidFill>
-                <a:schemeClr val="bg2"/>
-              </a:solidFill>
-            </a:endParaRPr>
-          </a:p>
-          <a:p>
-            <a:pPr marL="342900" indent="-342900" algn="just">
-              <a:buFont typeface="+mj-lt"/>
-              <a:buAutoNum type="arabicPeriod"/>
-            </a:pPr>
-            <a:endParaRPr lang="pl-PL" sz="1600" dirty="0">
-              <a:solidFill>
-                <a:schemeClr val="bg2"/>
-              </a:solidFill>
-            </a:endParaRPr>
-          </a:p>
-          <a:p>
-            <a:pPr algn="just"/>
-            <a:endParaRPr lang="pl-PL" sz="1600" dirty="0">
-              <a:solidFill>
-                <a:schemeClr val="bg2"/>
-              </a:solidFill>
-            </a:endParaRPr>
+            <a:r>
+              <a:rPr lang="pl-PL" dirty="0">
+                <a:solidFill>
+                  <a:schemeClr val="bg1"/>
+                </a:solidFill>
+              </a:rPr>
+              <a:t>grail.cba.csuohio.edu</a:t>
+            </a:r>
           </a:p>
         </p:txBody>
       </p:sp>
     </p:spTree>
     <p:extLst>
       <p:ext uri="{BB962C8B-B14F-4D97-AF65-F5344CB8AC3E}">
-        <p14:creationId xmlns:p14="http://schemas.microsoft.com/office/powerpoint/2010/main" val="583584318"/>
+        <p14:creationId xmlns:p14="http://schemas.microsoft.com/office/powerpoint/2010/main" val="301413000"/>
       </p:ext>
     </p:extLst>
   </p:cSld>

--- a/2023-2024/Wyk/Wyklad1.pptx
+++ b/2023-2024/Wyk/Wyklad1.pptx
@@ -293,7 +293,7 @@
           <a:p>
             <a:fld id="{5113504E-0C99-2340-A5F6-DD6E1A87C372}" type="datetimeFigureOut">
               <a:rPr lang="pl-PL" smtClean="0"/>
-              <a:t>07.10.2023</a:t>
+              <a:t>13.10.2023</a:t>
             </a:fld>
             <a:endParaRPr lang="pl-PL"/>
           </a:p>
@@ -459,7 +459,7 @@
           <a:p>
             <a:fld id="{F78C933E-44E9-2D43-91B0-0D2BEEFA7EB9}" type="datetimeFigureOut">
               <a:rPr lang="pl-PL" smtClean="0"/>
-              <a:t>07.10.2023</a:t>
+              <a:t>13.10.2023</a:t>
             </a:fld>
             <a:endParaRPr lang="pl-PL"/>
           </a:p>
@@ -2821,7 +2821,7 @@
           <a:p>
             <a:fld id="{91017B01-0C30-B241-B19F-621BE4770608}" type="datetimeFigureOut">
               <a:rPr lang="pl-PL" smtClean="0"/>
-              <a:t>07.10.2023</a:t>
+              <a:t>13.10.2023</a:t>
             </a:fld>
             <a:endParaRPr lang="pl-PL"/>
           </a:p>
@@ -2990,7 +2990,7 @@
           <a:p>
             <a:fld id="{91017B01-0C30-B241-B19F-621BE4770608}" type="datetimeFigureOut">
               <a:rPr lang="pl-PL" smtClean="0"/>
-              <a:t>07.10.2023</a:t>
+              <a:t>13.10.2023</a:t>
             </a:fld>
             <a:endParaRPr lang="pl-PL"/>
           </a:p>
@@ -3169,7 +3169,7 @@
           <a:p>
             <a:fld id="{91017B01-0C30-B241-B19F-621BE4770608}" type="datetimeFigureOut">
               <a:rPr lang="pl-PL" smtClean="0"/>
-              <a:t>07.10.2023</a:t>
+              <a:t>13.10.2023</a:t>
             </a:fld>
             <a:endParaRPr lang="pl-PL"/>
           </a:p>
@@ -3338,7 +3338,7 @@
           <a:p>
             <a:fld id="{91017B01-0C30-B241-B19F-621BE4770608}" type="datetimeFigureOut">
               <a:rPr lang="pl-PL" smtClean="0"/>
-              <a:t>07.10.2023</a:t>
+              <a:t>13.10.2023</a:t>
             </a:fld>
             <a:endParaRPr lang="pl-PL"/>
           </a:p>
@@ -3584,7 +3584,7 @@
           <a:p>
             <a:fld id="{91017B01-0C30-B241-B19F-621BE4770608}" type="datetimeFigureOut">
               <a:rPr lang="pl-PL" smtClean="0"/>
-              <a:t>07.10.2023</a:t>
+              <a:t>13.10.2023</a:t>
             </a:fld>
             <a:endParaRPr lang="pl-PL"/>
           </a:p>
@@ -3870,7 +3870,7 @@
           <a:p>
             <a:fld id="{91017B01-0C30-B241-B19F-621BE4770608}" type="datetimeFigureOut">
               <a:rPr lang="pl-PL" smtClean="0"/>
-              <a:t>07.10.2023</a:t>
+              <a:t>13.10.2023</a:t>
             </a:fld>
             <a:endParaRPr lang="pl-PL"/>
           </a:p>
@@ -4290,7 +4290,7 @@
           <a:p>
             <a:fld id="{91017B01-0C30-B241-B19F-621BE4770608}" type="datetimeFigureOut">
               <a:rPr lang="pl-PL" smtClean="0"/>
-              <a:t>07.10.2023</a:t>
+              <a:t>13.10.2023</a:t>
             </a:fld>
             <a:endParaRPr lang="pl-PL"/>
           </a:p>
@@ -4408,7 +4408,7 @@
           <a:p>
             <a:fld id="{91017B01-0C30-B241-B19F-621BE4770608}" type="datetimeFigureOut">
               <a:rPr lang="pl-PL" smtClean="0"/>
-              <a:t>07.10.2023</a:t>
+              <a:t>13.10.2023</a:t>
             </a:fld>
             <a:endParaRPr lang="pl-PL"/>
           </a:p>
@@ -4504,7 +4504,7 @@
           <a:p>
             <a:fld id="{91017B01-0C30-B241-B19F-621BE4770608}" type="datetimeFigureOut">
               <a:rPr lang="pl-PL" smtClean="0"/>
-              <a:t>07.10.2023</a:t>
+              <a:t>13.10.2023</a:t>
             </a:fld>
             <a:endParaRPr lang="pl-PL"/>
           </a:p>
@@ -4781,7 +4781,7 @@
           <a:p>
             <a:fld id="{91017B01-0C30-B241-B19F-621BE4770608}" type="datetimeFigureOut">
               <a:rPr lang="pl-PL" smtClean="0"/>
-              <a:t>07.10.2023</a:t>
+              <a:t>13.10.2023</a:t>
             </a:fld>
             <a:endParaRPr lang="pl-PL"/>
           </a:p>
@@ -5037,7 +5037,7 @@
           <a:p>
             <a:fld id="{91017B01-0C30-B241-B19F-621BE4770608}" type="datetimeFigureOut">
               <a:rPr lang="pl-PL" smtClean="0"/>
-              <a:t>07.10.2023</a:t>
+              <a:t>13.10.2023</a:t>
             </a:fld>
             <a:endParaRPr lang="pl-PL"/>
           </a:p>
@@ -5249,7 +5249,7 @@
           <a:p>
             <a:fld id="{91017B01-0C30-B241-B19F-621BE4770608}" type="datetimeFigureOut">
               <a:rPr lang="pl-PL" smtClean="0"/>
-              <a:t>07.10.2023</a:t>
+              <a:t>13.10.2023</a:t>
             </a:fld>
             <a:endParaRPr lang="pl-PL"/>
           </a:p>
@@ -11444,7 +11444,7 @@
         <p:spPr>
           <a:xfrm>
             <a:off x="1043607" y="2924944"/>
-            <a:ext cx="8064897" cy="3323987"/>
+            <a:ext cx="8064897" cy="2215991"/>
           </a:xfrm>
           <a:prstGeom prst="rect">
             <a:avLst/>
@@ -11456,45 +11456,6 @@
             <a:spAutoFit/>
           </a:bodyPr>
           <a:lstStyle/>
-          <a:p>
-            <a:pPr algn="just">
-              <a:buFont typeface="+mj-lt"/>
-              <a:buAutoNum type="arabicPeriod"/>
-            </a:pPr>
-            <a:r>
-              <a:rPr lang="pl-PL" sz="1800" b="1" i="0" dirty="0">
-                <a:solidFill>
-                  <a:srgbClr val="D1D5DB"/>
-                </a:solidFill>
-                <a:effectLst/>
-                <a:latin typeface="Söhne"/>
-              </a:rPr>
-              <a:t> Związek z aktywnością</a:t>
-            </a:r>
-            <a:r>
-              <a:rPr lang="pl-PL" sz="1800" b="0" i="0" dirty="0">
-                <a:solidFill>
-                  <a:srgbClr val="D1D5DB"/>
-                </a:solidFill>
-                <a:effectLst/>
-                <a:latin typeface="Söhne"/>
-              </a:rPr>
-              <a:t>: Kontekst aktywności jest bezpośrednio związany z określoną aktywnością i działa w kontekście tej aktywności. Oznacza to, że jest dostępny tylko wtedy, gdy dana aktywność jest aktywna.</a:t>
-            </a:r>
-          </a:p>
-          <a:p>
-            <a:pPr algn="just">
-              <a:buFont typeface="+mj-lt"/>
-              <a:buAutoNum type="arabicPeriod"/>
-            </a:pPr>
-            <a:endParaRPr lang="pl-PL" sz="1800" b="0" i="0" dirty="0">
-              <a:solidFill>
-                <a:srgbClr val="D1D5DB"/>
-              </a:solidFill>
-              <a:effectLst/>
-              <a:latin typeface="Söhne"/>
-            </a:endParaRPr>
-          </a:p>
           <a:p>
             <a:pPr algn="just">
               <a:buFont typeface="+mj-lt"/>
